--- a/presentation/PhD-comprehensive-exam-2.pptx
+++ b/presentation/PhD-comprehensive-exam-2.pptx
@@ -944,7 +944,31 @@
           <a:bodyPr/>
           <a:lstStyle/>
           <a:p>
-            <a:endParaRPr lang="en-US" dirty="0"/>
+            <a:pPr marL="0" marR="0" indent="0" algn="l" defTabSz="914400" rtl="0" eaLnBrk="1" fontAlgn="auto" latinLnBrk="0" hangingPunct="1">
+              <a:lnSpc>
+                <a:spcPct val="100000"/>
+              </a:lnSpc>
+              <a:spcBef>
+                <a:spcPts val="0"/>
+              </a:spcBef>
+              <a:spcAft>
+                <a:spcPts val="0"/>
+              </a:spcAft>
+              <a:buClrTx/>
+              <a:buSzTx/>
+              <a:buFontTx/>
+              <a:buNone/>
+              <a:tabLst/>
+              <a:defRPr/>
+            </a:pPr>
+            <a:r>
+              <a:rPr lang="en-US" dirty="0" smtClean="0"/>
+              <a:t>- </a:t>
+            </a:r>
+            <a:r>
+              <a:rPr lang="en-US" sz="1200" dirty="0" smtClean="0"/>
+              <a:t>First formulated by psychologists Arnold, Lazarus, and later by Scherer.</a:t>
+            </a:r>
           </a:p>
         </p:txBody>
       </p:sp>
@@ -1112,6 +1136,72 @@
           <a:bodyPr/>
           <a:lstStyle/>
           <a:p>
+            <a:pPr marL="0" marR="0" indent="0" algn="l" defTabSz="914400" rtl="0" eaLnBrk="1" fontAlgn="auto" latinLnBrk="0" hangingPunct="1">
+              <a:lnSpc>
+                <a:spcPct val="100000"/>
+              </a:lnSpc>
+              <a:spcBef>
+                <a:spcPts val="0"/>
+              </a:spcBef>
+              <a:spcAft>
+                <a:spcPts val="0"/>
+              </a:spcAft>
+              <a:buClrTx/>
+              <a:buSzTx/>
+              <a:buFontTx/>
+              <a:buNone/>
+              <a:tabLst/>
+              <a:defRPr/>
+            </a:pPr>
+            <a:r>
+              <a:rPr lang="en-US" sz="1200" dirty="0" smtClean="0"/>
+              <a:t>(0) Similar to Lazarus and Scherer’s cognitive views.</a:t>
+            </a:r>
+          </a:p>
+          <a:p>
+            <a:pPr marL="171450" marR="0" indent="-171450" algn="l" defTabSz="914400" rtl="0" eaLnBrk="1" fontAlgn="auto" latinLnBrk="0" hangingPunct="1">
+              <a:lnSpc>
+                <a:spcPct val="100000"/>
+              </a:lnSpc>
+              <a:spcBef>
+                <a:spcPts val="0"/>
+              </a:spcBef>
+              <a:spcAft>
+                <a:spcPts val="0"/>
+              </a:spcAft>
+              <a:buClrTx/>
+              <a:buSzTx/>
+              <a:buFontTx/>
+              <a:buChar char="-"/>
+              <a:tabLst/>
+              <a:defRPr/>
+            </a:pPr>
+            <a:endParaRPr lang="en-US" sz="1200" dirty="0" smtClean="0"/>
+          </a:p>
+          <a:p>
+            <a:pPr marL="0" marR="0" indent="0" algn="l" defTabSz="914400" rtl="0" eaLnBrk="1" fontAlgn="auto" latinLnBrk="0" hangingPunct="1">
+              <a:lnSpc>
+                <a:spcPct val="100000"/>
+              </a:lnSpc>
+              <a:spcBef>
+                <a:spcPts val="0"/>
+              </a:spcBef>
+              <a:spcAft>
+                <a:spcPts val="0"/>
+              </a:spcAft>
+              <a:buClrTx/>
+              <a:buSzTx/>
+              <a:buFontTx/>
+              <a:buNone/>
+              <a:tabLst/>
+              <a:defRPr/>
+            </a:pPr>
+            <a:r>
+              <a:rPr lang="en-US" sz="1200" dirty="0" smtClean="0"/>
+              <a:t>(3) All emotion types (i.e., six) in a group share the same cognitive pattern.</a:t>
+            </a:r>
+          </a:p>
+          <a:p>
             <a:endParaRPr lang="en-US" dirty="0"/>
           </a:p>
         </p:txBody>
@@ -1196,9 +1286,72 @@
           <a:bodyPr/>
           <a:lstStyle/>
           <a:p>
+            <a:pPr marL="0" marR="0" indent="0" algn="l" defTabSz="914400" rtl="0" eaLnBrk="1" fontAlgn="auto" latinLnBrk="0" hangingPunct="1">
+              <a:lnSpc>
+                <a:spcPct val="100000"/>
+              </a:lnSpc>
+              <a:spcBef>
+                <a:spcPts val="0"/>
+              </a:spcBef>
+              <a:spcAft>
+                <a:spcPts val="0"/>
+              </a:spcAft>
+              <a:buClrTx/>
+              <a:buSzTx/>
+              <a:buFontTx/>
+              <a:buNone/>
+              <a:tabLst/>
+              <a:defRPr/>
+            </a:pPr>
             <a:r>
               <a:rPr lang="en-US" dirty="0" smtClean="0"/>
-              <a:t>- Two dimensions that are commonly proposed to describe emotions are valence and physiological arousal.</a:t>
+              <a:t>(2) One dimension is </a:t>
+            </a:r>
+            <a:r>
+              <a:rPr lang="en-US" b="1" dirty="0" smtClean="0"/>
+              <a:t>valence</a:t>
+            </a:r>
+            <a:r>
+              <a:rPr lang="en-US" dirty="0" smtClean="0"/>
+              <a:t> or how good or bad objects and events are for a being ranging from pleasant to unpleasant. The other dimension is </a:t>
+            </a:r>
+            <a:r>
+              <a:rPr lang="en-US" b="1" dirty="0" smtClean="0"/>
+              <a:t>arousal</a:t>
+            </a:r>
+            <a:r>
+              <a:rPr lang="en-US" dirty="0" smtClean="0"/>
+              <a:t>, ranging from calm to excited.</a:t>
+            </a:r>
+          </a:p>
+          <a:p>
+            <a:pPr marL="0" marR="0" indent="0" algn="l" defTabSz="914400" rtl="0" eaLnBrk="1" fontAlgn="auto" latinLnBrk="0" hangingPunct="1">
+              <a:lnSpc>
+                <a:spcPct val="100000"/>
+              </a:lnSpc>
+              <a:spcBef>
+                <a:spcPts val="0"/>
+              </a:spcBef>
+              <a:spcAft>
+                <a:spcPts val="0"/>
+              </a:spcAft>
+              <a:buClrTx/>
+              <a:buSzTx/>
+              <a:buFontTx/>
+              <a:buNone/>
+              <a:tabLst/>
+              <a:defRPr/>
+            </a:pPr>
+            <a:endParaRPr lang="en-US" dirty="0" smtClean="0"/>
+          </a:p>
+          <a:p>
+            <a:r>
+              <a:rPr lang="en-US" dirty="0" smtClean="0"/>
+              <a:t>- </a:t>
+            </a:r>
+            <a:r>
+              <a:rPr lang="en-US" dirty="0" smtClean="0"/>
+              <a:t>Two dimensions that are commonly proposed to describe emotions are valence and physiological arousal.</a:t>
             </a:r>
           </a:p>
           <a:p>
@@ -1210,8 +1363,20 @@
               <a:buChar char="-"/>
             </a:pPr>
             <a:r>
+              <a:rPr lang="en-US" b="1" dirty="0" smtClean="0"/>
+              <a:t>Russell</a:t>
+            </a:r>
+            <a:r>
               <a:rPr lang="en-US" dirty="0" smtClean="0"/>
-              <a:t>Russell suggested that affective states are all related to each other systematically through what is called core affect which is describable as a point in a space between two bipolar dimensions.</a:t>
+              <a:t> suggested that affective states are all related to each other systematically through what is called </a:t>
+            </a:r>
+            <a:r>
+              <a:rPr lang="en-US" b="1" dirty="0" smtClean="0"/>
+              <a:t>core affect </a:t>
+            </a:r>
+            <a:r>
+              <a:rPr lang="en-US" dirty="0" smtClean="0"/>
+              <a:t>which is describable as a point in a space between two bipolar dimensions.</a:t>
             </a:r>
           </a:p>
           <a:p>
@@ -1228,45 +1393,44 @@
             </a:pPr>
             <a:r>
               <a:rPr lang="en-US" dirty="0" smtClean="0"/>
-              <a:t>Emotions are describable</a:t>
+              <a:t>Emotions are </a:t>
+            </a:r>
+            <a:r>
+              <a:rPr lang="en-US" b="1" dirty="0" smtClean="0"/>
+              <a:t>describable</a:t>
             </a:r>
             <a:r>
               <a:rPr lang="en-US" baseline="0" dirty="0" smtClean="0"/>
               <a:t> by core affect.</a:t>
             </a:r>
+          </a:p>
+          <a:p>
+            <a:pPr marL="0" indent="0">
+              <a:buFontTx/>
+              <a:buNone/>
+            </a:pPr>
+            <a:endParaRPr lang="en-US" dirty="0" smtClean="0"/>
           </a:p>
           <a:p>
             <a:pPr marL="171450" indent="-171450">
               <a:buFontTx/>
               <a:buChar char="-"/>
             </a:pPr>
-            <a:endParaRPr lang="en-US" baseline="0" dirty="0" smtClean="0"/>
-          </a:p>
-          <a:p>
-            <a:pPr marL="171450" indent="-171450">
-              <a:buFontTx/>
-              <a:buChar char="-"/>
-            </a:pPr>
+            <a:r>
+              <a:rPr lang="en-US" b="1" dirty="0" smtClean="0"/>
+              <a:t>Problem</a:t>
+            </a:r>
             <a:r>
               <a:rPr lang="en-US" dirty="0" smtClean="0"/>
-              <a:t>One dimension is valence or how good or bad objects and events are for a being ranging from pleasant to unpleasant. The other dimension is arousal, ranging from calm to excited.</a:t>
-            </a:r>
-          </a:p>
-          <a:p>
-            <a:pPr marL="171450" indent="-171450">
-              <a:buFontTx/>
-              <a:buChar char="-"/>
-            </a:pPr>
-            <a:endParaRPr lang="en-US" dirty="0" smtClean="0"/>
-          </a:p>
-          <a:p>
-            <a:pPr marL="171450" indent="-171450">
-              <a:buFontTx/>
-              <a:buChar char="-"/>
-            </a:pPr>
+              <a:t>: Sometimes two-dimensional space </a:t>
+            </a:r>
+            <a:r>
+              <a:rPr lang="en-US" b="1" dirty="0" smtClean="0"/>
+              <a:t>cannot easily differentiate </a:t>
+            </a:r>
             <a:r>
               <a:rPr lang="en-US" dirty="0" smtClean="0"/>
-              <a:t>Problem: Sometimes two-dimensional space cannot easily differentiate among emotions. Hence, some models incorporate another dimension.</a:t>
+              <a:t>among emotions. Hence, some models incorporate another dimension.</a:t>
             </a:r>
           </a:p>
           <a:p>
@@ -1358,11 +1522,39 @@
           <a:bodyPr/>
           <a:lstStyle/>
           <a:p>
-            <a:pPr marL="171450" indent="-171450">
+            <a:pPr marL="0" marR="0" indent="0" algn="l" defTabSz="914400" rtl="0" eaLnBrk="1" fontAlgn="auto" latinLnBrk="0" hangingPunct="1">
+              <a:lnSpc>
+                <a:spcPct val="100000"/>
+              </a:lnSpc>
+              <a:spcBef>
+                <a:spcPts val="0"/>
+              </a:spcBef>
+              <a:spcAft>
+                <a:spcPts val="0"/>
+              </a:spcAft>
+              <a:buClrTx/>
+              <a:buSzTx/>
               <a:buFontTx/>
-              <a:buChar char="-"/>
+              <a:buNone/>
+              <a:tabLst/>
+              <a:defRPr/>
             </a:pPr>
-            <a:endParaRPr lang="en-US" dirty="0"/>
+            <a:r>
+              <a:rPr lang="en-US" dirty="0" smtClean="0"/>
+              <a:t>(0) </a:t>
+            </a:r>
+            <a:r>
+              <a:rPr lang="en-US" sz="1200" dirty="0" smtClean="0"/>
+              <a:t>First by </a:t>
+            </a:r>
+            <a:r>
+              <a:rPr lang="en-US" sz="1200" dirty="0" err="1" smtClean="0"/>
+              <a:t>Tomkin</a:t>
+            </a:r>
+            <a:r>
+              <a:rPr lang="en-US" sz="1200" dirty="0" smtClean="0"/>
+              <a:t> (as rediscovery of Darwin’s work), later by Ekman, Izard.</a:t>
+            </a:r>
           </a:p>
         </p:txBody>
       </p:sp>
@@ -1939,6 +2131,29 @@
           <a:bodyPr/>
           <a:lstStyle/>
           <a:p>
+            <a:pPr marL="0" marR="0" indent="0" algn="l" defTabSz="914400" rtl="0" eaLnBrk="1" fontAlgn="auto" latinLnBrk="0" hangingPunct="1">
+              <a:lnSpc>
+                <a:spcPct val="100000"/>
+              </a:lnSpc>
+              <a:spcBef>
+                <a:spcPts val="0"/>
+              </a:spcBef>
+              <a:spcAft>
+                <a:spcPts val="0"/>
+              </a:spcAft>
+              <a:buClrTx/>
+              <a:buSzTx/>
+              <a:buFontTx/>
+              <a:buNone/>
+              <a:tabLst/>
+              <a:defRPr/>
+            </a:pPr>
+            <a:r>
+              <a:rPr lang="en-US" sz="1200" dirty="0" smtClean="0"/>
+              <a:t>- Different aspects of models can represent different theories.</a:t>
+            </a:r>
+          </a:p>
+          <a:p>
             <a:endParaRPr lang="en-US" dirty="0"/>
           </a:p>
         </p:txBody>
@@ -2126,7 +2341,15 @@
             </a:pPr>
             <a:r>
               <a:rPr lang="en-US" sz="1200" dirty="0" smtClean="0"/>
-              <a:t>A DAG to provide a graphical model for reasoning under uncertainty.</a:t>
+              <a:t>A </a:t>
+            </a:r>
+            <a:r>
+              <a:rPr lang="en-US" sz="1200" b="1" dirty="0" smtClean="0"/>
+              <a:t>DAG</a:t>
+            </a:r>
+            <a:r>
+              <a:rPr lang="en-US" sz="1200" dirty="0" smtClean="0"/>
+              <a:t> to provide a graphical model for reasoning under uncertainty.</a:t>
             </a:r>
           </a:p>
           <a:p>
@@ -12897,8 +13120,8 @@
         </p:nvSpPr>
         <p:spPr>
           <a:xfrm>
-            <a:off x="457199" y="1219201"/>
-            <a:ext cx="8206611" cy="5181599"/>
+            <a:off x="457199" y="1143000"/>
+            <a:ext cx="8206611" cy="5562599"/>
           </a:xfrm>
           <a:prstGeom prst="rect">
             <a:avLst/>
@@ -13047,21 +13270,19 @@
           </a:lstStyle>
           <a:p>
             <a:r>
-              <a:rPr lang="en-US" sz="2000" dirty="0" smtClean="0"/>
-              <a:t>First formulated by psychologists Arnold, Lazarus, and later by Scherer.</a:t>
-            </a:r>
-          </a:p>
-          <a:p>
-            <a:r>
-              <a:rPr lang="en-US" sz="2000" b="1" dirty="0"/>
-              <a:t>Appraisal theory </a:t>
-            </a:r>
-            <a:r>
-              <a:rPr lang="en-US" sz="2000" dirty="0"/>
+              <a:rPr lang="en-US" sz="1800" b="1" dirty="0" smtClean="0"/>
+              <a:t>Appraisal </a:t>
+            </a:r>
+            <a:r>
+              <a:rPr lang="en-US" sz="1800" b="1" dirty="0"/>
+              <a:t>theory </a:t>
+            </a:r>
+            <a:r>
+              <a:rPr lang="en-US" sz="1800" dirty="0"/>
               <a:t>describes the </a:t>
             </a:r>
             <a:r>
-              <a:rPr lang="en-US" sz="2000" dirty="0">
+              <a:rPr lang="en-US" sz="1800" dirty="0">
                 <a:solidFill>
                   <a:srgbClr val="FF0000"/>
                 </a:solidFill>
@@ -13069,15 +13290,15 @@
               <a:t>cognitive process </a:t>
             </a:r>
             <a:r>
-              <a:rPr lang="en-US" sz="2000" dirty="0" smtClean="0"/>
+              <a:rPr lang="en-US" sz="1800" dirty="0" smtClean="0"/>
               <a:t>by which </a:t>
             </a:r>
             <a:r>
-              <a:rPr lang="en-US" sz="2000" dirty="0"/>
+              <a:rPr lang="en-US" sz="1800" dirty="0"/>
               <a:t>an individual </a:t>
             </a:r>
             <a:r>
-              <a:rPr lang="en-US" sz="2000" dirty="0">
+              <a:rPr lang="en-US" sz="1800" dirty="0">
                 <a:solidFill>
                   <a:srgbClr val="FF0000"/>
                 </a:solidFill>
@@ -13085,15 +13306,15 @@
               <a:t>evaluates</a:t>
             </a:r>
             <a:r>
-              <a:rPr lang="en-US" sz="2000" dirty="0"/>
+              <a:rPr lang="en-US" sz="1800" dirty="0"/>
               <a:t> the situation in the environment with respect </a:t>
             </a:r>
             <a:r>
-              <a:rPr lang="en-US" sz="2000" dirty="0" smtClean="0"/>
+              <a:rPr lang="en-US" sz="1800" dirty="0" smtClean="0"/>
               <a:t>to the </a:t>
             </a:r>
             <a:r>
-              <a:rPr lang="en-US" sz="2000" dirty="0">
+              <a:rPr lang="en-US" sz="1800" dirty="0">
                 <a:solidFill>
                   <a:srgbClr val="FF0000"/>
                 </a:solidFill>
@@ -13101,11 +13322,11 @@
               <a:t>individual's well-being</a:t>
             </a:r>
             <a:r>
-              <a:rPr lang="en-US" sz="2000" dirty="0"/>
+              <a:rPr lang="en-US" sz="1800" dirty="0"/>
               <a:t> and triggers </a:t>
             </a:r>
             <a:r>
-              <a:rPr lang="en-US" sz="2000" dirty="0">
+              <a:rPr lang="en-US" sz="1800" dirty="0">
                 <a:solidFill>
                   <a:srgbClr val="FF0000"/>
                 </a:solidFill>
@@ -13113,25 +13334,28 @@
               <a:t>emotions</a:t>
             </a:r>
             <a:r>
-              <a:rPr lang="en-US" sz="2000" dirty="0"/>
+              <a:rPr lang="en-US" sz="1800" dirty="0"/>
               <a:t> to control internal </a:t>
             </a:r>
             <a:r>
-              <a:rPr lang="en-US" sz="2000" dirty="0" smtClean="0"/>
+              <a:rPr lang="en-US" sz="1800" dirty="0" smtClean="0"/>
               <a:t>changes and </a:t>
             </a:r>
             <a:r>
-              <a:rPr lang="en-US" sz="2000" dirty="0"/>
+              <a:rPr lang="en-US" sz="1800" dirty="0"/>
               <a:t>external actions</a:t>
             </a:r>
             <a:r>
-              <a:rPr lang="en-US" sz="2000" dirty="0" smtClean="0"/>
+              <a:rPr lang="en-US" sz="1800" dirty="0" smtClean="0"/>
               <a:t>.</a:t>
             </a:r>
           </a:p>
           <a:p>
-            <a:r>
-              <a:rPr lang="en-US" sz="2000" dirty="0" smtClean="0"/>
+            <a:endParaRPr lang="en-US" sz="1000" dirty="0" smtClean="0"/>
+          </a:p>
+          <a:p>
+            <a:r>
+              <a:rPr lang="en-US" sz="1800" dirty="0" smtClean="0"/>
               <a:t>Cognitive appraisal process:</a:t>
             </a:r>
           </a:p>
@@ -13139,56 +13363,197 @@
             <a:pPr lvl="1"/>
             <a:r>
               <a:rPr lang="en-US" sz="1800" dirty="0" smtClean="0"/>
-              <a:t>Distinct components of emotions,</a:t>
+              <a:t>Distinct </a:t>
+            </a:r>
+            <a:r>
+              <a:rPr lang="en-US" sz="1800" dirty="0" smtClean="0">
+                <a:solidFill>
+                  <a:srgbClr val="FF0000"/>
+                </a:solidFill>
+              </a:rPr>
+              <a:t>components</a:t>
+            </a:r>
+            <a:r>
+              <a:rPr lang="en-US" sz="1800" dirty="0" smtClean="0"/>
+              <a:t> of emotions</a:t>
+            </a:r>
+            <a:r>
+              <a:rPr lang="en-US" sz="1800" dirty="0" smtClean="0"/>
+              <a:t>,</a:t>
             </a:r>
           </a:p>
           <a:p>
             <a:pPr lvl="1"/>
+            <a:endParaRPr lang="en-US" sz="800" dirty="0" smtClean="0"/>
+          </a:p>
+          <a:p>
+            <a:pPr lvl="1"/>
             <a:r>
               <a:rPr lang="en-US" sz="1800" dirty="0" smtClean="0"/>
-              <a:t>Components are called appraisal variables,</a:t>
+              <a:t>Components are called </a:t>
+            </a:r>
+            <a:r>
+              <a:rPr lang="en-US" sz="1800" dirty="0" smtClean="0">
+                <a:solidFill>
+                  <a:srgbClr val="FF0000"/>
+                </a:solidFill>
+              </a:rPr>
+              <a:t>appraisal variables</a:t>
+            </a:r>
+            <a:r>
+              <a:rPr lang="en-US" sz="1800" dirty="0" smtClean="0"/>
+              <a:t>,</a:t>
             </a:r>
           </a:p>
           <a:p>
             <a:pPr lvl="1"/>
+            <a:endParaRPr lang="en-US" sz="800" dirty="0" smtClean="0"/>
+          </a:p>
+          <a:p>
+            <a:pPr lvl="1"/>
             <a:r>
               <a:rPr lang="en-US" sz="1800" dirty="0" smtClean="0"/>
-              <a:t>Agent Evaluates the stimuli with respect to their consequences ;</a:t>
-            </a:r>
+              <a:t>Agent Evaluates the stimuli with respect to their </a:t>
+            </a:r>
+            <a:r>
+              <a:rPr lang="en-US" sz="1800" dirty="0" smtClean="0">
+                <a:solidFill>
+                  <a:srgbClr val="FF0000"/>
+                </a:solidFill>
+              </a:rPr>
+              <a:t>consequences</a:t>
+            </a:r>
+            <a:r>
+              <a:rPr lang="en-US" sz="1800" dirty="0" smtClean="0"/>
+              <a:t>;</a:t>
+            </a:r>
+            <a:endParaRPr lang="en-US" sz="1800" dirty="0" smtClean="0"/>
           </a:p>
           <a:p>
             <a:pPr lvl="2"/>
             <a:r>
-              <a:rPr lang="en-US" sz="1600" dirty="0" smtClean="0"/>
-              <a:t>According to Scherer’s appraisal objectives (i.e., relevance, implication, coping, and normative significance),</a:t>
+              <a:rPr lang="en-US" sz="1800" dirty="0" smtClean="0"/>
+              <a:t>According to Scherer’s </a:t>
+            </a:r>
+            <a:r>
+              <a:rPr lang="en-US" sz="1800" dirty="0" smtClean="0">
+                <a:solidFill>
+                  <a:srgbClr val="FF0000"/>
+                </a:solidFill>
+              </a:rPr>
+              <a:t>appraisal objectives </a:t>
+            </a:r>
+            <a:r>
+              <a:rPr lang="en-US" sz="1800" dirty="0" smtClean="0"/>
+              <a:t>(i.e., relevance, implication, coping, and normative significance</a:t>
+            </a:r>
+            <a:r>
+              <a:rPr lang="en-US" sz="1800" dirty="0" smtClean="0"/>
+              <a:t>),</a:t>
             </a:r>
           </a:p>
           <a:p>
             <a:pPr lvl="2"/>
-            <a:r>
-              <a:rPr lang="en-US" sz="1600" dirty="0" smtClean="0"/>
-              <a:t>Objectives include different appraisal variables,</a:t>
-            </a:r>
+            <a:endParaRPr lang="en-US" sz="800" dirty="0" smtClean="0"/>
+          </a:p>
+          <a:p>
+            <a:pPr lvl="2"/>
+            <a:r>
+              <a:rPr lang="en-US" sz="1800" dirty="0" smtClean="0"/>
+              <a:t>Objectives include different </a:t>
+            </a:r>
+            <a:r>
+              <a:rPr lang="en-US" sz="1800" dirty="0" smtClean="0">
+                <a:solidFill>
+                  <a:srgbClr val="FF0000"/>
+                </a:solidFill>
+              </a:rPr>
+              <a:t>appraisal variables</a:t>
+            </a:r>
+            <a:r>
+              <a:rPr lang="en-US" sz="1800" dirty="0" smtClean="0"/>
+              <a:t>,</a:t>
+            </a:r>
+          </a:p>
+          <a:p>
+            <a:pPr lvl="2"/>
+            <a:endParaRPr lang="en-US" sz="800" dirty="0" smtClean="0"/>
           </a:p>
           <a:p>
             <a:pPr lvl="1"/>
             <a:r>
               <a:rPr lang="en-US" sz="1800" dirty="0" smtClean="0"/>
-              <a:t>Specific values will be assigned to appraisal variables,</a:t>
+              <a:t>Specific </a:t>
+            </a:r>
+            <a:r>
+              <a:rPr lang="en-US" sz="1800" dirty="0" smtClean="0">
+                <a:solidFill>
+                  <a:srgbClr val="FF0000"/>
+                </a:solidFill>
+              </a:rPr>
+              <a:t>values</a:t>
+            </a:r>
+            <a:r>
+              <a:rPr lang="en-US" sz="1800" dirty="0" smtClean="0"/>
+              <a:t> will be assigned to appraisal variables</a:t>
+            </a:r>
+            <a:r>
+              <a:rPr lang="en-US" sz="1800" dirty="0" smtClean="0"/>
+              <a:t>,</a:t>
             </a:r>
           </a:p>
           <a:p>
             <a:pPr lvl="1"/>
+            <a:endParaRPr lang="en-US" sz="800" dirty="0" smtClean="0"/>
+          </a:p>
+          <a:p>
+            <a:pPr lvl="1"/>
             <a:r>
               <a:rPr lang="en-US" sz="1800" dirty="0" smtClean="0"/>
-              <a:t>Determined appraisal variables are mapped onto a particular emotion,</a:t>
+              <a:t>Determined appraisal variables are mapped onto a particular </a:t>
+            </a:r>
+            <a:r>
+              <a:rPr lang="en-US" sz="1800" dirty="0" smtClean="0">
+                <a:solidFill>
+                  <a:srgbClr val="FF0000"/>
+                </a:solidFill>
+              </a:rPr>
+              <a:t>emotion</a:t>
+            </a:r>
+            <a:r>
+              <a:rPr lang="en-US" sz="1800" dirty="0" smtClean="0"/>
+              <a:t>,</a:t>
             </a:r>
           </a:p>
           <a:p>
             <a:pPr lvl="2"/>
             <a:r>
-              <a:rPr lang="en-US" sz="1600" dirty="0" smtClean="0"/>
-              <a:t>Appraisal variables are the semantic primitives  fro representing emotions.</a:t>
+              <a:rPr lang="en-US" sz="1800" dirty="0" smtClean="0"/>
+              <a:t>Appraisal variables are the </a:t>
+            </a:r>
+            <a:r>
+              <a:rPr lang="en-US" sz="1800" dirty="0" smtClean="0">
+                <a:solidFill>
+                  <a:srgbClr val="FF0000"/>
+                </a:solidFill>
+              </a:rPr>
+              <a:t>semantic </a:t>
+            </a:r>
+            <a:r>
+              <a:rPr lang="en-US" sz="1800" dirty="0" smtClean="0">
+                <a:solidFill>
+                  <a:srgbClr val="FF0000"/>
+                </a:solidFill>
+              </a:rPr>
+              <a:t>primitives </a:t>
+            </a:r>
+            <a:r>
+              <a:rPr lang="en-US" sz="1800" dirty="0" smtClean="0"/>
+              <a:t>for </a:t>
+            </a:r>
+            <a:r>
+              <a:rPr lang="en-US" sz="1800" dirty="0" smtClean="0"/>
+              <a:t>representing emotions.</a:t>
             </a:r>
           </a:p>
         </p:txBody>
@@ -13242,9 +13607,17 @@
             </a:r>
             <a:r>
               <a:rPr lang="en-US" sz="2400" b="1" dirty="0" smtClean="0"/>
-              <a:t>Appraisal Theory</a:t>
-            </a:r>
-            <a:endParaRPr lang="en-US" sz="2200" b="1" i="1" dirty="0"/>
+              <a:t>Appraisal </a:t>
+            </a:r>
+            <a:r>
+              <a:rPr lang="en-US" sz="2400" b="1" dirty="0" smtClean="0"/>
+              <a:t>Theory: </a:t>
+            </a:r>
+            <a:r>
+              <a:rPr lang="en-US" sz="2000" b="1" i="1" dirty="0" smtClean="0"/>
+              <a:t>Overview</a:t>
+            </a:r>
+            <a:endParaRPr lang="en-US" sz="2000" b="1" i="1" dirty="0"/>
           </a:p>
         </p:txBody>
       </p:sp>
@@ -13445,46 +13818,136 @@
           </a:lstStyle>
           <a:p>
             <a:r>
-              <a:rPr lang="en-US" sz="2000" dirty="0" smtClean="0"/>
-              <a:t>Appraisals are separable antecedents of emotions</a:t>
-            </a:r>
-          </a:p>
-          <a:p>
-            <a:r>
-              <a:rPr lang="en-US" sz="2000" dirty="0" smtClean="0"/>
+              <a:rPr lang="en-US" sz="1800" dirty="0" smtClean="0"/>
+              <a:t>Appraisals are separable </a:t>
+            </a:r>
+            <a:r>
+              <a:rPr lang="en-US" sz="1800" dirty="0" smtClean="0">
+                <a:solidFill>
+                  <a:srgbClr val="FF0000"/>
+                </a:solidFill>
+              </a:rPr>
+              <a:t>antecedents</a:t>
+            </a:r>
+            <a:r>
+              <a:rPr lang="en-US" sz="1800" dirty="0" smtClean="0"/>
+              <a:t> of </a:t>
+            </a:r>
+            <a:r>
+              <a:rPr lang="en-US" sz="1800" dirty="0" smtClean="0"/>
+              <a:t>emotions.</a:t>
+            </a:r>
+          </a:p>
+          <a:p>
+            <a:endParaRPr lang="en-US" sz="900" dirty="0" smtClean="0"/>
+          </a:p>
+          <a:p>
+            <a:r>
+              <a:rPr lang="en-US" sz="1800" dirty="0" smtClean="0"/>
               <a:t>Overall process:</a:t>
             </a:r>
           </a:p>
           <a:p>
             <a:pPr lvl="1"/>
             <a:r>
+              <a:rPr lang="en-US" sz="1800" dirty="0" smtClean="0"/>
+              <a:t> </a:t>
+            </a:r>
+            <a:r>
+              <a:rPr lang="en-US" sz="1800" dirty="0" smtClean="0">
+                <a:solidFill>
+                  <a:srgbClr val="FF0000"/>
+                </a:solidFill>
+              </a:rPr>
+              <a:t>Evaluation</a:t>
+            </a:r>
+            <a:r>
+              <a:rPr lang="en-US" sz="1800" dirty="0" smtClean="0"/>
+              <a:t> </a:t>
+            </a:r>
+            <a:r>
               <a:rPr lang="en-US" sz="1800" dirty="0"/>
-              <a:t>Evaluation of the environment according to the internalized goals</a:t>
-            </a:r>
+              <a:t>of the environment according to the internalized </a:t>
+            </a:r>
+            <a:r>
+              <a:rPr lang="en-US" sz="1800" dirty="0" smtClean="0"/>
+              <a:t>goals,</a:t>
+            </a:r>
+            <a:endParaRPr lang="en-US" sz="1800" dirty="0"/>
           </a:p>
           <a:p>
             <a:pPr lvl="2"/>
             <a:r>
-              <a:rPr lang="en-US" sz="1700" dirty="0"/>
-              <a:t>systematic assessment of several elements</a:t>
-            </a:r>
+              <a:rPr lang="en-US" sz="1800" dirty="0" smtClean="0"/>
+              <a:t> </a:t>
+            </a:r>
+            <a:r>
+              <a:rPr lang="en-US" sz="1800" dirty="0" smtClean="0">
+                <a:solidFill>
+                  <a:srgbClr val="FF0000"/>
+                </a:solidFill>
+              </a:rPr>
+              <a:t>Systematic</a:t>
+            </a:r>
+            <a:r>
+              <a:rPr lang="en-US" sz="1800" dirty="0" smtClean="0"/>
+              <a:t> </a:t>
+            </a:r>
+            <a:r>
+              <a:rPr lang="en-US" sz="1800" dirty="0"/>
+              <a:t>assessment of several </a:t>
+            </a:r>
+            <a:r>
+              <a:rPr lang="en-US" sz="1800" dirty="0" smtClean="0"/>
+              <a:t>elements.</a:t>
+            </a:r>
+            <a:endParaRPr lang="en-US" sz="1800" dirty="0"/>
           </a:p>
           <a:p>
             <a:pPr lvl="1"/>
             <a:r>
+              <a:rPr lang="en-US" sz="1800" dirty="0" smtClean="0"/>
+              <a:t> Outcome </a:t>
+            </a:r>
+            <a:r>
+              <a:rPr lang="en-US" sz="1800" dirty="0">
+                <a:solidFill>
+                  <a:srgbClr val="FF0000"/>
+                </a:solidFill>
+              </a:rPr>
+              <a:t>triggers</a:t>
+            </a:r>
+            <a:r>
               <a:rPr lang="en-US" sz="1800" dirty="0"/>
-              <a:t>Outcome triggers emotions and coping strategies.</a:t>
-            </a:r>
-          </a:p>
-          <a:p>
-            <a:r>
-              <a:rPr lang="en-US" sz="2000" dirty="0" smtClean="0"/>
-              <a:t>Appraisal variables, e.g., relevance, desirability, expectedness, controllability.</a:t>
-            </a:r>
-          </a:p>
-          <a:p>
-            <a:r>
-              <a:rPr lang="en-US" sz="2000" dirty="0" smtClean="0"/>
+              <a:t> emotions and coping strategies</a:t>
+            </a:r>
+            <a:r>
+              <a:rPr lang="en-US" sz="1800" dirty="0" smtClean="0"/>
+              <a:t>.</a:t>
+            </a:r>
+          </a:p>
+          <a:p>
+            <a:pPr marL="457200" lvl="1" indent="0">
+              <a:buNone/>
+            </a:pPr>
+            <a:endParaRPr lang="en-US" sz="900" dirty="0"/>
+          </a:p>
+          <a:p>
+            <a:r>
+              <a:rPr lang="en-US" sz="1800" dirty="0" smtClean="0"/>
+              <a:t>Appraisal variables, e.g., relevance, desirability, expectedness, controllability</a:t>
+            </a:r>
+            <a:r>
+              <a:rPr lang="en-US" sz="1800" dirty="0" smtClean="0"/>
+              <a:t>.</a:t>
+            </a:r>
+          </a:p>
+          <a:p>
+            <a:endParaRPr lang="en-US" sz="900" dirty="0" smtClean="0"/>
+          </a:p>
+          <a:p>
+            <a:r>
+              <a:rPr lang="en-US" sz="1800" dirty="0" smtClean="0"/>
               <a:t>Coping process: </a:t>
             </a:r>
           </a:p>
@@ -13492,27 +13955,123 @@
             <a:pPr lvl="1"/>
             <a:r>
               <a:rPr lang="en-US" sz="1800" dirty="0"/>
-              <a:t>Determines whether and how agent should respond to an event.</a:t>
+              <a:t>Determines </a:t>
+            </a:r>
+            <a:r>
+              <a:rPr lang="en-US" sz="1800" dirty="0">
+                <a:solidFill>
+                  <a:srgbClr val="FF0000"/>
+                </a:solidFill>
+              </a:rPr>
+              <a:t>whether</a:t>
+            </a:r>
+            <a:r>
+              <a:rPr lang="en-US" sz="1800" dirty="0"/>
+              <a:t> and </a:t>
+            </a:r>
+            <a:r>
+              <a:rPr lang="en-US" sz="1800" dirty="0">
+                <a:solidFill>
+                  <a:srgbClr val="FF0000"/>
+                </a:solidFill>
+              </a:rPr>
+              <a:t>how</a:t>
+            </a:r>
+            <a:r>
+              <a:rPr lang="en-US" sz="1800" dirty="0"/>
+              <a:t> agent should </a:t>
+            </a:r>
+            <a:r>
+              <a:rPr lang="en-US" sz="1800" dirty="0">
+                <a:solidFill>
+                  <a:srgbClr val="FF0000"/>
+                </a:solidFill>
+              </a:rPr>
+              <a:t>respond</a:t>
+            </a:r>
+            <a:r>
+              <a:rPr lang="en-US" sz="1800" dirty="0"/>
+              <a:t> to an event.</a:t>
             </a:r>
           </a:p>
           <a:p>
             <a:pPr lvl="1"/>
             <a:r>
               <a:rPr lang="en-US" sz="1800" dirty="0"/>
-              <a:t>Coping strategies control (enable or suppress) cognitive processes operate  on causal interpretation of the appraisals.</a:t>
-            </a:r>
-          </a:p>
-          <a:p>
-            <a:r>
-              <a:rPr lang="en-US" sz="2000" dirty="0" smtClean="0"/>
-              <a:t>Coping strategies can be grouped into different categories. For instance, problem-focused (planning) and emotion-focused (seeking social support for instrumental reasons) categories.</a:t>
-            </a:r>
-          </a:p>
-          <a:p>
-            <a:endParaRPr lang="en-US" sz="2000" dirty="0" smtClean="0"/>
-          </a:p>
-          <a:p>
-            <a:endParaRPr lang="en-US" sz="2000" dirty="0" smtClean="0"/>
+              <a:t>Coping strategies </a:t>
+            </a:r>
+            <a:r>
+              <a:rPr lang="en-US" sz="1800" dirty="0">
+                <a:solidFill>
+                  <a:srgbClr val="FF0000"/>
+                </a:solidFill>
+              </a:rPr>
+              <a:t>control</a:t>
+            </a:r>
+            <a:r>
+              <a:rPr lang="en-US" sz="1800" dirty="0"/>
+              <a:t> (enable or suppress) cognitive processes operate  on causal interpretation of the appraisals</a:t>
+            </a:r>
+            <a:r>
+              <a:rPr lang="en-US" sz="1800" dirty="0" smtClean="0"/>
+              <a:t>.</a:t>
+            </a:r>
+          </a:p>
+          <a:p>
+            <a:pPr marL="457200" lvl="1" indent="0">
+              <a:buNone/>
+            </a:pPr>
+            <a:endParaRPr lang="en-US" sz="900" dirty="0"/>
+          </a:p>
+          <a:p>
+            <a:r>
+              <a:rPr lang="en-US" sz="1800" dirty="0" smtClean="0"/>
+              <a:t>Coping strategies can be </a:t>
+            </a:r>
+            <a:r>
+              <a:rPr lang="en-US" sz="1800" dirty="0" smtClean="0">
+                <a:solidFill>
+                  <a:srgbClr val="FF0000"/>
+                </a:solidFill>
+              </a:rPr>
+              <a:t>grouped</a:t>
+            </a:r>
+            <a:r>
+              <a:rPr lang="en-US" sz="1800" dirty="0" smtClean="0"/>
+              <a:t> into different </a:t>
+            </a:r>
+            <a:r>
+              <a:rPr lang="en-US" sz="1800" dirty="0" smtClean="0"/>
+              <a:t>categories</a:t>
+            </a:r>
+            <a:r>
+              <a:rPr lang="en-US" sz="1800" dirty="0"/>
+              <a:t>:</a:t>
+            </a:r>
+            <a:endParaRPr lang="en-US" sz="1800" dirty="0" smtClean="0"/>
+          </a:p>
+          <a:p>
+            <a:pPr lvl="1"/>
+            <a:r>
+              <a:rPr lang="en-US" sz="1800" dirty="0" smtClean="0"/>
+              <a:t>Problem-focused (e.g., planning)</a:t>
+            </a:r>
+          </a:p>
+          <a:p>
+            <a:pPr lvl="1"/>
+            <a:r>
+              <a:rPr lang="en-US" sz="1800" dirty="0" smtClean="0"/>
+              <a:t>Emotion-focused </a:t>
+            </a:r>
+            <a:r>
+              <a:rPr lang="en-US" sz="1800" dirty="0" smtClean="0"/>
+              <a:t>(seeking social support for instrumental reasons</a:t>
+            </a:r>
+            <a:r>
+              <a:rPr lang="en-US" sz="1800" dirty="0" smtClean="0"/>
+              <a:t>)</a:t>
+            </a:r>
+            <a:endParaRPr lang="en-US" sz="1800" dirty="0" smtClean="0"/>
           </a:p>
         </p:txBody>
       </p:sp>
@@ -13622,8 +14181,8 @@
         </p:nvSpPr>
         <p:spPr>
           <a:xfrm>
-            <a:off x="457199" y="990600"/>
-            <a:ext cx="8206611" cy="5181599"/>
+            <a:off x="228600" y="990600"/>
+            <a:ext cx="8686799" cy="5181599"/>
           </a:xfrm>
           <a:prstGeom prst="rect">
             <a:avLst/>
@@ -13773,21 +14332,31 @@
           <a:p>
             <a:r>
               <a:rPr lang="en-US" sz="2000" dirty="0" smtClean="0"/>
-              <a:t>Similar </a:t>
+              <a:t>The </a:t>
             </a:r>
             <a:r>
               <a:rPr lang="en-US" sz="2000" dirty="0"/>
-              <a:t>to </a:t>
-            </a:r>
-            <a:r>
-              <a:rPr lang="en-US" sz="2000" dirty="0" smtClean="0"/>
-              <a:t>Lazarus’ and Scherer’s cognitive views.</a:t>
-            </a:r>
-          </a:p>
-          <a:p>
+              <a:t>model </a:t>
+            </a:r>
+            <a:r>
+              <a:rPr lang="en-US" sz="2000" dirty="0">
+                <a:solidFill>
+                  <a:srgbClr val="FF0000"/>
+                </a:solidFill>
+              </a:rPr>
+              <a:t>categorizes</a:t>
+            </a:r>
             <a:r>
               <a:rPr lang="en-US" sz="2000" dirty="0"/>
-              <a:t>The model categorizes emotions based on their underlying appraisal patterns</a:t>
+              <a:t> emotions based on their underlying </a:t>
+            </a:r>
+            <a:r>
+              <a:rPr lang="en-US" sz="2000" dirty="0">
+                <a:solidFill>
+                  <a:srgbClr val="FF0000"/>
+                </a:solidFill>
+              </a:rPr>
+              <a:t>appraisal patterns</a:t>
             </a:r>
             <a:r>
               <a:rPr lang="en-US" sz="2000" dirty="0" smtClean="0"/>
@@ -13797,52 +14366,93 @@
           <a:p>
             <a:r>
               <a:rPr lang="en-US" sz="2000" dirty="0" smtClean="0"/>
-              <a:t>Patterns are fundamental criteria and involve: </a:t>
+              <a:t>Patterns are </a:t>
+            </a:r>
+            <a:r>
+              <a:rPr lang="en-US" sz="2000" dirty="0" smtClean="0">
+                <a:solidFill>
+                  <a:srgbClr val="FF0000"/>
+                </a:solidFill>
+              </a:rPr>
+              <a:t>fundamental criteria </a:t>
+            </a:r>
+            <a:r>
+              <a:rPr lang="en-US" sz="2000" dirty="0" smtClean="0"/>
+              <a:t>and involve: </a:t>
             </a:r>
           </a:p>
           <a:p>
             <a:pPr lvl="1"/>
             <a:r>
               <a:rPr lang="en-US" sz="1800" dirty="0"/>
-              <a:t>One’s focus of attention</a:t>
-            </a:r>
+              <a:t>One’s focus of </a:t>
+            </a:r>
+            <a:r>
+              <a:rPr lang="en-US" sz="1800" dirty="0" smtClean="0"/>
+              <a:t>attention,</a:t>
+            </a:r>
+            <a:endParaRPr lang="en-US" sz="1800" dirty="0"/>
           </a:p>
           <a:p>
             <a:pPr lvl="1"/>
             <a:r>
               <a:rPr lang="en-US" sz="1800" dirty="0"/>
-              <a:t>One’s concern</a:t>
-            </a:r>
+              <a:t>One’s </a:t>
+            </a:r>
+            <a:r>
+              <a:rPr lang="en-US" sz="1800" dirty="0" smtClean="0"/>
+              <a:t>concern,</a:t>
+            </a:r>
+            <a:endParaRPr lang="en-US" sz="1800" dirty="0"/>
           </a:p>
           <a:p>
             <a:pPr lvl="1"/>
             <a:r>
               <a:rPr lang="en-US" sz="1800" dirty="0"/>
-              <a:t>One’s appraisals</a:t>
-            </a:r>
-          </a:p>
-          <a:p>
-            <a:r>
-              <a:rPr lang="en-US" sz="2000" dirty="0" smtClean="0"/>
-              <a:t>All emotion types (i.e., six) in </a:t>
+              <a:t>One’s </a:t>
+            </a:r>
+            <a:r>
+              <a:rPr lang="en-US" sz="1800" dirty="0" smtClean="0"/>
+              <a:t>appraisals.</a:t>
+            </a:r>
+            <a:endParaRPr lang="en-US" sz="1800" dirty="0"/>
+          </a:p>
+          <a:p>
+            <a:r>
+              <a:rPr lang="en-US" sz="2000" dirty="0" smtClean="0"/>
+              <a:t>OCC </a:t>
             </a:r>
             <a:r>
               <a:rPr lang="en-US" sz="2000" dirty="0"/>
-              <a:t>a group share the same cognitive pattern</a:t>
-            </a:r>
-            <a:r>
-              <a:rPr lang="en-US" sz="2000" dirty="0" smtClean="0"/>
-              <a:t>.</a:t>
-            </a:r>
-          </a:p>
-          <a:p>
+              <a:t>model introduces some </a:t>
+            </a:r>
+            <a:r>
+              <a:rPr lang="en-US" sz="2000" dirty="0">
+                <a:solidFill>
+                  <a:srgbClr val="FF0000"/>
+                </a:solidFill>
+              </a:rPr>
+              <a:t>global variables </a:t>
+            </a:r>
             <a:r>
               <a:rPr lang="en-US" sz="2000" dirty="0"/>
-              <a:t>OCC model introduces some global variables of an </a:t>
-            </a:r>
-            <a:r>
-              <a:rPr lang="en-US" sz="2000" dirty="0" smtClean="0"/>
-              <a:t>emotion's intensity </a:t>
+              <a:t>of an </a:t>
+            </a:r>
+            <a:r>
+              <a:rPr lang="en-US" sz="2000" dirty="0" smtClean="0"/>
+              <a:t>emotion's </a:t>
+            </a:r>
+            <a:r>
+              <a:rPr lang="en-US" sz="2000" dirty="0" smtClean="0">
+                <a:solidFill>
+                  <a:srgbClr val="FF0000"/>
+                </a:solidFill>
+              </a:rPr>
+              <a:t>intensity</a:t>
+            </a:r>
+            <a:r>
+              <a:rPr lang="en-US" sz="2000" dirty="0" smtClean="0"/>
+              <a:t> </a:t>
             </a:r>
             <a:r>
               <a:rPr lang="en-US" sz="2000" dirty="0"/>
@@ -13850,8 +14460,17 @@
             </a:r>
             <a:r>
               <a:rPr lang="en-US" sz="2000" dirty="0" smtClean="0"/>
-              <a:t>emotions.</a:t>
-            </a:r>
+              <a:t>emotions (e.g</a:t>
+            </a:r>
+            <a:r>
+              <a:rPr lang="en-US" sz="2000" dirty="0" smtClean="0"/>
+              <a:t>., sense of reality, and arousal</a:t>
+            </a:r>
+            <a:r>
+              <a:rPr lang="en-US" sz="2000" dirty="0" smtClean="0"/>
+              <a:t>).</a:t>
+            </a:r>
+            <a:endParaRPr lang="en-US" sz="2000" dirty="0" smtClean="0"/>
           </a:p>
         </p:txBody>
       </p:sp>
@@ -13941,8 +14560,8 @@
         </p:blipFill>
         <p:spPr bwMode="auto">
           <a:xfrm>
-            <a:off x="2119309" y="4554415"/>
-            <a:ext cx="4905382" cy="2232059"/>
+            <a:off x="1050114" y="3494837"/>
+            <a:ext cx="7043771" cy="3205074"/>
           </a:xfrm>
           <a:prstGeom prst="rect">
             <a:avLst/>
@@ -14161,7 +14780,19 @@
             </a:r>
             <a:r>
               <a:rPr lang="en-US" sz="2000" dirty="0"/>
-              <a:t>by defining where they lie in two or three dimensions</a:t>
+              <a:t>by defining </a:t>
+            </a:r>
+            <a:r>
+              <a:rPr lang="en-US" sz="2000" dirty="0">
+                <a:solidFill>
+                  <a:srgbClr val="FF0000"/>
+                </a:solidFill>
+              </a:rPr>
+              <a:t>where they lie </a:t>
+            </a:r>
+            <a:r>
+              <a:rPr lang="en-US" sz="2000" dirty="0"/>
+              <a:t>in two or three dimensions</a:t>
             </a:r>
             <a:r>
               <a:rPr lang="en-US" sz="2000" dirty="0" smtClean="0"/>
@@ -14171,7 +14802,19 @@
           <a:p>
             <a:r>
               <a:rPr lang="en-US" sz="2000" dirty="0" smtClean="0"/>
-              <a:t>Russell’s Circumplex model (Valence and Arousal).</a:t>
+              <a:t>Russell’s </a:t>
+            </a:r>
+            <a:r>
+              <a:rPr lang="en-US" sz="2000" dirty="0" smtClean="0">
+                <a:solidFill>
+                  <a:srgbClr val="FF0000"/>
+                </a:solidFill>
+              </a:rPr>
+              <a:t>Circumplex</a:t>
+            </a:r>
+            <a:r>
+              <a:rPr lang="en-US" sz="2000" dirty="0" smtClean="0"/>
+              <a:t> model (Valence and Arousal).</a:t>
             </a:r>
           </a:p>
           <a:p>
@@ -14181,7 +14824,19 @@
             </a:r>
             <a:r>
               <a:rPr lang="en-US" sz="2000" dirty="0" smtClean="0"/>
-              <a:t> and Russell’s PAD model (Pleasure, Arousal, Dominance)</a:t>
+              <a:t> and Russell’s </a:t>
+            </a:r>
+            <a:r>
+              <a:rPr lang="en-US" sz="2000" dirty="0" smtClean="0">
+                <a:solidFill>
+                  <a:srgbClr val="FF0000"/>
+                </a:solidFill>
+              </a:rPr>
+              <a:t>PAD</a:t>
+            </a:r>
+            <a:r>
+              <a:rPr lang="en-US" sz="2000" dirty="0" smtClean="0"/>
+              <a:t> model (Pleasure, Arousal, Dominance)</a:t>
             </a:r>
             <a:endParaRPr lang="en-US" sz="2000" dirty="0"/>
           </a:p>
@@ -14371,8 +15026,8 @@
         </p:nvSpPr>
         <p:spPr>
           <a:xfrm>
-            <a:off x="457199" y="1219201"/>
-            <a:ext cx="8206611" cy="5181599"/>
+            <a:off x="304800" y="1219201"/>
+            <a:ext cx="8534399" cy="5181599"/>
           </a:xfrm>
           <a:prstGeom prst="rect">
             <a:avLst/>
@@ -14522,26 +15177,35 @@
           <a:p>
             <a:r>
               <a:rPr lang="en-US" sz="2000" dirty="0" smtClean="0"/>
-              <a:t>First by </a:t>
-            </a:r>
-            <a:r>
-              <a:rPr lang="en-US" sz="2000" dirty="0" err="1" smtClean="0"/>
-              <a:t>Tomkin</a:t>
-            </a:r>
-            <a:r>
-              <a:rPr lang="en-US" sz="2000" dirty="0" smtClean="0"/>
-              <a:t> (as rediscovery of Darwin’s work), later by Ekman, Izard.</a:t>
-            </a:r>
-          </a:p>
-          <a:p>
+              <a:t>These </a:t>
+            </a:r>
             <a:r>
               <a:rPr lang="en-US" sz="2000" dirty="0"/>
-              <a:t>These theories emphasize a small set of discrete and </a:t>
-            </a:r>
-            <a:r>
-              <a:rPr lang="en-US" sz="2000" dirty="0" smtClean="0"/>
-              <a:t>fundamental emotions.</a:t>
-            </a:r>
+              <a:t>theories emphasize a </a:t>
+            </a:r>
+            <a:r>
+              <a:rPr lang="en-US" sz="2000" dirty="0">
+                <a:solidFill>
+                  <a:srgbClr val="FF0000"/>
+                </a:solidFill>
+              </a:rPr>
+              <a:t>small set </a:t>
+            </a:r>
+            <a:r>
+              <a:rPr lang="en-US" sz="2000" dirty="0"/>
+              <a:t>of discrete and </a:t>
+            </a:r>
+            <a:r>
+              <a:rPr lang="en-US" sz="2000" dirty="0" smtClean="0"/>
+              <a:t>fundamental emotions</a:t>
+            </a:r>
+            <a:r>
+              <a:rPr lang="en-US" sz="2000" dirty="0" smtClean="0"/>
+              <a:t>.</a:t>
+            </a:r>
+          </a:p>
+          <a:p>
+            <a:endParaRPr lang="en-US" sz="900" dirty="0" smtClean="0"/>
           </a:p>
           <a:p>
             <a:r>
@@ -14562,12 +15226,31 @@
             </a:r>
             <a:r>
               <a:rPr lang="en-US" sz="2000" dirty="0"/>
-              <a:t>associated neural circuitry, with a hardwired </a:t>
-            </a:r>
-            <a:r>
-              <a:rPr lang="en-US" sz="2000" dirty="0" smtClean="0"/>
-              <a:t>component.</a:t>
-            </a:r>
+              <a:t>associated neural circuitry, with a </a:t>
+            </a:r>
+            <a:r>
+              <a:rPr lang="en-US" sz="2000" dirty="0">
+                <a:solidFill>
+                  <a:srgbClr val="FF0000"/>
+                </a:solidFill>
+              </a:rPr>
+              <a:t>hardwired</a:t>
+            </a:r>
+            <a:r>
+              <a:rPr lang="en-US" sz="2000" dirty="0"/>
+              <a:t> </a:t>
+            </a:r>
+            <a:r>
+              <a:rPr lang="en-US" sz="2000" dirty="0" smtClean="0"/>
+              <a:t>component</a:t>
+            </a:r>
+            <a:r>
+              <a:rPr lang="en-US" sz="2000" dirty="0" smtClean="0"/>
+              <a:t>.</a:t>
+            </a:r>
+          </a:p>
+          <a:p>
+            <a:endParaRPr lang="en-US" sz="900" dirty="0" smtClean="0"/>
           </a:p>
           <a:p>
             <a:r>
@@ -14580,14 +15263,50 @@
             </a:r>
             <a:r>
               <a:rPr lang="en-US" sz="2000" dirty="0"/>
-              <a:t>patterns of triggers, behavioral expression, and associated </a:t>
-            </a:r>
-            <a:r>
-              <a:rPr lang="en-US" sz="2000" dirty="0" smtClean="0"/>
-              <a:t>distinct subjective </a:t>
+              <a:t>patterns of </a:t>
+            </a:r>
+            <a:r>
+              <a:rPr lang="en-US" sz="2000" dirty="0">
+                <a:solidFill>
+                  <a:srgbClr val="FF0000"/>
+                </a:solidFill>
+              </a:rPr>
+              <a:t>triggers</a:t>
             </a:r>
             <a:r>
               <a:rPr lang="en-US" sz="2000" dirty="0"/>
+              <a:t>, behavioral </a:t>
+            </a:r>
+            <a:r>
+              <a:rPr lang="en-US" sz="2000" dirty="0">
+                <a:solidFill>
+                  <a:srgbClr val="FF0000"/>
+                </a:solidFill>
+              </a:rPr>
+              <a:t>expression</a:t>
+            </a:r>
+            <a:r>
+              <a:rPr lang="en-US" sz="2000" dirty="0"/>
+              <a:t>, and associated </a:t>
+            </a:r>
+            <a:r>
+              <a:rPr lang="en-US" sz="2000" dirty="0" smtClean="0"/>
+              <a:t>distinct </a:t>
+            </a:r>
+            <a:r>
+              <a:rPr lang="en-US" sz="2000" dirty="0" smtClean="0">
+                <a:solidFill>
+                  <a:srgbClr val="FF0000"/>
+                </a:solidFill>
+              </a:rPr>
+              <a:t>subjective </a:t>
+            </a:r>
+            <a:r>
+              <a:rPr lang="en-US" sz="2000" dirty="0">
+                <a:solidFill>
+                  <a:srgbClr val="FF0000"/>
+                </a:solidFill>
+              </a:rPr>
               <a:t>experiences</a:t>
             </a:r>
             <a:r>
@@ -14596,43 +15315,101 @@
             </a:r>
           </a:p>
           <a:p>
+            <a:endParaRPr lang="en-US" sz="900" dirty="0" smtClean="0"/>
+          </a:p>
+          <a:p>
             <a:r>
               <a:rPr lang="en-US" sz="2000" dirty="0" smtClean="0"/>
               <a:t>The emotions are called </a:t>
             </a:r>
             <a:r>
+              <a:rPr lang="en-US" sz="2000" dirty="0">
+                <a:solidFill>
+                  <a:srgbClr val="FF0000"/>
+                </a:solidFill>
+              </a:rPr>
+              <a:t>basic </a:t>
+            </a:r>
+            <a:r>
+              <a:rPr lang="en-US" sz="2000" dirty="0" smtClean="0">
+                <a:solidFill>
+                  <a:srgbClr val="FF0000"/>
+                </a:solidFill>
+              </a:rPr>
+              <a:t>emotions</a:t>
+            </a:r>
+            <a:r>
+              <a:rPr lang="en-US" sz="2000" dirty="0" smtClean="0"/>
+              <a:t>: </a:t>
+            </a:r>
+            <a:r>
+              <a:rPr lang="en-US" sz="2000" i="1" dirty="0" smtClean="0"/>
+              <a:t>happiness</a:t>
+            </a:r>
+            <a:r>
+              <a:rPr lang="en-US" sz="2000" i="1" dirty="0"/>
+              <a:t>, sadness, </a:t>
+            </a:r>
+            <a:r>
+              <a:rPr lang="en-US" sz="2000" i="1" dirty="0" smtClean="0"/>
+              <a:t>fear, anger</a:t>
+            </a:r>
+            <a:r>
+              <a:rPr lang="en-US" sz="2000" i="1" dirty="0"/>
+              <a:t>, surprise, </a:t>
+            </a:r>
+            <a:r>
               <a:rPr lang="en-US" sz="2000" dirty="0"/>
-              <a:t>basic </a:t>
-            </a:r>
-            <a:r>
-              <a:rPr lang="en-US" sz="2000" dirty="0" smtClean="0"/>
-              <a:t>emotions: happiness</a:t>
+              <a:t>and</a:t>
+            </a:r>
+            <a:r>
+              <a:rPr lang="en-US" sz="2000" i="1" dirty="0"/>
+              <a:t> </a:t>
+            </a:r>
+            <a:r>
+              <a:rPr lang="en-US" sz="2000" i="1" dirty="0" smtClean="0"/>
+              <a:t>disgust</a:t>
+            </a:r>
+            <a:r>
+              <a:rPr lang="en-US" sz="2000" i="1" dirty="0" smtClean="0"/>
+              <a:t>.</a:t>
+            </a:r>
+          </a:p>
+          <a:p>
+            <a:endParaRPr lang="en-US" sz="900" dirty="0" smtClean="0"/>
+          </a:p>
+          <a:p>
+            <a:r>
+              <a:rPr lang="en-US" sz="2000" dirty="0" smtClean="0"/>
+              <a:t>This universality </a:t>
             </a:r>
             <a:r>
               <a:rPr lang="en-US" sz="2000" dirty="0"/>
-              <a:t>, sadness, </a:t>
-            </a:r>
-            <a:r>
-              <a:rPr lang="en-US" sz="2000" dirty="0" smtClean="0"/>
-              <a:t>fear, anger</a:t>
+              <a:t>has a </a:t>
+            </a:r>
+            <a:r>
+              <a:rPr lang="en-US" sz="2000" dirty="0">
+                <a:solidFill>
+                  <a:srgbClr val="FF0000"/>
+                </a:solidFill>
+              </a:rPr>
+              <a:t>production</a:t>
             </a:r>
             <a:r>
               <a:rPr lang="en-US" sz="2000" dirty="0"/>
-              <a:t>, surprise, and </a:t>
-            </a:r>
-            <a:r>
-              <a:rPr lang="en-US" sz="2000" dirty="0" smtClean="0"/>
-              <a:t>disgust.</a:t>
-            </a:r>
-          </a:p>
-          <a:p>
-            <a:r>
-              <a:rPr lang="en-US" sz="2000" dirty="0" smtClean="0"/>
-              <a:t>This universality </a:t>
+              <a:t> side and a </a:t>
+            </a:r>
+            <a:r>
+              <a:rPr lang="en-US" sz="2000" dirty="0">
+                <a:solidFill>
+                  <a:srgbClr val="FF0000"/>
+                </a:solidFill>
+              </a:rPr>
+              <a:t>recognition</a:t>
             </a:r>
             <a:r>
               <a:rPr lang="en-US" sz="2000" dirty="0"/>
-              <a:t>has a production side and a recognition side</a:t>
+              <a:t> side</a:t>
             </a:r>
             <a:r>
               <a:rPr lang="en-US" sz="2000" dirty="0" smtClean="0"/>
@@ -14640,10 +15417,18 @@
             </a:r>
           </a:p>
           <a:p>
-            <a:r>
-              <a:rPr lang="en-US" sz="2000" dirty="0" smtClean="0"/>
-              <a:t>Computational models focus on low-level perceptual-motor tasks (fast and automatic vs. slower, reasoning-based)</a:t>
-            </a:r>
+            <a:endParaRPr lang="en-US" sz="900" dirty="0" smtClean="0"/>
+          </a:p>
+          <a:p>
+            <a:r>
+              <a:rPr lang="en-US" sz="2000" dirty="0" smtClean="0"/>
+              <a:t>Computational models focus on low-level perceptual-motor tasks (fast and automatic vs. slower, reasoning-based</a:t>
+            </a:r>
+            <a:r>
+              <a:rPr lang="en-US" sz="2000" dirty="0" smtClean="0"/>
+              <a:t>).</a:t>
+            </a:r>
+            <a:endParaRPr lang="en-US" sz="2000" dirty="0" smtClean="0"/>
           </a:p>
         </p:txBody>
       </p:sp>
@@ -15205,8 +15990,8 @@
         </p:nvSpPr>
         <p:spPr>
           <a:xfrm>
-            <a:off x="457199" y="1219201"/>
-            <a:ext cx="8206611" cy="5181599"/>
+            <a:off x="304800" y="1219201"/>
+            <a:ext cx="8534399" cy="5181599"/>
           </a:xfrm>
           <a:prstGeom prst="rect">
             <a:avLst/>
@@ -15356,22 +16141,96 @@
           <a:p>
             <a:r>
               <a:rPr lang="en-US" sz="2000" dirty="0" smtClean="0"/>
-              <a:t>In contrast to basic emotions, dimensional theory is compatible with the differences in the behavioral responses to the stimuli.</a:t>
-            </a:r>
-          </a:p>
-          <a:p>
-            <a:r>
-              <a:rPr lang="en-US" sz="2000" dirty="0" smtClean="0"/>
-              <a:t>Dimensional theories </a:t>
+              <a:t>In contrast to </a:t>
+            </a:r>
+            <a:r>
+              <a:rPr lang="en-US" sz="2000" b="1" dirty="0" smtClean="0"/>
+              <a:t>basic</a:t>
+            </a:r>
+            <a:r>
+              <a:rPr lang="en-US" sz="2000" dirty="0" smtClean="0"/>
+              <a:t> emotions, </a:t>
+            </a:r>
+            <a:r>
+              <a:rPr lang="en-US" sz="2000" b="1" dirty="0" smtClean="0"/>
+              <a:t>dimensional</a:t>
+            </a:r>
+            <a:r>
+              <a:rPr lang="en-US" sz="2000" dirty="0" smtClean="0"/>
+              <a:t> theory is </a:t>
+            </a:r>
+            <a:r>
+              <a:rPr lang="en-US" sz="2000" dirty="0" smtClean="0">
+                <a:solidFill>
+                  <a:srgbClr val="FF0000"/>
+                </a:solidFill>
+              </a:rPr>
+              <a:t>compatible</a:t>
+            </a:r>
+            <a:r>
+              <a:rPr lang="en-US" sz="2000" dirty="0" smtClean="0"/>
+              <a:t> with the differences in the </a:t>
+            </a:r>
+            <a:r>
+              <a:rPr lang="en-US" sz="2000" dirty="0" smtClean="0">
+                <a:solidFill>
+                  <a:srgbClr val="FF0000"/>
+                </a:solidFill>
+              </a:rPr>
+              <a:t>behavioral responses </a:t>
+            </a:r>
+            <a:r>
+              <a:rPr lang="en-US" sz="2000" dirty="0" smtClean="0"/>
+              <a:t>to the stimuli</a:t>
+            </a:r>
+            <a:r>
+              <a:rPr lang="en-US" sz="2000" dirty="0" smtClean="0"/>
+              <a:t>.</a:t>
+            </a:r>
+          </a:p>
+          <a:p>
+            <a:endParaRPr lang="en-US" sz="2000" dirty="0" smtClean="0"/>
+          </a:p>
+          <a:p>
+            <a:r>
+              <a:rPr lang="en-US" sz="2000" b="1" dirty="0" smtClean="0"/>
+              <a:t>Dimensional</a:t>
+            </a:r>
+            <a:r>
+              <a:rPr lang="en-US" sz="2000" dirty="0" smtClean="0"/>
+              <a:t> theories </a:t>
+            </a:r>
+            <a:r>
+              <a:rPr lang="en-US" sz="2000" dirty="0">
+                <a:solidFill>
+                  <a:srgbClr val="FF0000"/>
+                </a:solidFill>
+              </a:rPr>
+              <a:t>can represent </a:t>
             </a:r>
             <a:r>
               <a:rPr lang="en-US" sz="2000" dirty="0"/>
-              <a:t>can represent instances of basic </a:t>
-            </a:r>
-            <a:r>
-              <a:rPr lang="en-US" sz="2000" dirty="0" smtClean="0"/>
-              <a:t>emotions.</a:t>
-            </a:r>
+              <a:t>instances of </a:t>
+            </a:r>
+            <a:r>
+              <a:rPr lang="en-US" sz="2000" b="1" dirty="0"/>
+              <a:t>basic</a:t>
+            </a:r>
+            <a:r>
+              <a:rPr lang="en-US" sz="2000" dirty="0"/>
+              <a:t> </a:t>
+            </a:r>
+            <a:r>
+              <a:rPr lang="en-US" sz="2000" dirty="0" smtClean="0"/>
+              <a:t>emotions</a:t>
+            </a:r>
+            <a:r>
+              <a:rPr lang="en-US" sz="2000" dirty="0" smtClean="0"/>
+              <a:t>.</a:t>
+            </a:r>
+          </a:p>
+          <a:p>
+            <a:endParaRPr lang="en-US" sz="2000" dirty="0" smtClean="0"/>
           </a:p>
           <a:p>
             <a:r>
@@ -15379,12 +16238,20 @@
               <a:t>In contrast to </a:t>
             </a:r>
             <a:r>
+              <a:rPr lang="en-US" sz="2000" b="1" dirty="0"/>
+              <a:t>basic</a:t>
+            </a:r>
+            <a:r>
               <a:rPr lang="en-US" sz="2000" dirty="0"/>
-              <a:t>basic emotions, </a:t>
-            </a:r>
-            <a:r>
-              <a:rPr lang="en-US" sz="2000" dirty="0" smtClean="0"/>
-              <a:t>dimensional </a:t>
+              <a:t> emotions, </a:t>
+            </a:r>
+            <a:r>
+              <a:rPr lang="en-US" sz="2000" b="1" dirty="0" smtClean="0"/>
+              <a:t>dimensional</a:t>
+            </a:r>
+            <a:r>
+              <a:rPr lang="en-US" sz="2000" dirty="0" smtClean="0"/>
+              <a:t> </a:t>
             </a:r>
             <a:r>
               <a:rPr lang="en-US" sz="2000" dirty="0"/>
@@ -15396,7 +16263,19 @@
             </a:r>
             <a:r>
               <a:rPr lang="en-US" sz="2000" dirty="0"/>
-              <a:t>emotion may not necessarily be aimed at a particular object</a:t>
+              <a:t>emotion may </a:t>
+            </a:r>
+            <a:r>
+              <a:rPr lang="en-US" sz="2000" dirty="0">
+                <a:solidFill>
+                  <a:srgbClr val="FF0000"/>
+                </a:solidFill>
+              </a:rPr>
+              <a:t>not necessarily be aimed </a:t>
+            </a:r>
+            <a:r>
+              <a:rPr lang="en-US" sz="2000" dirty="0"/>
+              <a:t>at a particular object</a:t>
             </a:r>
             <a:r>
               <a:rPr lang="en-US" sz="2000" dirty="0" smtClean="0"/>
@@ -15404,9 +16283,16 @@
             </a:r>
           </a:p>
           <a:p>
+            <a:endParaRPr lang="en-US" sz="2000" dirty="0" smtClean="0"/>
+          </a:p>
+          <a:p>
+            <a:r>
+              <a:rPr lang="en-US" sz="2000" b="1" dirty="0"/>
+              <a:t>Dimensional</a:t>
+            </a:r>
             <a:r>
               <a:rPr lang="en-US" sz="2000" dirty="0"/>
-              <a:t>Dimensional models </a:t>
+              <a:t> models </a:t>
             </a:r>
             <a:r>
               <a:rPr lang="en-US" sz="2000" dirty="0" smtClean="0"/>
@@ -15414,17 +16300,52 @@
             </a:r>
             <a:r>
               <a:rPr lang="en-US" sz="2000" dirty="0"/>
-              <a:t>of accounting for a wider range of </a:t>
-            </a:r>
-            <a:r>
-              <a:rPr lang="en-US" sz="2000" dirty="0" smtClean="0"/>
-              <a:t>affective phenomena.</a:t>
-            </a:r>
-          </a:p>
-          <a:p>
-            <a:r>
-              <a:rPr lang="en-US" sz="2000" dirty="0" smtClean="0"/>
-              <a:t>In contrast to dimensional theory, basic emotion theory’s categorization </a:t>
+              <a:t>of accounting for a </a:t>
+            </a:r>
+            <a:r>
+              <a:rPr lang="en-US" sz="2000" dirty="0">
+                <a:solidFill>
+                  <a:srgbClr val="FF0000"/>
+                </a:solidFill>
+              </a:rPr>
+              <a:t>wider range </a:t>
+            </a:r>
+            <a:r>
+              <a:rPr lang="en-US" sz="2000" dirty="0"/>
+              <a:t>of </a:t>
+            </a:r>
+            <a:r>
+              <a:rPr lang="en-US" sz="2000" dirty="0" smtClean="0"/>
+              <a:t>affective phenomena</a:t>
+            </a:r>
+            <a:r>
+              <a:rPr lang="en-US" sz="2000" dirty="0" smtClean="0"/>
+              <a:t>.</a:t>
+            </a:r>
+          </a:p>
+          <a:p>
+            <a:endParaRPr lang="en-US" sz="2000" dirty="0" smtClean="0"/>
+          </a:p>
+          <a:p>
+            <a:r>
+              <a:rPr lang="en-US" sz="2000" dirty="0" smtClean="0"/>
+              <a:t>In contrast to </a:t>
+            </a:r>
+            <a:r>
+              <a:rPr lang="en-US" sz="2000" b="1" dirty="0" smtClean="0"/>
+              <a:t>dimensional</a:t>
+            </a:r>
+            <a:r>
+              <a:rPr lang="en-US" sz="2000" dirty="0" smtClean="0"/>
+              <a:t> theory, </a:t>
+            </a:r>
+            <a:r>
+              <a:rPr lang="en-US" sz="2000" b="1" dirty="0" smtClean="0"/>
+              <a:t>basic</a:t>
+            </a:r>
+            <a:r>
+              <a:rPr lang="en-US" sz="2000" dirty="0" smtClean="0"/>
+              <a:t> emotion theory’s categorization </a:t>
             </a:r>
             <a:r>
               <a:rPr lang="en-US" sz="2000" dirty="0"/>
@@ -15440,11 +16361,27 @@
             </a:r>
             <a:r>
               <a:rPr lang="en-US" sz="2000" dirty="0" smtClean="0"/>
-              <a:t>a facial </a:t>
+              <a:t>a </a:t>
+            </a:r>
+            <a:r>
+              <a:rPr lang="en-US" sz="2000" dirty="0" smtClean="0">
+                <a:solidFill>
+                  <a:srgbClr val="FF0000"/>
+                </a:solidFill>
+              </a:rPr>
+              <a:t>facial </a:t>
+            </a:r>
+            <a:r>
+              <a:rPr lang="en-US" sz="2000" dirty="0">
+                <a:solidFill>
+                  <a:srgbClr val="FF0000"/>
+                </a:solidFill>
+              </a:rPr>
+              <a:t>expression </a:t>
             </a:r>
             <a:r>
               <a:rPr lang="en-US" sz="2000" dirty="0"/>
-              <a:t>expression of the emotion.</a:t>
+              <a:t>of the emotion.</a:t>
             </a:r>
             <a:endParaRPr lang="en-US" sz="2000" dirty="0" smtClean="0"/>
           </a:p>
@@ -15460,8 +16397,8 @@
         </p:nvSpPr>
         <p:spPr>
           <a:xfrm>
-            <a:off x="0" y="0"/>
-            <a:ext cx="9144000" cy="1143000"/>
+            <a:off x="76200" y="0"/>
+            <a:ext cx="9067800" cy="1143000"/>
           </a:xfrm>
           <a:prstGeom prst="rect">
             <a:avLst/>
@@ -15702,107 +16639,318 @@
           </a:lstStyle>
           <a:p>
             <a:r>
-              <a:rPr lang="en-US" sz="2000" dirty="0"/>
-              <a:t>Dimensional theories might struggle to adequately distinguish emotions </a:t>
-            </a:r>
-            <a:r>
-              <a:rPr lang="en-US" sz="2000" dirty="0" smtClean="0"/>
+              <a:rPr lang="en-US" sz="1800" b="1" dirty="0" smtClean="0"/>
+              <a:t> Dimensional</a:t>
+            </a:r>
+            <a:r>
+              <a:rPr lang="en-US" sz="1800" dirty="0" smtClean="0"/>
+              <a:t> </a:t>
+            </a:r>
+            <a:r>
+              <a:rPr lang="en-US" sz="1800" dirty="0"/>
+              <a:t>theories might </a:t>
+            </a:r>
+            <a:r>
+              <a:rPr lang="en-US" sz="1800" dirty="0">
+                <a:solidFill>
+                  <a:srgbClr val="FF0000"/>
+                </a:solidFill>
+              </a:rPr>
+              <a:t>struggle</a:t>
+            </a:r>
+            <a:r>
+              <a:rPr lang="en-US" sz="1800" dirty="0"/>
+              <a:t> to adequately </a:t>
+            </a:r>
+            <a:r>
+              <a:rPr lang="en-US" sz="1800" dirty="0">
+                <a:solidFill>
+                  <a:srgbClr val="FF0000"/>
+                </a:solidFill>
+              </a:rPr>
+              <a:t>distinguish</a:t>
+            </a:r>
+            <a:r>
+              <a:rPr lang="en-US" sz="1800" dirty="0"/>
+              <a:t> emotions </a:t>
+            </a:r>
+            <a:r>
+              <a:rPr lang="en-US" sz="1800" dirty="0" smtClean="0"/>
               <a:t>because of </a:t>
             </a:r>
             <a:r>
-              <a:rPr lang="en-US" sz="2000" dirty="0"/>
-              <a:t>the existence of limited dimensions</a:t>
-            </a:r>
-            <a:r>
-              <a:rPr lang="en-US" sz="2000" dirty="0" smtClean="0"/>
+              <a:rPr lang="en-US" sz="1800" dirty="0"/>
+              <a:t>the existence of </a:t>
+            </a:r>
+            <a:r>
+              <a:rPr lang="en-US" sz="1800" dirty="0">
+                <a:solidFill>
+                  <a:srgbClr val="FF0000"/>
+                </a:solidFill>
+              </a:rPr>
+              <a:t>limited dimensions</a:t>
+            </a:r>
+            <a:r>
+              <a:rPr lang="en-US" sz="1800" dirty="0" smtClean="0"/>
               <a:t>.</a:t>
             </a:r>
           </a:p>
           <a:p>
-            <a:r>
-              <a:rPr lang="en-US" sz="2000" dirty="0" smtClean="0"/>
-              <a:t>Pleasure </a:t>
-            </a:r>
-            <a:r>
-              <a:rPr lang="en-US" sz="2000" dirty="0"/>
+            <a:endParaRPr lang="en-US" sz="800" dirty="0" smtClean="0"/>
+          </a:p>
+          <a:p>
+            <a:r>
+              <a:rPr lang="en-US" sz="1800" dirty="0" smtClean="0"/>
+              <a:t> </a:t>
+            </a:r>
+            <a:r>
+              <a:rPr lang="en-US" sz="1800" dirty="0" smtClean="0">
+                <a:solidFill>
+                  <a:srgbClr val="FF0000"/>
+                </a:solidFill>
+              </a:rPr>
+              <a:t>Pleasure</a:t>
+            </a:r>
+            <a:r>
+              <a:rPr lang="en-US" sz="1800" dirty="0" smtClean="0"/>
+              <a:t> </a:t>
+            </a:r>
+            <a:r>
+              <a:rPr lang="en-US" sz="1800" dirty="0"/>
               <a:t>dimension roughly maps onto appraisal dimensions that characterize </a:t>
             </a:r>
             <a:r>
-              <a:rPr lang="en-US" sz="2000" dirty="0" smtClean="0"/>
-              <a:t>the valence </a:t>
-            </a:r>
-            <a:r>
-              <a:rPr lang="en-US" sz="2000" dirty="0"/>
+              <a:rPr lang="en-US" sz="1800" dirty="0" smtClean="0"/>
+              <a:t>the </a:t>
+            </a:r>
+            <a:r>
+              <a:rPr lang="en-US" sz="1800" dirty="0" smtClean="0">
+                <a:solidFill>
+                  <a:srgbClr val="FF0000"/>
+                </a:solidFill>
+              </a:rPr>
+              <a:t>valence</a:t>
+            </a:r>
+            <a:r>
+              <a:rPr lang="en-US" sz="1800" dirty="0" smtClean="0"/>
+              <a:t> </a:t>
+            </a:r>
+            <a:r>
+              <a:rPr lang="en-US" sz="1800" dirty="0"/>
               <a:t>of an appraisal-eliciting </a:t>
             </a:r>
             <a:r>
-              <a:rPr lang="en-US" sz="2000" dirty="0" smtClean="0"/>
-              <a:t>event (e.g., desirability).</a:t>
-            </a:r>
-          </a:p>
-          <a:p>
-            <a:r>
-              <a:rPr lang="en-US" sz="2000" dirty="0" smtClean="0"/>
-              <a:t>Dominance </a:t>
-            </a:r>
-            <a:r>
-              <a:rPr lang="en-US" sz="2000" dirty="0"/>
+              <a:rPr lang="en-US" sz="1800" dirty="0" smtClean="0"/>
+              <a:t>event (e.g., desirability</a:t>
+            </a:r>
+            <a:r>
+              <a:rPr lang="en-US" sz="1800" dirty="0" smtClean="0"/>
+              <a:t>).</a:t>
+            </a:r>
+          </a:p>
+          <a:p>
+            <a:endParaRPr lang="en-US" sz="800" dirty="0" smtClean="0"/>
+          </a:p>
+          <a:p>
+            <a:r>
+              <a:rPr lang="en-US" sz="1800" dirty="0" smtClean="0"/>
+              <a:t> </a:t>
+            </a:r>
+            <a:r>
+              <a:rPr lang="en-US" sz="1800" dirty="0" smtClean="0">
+                <a:solidFill>
+                  <a:srgbClr val="FF0000"/>
+                </a:solidFill>
+              </a:rPr>
+              <a:t>Dominance</a:t>
+            </a:r>
+            <a:r>
+              <a:rPr lang="en-US" sz="1800" dirty="0" smtClean="0"/>
+              <a:t> </a:t>
+            </a:r>
+            <a:r>
+              <a:rPr lang="en-US" sz="1800" dirty="0"/>
               <a:t>roughly maps onto the </a:t>
             </a:r>
             <a:r>
-              <a:rPr lang="en-US" sz="2000" dirty="0" smtClean="0"/>
+              <a:rPr lang="en-US" sz="1800" dirty="0" smtClean="0"/>
               <a:t>appraisal dimension </a:t>
             </a:r>
             <a:r>
-              <a:rPr lang="en-US" sz="2000" dirty="0"/>
-              <a:t>of coping </a:t>
-            </a:r>
-            <a:r>
-              <a:rPr lang="en-US" sz="2000" dirty="0" smtClean="0"/>
-              <a:t>potential.</a:t>
-            </a:r>
-          </a:p>
-          <a:p>
-            <a:r>
-              <a:rPr lang="en-US" sz="2000" dirty="0" smtClean="0"/>
-              <a:t>Arousal </a:t>
-            </a:r>
-            <a:r>
-              <a:rPr lang="en-US" sz="2000" dirty="0"/>
+              <a:rPr lang="en-US" sz="1800" dirty="0"/>
+              <a:t>of </a:t>
+            </a:r>
+            <a:r>
+              <a:rPr lang="en-US" sz="1800" dirty="0">
+                <a:solidFill>
+                  <a:srgbClr val="FF0000"/>
+                </a:solidFill>
+              </a:rPr>
+              <a:t>coping</a:t>
+            </a:r>
+            <a:r>
+              <a:rPr lang="en-US" sz="1800" dirty="0"/>
+              <a:t> </a:t>
+            </a:r>
+            <a:r>
+              <a:rPr lang="en-US" sz="1800" dirty="0" smtClean="0"/>
+              <a:t>potential</a:t>
+            </a:r>
+            <a:r>
+              <a:rPr lang="en-US" sz="1800" dirty="0" smtClean="0"/>
+              <a:t>.</a:t>
+            </a:r>
+          </a:p>
+          <a:p>
+            <a:endParaRPr lang="en-US" sz="800" dirty="0" smtClean="0"/>
+          </a:p>
+          <a:p>
+            <a:r>
+              <a:rPr lang="en-US" sz="1800" dirty="0" smtClean="0"/>
+              <a:t> </a:t>
+            </a:r>
+            <a:r>
+              <a:rPr lang="en-US" sz="1800" dirty="0" smtClean="0">
+                <a:solidFill>
+                  <a:srgbClr val="FF0000"/>
+                </a:solidFill>
+              </a:rPr>
+              <a:t>Arousal</a:t>
+            </a:r>
+            <a:r>
+              <a:rPr lang="en-US" sz="1800" dirty="0" smtClean="0"/>
+              <a:t> </a:t>
+            </a:r>
+            <a:r>
+              <a:rPr lang="en-US" sz="1800" dirty="0"/>
               <a:t>can be considered as a measure </a:t>
             </a:r>
             <a:r>
-              <a:rPr lang="en-US" sz="2000" dirty="0" smtClean="0"/>
-              <a:t>of intensity.</a:t>
-            </a:r>
-          </a:p>
-          <a:p>
-            <a:r>
-              <a:rPr lang="en-US" sz="2000" dirty="0" smtClean="0"/>
-              <a:t>Appraisals are relational constructs (between an event and one’s mental states), whereas emotions in dimensional are non-relational and just a unique overall state of individual.</a:t>
-            </a:r>
-          </a:p>
-          <a:p>
-            <a:r>
-              <a:rPr lang="en-US" sz="2000" dirty="0" smtClean="0"/>
-              <a:t>Dimensional emotion theory do not address affects antecedents like appraisal and they question the causal linkage between appraisal and emotion.</a:t>
-            </a:r>
-          </a:p>
-          <a:p>
-            <a:r>
-              <a:rPr lang="en-US" sz="2000" dirty="0" smtClean="0">
+              <a:rPr lang="en-US" sz="1800" dirty="0" smtClean="0"/>
+              <a:t>of </a:t>
+            </a:r>
+            <a:r>
+              <a:rPr lang="en-US" sz="1800" dirty="0" smtClean="0">
                 <a:solidFill>
                   <a:srgbClr val="FF0000"/>
                 </a:solidFill>
               </a:rPr>
-              <a:t>Dimensional emotion theory lacks the link between preceding intentional meaning and emotion.</a:t>
-            </a:r>
-          </a:p>
-          <a:p>
-            <a:endParaRPr lang="en-US" sz="2000" dirty="0" smtClean="0"/>
-          </a:p>
-          <a:p>
-            <a:endParaRPr lang="en-US" sz="2000" dirty="0" smtClean="0"/>
+              <a:t>intensity</a:t>
+            </a:r>
+            <a:r>
+              <a:rPr lang="en-US" sz="1800" dirty="0" smtClean="0"/>
+              <a:t>.</a:t>
+            </a:r>
+          </a:p>
+          <a:p>
+            <a:endParaRPr lang="en-US" sz="800" dirty="0" smtClean="0"/>
+          </a:p>
+          <a:p>
+            <a:r>
+              <a:rPr lang="en-US" sz="1800" dirty="0" smtClean="0"/>
+              <a:t> </a:t>
+            </a:r>
+            <a:r>
+              <a:rPr lang="en-US" sz="1800" b="1" dirty="0" smtClean="0"/>
+              <a:t>Appraisals</a:t>
+            </a:r>
+            <a:r>
+              <a:rPr lang="en-US" sz="1800" dirty="0" smtClean="0"/>
+              <a:t> </a:t>
+            </a:r>
+            <a:r>
+              <a:rPr lang="en-US" sz="1800" dirty="0" smtClean="0"/>
+              <a:t>are </a:t>
+            </a:r>
+            <a:r>
+              <a:rPr lang="en-US" sz="1800" dirty="0" smtClean="0">
+                <a:solidFill>
+                  <a:srgbClr val="FF0000"/>
+                </a:solidFill>
+              </a:rPr>
+              <a:t>relational constructs </a:t>
+            </a:r>
+            <a:r>
+              <a:rPr lang="en-US" sz="1800" dirty="0" smtClean="0"/>
+              <a:t>(between an event and one’s mental states), whereas emotions in </a:t>
+            </a:r>
+            <a:r>
+              <a:rPr lang="en-US" sz="1800" b="1" dirty="0" smtClean="0"/>
+              <a:t>dimensional</a:t>
+            </a:r>
+            <a:r>
+              <a:rPr lang="en-US" sz="1800" dirty="0" smtClean="0"/>
+              <a:t> are non-relational and just a unique </a:t>
+            </a:r>
+            <a:r>
+              <a:rPr lang="en-US" sz="1800" dirty="0" smtClean="0">
+                <a:solidFill>
+                  <a:srgbClr val="FF0000"/>
+                </a:solidFill>
+              </a:rPr>
+              <a:t>overall state </a:t>
+            </a:r>
+            <a:r>
+              <a:rPr lang="en-US" sz="1800" dirty="0" smtClean="0"/>
+              <a:t>of individual</a:t>
+            </a:r>
+            <a:r>
+              <a:rPr lang="en-US" sz="1800" dirty="0" smtClean="0"/>
+              <a:t>.</a:t>
+            </a:r>
+          </a:p>
+          <a:p>
+            <a:endParaRPr lang="en-US" sz="800" dirty="0" smtClean="0"/>
+          </a:p>
+          <a:p>
+            <a:r>
+              <a:rPr lang="en-US" sz="1800" dirty="0" smtClean="0"/>
+              <a:t> </a:t>
+            </a:r>
+            <a:r>
+              <a:rPr lang="en-US" sz="1800" b="1" dirty="0" smtClean="0"/>
+              <a:t>Dimensional</a:t>
+            </a:r>
+            <a:r>
+              <a:rPr lang="en-US" sz="1800" dirty="0" smtClean="0"/>
+              <a:t> </a:t>
+            </a:r>
+            <a:r>
+              <a:rPr lang="en-US" sz="1800" dirty="0" smtClean="0"/>
+              <a:t>emotion theory </a:t>
+            </a:r>
+            <a:r>
+              <a:rPr lang="en-US" sz="1800" dirty="0" smtClean="0"/>
+              <a:t>does </a:t>
+            </a:r>
+            <a:r>
+              <a:rPr lang="en-US" sz="1800" dirty="0" smtClean="0"/>
+              <a:t>not address </a:t>
+            </a:r>
+            <a:r>
+              <a:rPr lang="en-US" sz="1800" dirty="0" smtClean="0"/>
+              <a:t>affects’ </a:t>
+            </a:r>
+            <a:r>
+              <a:rPr lang="en-US" sz="1800" dirty="0" smtClean="0"/>
+              <a:t>antecedents like appraisal and they question the </a:t>
+            </a:r>
+            <a:r>
+              <a:rPr lang="en-US" sz="1800" dirty="0" smtClean="0">
+                <a:solidFill>
+                  <a:srgbClr val="FF0000"/>
+                </a:solidFill>
+              </a:rPr>
+              <a:t>causal linkage </a:t>
+            </a:r>
+            <a:r>
+              <a:rPr lang="en-US" sz="1800" dirty="0" smtClean="0"/>
+              <a:t>between appraisal and emotion</a:t>
+            </a:r>
+            <a:r>
+              <a:rPr lang="en-US" sz="1800" dirty="0" smtClean="0"/>
+              <a:t>.</a:t>
+            </a:r>
           </a:p>
         </p:txBody>
       </p:sp>
@@ -16062,28 +17210,100 @@
           </a:lstStyle>
           <a:p>
             <a:r>
-              <a:rPr lang="en-US" sz="2000" dirty="0" smtClean="0"/>
-              <a:t>Both consider emotions to descend from valenced reactions to the stimuli.</a:t>
-            </a:r>
-          </a:p>
-          <a:p>
-            <a:r>
-              <a:rPr lang="en-US" sz="2000" dirty="0" smtClean="0"/>
+              <a:rPr lang="en-US" sz="1800" dirty="0" smtClean="0"/>
+              <a:t>Both consider emotions to descend from </a:t>
+            </a:r>
+            <a:r>
+              <a:rPr lang="en-US" sz="1800" dirty="0" smtClean="0">
+                <a:solidFill>
+                  <a:srgbClr val="FF0000"/>
+                </a:solidFill>
+              </a:rPr>
+              <a:t>valenced reactions</a:t>
+            </a:r>
+            <a:r>
+              <a:rPr lang="en-US" sz="1800" dirty="0" smtClean="0"/>
+              <a:t> to the stimuli.</a:t>
+            </a:r>
+          </a:p>
+          <a:p>
+            <a:r>
+              <a:rPr lang="en-US" sz="1800" dirty="0" smtClean="0"/>
               <a:t>Both acknowledge </a:t>
             </a:r>
             <a:r>
-              <a:rPr lang="en-US" sz="2000" dirty="0"/>
-              <a:t>the role of arousal in determining </a:t>
-            </a:r>
-            <a:r>
-              <a:rPr lang="en-US" sz="2000" dirty="0" smtClean="0"/>
-              <a:t>emotional reactions (as intensity in OCC model – as coping potential by Scherer).</a:t>
-            </a:r>
-          </a:p>
-          <a:p>
-            <a:r>
-              <a:rPr lang="en-US" sz="2000" dirty="0" smtClean="0"/>
-              <a:t>Dimensional theories and OCC model can relate to each other in terms of categorization of emotions.</a:t>
+              <a:rPr lang="en-US" sz="1800" dirty="0"/>
+              <a:t>the role of </a:t>
+            </a:r>
+            <a:r>
+              <a:rPr lang="en-US" sz="1800" dirty="0">
+                <a:solidFill>
+                  <a:srgbClr val="FF0000"/>
+                </a:solidFill>
+              </a:rPr>
+              <a:t>arousal</a:t>
+            </a:r>
+            <a:r>
+              <a:rPr lang="en-US" sz="1800" dirty="0"/>
+              <a:t> in determining </a:t>
+            </a:r>
+            <a:r>
+              <a:rPr lang="en-US" sz="1800" dirty="0" smtClean="0"/>
+              <a:t>emotional reactions (as </a:t>
+            </a:r>
+            <a:r>
+              <a:rPr lang="en-US" sz="1800" dirty="0" smtClean="0">
+                <a:solidFill>
+                  <a:srgbClr val="FF0000"/>
+                </a:solidFill>
+              </a:rPr>
+              <a:t>intensity</a:t>
+            </a:r>
+            <a:r>
+              <a:rPr lang="en-US" sz="1800" dirty="0" smtClean="0"/>
+              <a:t> in OCC model – as </a:t>
+            </a:r>
+            <a:r>
+              <a:rPr lang="en-US" sz="1800" dirty="0" smtClean="0">
+                <a:solidFill>
+                  <a:srgbClr val="FF0000"/>
+                </a:solidFill>
+              </a:rPr>
+              <a:t>coping potential </a:t>
+            </a:r>
+            <a:r>
+              <a:rPr lang="en-US" sz="1800" dirty="0" smtClean="0"/>
+              <a:t>by Scherer).</a:t>
+            </a:r>
+          </a:p>
+          <a:p>
+            <a:r>
+              <a:rPr lang="en-US" sz="1800" b="1" dirty="0" smtClean="0"/>
+              <a:t>Dimensional</a:t>
+            </a:r>
+            <a:r>
+              <a:rPr lang="en-US" sz="1800" dirty="0" smtClean="0"/>
+              <a:t> theories and </a:t>
+            </a:r>
+            <a:r>
+              <a:rPr lang="en-US" sz="1800" b="1" dirty="0" smtClean="0"/>
+              <a:t>OCC</a:t>
+            </a:r>
+            <a:r>
+              <a:rPr lang="en-US" sz="1800" dirty="0" smtClean="0"/>
+              <a:t> model can relate to each other in terms of </a:t>
+            </a:r>
+            <a:r>
+              <a:rPr lang="en-US" sz="1800" dirty="0" smtClean="0">
+                <a:solidFill>
+                  <a:srgbClr val="FF0000"/>
+                </a:solidFill>
+              </a:rPr>
+              <a:t>categorization</a:t>
+            </a:r>
+            <a:r>
+              <a:rPr lang="en-US" sz="1800" dirty="0" smtClean="0"/>
+              <a:t> of emotions.</a:t>
             </a:r>
           </a:p>
         </p:txBody>
@@ -16166,8 +17386,8 @@
         </p:blipFill>
         <p:spPr bwMode="auto">
           <a:xfrm>
-            <a:off x="2341370" y="3363694"/>
-            <a:ext cx="4461259" cy="3394353"/>
+            <a:off x="2033758" y="2882900"/>
+            <a:ext cx="5076483" cy="3862447"/>
           </a:xfrm>
           <a:prstGeom prst="rect">
             <a:avLst/>
@@ -16555,7 +17775,7 @@
         </p:spPr>
         <p:txBody>
           <a:bodyPr vert="horz" lIns="91440" tIns="45720" rIns="91440" bIns="45720" rtlCol="0">
-            <a:normAutofit/>
+            <a:noAutofit/>
           </a:bodyPr>
           <a:lstStyle>
             <a:lvl1pPr marL="342900" indent="-342900" algn="l" defTabSz="914400" rtl="0" eaLnBrk="1" latinLnBrk="0" hangingPunct="1">
@@ -16696,120 +17916,210 @@
           </a:lstStyle>
           <a:p>
             <a:r>
-              <a:rPr lang="en-US" sz="2000" dirty="0" smtClean="0"/>
+              <a:rPr lang="en-US" sz="1800" dirty="0" smtClean="0"/>
               <a:t>It is good </a:t>
             </a:r>
             <a:r>
-              <a:rPr lang="en-US" sz="2000" dirty="0"/>
+              <a:rPr lang="en-US" sz="1800" dirty="0"/>
               <a:t>to follow </a:t>
             </a:r>
             <a:r>
-              <a:rPr lang="en-US" sz="2000" dirty="0" smtClean="0"/>
-              <a:t>well-established computational models with theoretical foundations.</a:t>
-            </a:r>
-          </a:p>
-          <a:p>
-            <a:r>
-              <a:rPr lang="en-US" sz="2000" dirty="0" smtClean="0"/>
+              <a:rPr lang="en-US" sz="1800" dirty="0" smtClean="0"/>
+              <a:t>well-established computational models with theoretical foundations</a:t>
+            </a:r>
+            <a:r>
+              <a:rPr lang="en-US" sz="1800" dirty="0" smtClean="0"/>
+              <a:t>.</a:t>
+            </a:r>
+          </a:p>
+          <a:p>
+            <a:endParaRPr lang="en-US" sz="1000" dirty="0" smtClean="0"/>
+          </a:p>
+          <a:p>
+            <a:r>
+              <a:rPr lang="en-US" sz="1800" dirty="0" smtClean="0"/>
               <a:t>They </a:t>
             </a:r>
             <a:r>
-              <a:rPr lang="en-US" sz="2000" dirty="0"/>
-              <a:t>can explain more details of the structure or the processes involved </a:t>
-            </a:r>
-            <a:r>
-              <a:rPr lang="en-US" sz="2000" dirty="0" smtClean="0"/>
+              <a:rPr lang="en-US" sz="1800" dirty="0"/>
+              <a:t>can explain more details of the </a:t>
+            </a:r>
+            <a:r>
+              <a:rPr lang="en-US" sz="1800" dirty="0">
+                <a:solidFill>
+                  <a:srgbClr val="FF0000"/>
+                </a:solidFill>
+              </a:rPr>
+              <a:t>structure</a:t>
+            </a:r>
+            <a:r>
+              <a:rPr lang="en-US" sz="1800" dirty="0"/>
+              <a:t> or the </a:t>
+            </a:r>
+            <a:r>
+              <a:rPr lang="en-US" sz="1800" dirty="0">
+                <a:solidFill>
+                  <a:srgbClr val="FF0000"/>
+                </a:solidFill>
+              </a:rPr>
+              <a:t>processes</a:t>
+            </a:r>
+            <a:r>
+              <a:rPr lang="en-US" sz="1800" dirty="0"/>
+              <a:t> involved </a:t>
+            </a:r>
+            <a:r>
+              <a:rPr lang="en-US" sz="1800" dirty="0" smtClean="0"/>
               <a:t>in affective </a:t>
             </a:r>
             <a:r>
-              <a:rPr lang="en-US" sz="2000" dirty="0"/>
+              <a:rPr lang="en-US" sz="1800" dirty="0"/>
               <a:t>situations</a:t>
             </a:r>
             <a:r>
-              <a:rPr lang="en-US" sz="2000" dirty="0" smtClean="0"/>
+              <a:rPr lang="en-US" sz="1800" dirty="0" smtClean="0"/>
               <a:t>.</a:t>
             </a:r>
           </a:p>
           <a:p>
-            <a:r>
-              <a:rPr lang="en-US" sz="2000" dirty="0"/>
-              <a:t>It is not necessarily </a:t>
-            </a:r>
-            <a:r>
-              <a:rPr lang="en-US" sz="2000" dirty="0" smtClean="0"/>
+            <a:endParaRPr lang="en-US" sz="1000" dirty="0" smtClean="0"/>
+          </a:p>
+          <a:p>
+            <a:r>
+              <a:rPr lang="en-US" sz="1800" dirty="0"/>
+              <a:t>It is </a:t>
+            </a:r>
+            <a:r>
+              <a:rPr lang="en-US" sz="1800" dirty="0">
+                <a:solidFill>
+                  <a:srgbClr val="FF0000"/>
+                </a:solidFill>
+              </a:rPr>
+              <a:t>not necessarily </a:t>
+            </a:r>
+            <a:r>
+              <a:rPr lang="en-US" sz="1800" dirty="0" smtClean="0"/>
               <a:t>to exactly follow only </a:t>
             </a:r>
             <a:r>
-              <a:rPr lang="en-US" sz="2000" dirty="0"/>
+              <a:rPr lang="en-US" sz="1800" dirty="0"/>
               <a:t>one theory and its descriptions</a:t>
             </a:r>
             <a:r>
-              <a:rPr lang="en-US" sz="2000" dirty="0" smtClean="0"/>
+              <a:rPr lang="en-US" sz="1800" dirty="0" smtClean="0"/>
               <a:t>.</a:t>
             </a:r>
           </a:p>
           <a:p>
-            <a:r>
-              <a:rPr lang="en-US" sz="2000" dirty="0" smtClean="0"/>
-              <a:t>Different </a:t>
-            </a:r>
-            <a:r>
-              <a:rPr lang="en-US" sz="2000" dirty="0"/>
-              <a:t>aspects of models can represent different theories</a:t>
-            </a:r>
-            <a:r>
-              <a:rPr lang="en-US" sz="2000" dirty="0" smtClean="0"/>
+            <a:endParaRPr lang="en-US" sz="1000" dirty="0" smtClean="0"/>
+          </a:p>
+          <a:p>
+            <a:r>
+              <a:rPr lang="en-US" sz="1800" dirty="0" smtClean="0"/>
+              <a:t>We </a:t>
+            </a:r>
+            <a:r>
+              <a:rPr lang="en-US" sz="1800" dirty="0" smtClean="0"/>
+              <a:t>believe </a:t>
+            </a:r>
+            <a:r>
+              <a:rPr lang="en-US" sz="1800" dirty="0"/>
+              <a:t>the </a:t>
+            </a:r>
+            <a:r>
+              <a:rPr lang="en-US" sz="1800" dirty="0">
+                <a:solidFill>
+                  <a:srgbClr val="FF0000"/>
+                </a:solidFill>
+              </a:rPr>
+              <a:t>interpersonal </a:t>
+            </a:r>
+            <a:r>
+              <a:rPr lang="en-US" sz="1800" dirty="0" smtClean="0">
+                <a:solidFill>
+                  <a:srgbClr val="FF0000"/>
+                </a:solidFill>
+              </a:rPr>
+              <a:t>functions </a:t>
+            </a:r>
+            <a:r>
+              <a:rPr lang="en-US" sz="1800" dirty="0" smtClean="0"/>
+              <a:t>of </a:t>
+            </a:r>
+            <a:r>
+              <a:rPr lang="en-US" sz="1800" dirty="0"/>
+              <a:t>emotions should be our first </a:t>
+            </a:r>
+            <a:r>
+              <a:rPr lang="en-US" sz="1800" dirty="0" smtClean="0"/>
+              <a:t>concern</a:t>
+            </a:r>
+            <a:r>
+              <a:rPr lang="en-US" sz="1800" dirty="0" smtClean="0"/>
               <a:t>.</a:t>
             </a:r>
           </a:p>
           <a:p>
-            <a:r>
-              <a:rPr lang="en-US" sz="2000" dirty="0" smtClean="0"/>
-              <a:t>We believe </a:t>
-            </a:r>
-            <a:r>
-              <a:rPr lang="en-US" sz="2000" dirty="0"/>
-              <a:t>the interpersonal </a:t>
-            </a:r>
-            <a:r>
-              <a:rPr lang="en-US" sz="2000" dirty="0" smtClean="0"/>
-              <a:t>functions of </a:t>
-            </a:r>
-            <a:r>
-              <a:rPr lang="en-US" sz="2000" dirty="0"/>
-              <a:t>emotions should be our first </a:t>
-            </a:r>
-            <a:r>
-              <a:rPr lang="en-US" sz="2000" dirty="0" smtClean="0"/>
-              <a:t>concern.</a:t>
-            </a:r>
-          </a:p>
-          <a:p>
-            <a:r>
-              <a:rPr lang="en-US" sz="2000" dirty="0" smtClean="0"/>
+            <a:endParaRPr lang="en-US" sz="1000" dirty="0" smtClean="0"/>
+          </a:p>
+          <a:p>
+            <a:r>
+              <a:rPr lang="en-US" sz="1800" dirty="0" smtClean="0"/>
               <a:t>We can </a:t>
             </a:r>
             <a:r>
-              <a:rPr lang="en-US" sz="2000" dirty="0"/>
+              <a:rPr lang="en-US" sz="1800" dirty="0"/>
               <a:t>see the importance </a:t>
             </a:r>
             <a:r>
-              <a:rPr lang="en-US" sz="2000" dirty="0" smtClean="0"/>
-              <a:t>of interpretive</a:t>
-            </a:r>
-            <a:r>
-              <a:rPr lang="en-US" sz="2000" dirty="0"/>
-              <a:t>, communicative and regulatory aspects of emotion functions in </a:t>
-            </a:r>
-            <a:r>
-              <a:rPr lang="en-US" sz="2000" dirty="0" smtClean="0"/>
-              <a:t>this proposed </a:t>
-            </a:r>
-            <a:r>
-              <a:rPr lang="en-US" sz="2000" dirty="0"/>
+              <a:rPr lang="en-US" sz="1800" dirty="0" smtClean="0"/>
+              <a:t>of </a:t>
+            </a:r>
+            <a:r>
+              <a:rPr lang="en-US" sz="1800" dirty="0" smtClean="0">
+                <a:solidFill>
+                  <a:srgbClr val="FF0000"/>
+                </a:solidFill>
+              </a:rPr>
+              <a:t>interpretive</a:t>
+            </a:r>
+            <a:r>
+              <a:rPr lang="en-US" sz="1800" dirty="0"/>
+              <a:t>, </a:t>
+            </a:r>
+            <a:r>
+              <a:rPr lang="en-US" sz="1800" dirty="0">
+                <a:solidFill>
+                  <a:srgbClr val="FF0000"/>
+                </a:solidFill>
+              </a:rPr>
+              <a:t>communicative</a:t>
+            </a:r>
+            <a:r>
+              <a:rPr lang="en-US" sz="1800" dirty="0"/>
+              <a:t> and </a:t>
+            </a:r>
+            <a:r>
+              <a:rPr lang="en-US" sz="1800" dirty="0">
+                <a:solidFill>
+                  <a:srgbClr val="FF0000"/>
+                </a:solidFill>
+              </a:rPr>
+              <a:t>regulatory</a:t>
+            </a:r>
+            <a:r>
+              <a:rPr lang="en-US" sz="1800" dirty="0"/>
+              <a:t> aspects of emotion functions in </a:t>
+            </a:r>
+            <a:r>
+              <a:rPr lang="en-US" sz="1800" dirty="0" smtClean="0"/>
+              <a:t>our proposed </a:t>
+            </a:r>
+            <a:r>
+              <a:rPr lang="en-US" sz="1800" dirty="0"/>
               <a:t>work.</a:t>
             </a:r>
-            <a:endParaRPr lang="en-US" sz="2000" dirty="0" smtClean="0"/>
+            <a:endParaRPr lang="en-US" sz="1800" dirty="0" smtClean="0"/>
           </a:p>
         </p:txBody>
       </p:sp>
@@ -16913,7 +18223,7 @@
         </p:nvSpPr>
         <p:spPr>
           <a:xfrm>
-            <a:off x="685800" y="2438400"/>
+            <a:off x="685800" y="1524000"/>
             <a:ext cx="7772400" cy="1470025"/>
           </a:xfrm>
         </p:spPr>
@@ -17011,6 +18321,71 @@
           </a:extLst>
         </p:spPr>
       </p:pic>
+      <p:sp>
+        <p:nvSpPr>
+          <p:cNvPr id="5" name="Subtitle 2"/>
+          <p:cNvSpPr>
+            <a:spLocks noGrp="1"/>
+          </p:cNvSpPr>
+          <p:nvPr>
+            <p:ph type="subTitle" idx="1"/>
+          </p:nvPr>
+        </p:nvSpPr>
+        <p:spPr>
+          <a:xfrm>
+            <a:off x="1371600" y="3276600"/>
+            <a:ext cx="6400800" cy="1447800"/>
+          </a:xfrm>
+        </p:spPr>
+        <p:txBody>
+          <a:bodyPr>
+            <a:normAutofit lnSpcReduction="10000"/>
+          </a:bodyPr>
+          <a:lstStyle/>
+          <a:p>
+            <a:r>
+              <a:rPr lang="en-US" sz="2800" dirty="0" smtClean="0">
+                <a:solidFill>
+                  <a:schemeClr val="tx1"/>
+                </a:solidFill>
+              </a:rPr>
+              <a:t>Mohammad Shayganfar</a:t>
+            </a:r>
+          </a:p>
+          <a:p>
+            <a:endParaRPr lang="en-US" sz="1800" b="1" dirty="0" smtClean="0">
+              <a:solidFill>
+                <a:schemeClr val="tx1"/>
+              </a:solidFill>
+            </a:endParaRPr>
+          </a:p>
+          <a:p>
+            <a:r>
+              <a:rPr lang="en-US" sz="1800" b="1" dirty="0" smtClean="0">
+                <a:solidFill>
+                  <a:schemeClr val="tx1"/>
+                </a:solidFill>
+              </a:rPr>
+              <a:t>PhD Comprehensive Exam</a:t>
+            </a:r>
+          </a:p>
+          <a:p>
+            <a:r>
+              <a:rPr lang="en-US" sz="1800" b="1" dirty="0" smtClean="0">
+                <a:solidFill>
+                  <a:schemeClr val="tx1"/>
+                </a:solidFill>
+              </a:rPr>
+              <a:t>Summer 2015</a:t>
+            </a:r>
+            <a:endParaRPr lang="en-US" sz="1800" b="1" dirty="0">
+              <a:solidFill>
+                <a:schemeClr val="tx1"/>
+              </a:solidFill>
+            </a:endParaRPr>
+          </a:p>
+        </p:txBody>
+      </p:sp>
     </p:spTree>
     <p:extLst>
       <p:ext uri="{BB962C8B-B14F-4D97-AF65-F5344CB8AC3E}">

--- a/presentation/PhD-comprehensive-exam-2.pptx
+++ b/presentation/PhD-comprehensive-exam-2.pptx
@@ -5,7 +5,7 @@
     <p:sldMasterId id="2147483648" r:id="rId1"/>
   </p:sldMasterIdLst>
   <p:notesMasterIdLst>
-    <p:notesMasterId r:id="rId47"/>
+    <p:notesMasterId r:id="rId46"/>
   </p:notesMasterIdLst>
   <p:sldIdLst>
     <p:sldId id="257" r:id="rId2"/>
@@ -37,22 +37,21 @@
     <p:sldId id="341" r:id="rId28"/>
     <p:sldId id="342" r:id="rId29"/>
     <p:sldId id="343" r:id="rId30"/>
-    <p:sldId id="344" r:id="rId31"/>
-    <p:sldId id="345" r:id="rId32"/>
-    <p:sldId id="346" r:id="rId33"/>
-    <p:sldId id="347" r:id="rId34"/>
-    <p:sldId id="348" r:id="rId35"/>
-    <p:sldId id="350" r:id="rId36"/>
-    <p:sldId id="349" r:id="rId37"/>
-    <p:sldId id="351" r:id="rId38"/>
-    <p:sldId id="352" r:id="rId39"/>
-    <p:sldId id="353" r:id="rId40"/>
-    <p:sldId id="354" r:id="rId41"/>
-    <p:sldId id="355" r:id="rId42"/>
-    <p:sldId id="356" r:id="rId43"/>
-    <p:sldId id="357" r:id="rId44"/>
-    <p:sldId id="358" r:id="rId45"/>
-    <p:sldId id="359" r:id="rId46"/>
+    <p:sldId id="345" r:id="rId31"/>
+    <p:sldId id="346" r:id="rId32"/>
+    <p:sldId id="347" r:id="rId33"/>
+    <p:sldId id="348" r:id="rId34"/>
+    <p:sldId id="350" r:id="rId35"/>
+    <p:sldId id="349" r:id="rId36"/>
+    <p:sldId id="351" r:id="rId37"/>
+    <p:sldId id="352" r:id="rId38"/>
+    <p:sldId id="353" r:id="rId39"/>
+    <p:sldId id="354" r:id="rId40"/>
+    <p:sldId id="355" r:id="rId41"/>
+    <p:sldId id="356" r:id="rId42"/>
+    <p:sldId id="357" r:id="rId43"/>
+    <p:sldId id="358" r:id="rId44"/>
+    <p:sldId id="359" r:id="rId45"/>
   </p:sldIdLst>
   <p:sldSz cx="9144000" cy="6858000" type="screen4x3"/>
   <p:notesSz cx="6858000" cy="9144000"/>
@@ -2349,7 +2348,15 @@
             </a:r>
             <a:r>
               <a:rPr lang="en-US" sz="1200" dirty="0" smtClean="0"/>
-              <a:t> to provide a graphical model for reasoning under uncertainty.</a:t>
+              <a:t> to provide a graphical model for </a:t>
+            </a:r>
+            <a:r>
+              <a:rPr lang="en-US" sz="1200" b="1" dirty="0" smtClean="0"/>
+              <a:t>reasoning under uncertainty</a:t>
+            </a:r>
+            <a:r>
+              <a:rPr lang="en-US" sz="1200" dirty="0" smtClean="0"/>
+              <a:t>.</a:t>
             </a:r>
           </a:p>
           <a:p>
@@ -2392,7 +2399,23 @@
             </a:pPr>
             <a:r>
               <a:rPr lang="en-US" sz="1200" dirty="0" smtClean="0"/>
-              <a:t>Each node in the network represents a random variable from the domain.</a:t>
+              <a:t>Each </a:t>
+            </a:r>
+            <a:r>
+              <a:rPr lang="en-US" sz="1200" b="1" dirty="0" smtClean="0"/>
+              <a:t>node</a:t>
+            </a:r>
+            <a:r>
+              <a:rPr lang="en-US" sz="1200" dirty="0" smtClean="0"/>
+              <a:t> in the network represents a </a:t>
+            </a:r>
+            <a:r>
+              <a:rPr lang="en-US" sz="1200" b="1" dirty="0" smtClean="0"/>
+              <a:t>random variable </a:t>
+            </a:r>
+            <a:r>
+              <a:rPr lang="en-US" sz="1200" dirty="0" smtClean="0"/>
+              <a:t>from the domain.</a:t>
             </a:r>
           </a:p>
           <a:p>
@@ -2693,12 +2716,40 @@
               <a:defRPr/>
             </a:pPr>
             <a:r>
+              <a:rPr lang="en-US" sz="1200" b="1" dirty="0" smtClean="0"/>
+              <a:t>Structure</a:t>
+            </a:r>
+            <a:r>
               <a:rPr lang="en-US" sz="1200" dirty="0" smtClean="0"/>
-              <a:t>Structure:</a:t>
+              <a:t>:</a:t>
             </a:r>
             <a:r>
               <a:rPr lang="en-US" sz="1200" baseline="0" dirty="0" smtClean="0"/>
-              <a:t> First, a) what are the nodes/variables to represent in the structure, and b) what are their possible values? Then, causal relationship.</a:t>
+              <a:t> First, a) what are the </a:t>
+            </a:r>
+            <a:r>
+              <a:rPr lang="en-US" sz="1200" b="1" baseline="0" dirty="0" smtClean="0"/>
+              <a:t>nodes/variables</a:t>
+            </a:r>
+            <a:r>
+              <a:rPr lang="en-US" sz="1200" baseline="0" dirty="0" smtClean="0"/>
+              <a:t> to represent in the structure, and b) what are their </a:t>
+            </a:r>
+            <a:r>
+              <a:rPr lang="en-US" sz="1200" b="1" baseline="0" dirty="0" smtClean="0"/>
+              <a:t>possible values</a:t>
+            </a:r>
+            <a:r>
+              <a:rPr lang="en-US" sz="1200" baseline="0" dirty="0" smtClean="0"/>
+              <a:t>? Then, </a:t>
+            </a:r>
+            <a:r>
+              <a:rPr lang="en-US" sz="1200" b="1" baseline="0" dirty="0" smtClean="0"/>
+              <a:t>causal relationship</a:t>
+            </a:r>
+            <a:r>
+              <a:rPr lang="en-US" sz="1200" baseline="0" dirty="0" smtClean="0"/>
+              <a:t>.</a:t>
             </a:r>
           </a:p>
           <a:p>
@@ -2740,7 +2791,7 @@
               <a:defRPr/>
             </a:pPr>
             <a:r>
-              <a:rPr lang="en-US" sz="1200" dirty="0" smtClean="0"/>
+              <a:rPr lang="en-US" sz="1200" b="1" dirty="0" smtClean="0"/>
               <a:t>Conditional Probability Table (CPT): </a:t>
             </a:r>
           </a:p>
@@ -2784,7 +2835,15 @@
             </a:pPr>
             <a:r>
               <a:rPr lang="en-US" sz="1200" dirty="0" smtClean="0"/>
-              <a:t>Each row in a CPT will contain the value of a conditional probability of a node for each case of the possible combination of values for the parent node.</a:t>
+              <a:t>Each row in a CPT will contain the value of a conditional probability of a node for </a:t>
+            </a:r>
+            <a:r>
+              <a:rPr lang="en-US" sz="1200" b="1" dirty="0" smtClean="0"/>
+              <a:t>each case of the possible combination </a:t>
+            </a:r>
+            <a:r>
+              <a:rPr lang="en-US" sz="1200" dirty="0" smtClean="0"/>
+              <a:t>of values for the parent node.</a:t>
             </a:r>
           </a:p>
           <a:p>
@@ -3017,7 +3076,11 @@
           <a:p>
             <a:r>
               <a:rPr lang="en-US" dirty="0" smtClean="0"/>
-              <a:t>In the following formula P(x_1, x_2, …, </a:t>
+              <a:t>(1) In </a:t>
+            </a:r>
+            <a:r>
+              <a:rPr lang="en-US" dirty="0" smtClean="0"/>
+              <a:t>the following formula P(x_1, x_2, …, </a:t>
             </a:r>
             <a:r>
               <a:rPr lang="en-US" dirty="0" err="1" smtClean="0"/>
@@ -3134,7 +3197,15 @@
             </a:pPr>
             <a:r>
               <a:rPr lang="en-US" dirty="0" smtClean="0"/>
-              <a:t>Reasoning in Bayesian networks is the process of updating beliefs in the face of evidence.</a:t>
+              <a:t>Reasoning in Bayesian networks is the </a:t>
+            </a:r>
+            <a:r>
+              <a:rPr lang="en-US" b="1" dirty="0" smtClean="0"/>
+              <a:t>process of updating beliefs </a:t>
+            </a:r>
+            <a:r>
+              <a:rPr lang="en-US" dirty="0" smtClean="0"/>
+              <a:t>in the face of evidence.</a:t>
             </a:r>
           </a:p>
           <a:p>
@@ -3151,7 +3222,15 @@
             </a:pPr>
             <a:r>
               <a:rPr lang="en-US" dirty="0" smtClean="0"/>
-              <a:t>It is the process of efficiently deducing the belief distribution over a particular subset of random variables given that we know the states of some other variables in the network.</a:t>
+              <a:t>It is the process of </a:t>
+            </a:r>
+            <a:r>
+              <a:rPr lang="en-US" b="1" dirty="0" smtClean="0"/>
+              <a:t>efficiently deducing the belief distribution </a:t>
+            </a:r>
+            <a:r>
+              <a:rPr lang="en-US" dirty="0" smtClean="0"/>
+              <a:t>over a particular subset of random variables given that we know the states of some other variables in the network.</a:t>
             </a:r>
           </a:p>
           <a:p>
@@ -3259,6 +3338,112 @@
               <a:buChar char="-"/>
             </a:pPr>
             <a:endParaRPr lang="en-US" dirty="0" smtClean="0"/>
+          </a:p>
+          <a:p>
+            <a:pPr marL="171450" indent="-171450">
+              <a:buFontTx/>
+              <a:buChar char="-"/>
+            </a:pPr>
+            <a:endParaRPr lang="en-US" dirty="0" smtClean="0"/>
+          </a:p>
+          <a:p>
+            <a:pPr marL="171450" indent="-171450">
+              <a:buFontTx/>
+              <a:buChar char="-"/>
+            </a:pPr>
+            <a:r>
+              <a:rPr lang="en-US" sz="1200" b="1" i="1" dirty="0" smtClean="0"/>
+              <a:t>Conditional Independence:</a:t>
+            </a:r>
+          </a:p>
+          <a:p>
+            <a:pPr marL="171450" indent="-171450">
+              <a:buFontTx/>
+              <a:buChar char="-"/>
+            </a:pPr>
+            <a:endParaRPr lang="en-US" dirty="0" smtClean="0"/>
+          </a:p>
+          <a:p>
+            <a:pPr marL="171450" indent="-171450">
+              <a:buFontTx/>
+              <a:buChar char="-"/>
+            </a:pPr>
+            <a:r>
+              <a:rPr lang="en-US" dirty="0" smtClean="0"/>
+              <a:t>(a) This means that if one already knows that C has occurred, knowing that A occurred doesn’t make a difference to one's beliefs about C.</a:t>
+            </a:r>
+          </a:p>
+          <a:p>
+            <a:pPr marL="171450" indent="-171450">
+              <a:buFontTx/>
+              <a:buChar char="-"/>
+            </a:pPr>
+            <a:endParaRPr lang="en-US" dirty="0" smtClean="0"/>
+          </a:p>
+          <a:p>
+            <a:pPr marL="171450" indent="-171450">
+              <a:buFontTx/>
+              <a:buChar char="-"/>
+            </a:pPr>
+            <a:r>
+              <a:rPr lang="en-US" dirty="0" smtClean="0"/>
+              <a:t>(b) This means that if one already knows about B, then an additional information that A provides, will not give more information about the chances of C.</a:t>
+            </a:r>
+          </a:p>
+          <a:p>
+            <a:pPr marL="171450" indent="-171450">
+              <a:buFontTx/>
+              <a:buChar char="-"/>
+            </a:pPr>
+            <a:endParaRPr lang="en-US" dirty="0" smtClean="0"/>
+          </a:p>
+          <a:p>
+            <a:pPr marL="171450" indent="-171450">
+              <a:buFontTx/>
+              <a:buChar char="-"/>
+            </a:pPr>
+            <a:r>
+              <a:rPr lang="en-US" dirty="0" smtClean="0"/>
+              <a:t>(c) This means that if one knows about B (the effect), then finds out that for example A (one of two causes) is absent, this increases the probability of C (alternative cause).</a:t>
+            </a:r>
+          </a:p>
+          <a:p>
+            <a:pPr marL="171450" indent="-171450">
+              <a:buFontTx/>
+              <a:buChar char="-"/>
+            </a:pPr>
+            <a:endParaRPr lang="en-US" dirty="0" smtClean="0"/>
+          </a:p>
+          <a:p>
+            <a:pPr marL="171450" indent="-171450">
+              <a:buFontTx/>
+              <a:buChar char="-"/>
+            </a:pPr>
+            <a:r>
+              <a:rPr lang="en-US" b="1" dirty="0" smtClean="0"/>
+              <a:t>d-separated:</a:t>
+            </a:r>
+            <a:r>
+              <a:rPr lang="en-US" baseline="0" dirty="0" smtClean="0"/>
+              <a:t> The concepts of conditional dependencies and independencies can apply not only between pairs of nodes, but also between sets of nodes.</a:t>
+            </a:r>
+          </a:p>
+          <a:p>
+            <a:pPr marL="171450" indent="-171450">
+              <a:buFontTx/>
+              <a:buChar char="-"/>
+            </a:pPr>
+            <a:endParaRPr lang="en-US" baseline="0" dirty="0" smtClean="0"/>
+          </a:p>
+          <a:p>
+            <a:pPr marL="171450" indent="-171450">
+              <a:buFontTx/>
+              <a:buChar char="-"/>
+            </a:pPr>
+            <a:r>
+              <a:rPr lang="en-US" dirty="0" smtClean="0"/>
+              <a:t>If the two sets of nodes X and Y are d-separated (directional-dependent separation) by an evidence set of nodes E, then (given the Markov property) the two sets of nodes X and Y are conditionally independent given E.</a:t>
+            </a:r>
           </a:p>
           <a:p>
             <a:pPr marL="171450" indent="-171450">
@@ -3355,7 +3540,23 @@
             </a:pPr>
             <a:r>
               <a:rPr lang="en-US" dirty="0" smtClean="0"/>
-              <a:t>(a) This means that if one already knows that C has occurred, knowing that A occurred doesn’t make a difference to one's beliefs about C.</a:t>
+              <a:t>Based on Shafer's formalism</a:t>
+            </a:r>
+            <a:r>
+              <a:rPr lang="en-US" b="1" dirty="0" smtClean="0"/>
+              <a:t>, each piece of evidence </a:t>
+            </a:r>
+            <a:r>
+              <a:rPr lang="en-US" dirty="0" smtClean="0"/>
+              <a:t>may support a subset containing </a:t>
+            </a:r>
+            <a:r>
+              <a:rPr lang="en-US" b="1" dirty="0" smtClean="0"/>
+              <a:t>several hypotheses</a:t>
+            </a:r>
+            <a:r>
+              <a:rPr lang="en-US" dirty="0" smtClean="0"/>
+              <a:t>.</a:t>
             </a:r>
           </a:p>
           <a:p>
@@ -3372,7 +3573,7 @@
             </a:pPr>
             <a:r>
               <a:rPr lang="en-US" dirty="0" smtClean="0"/>
-              <a:t>(b) This means that if one already knows about B, then an additional information that A provides, will not give more information about the chances of C.</a:t>
+              <a:t>Dempster-Shafer theory is the generalization of the Bayesian theory of subjective probability to combine accumulative evidence or to change prior opinions in the light of new evidence.</a:t>
             </a:r>
           </a:p>
           <a:p>
@@ -3387,48 +3588,6 @@
               <a:buFontTx/>
               <a:buChar char="-"/>
             </a:pPr>
-            <a:r>
-              <a:rPr lang="en-US" dirty="0" smtClean="0"/>
-              <a:t>(c) This means that if one knows about B (the effect), then finds out that for example A (one of two causes) is absent, this increases the probability of C (alternative cause).</a:t>
-            </a:r>
-          </a:p>
-          <a:p>
-            <a:pPr marL="171450" indent="-171450">
-              <a:buFontTx/>
-              <a:buChar char="-"/>
-            </a:pPr>
-            <a:endParaRPr lang="en-US" dirty="0" smtClean="0"/>
-          </a:p>
-          <a:p>
-            <a:pPr marL="171450" indent="-171450">
-              <a:buFontTx/>
-              <a:buChar char="-"/>
-            </a:pPr>
-            <a:r>
-              <a:rPr lang="en-US" b="1" dirty="0" smtClean="0"/>
-              <a:t>d-separated:</a:t>
-            </a:r>
-            <a:r>
-              <a:rPr lang="en-US" baseline="0" dirty="0" smtClean="0"/>
-              <a:t> The concepts of conditional dependencies and independencies can apply not only between pairs of nodes, but also between sets of nodes.</a:t>
-            </a:r>
-          </a:p>
-          <a:p>
-            <a:pPr marL="171450" indent="-171450">
-              <a:buFontTx/>
-              <a:buChar char="-"/>
-            </a:pPr>
-            <a:endParaRPr lang="en-US" baseline="0" dirty="0" smtClean="0"/>
-          </a:p>
-          <a:p>
-            <a:pPr marL="171450" indent="-171450">
-              <a:buFontTx/>
-              <a:buChar char="-"/>
-            </a:pPr>
-            <a:r>
-              <a:rPr lang="en-US" dirty="0" smtClean="0"/>
-              <a:t>If the two sets of nodes X and Y are d-separated (directional-dependent separation) by an evidence set of nodes E, then (given the Markov property) the two sets of nodes X and Y are conditionally independent given E.</a:t>
-            </a:r>
             <a:endParaRPr lang="en-US" dirty="0"/>
           </a:p>
         </p:txBody>
@@ -3513,45 +3672,267 @@
           <a:bodyPr/>
           <a:lstStyle/>
           <a:p>
-            <a:pPr marL="171450" indent="-171450">
+            <a:pPr marL="228600" indent="-228600">
               <a:buFontTx/>
-              <a:buChar char="-"/>
+              <a:buAutoNum type="arabicParenBoth"/>
             </a:pPr>
             <a:r>
               <a:rPr lang="en-US" dirty="0" smtClean="0"/>
-              <a:t>Based on Shafer's formalism, each piece of evidence may support a subset containing several hypotheses.</a:t>
-            </a:r>
-          </a:p>
-          <a:p>
-            <a:pPr marL="171450" indent="-171450">
+              <a:t>The value 0 indicates </a:t>
+            </a:r>
+            <a:r>
+              <a:rPr lang="en-US" b="1" dirty="0" smtClean="0"/>
+              <a:t>no belief</a:t>
+            </a:r>
+            <a:r>
+              <a:rPr lang="en-US" dirty="0" smtClean="0"/>
+              <a:t> and the value 1 indicates </a:t>
+            </a:r>
+            <a:r>
+              <a:rPr lang="en-US" b="1" dirty="0" smtClean="0"/>
+              <a:t>total belief</a:t>
+            </a:r>
+            <a:r>
+              <a:rPr lang="en-US" dirty="0" smtClean="0"/>
+              <a:t>, and any value between these two indicate </a:t>
+            </a:r>
+            <a:r>
+              <a:rPr lang="en-US" b="1" dirty="0" smtClean="0"/>
+              <a:t>partial belief</a:t>
+            </a:r>
+            <a:r>
+              <a:rPr lang="en-US" dirty="0" smtClean="0"/>
+              <a:t>.</a:t>
+            </a:r>
+          </a:p>
+          <a:p>
+            <a:pPr marL="0" indent="0">
               <a:buFontTx/>
-              <a:buChar char="-"/>
+              <a:buNone/>
             </a:pPr>
             <a:endParaRPr lang="en-US" dirty="0" smtClean="0"/>
           </a:p>
           <a:p>
-            <a:pPr marL="171450" indent="-171450">
+            <a:pPr marL="0" indent="0">
               <a:buFontTx/>
-              <a:buChar char="-"/>
+              <a:buNone/>
             </a:pPr>
             <a:r>
               <a:rPr lang="en-US" dirty="0" smtClean="0"/>
-              <a:t>Dempster-Shafer theory is the generalization of the Bayesian theory of subjective probability to combine accumulative evidence or to change prior opinions in the light of new evidence.</a:t>
-            </a:r>
-          </a:p>
-          <a:p>
-            <a:pPr marL="171450" indent="-171450">
+              <a:t>(1)</a:t>
+            </a:r>
+            <a:r>
+              <a:rPr lang="en-US" baseline="0" dirty="0" smtClean="0"/>
+              <a:t> </a:t>
+            </a:r>
+            <a:r>
+              <a:rPr lang="en-US" dirty="0" smtClean="0"/>
+              <a:t>Any subset x of the frame of discernment for which m(x) is non-zero is called a </a:t>
+            </a:r>
+            <a:r>
+              <a:rPr lang="en-US" b="1" dirty="0" smtClean="0"/>
+              <a:t>focal element</a:t>
+            </a:r>
+            <a:r>
+              <a:rPr lang="en-US" dirty="0" smtClean="0"/>
+              <a:t> and represents the exact belief in the proposition depicted by x.</a:t>
+            </a:r>
+          </a:p>
+          <a:p>
+            <a:pPr marL="228600" indent="-228600">
               <a:buFontTx/>
-              <a:buChar char="-"/>
+              <a:buAutoNum type="arabicParenBoth"/>
             </a:pPr>
             <a:endParaRPr lang="en-US" dirty="0" smtClean="0"/>
           </a:p>
           <a:p>
-            <a:pPr marL="171450" indent="-171450">
+            <a:pPr marL="0" indent="0">
               <a:buFontTx/>
-              <a:buChar char="-"/>
+              <a:buNone/>
             </a:pPr>
-            <a:endParaRPr lang="en-US" dirty="0"/>
+            <a:r>
+              <a:rPr lang="en-US" dirty="0" smtClean="0"/>
+              <a:t>(2) Belief function is sometimes called a </a:t>
+            </a:r>
+            <a:r>
+              <a:rPr lang="en-US" b="1" dirty="0" smtClean="0"/>
+              <a:t>support function</a:t>
+            </a:r>
+            <a:r>
+              <a:rPr lang="en-US" dirty="0" smtClean="0"/>
+              <a:t>.</a:t>
+            </a:r>
+          </a:p>
+          <a:p>
+            <a:pPr marL="0" indent="0">
+              <a:buFontTx/>
+              <a:buNone/>
+            </a:pPr>
+            <a:endParaRPr lang="en-US" dirty="0" smtClean="0"/>
+          </a:p>
+          <a:p>
+            <a:pPr marL="0" indent="0">
+              <a:buFontTx/>
+              <a:buNone/>
+            </a:pPr>
+            <a:r>
+              <a:rPr lang="en-US" dirty="0" smtClean="0"/>
+              <a:t>(2) It is the measure of </a:t>
+            </a:r>
+            <a:r>
+              <a:rPr lang="en-US" b="1" dirty="0" smtClean="0"/>
+              <a:t>total belief committed </a:t>
+            </a:r>
+            <a:r>
+              <a:rPr lang="en-US" dirty="0" smtClean="0"/>
+              <a:t>to A (a subset</a:t>
+            </a:r>
+            <a:r>
+              <a:rPr lang="en-US" baseline="0" dirty="0" smtClean="0"/>
+              <a:t> of frame of discernment</a:t>
+            </a:r>
+            <a:r>
+              <a:rPr lang="en-US" dirty="0" smtClean="0"/>
+              <a:t>)</a:t>
+            </a:r>
+            <a:r>
+              <a:rPr lang="en-US" baseline="0" dirty="0" smtClean="0"/>
+              <a:t> </a:t>
+            </a:r>
+            <a:r>
+              <a:rPr lang="en-US" dirty="0" smtClean="0"/>
+              <a:t>that can be obtained by simply adding up the mass of all the subsets of A.</a:t>
+            </a:r>
+          </a:p>
+          <a:p>
+            <a:pPr marL="0" indent="0">
+              <a:buFontTx/>
+              <a:buNone/>
+            </a:pPr>
+            <a:endParaRPr lang="en-US" dirty="0" smtClean="0"/>
+          </a:p>
+          <a:p>
+            <a:pPr marL="0" indent="0">
+              <a:buFontTx/>
+              <a:buNone/>
+            </a:pPr>
+            <a:r>
+              <a:rPr lang="en-US" dirty="0" smtClean="0"/>
+              <a:t>(2) The belief in A, denoted Belief(A), is a number in the interval [0, 1].</a:t>
+            </a:r>
+          </a:p>
+          <a:p>
+            <a:pPr marL="0" indent="0">
+              <a:buFontTx/>
+              <a:buNone/>
+            </a:pPr>
+            <a:endParaRPr lang="en-US" dirty="0" smtClean="0"/>
+          </a:p>
+          <a:p>
+            <a:pPr marL="0" indent="0">
+              <a:buFontTx/>
+              <a:buNone/>
+            </a:pPr>
+            <a:r>
+              <a:rPr lang="en-US" dirty="0" smtClean="0"/>
+              <a:t>(2) Belief in a set of elements, say A,</a:t>
+            </a:r>
+            <a:r>
+              <a:rPr lang="en-US" baseline="0" dirty="0" smtClean="0"/>
+              <a:t> </a:t>
+            </a:r>
+            <a:r>
+              <a:rPr lang="en-US" dirty="0" smtClean="0"/>
+              <a:t>represents the </a:t>
+            </a:r>
+            <a:r>
+              <a:rPr lang="en-US" b="1" dirty="0" smtClean="0"/>
+              <a:t>total belief </a:t>
+            </a:r>
+            <a:r>
+              <a:rPr lang="en-US" dirty="0" smtClean="0"/>
+              <a:t>that one has based on the evidence obtained.</a:t>
+            </a:r>
+          </a:p>
+          <a:p>
+            <a:pPr marL="0" indent="0">
+              <a:buFontTx/>
+              <a:buNone/>
+            </a:pPr>
+            <a:endParaRPr lang="en-US" dirty="0" smtClean="0"/>
+          </a:p>
+          <a:p>
+            <a:pPr marL="0" indent="0">
+              <a:buFontTx/>
+              <a:buNone/>
+            </a:pPr>
+            <a:r>
+              <a:rPr lang="en-US" dirty="0" smtClean="0"/>
+              <a:t>(2) Belief(A) = 0 </a:t>
+            </a:r>
+            <a:r>
+              <a:rPr lang="en-US" dirty="0" smtClean="0">
+                <a:sym typeface="Wingdings" panose="05000000000000000000" pitchFamily="2" charset="2"/>
+              </a:rPr>
+              <a:t> Lack of evidence, p(A)=0  impossibility of</a:t>
+            </a:r>
+            <a:r>
+              <a:rPr lang="en-US" baseline="0" dirty="0" smtClean="0">
+                <a:sym typeface="Wingdings" panose="05000000000000000000" pitchFamily="2" charset="2"/>
+              </a:rPr>
+              <a:t> A.</a:t>
+            </a:r>
+          </a:p>
+          <a:p>
+            <a:pPr marL="0" indent="0">
+              <a:buFontTx/>
+              <a:buNone/>
+            </a:pPr>
+            <a:endParaRPr lang="en-US" baseline="0" dirty="0" smtClean="0">
+              <a:sym typeface="Wingdings" panose="05000000000000000000" pitchFamily="2" charset="2"/>
+            </a:endParaRPr>
+          </a:p>
+          <a:p>
+            <a:pPr marL="0" indent="0">
+              <a:buFontTx/>
+              <a:buNone/>
+            </a:pPr>
+            <a:r>
+              <a:rPr lang="en-US" baseline="0" dirty="0" smtClean="0">
+                <a:sym typeface="Wingdings" panose="05000000000000000000" pitchFamily="2" charset="2"/>
+              </a:rPr>
+              <a:t>(3) Plausible(A) in a subset A is defined to be the sum of all mass functions for the subsets B that have non-zero intersections with A.</a:t>
+            </a:r>
+          </a:p>
+          <a:p>
+            <a:pPr marL="0" indent="0">
+              <a:buFontTx/>
+              <a:buNone/>
+            </a:pPr>
+            <a:endParaRPr lang="en-US" baseline="0" dirty="0" smtClean="0">
+              <a:sym typeface="Wingdings" panose="05000000000000000000" pitchFamily="2" charset="2"/>
+            </a:endParaRPr>
+          </a:p>
+          <a:p>
+            <a:pPr marL="0" indent="0">
+              <a:buFontTx/>
+              <a:buNone/>
+            </a:pPr>
+            <a:r>
+              <a:rPr lang="en-US" baseline="0" dirty="0" smtClean="0">
+                <a:sym typeface="Wingdings" panose="05000000000000000000" pitchFamily="2" charset="2"/>
+              </a:rPr>
+              <a:t>(3) Plausible(A) corresponds to the total belief that does not contradict A</a:t>
+            </a:r>
+            <a:r>
+              <a:rPr lang="en-US" baseline="0" dirty="0" smtClean="0">
+                <a:sym typeface="Wingdings" panose="05000000000000000000" pitchFamily="2" charset="2"/>
+              </a:rPr>
+              <a:t>.</a:t>
+            </a:r>
+            <a:endParaRPr lang="en-US" baseline="0" dirty="0" smtClean="0">
+              <a:sym typeface="Wingdings" panose="05000000000000000000" pitchFamily="2" charset="2"/>
+            </a:endParaRPr>
           </a:p>
         </p:txBody>
       </p:sp>
@@ -3635,263 +4016,448 @@
           <a:bodyPr/>
           <a:lstStyle/>
           <a:p>
-            <a:pPr marL="228600" indent="-228600">
+            <a:pPr marL="171450" indent="-171450">
               <a:buFontTx/>
-              <a:buAutoNum type="arabicParenBoth"/>
+              <a:buChar char="-"/>
             </a:pPr>
             <a:r>
               <a:rPr lang="en-US" dirty="0" smtClean="0"/>
-              <a:t>The value 0 indicates </a:t>
-            </a:r>
-            <a:r>
-              <a:rPr lang="en-US" b="1" dirty="0" smtClean="0"/>
-              <a:t>no belief</a:t>
-            </a:r>
-            <a:r>
-              <a:rPr lang="en-US" dirty="0" smtClean="0"/>
-              <a:t> and the value 1 indicates </a:t>
-            </a:r>
-            <a:r>
-              <a:rPr lang="en-US" b="1" dirty="0" smtClean="0"/>
-              <a:t>total belief</a:t>
-            </a:r>
-            <a:r>
-              <a:rPr lang="en-US" dirty="0" smtClean="0"/>
-              <a:t>, and any value between these two indicate </a:t>
-            </a:r>
-            <a:r>
-              <a:rPr lang="en-US" b="1" dirty="0" smtClean="0"/>
-              <a:t>partial belief</a:t>
-            </a:r>
-            <a:r>
-              <a:rPr lang="en-US" dirty="0" smtClean="0"/>
-              <a:t>.</a:t>
-            </a:r>
-          </a:p>
-          <a:p>
-            <a:pPr marL="0" indent="0">
+              <a:t>~A is</a:t>
+            </a:r>
+            <a:r>
+              <a:rPr lang="en-US" baseline="0" dirty="0" smtClean="0"/>
+              <a:t> A’s complement.</a:t>
+            </a:r>
+          </a:p>
+          <a:p>
+            <a:pPr marL="171450" indent="-171450">
+              <a:buFontTx/>
+              <a:buChar char="-"/>
+            </a:pPr>
+            <a:endParaRPr lang="en-US" baseline="0" dirty="0" smtClean="0"/>
+          </a:p>
+          <a:p>
+            <a:pPr marL="171450" indent="-171450">
+              <a:buFontTx/>
+              <a:buChar char="-"/>
+            </a:pPr>
+            <a:r>
+              <a:rPr lang="en-US" baseline="0" dirty="0" smtClean="0"/>
+              <a:t>Belief(A)=0 does not imply Belief(~A)&gt;0</a:t>
+            </a:r>
+          </a:p>
+          <a:p>
+            <a:pPr marL="171450" indent="-171450">
+              <a:buFontTx/>
+              <a:buChar char="-"/>
+            </a:pPr>
+            <a:endParaRPr lang="en-US" baseline="0" dirty="0" smtClean="0"/>
+          </a:p>
+          <a:p>
+            <a:pPr marL="171450" marR="0" indent="-171450" algn="l" defTabSz="914400" rtl="0" eaLnBrk="1" fontAlgn="auto" latinLnBrk="0" hangingPunct="1">
+              <a:lnSpc>
+                <a:spcPct val="100000"/>
+              </a:lnSpc>
+              <a:spcBef>
+                <a:spcPts val="0"/>
+              </a:spcBef>
+              <a:spcAft>
+                <a:spcPts val="0"/>
+              </a:spcAft>
+              <a:buClrTx/>
+              <a:buSzTx/>
+              <a:buFontTx/>
+              <a:buChar char="-"/>
+              <a:tabLst/>
+              <a:defRPr/>
+            </a:pPr>
+            <a:r>
+              <a:rPr lang="en-US" baseline="0" dirty="0" smtClean="0"/>
+              <a:t>However, Belief(A)=1 implies Belief</a:t>
+            </a:r>
+            <a:r>
+              <a:rPr lang="en-US" baseline="0" dirty="0" smtClean="0"/>
+              <a:t>(~A</a:t>
+            </a:r>
+            <a:r>
+              <a:rPr lang="en-US" baseline="0" dirty="0" smtClean="0"/>
+              <a:t>)=0</a:t>
+            </a:r>
+          </a:p>
+          <a:p>
+            <a:pPr marL="171450" marR="0" indent="-171450" algn="l" defTabSz="914400" rtl="0" eaLnBrk="1" fontAlgn="auto" latinLnBrk="0" hangingPunct="1">
+              <a:lnSpc>
+                <a:spcPct val="100000"/>
+              </a:lnSpc>
+              <a:spcBef>
+                <a:spcPts val="0"/>
+              </a:spcBef>
+              <a:spcAft>
+                <a:spcPts val="0"/>
+              </a:spcAft>
+              <a:buClrTx/>
+              <a:buSzTx/>
+              <a:buFontTx/>
+              <a:buChar char="-"/>
+              <a:tabLst/>
+              <a:defRPr/>
+            </a:pPr>
+            <a:endParaRPr lang="en-US" baseline="0" dirty="0" smtClean="0"/>
+          </a:p>
+          <a:p>
+            <a:pPr marL="171450" marR="0" indent="-171450" algn="l" defTabSz="914400" rtl="0" eaLnBrk="1" fontAlgn="auto" latinLnBrk="0" hangingPunct="1">
+              <a:lnSpc>
+                <a:spcPct val="100000"/>
+              </a:lnSpc>
+              <a:spcBef>
+                <a:spcPts val="0"/>
+              </a:spcBef>
+              <a:spcAft>
+                <a:spcPts val="0"/>
+              </a:spcAft>
+              <a:buClrTx/>
+              <a:buSzTx/>
+              <a:buFontTx/>
+              <a:buChar char="-"/>
+              <a:tabLst/>
+              <a:defRPr/>
+            </a:pPr>
+            <a:r>
+              <a:rPr lang="en-US" baseline="0" dirty="0" smtClean="0"/>
+              <a:t>Here, we also note that in the case of each of the </a:t>
+            </a:r>
+            <a:r>
+              <a:rPr lang="en-US" b="1" baseline="0" dirty="0" smtClean="0"/>
+              <a:t>focal elements being singletons</a:t>
+            </a:r>
+            <a:r>
+              <a:rPr lang="en-US" baseline="0" dirty="0" smtClean="0"/>
+              <a:t>, we return back to traditional Bayesian analysis incorporating normal probability theory.</a:t>
+            </a:r>
+          </a:p>
+          <a:p>
+            <a:pPr marL="171450" marR="0" indent="-171450" algn="l" defTabSz="914400" rtl="0" eaLnBrk="1" fontAlgn="auto" latinLnBrk="0" hangingPunct="1">
+              <a:lnSpc>
+                <a:spcPct val="100000"/>
+              </a:lnSpc>
+              <a:spcBef>
+                <a:spcPts val="0"/>
+              </a:spcBef>
+              <a:spcAft>
+                <a:spcPts val="0"/>
+              </a:spcAft>
+              <a:buClrTx/>
+              <a:buSzTx/>
+              <a:buFontTx/>
+              <a:buChar char="-"/>
+              <a:tabLst/>
+              <a:defRPr/>
+            </a:pPr>
+            <a:endParaRPr lang="en-US" baseline="0" dirty="0" smtClean="0"/>
+          </a:p>
+          <a:p>
+            <a:pPr marL="171450" marR="0" indent="-171450" algn="l" defTabSz="914400" rtl="0" eaLnBrk="1" fontAlgn="auto" latinLnBrk="0" hangingPunct="1">
+              <a:lnSpc>
+                <a:spcPct val="100000"/>
+              </a:lnSpc>
+              <a:spcBef>
+                <a:spcPts val="0"/>
+              </a:spcBef>
+              <a:spcAft>
+                <a:spcPts val="0"/>
+              </a:spcAft>
+              <a:buClrTx/>
+              <a:buSzTx/>
+              <a:buFontTx/>
+              <a:buChar char="-"/>
+              <a:tabLst/>
+              <a:defRPr/>
+            </a:pPr>
+            <a:r>
+              <a:rPr lang="en-US" b="1" baseline="0" dirty="0" smtClean="0"/>
+              <a:t>Lack of belief does not imply disbelief</a:t>
+            </a:r>
+            <a:r>
+              <a:rPr lang="en-US" baseline="0" dirty="0" smtClean="0"/>
+              <a:t>, since the complements of </a:t>
+            </a:r>
+            <a:r>
+              <a:rPr lang="en-US" b="1" baseline="0" dirty="0" smtClean="0"/>
+              <a:t>belief</a:t>
+            </a:r>
+            <a:r>
+              <a:rPr lang="en-US" baseline="0" dirty="0" smtClean="0"/>
+              <a:t> and </a:t>
+            </a:r>
+            <a:r>
+              <a:rPr lang="en-US" b="1" baseline="0" dirty="0" smtClean="0"/>
+              <a:t>plausibility</a:t>
+            </a:r>
+            <a:r>
+              <a:rPr lang="en-US" baseline="0" dirty="0" smtClean="0"/>
+              <a:t> are </a:t>
+            </a:r>
+            <a:r>
+              <a:rPr lang="en-US" b="1" baseline="0" dirty="0" smtClean="0"/>
+              <a:t>doubt</a:t>
+            </a:r>
+            <a:r>
+              <a:rPr lang="en-US" baseline="0" dirty="0" smtClean="0"/>
+              <a:t> and </a:t>
+            </a:r>
+            <a:r>
+              <a:rPr lang="en-US" b="1" baseline="0" dirty="0" smtClean="0"/>
+              <a:t>disbelief</a:t>
+            </a:r>
+            <a:r>
+              <a:rPr lang="en-US" baseline="0" dirty="0" smtClean="0"/>
+              <a:t>, respectively.</a:t>
+            </a:r>
+          </a:p>
+          <a:p>
+            <a:pPr marL="171450" marR="0" indent="-171450" algn="l" defTabSz="914400" rtl="0" eaLnBrk="1" fontAlgn="auto" latinLnBrk="0" hangingPunct="1">
+              <a:lnSpc>
+                <a:spcPct val="100000"/>
+              </a:lnSpc>
+              <a:spcBef>
+                <a:spcPts val="0"/>
+              </a:spcBef>
+              <a:spcAft>
+                <a:spcPts val="0"/>
+              </a:spcAft>
+              <a:buClrTx/>
+              <a:buSzTx/>
+              <a:buFontTx/>
+              <a:buChar char="-"/>
+              <a:tabLst/>
+              <a:defRPr/>
+            </a:pPr>
+            <a:endParaRPr lang="en-US" baseline="0" dirty="0" smtClean="0"/>
+          </a:p>
+          <a:p>
+            <a:pPr marL="171450" marR="0" indent="-171450" algn="l" defTabSz="914400" rtl="0" eaLnBrk="1" fontAlgn="auto" latinLnBrk="0" hangingPunct="1">
+              <a:lnSpc>
+                <a:spcPct val="100000"/>
+              </a:lnSpc>
+              <a:spcBef>
+                <a:spcPts val="0"/>
+              </a:spcBef>
+              <a:spcAft>
+                <a:spcPts val="0"/>
+              </a:spcAft>
+              <a:buClrTx/>
+              <a:buSzTx/>
+              <a:buFontTx/>
+              <a:buChar char="-"/>
+              <a:tabLst/>
+              <a:defRPr/>
+            </a:pPr>
+            <a:endParaRPr lang="en-US" baseline="0" dirty="0" smtClean="0"/>
+          </a:p>
+          <a:p>
+            <a:pPr marL="171450" marR="0" indent="-171450" algn="l" defTabSz="914400" rtl="0" eaLnBrk="1" fontAlgn="auto" latinLnBrk="0" hangingPunct="1">
+              <a:lnSpc>
+                <a:spcPct val="100000"/>
+              </a:lnSpc>
+              <a:spcBef>
+                <a:spcPts val="0"/>
+              </a:spcBef>
+              <a:spcAft>
+                <a:spcPts val="0"/>
+              </a:spcAft>
+              <a:buClrTx/>
+              <a:buSzTx/>
+              <a:buFontTx/>
+              <a:buChar char="-"/>
+              <a:tabLst/>
+              <a:defRPr/>
+            </a:pPr>
+            <a:r>
+              <a:rPr lang="en-US" b="1" baseline="0" dirty="0" smtClean="0"/>
+              <a:t>Combination Rule:</a:t>
+            </a:r>
+            <a:r>
+              <a:rPr lang="en-US" baseline="0" dirty="0" smtClean="0"/>
+              <a:t> When we have two pieces of uncertain evidence relevant to the same frame of discernment.</a:t>
+            </a:r>
+          </a:p>
+          <a:p>
+            <a:pPr marL="0" marR="0" indent="0" algn="l" defTabSz="914400" rtl="0" eaLnBrk="1" fontAlgn="auto" latinLnBrk="0" hangingPunct="1">
+              <a:lnSpc>
+                <a:spcPct val="100000"/>
+              </a:lnSpc>
+              <a:spcBef>
+                <a:spcPts val="0"/>
+              </a:spcBef>
+              <a:spcAft>
+                <a:spcPts val="0"/>
+              </a:spcAft>
+              <a:buClrTx/>
+              <a:buSzTx/>
               <a:buFontTx/>
               <a:buNone/>
+              <a:tabLst/>
+              <a:defRPr/>
             </a:pPr>
-            <a:endParaRPr lang="en-US" dirty="0" smtClean="0"/>
-          </a:p>
-          <a:p>
-            <a:pPr marL="0" indent="0">
+            <a:endParaRPr lang="en-US" baseline="0" dirty="0" smtClean="0"/>
+          </a:p>
+          <a:p>
+            <a:pPr marL="171450" marR="0" indent="-171450" algn="l" defTabSz="914400" rtl="0" eaLnBrk="1" fontAlgn="auto" latinLnBrk="0" hangingPunct="1">
+              <a:lnSpc>
+                <a:spcPct val="100000"/>
+              </a:lnSpc>
+              <a:spcBef>
+                <a:spcPts val="0"/>
+              </a:spcBef>
+              <a:spcAft>
+                <a:spcPts val="0"/>
+              </a:spcAft>
+              <a:buClrTx/>
+              <a:buSzTx/>
+              <a:buFontTx/>
+              <a:buChar char="-"/>
+              <a:tabLst/>
+              <a:defRPr/>
+            </a:pPr>
+            <a:r>
+              <a:rPr lang="en-US" baseline="0" dirty="0" smtClean="0"/>
+              <a:t>The rule assumes that the </a:t>
+            </a:r>
+            <a:r>
+              <a:rPr lang="en-US" b="1" baseline="0" dirty="0" smtClean="0"/>
+              <a:t>sources are independent</a:t>
+            </a:r>
+            <a:r>
+              <a:rPr lang="en-US" baseline="0" dirty="0" smtClean="0"/>
+              <a:t>.</a:t>
+            </a:r>
+          </a:p>
+          <a:p>
+            <a:pPr marL="0" marR="0" indent="0" algn="l" defTabSz="914400" rtl="0" eaLnBrk="1" fontAlgn="auto" latinLnBrk="0" hangingPunct="1">
+              <a:lnSpc>
+                <a:spcPct val="100000"/>
+              </a:lnSpc>
+              <a:spcBef>
+                <a:spcPts val="0"/>
+              </a:spcBef>
+              <a:spcAft>
+                <a:spcPts val="0"/>
+              </a:spcAft>
+              <a:buClrTx/>
+              <a:buSzTx/>
               <a:buFontTx/>
               <a:buNone/>
+              <a:tabLst/>
+              <a:defRPr/>
             </a:pPr>
-            <a:r>
-              <a:rPr lang="en-US" dirty="0" smtClean="0"/>
-              <a:t>(1)</a:t>
-            </a:r>
+            <a:endParaRPr lang="en-US" baseline="0" dirty="0" smtClean="0"/>
+          </a:p>
+          <a:p>
+            <a:pPr marL="171450" marR="0" indent="-171450" algn="l" defTabSz="914400" rtl="0" eaLnBrk="1" fontAlgn="auto" latinLnBrk="0" hangingPunct="1">
+              <a:lnSpc>
+                <a:spcPct val="100000"/>
+              </a:lnSpc>
+              <a:spcBef>
+                <a:spcPts val="0"/>
+              </a:spcBef>
+              <a:spcAft>
+                <a:spcPts val="0"/>
+              </a:spcAft>
+              <a:buClrTx/>
+              <a:buSzTx/>
+              <a:buFontTx/>
+              <a:buChar char="-"/>
+              <a:tabLst/>
+              <a:defRPr/>
+            </a:pPr>
             <a:r>
               <a:rPr lang="en-US" baseline="0" dirty="0" smtClean="0"/>
-              <a:t> </a:t>
-            </a:r>
-            <a:r>
-              <a:rPr lang="en-US" dirty="0" smtClean="0"/>
-              <a:t>Any subset x of the frame of discernment for which m(x) is non-zero is called a </a:t>
-            </a:r>
-            <a:r>
-              <a:rPr lang="en-US" b="1" dirty="0" smtClean="0"/>
-              <a:t>focal element</a:t>
-            </a:r>
-            <a:r>
-              <a:rPr lang="en-US" dirty="0" smtClean="0"/>
-              <a:t> and represents the exact belief in the proposition depicted by x.</a:t>
-            </a:r>
-          </a:p>
-          <a:p>
-            <a:pPr marL="228600" indent="-228600">
-              <a:buFontTx/>
-              <a:buAutoNum type="arabicParenBoth"/>
-            </a:pPr>
-            <a:endParaRPr lang="en-US" dirty="0" smtClean="0"/>
-          </a:p>
-          <a:p>
-            <a:pPr marL="0" indent="0">
+              <a:t>The </a:t>
+            </a:r>
+            <a:r>
+              <a:rPr lang="en-US" b="1" baseline="0" dirty="0" smtClean="0"/>
+              <a:t>numerator</a:t>
+            </a:r>
+            <a:r>
+              <a:rPr lang="en-US" baseline="0" dirty="0" smtClean="0"/>
+              <a:t> represents the </a:t>
+            </a:r>
+            <a:r>
+              <a:rPr lang="en-US" b="1" baseline="0" dirty="0" smtClean="0"/>
+              <a:t>accumulated evidence </a:t>
+            </a:r>
+            <a:r>
+              <a:rPr lang="en-US" baseline="0" dirty="0" smtClean="0"/>
+              <a:t>for the sets A and B, which supports the given hypothesis y.</a:t>
+            </a:r>
+          </a:p>
+          <a:p>
+            <a:pPr marL="0" marR="0" indent="0" algn="l" defTabSz="914400" rtl="0" eaLnBrk="1" fontAlgn="auto" latinLnBrk="0" hangingPunct="1">
+              <a:lnSpc>
+                <a:spcPct val="100000"/>
+              </a:lnSpc>
+              <a:spcBef>
+                <a:spcPts val="0"/>
+              </a:spcBef>
+              <a:spcAft>
+                <a:spcPts val="0"/>
+              </a:spcAft>
+              <a:buClrTx/>
+              <a:buSzTx/>
               <a:buFontTx/>
               <a:buNone/>
+              <a:tabLst/>
+              <a:defRPr/>
             </a:pPr>
-            <a:r>
-              <a:rPr lang="en-US" dirty="0" smtClean="0"/>
-              <a:t>(2) Belief function is sometimes called a </a:t>
-            </a:r>
-            <a:r>
-              <a:rPr lang="en-US" b="1" dirty="0" smtClean="0"/>
-              <a:t>support function</a:t>
-            </a:r>
-            <a:r>
-              <a:rPr lang="en-US" dirty="0" smtClean="0"/>
+            <a:endParaRPr lang="en-US" baseline="0" dirty="0" smtClean="0"/>
+          </a:p>
+          <a:p>
+            <a:pPr marL="171450" marR="0" indent="-171450" algn="l" defTabSz="914400" rtl="0" eaLnBrk="1" fontAlgn="auto" latinLnBrk="0" hangingPunct="1">
+              <a:lnSpc>
+                <a:spcPct val="100000"/>
+              </a:lnSpc>
+              <a:spcBef>
+                <a:spcPts val="0"/>
+              </a:spcBef>
+              <a:spcAft>
+                <a:spcPts val="0"/>
+              </a:spcAft>
+              <a:buClrTx/>
+              <a:buSzTx/>
+              <a:buFontTx/>
+              <a:buChar char="-"/>
+              <a:tabLst/>
+              <a:defRPr/>
+            </a:pPr>
+            <a:r>
+              <a:rPr lang="en-US" baseline="0" dirty="0" smtClean="0"/>
+              <a:t>The </a:t>
+            </a:r>
+            <a:r>
+              <a:rPr lang="en-US" b="1" baseline="0" dirty="0" smtClean="0"/>
+              <a:t>denominator</a:t>
+            </a:r>
+            <a:r>
+              <a:rPr lang="en-US" baseline="0" dirty="0" smtClean="0"/>
+              <a:t> is an important normalization factor denoted by </a:t>
+            </a:r>
+            <a:r>
+              <a:rPr lang="en-US" b="1" i="1" baseline="0" dirty="0" smtClean="0"/>
+              <a:t>K</a:t>
+            </a:r>
+            <a:r>
+              <a:rPr lang="en-US" baseline="0" dirty="0" smtClean="0"/>
+              <a:t> which can be interpreted as a </a:t>
+            </a:r>
+            <a:r>
+              <a:rPr lang="en-US" b="1" baseline="0" dirty="0" smtClean="0"/>
+              <a:t>measure of conflict between the sources</a:t>
+            </a:r>
+            <a:r>
+              <a:rPr lang="en-US" baseline="0" dirty="0" smtClean="0"/>
               <a:t>.</a:t>
             </a:r>
-          </a:p>
-          <a:p>
-            <a:pPr marL="0" indent="0">
-              <a:buFontTx/>
-              <a:buNone/>
-            </a:pPr>
-            <a:endParaRPr lang="en-US" dirty="0" smtClean="0"/>
-          </a:p>
-          <a:p>
-            <a:pPr marL="0" indent="0">
-              <a:buFontTx/>
-              <a:buNone/>
-            </a:pPr>
-            <a:r>
-              <a:rPr lang="en-US" dirty="0" smtClean="0"/>
-              <a:t>(2) It is the measure of total belief committed to A (a subset</a:t>
-            </a:r>
-            <a:r>
-              <a:rPr lang="en-US" baseline="0" dirty="0" smtClean="0"/>
-              <a:t> of frame of discernment</a:t>
-            </a:r>
-            <a:r>
-              <a:rPr lang="en-US" dirty="0" smtClean="0"/>
-              <a:t>)</a:t>
-            </a:r>
-            <a:r>
-              <a:rPr lang="en-US" baseline="0" dirty="0" smtClean="0"/>
-              <a:t> </a:t>
-            </a:r>
-            <a:r>
-              <a:rPr lang="en-US" dirty="0" smtClean="0"/>
-              <a:t>that can be obtained by simply adding up the mass of all the subsets of A.</a:t>
-            </a:r>
-          </a:p>
-          <a:p>
-            <a:pPr marL="0" indent="0">
-              <a:buFontTx/>
-              <a:buNone/>
-            </a:pPr>
-            <a:endParaRPr lang="en-US" dirty="0" smtClean="0"/>
-          </a:p>
-          <a:p>
-            <a:pPr marL="0" indent="0">
-              <a:buFontTx/>
-              <a:buNone/>
-            </a:pPr>
-            <a:r>
-              <a:rPr lang="en-US" dirty="0" smtClean="0"/>
-              <a:t>(2) The belief in A, denoted Belief(A), is a number in the interval [0, 1].</a:t>
-            </a:r>
-          </a:p>
-          <a:p>
-            <a:pPr marL="0" indent="0">
-              <a:buFontTx/>
-              <a:buNone/>
-            </a:pPr>
-            <a:endParaRPr lang="en-US" dirty="0" smtClean="0"/>
-          </a:p>
-          <a:p>
-            <a:pPr marL="0" indent="0">
-              <a:buFontTx/>
-              <a:buNone/>
-            </a:pPr>
-            <a:r>
-              <a:rPr lang="en-US" dirty="0" smtClean="0"/>
-              <a:t>(2) Belief in a set of elements, say A,</a:t>
-            </a:r>
-            <a:r>
-              <a:rPr lang="en-US" baseline="0" dirty="0" smtClean="0"/>
-              <a:t> </a:t>
-            </a:r>
-            <a:r>
-              <a:rPr lang="en-US" dirty="0" smtClean="0"/>
-              <a:t>represents the total belief that one has based on the evidence obtained.</a:t>
-            </a:r>
-          </a:p>
-          <a:p>
-            <a:pPr marL="0" indent="0">
-              <a:buFontTx/>
-              <a:buNone/>
-            </a:pPr>
-            <a:endParaRPr lang="en-US" dirty="0" smtClean="0"/>
-          </a:p>
-          <a:p>
-            <a:pPr marL="0" indent="0">
-              <a:buFontTx/>
-              <a:buNone/>
-            </a:pPr>
-            <a:r>
-              <a:rPr lang="en-US" dirty="0" smtClean="0"/>
-              <a:t>(2) Belief(A) = 0 </a:t>
-            </a:r>
-            <a:r>
-              <a:rPr lang="en-US" dirty="0" smtClean="0">
-                <a:sym typeface="Wingdings" panose="05000000000000000000" pitchFamily="2" charset="2"/>
-              </a:rPr>
-              <a:t> Lack of evidence, p(A)=0  impossibility of</a:t>
-            </a:r>
-            <a:r>
-              <a:rPr lang="en-US" baseline="0" dirty="0" smtClean="0">
-                <a:sym typeface="Wingdings" panose="05000000000000000000" pitchFamily="2" charset="2"/>
-              </a:rPr>
-              <a:t> A.</a:t>
-            </a:r>
-          </a:p>
-          <a:p>
-            <a:pPr marL="0" indent="0">
-              <a:buFontTx/>
-              <a:buNone/>
-            </a:pPr>
-            <a:endParaRPr lang="en-US" baseline="0" dirty="0" smtClean="0">
-              <a:sym typeface="Wingdings" panose="05000000000000000000" pitchFamily="2" charset="2"/>
-            </a:endParaRPr>
-          </a:p>
-          <a:p>
-            <a:pPr marL="0" indent="0">
-              <a:buFontTx/>
-              <a:buNone/>
-            </a:pPr>
-            <a:r>
-              <a:rPr lang="en-US" baseline="0" dirty="0" smtClean="0">
-                <a:sym typeface="Wingdings" panose="05000000000000000000" pitchFamily="2" charset="2"/>
-              </a:rPr>
-              <a:t>(3) Plausible(A) in a subset A is defined to be the sum of all mass functions for the subsets B that have non-zero intersections with A.</a:t>
-            </a:r>
-          </a:p>
-          <a:p>
-            <a:pPr marL="0" indent="0">
-              <a:buFontTx/>
-              <a:buNone/>
-            </a:pPr>
-            <a:endParaRPr lang="en-US" baseline="0" dirty="0" smtClean="0">
-              <a:sym typeface="Wingdings" panose="05000000000000000000" pitchFamily="2" charset="2"/>
-            </a:endParaRPr>
-          </a:p>
-          <a:p>
-            <a:pPr marL="0" indent="0">
-              <a:buFontTx/>
-              <a:buNone/>
-            </a:pPr>
-            <a:r>
-              <a:rPr lang="en-US" baseline="0" dirty="0" smtClean="0">
-                <a:sym typeface="Wingdings" panose="05000000000000000000" pitchFamily="2" charset="2"/>
-              </a:rPr>
-              <a:t>(3) Plausible(A) corresponds to the total belief that does not contradict A.</a:t>
-            </a:r>
-          </a:p>
-          <a:p>
-            <a:pPr marL="0" indent="0">
-              <a:buFontTx/>
-              <a:buNone/>
-            </a:pPr>
-            <a:endParaRPr lang="en-US" dirty="0" smtClean="0"/>
-          </a:p>
-          <a:p>
-            <a:pPr marL="0" indent="0">
-              <a:buFontTx/>
-              <a:buNone/>
-            </a:pPr>
-            <a:endParaRPr lang="en-US" dirty="0" smtClean="0"/>
-          </a:p>
-          <a:p>
-            <a:pPr marL="0" indent="0">
-              <a:buFontTx/>
-              <a:buNone/>
-            </a:pPr>
-            <a:endParaRPr lang="en-US" dirty="0"/>
+            <a:endParaRPr lang="en-US" baseline="0" dirty="0" smtClean="0"/>
           </a:p>
         </p:txBody>
       </p:sp>
@@ -4808,415 +5374,169 @@
           <a:bodyPr/>
           <a:lstStyle/>
           <a:p>
+            <a:pPr marL="0" indent="0">
+              <a:buFontTx/>
+              <a:buNone/>
+            </a:pPr>
+            <a:r>
+              <a:rPr lang="en-US" dirty="0" smtClean="0"/>
+              <a:t>(0) Fuzzy </a:t>
+            </a:r>
+            <a:r>
+              <a:rPr lang="en-US" dirty="0" smtClean="0"/>
+              <a:t>Logic</a:t>
+            </a:r>
+            <a:r>
+              <a:rPr lang="en-US" baseline="0" dirty="0" smtClean="0"/>
+              <a:t> </a:t>
+            </a:r>
+            <a:r>
+              <a:rPr lang="en-US" dirty="0" smtClean="0"/>
+              <a:t>provides a mathematical framework to capture uncertainty.</a:t>
+            </a:r>
+          </a:p>
+          <a:p>
             <a:pPr marL="171450" indent="-171450">
               <a:buFontTx/>
               <a:buChar char="-"/>
             </a:pPr>
-            <a:r>
-              <a:rPr lang="en-US" dirty="0" smtClean="0"/>
-              <a:t>~A is</a:t>
-            </a:r>
-            <a:r>
-              <a:rPr lang="en-US" baseline="0" dirty="0" smtClean="0"/>
-              <a:t> A’s complement.</a:t>
-            </a:r>
+            <a:endParaRPr lang="en-US" dirty="0" smtClean="0"/>
           </a:p>
           <a:p>
             <a:pPr marL="171450" indent="-171450">
               <a:buFontTx/>
               <a:buChar char="-"/>
             </a:pPr>
-            <a:endParaRPr lang="en-US" baseline="0" dirty="0" smtClean="0"/>
+            <a:r>
+              <a:rPr lang="en-US" b="1" dirty="0" smtClean="0"/>
+              <a:t>Fuzziness</a:t>
+            </a:r>
+            <a:r>
+              <a:rPr lang="en-US" dirty="0" smtClean="0"/>
+              <a:t> manipulates uncertainty by dealing with the </a:t>
+            </a:r>
+            <a:r>
+              <a:rPr lang="en-US" b="1" dirty="0" smtClean="0"/>
+              <a:t>boundaries of a set </a:t>
+            </a:r>
+            <a:r>
+              <a:rPr lang="en-US" dirty="0" smtClean="0"/>
+              <a:t>that are not clearly defined.</a:t>
+            </a:r>
           </a:p>
           <a:p>
             <a:pPr marL="171450" indent="-171450">
               <a:buFontTx/>
               <a:buChar char="-"/>
             </a:pPr>
-            <a:r>
-              <a:rPr lang="en-US" baseline="0" dirty="0" smtClean="0"/>
-              <a:t>Belief(A)=0 does not imply Belief(~A)&gt;0</a:t>
-            </a:r>
+            <a:endParaRPr lang="en-US" dirty="0" smtClean="0"/>
           </a:p>
           <a:p>
             <a:pPr marL="171450" indent="-171450">
               <a:buFontTx/>
               <a:buChar char="-"/>
             </a:pPr>
-            <a:endParaRPr lang="en-US" baseline="0" dirty="0" smtClean="0"/>
-          </a:p>
-          <a:p>
-            <a:pPr marL="171450" marR="0" indent="-171450" algn="l" defTabSz="914400" rtl="0" eaLnBrk="1" fontAlgn="auto" latinLnBrk="0" hangingPunct="1">
-              <a:lnSpc>
-                <a:spcPct val="100000"/>
-              </a:lnSpc>
-              <a:spcBef>
-                <a:spcPts val="0"/>
-              </a:spcBef>
-              <a:spcAft>
-                <a:spcPts val="0"/>
-              </a:spcAft>
-              <a:buClrTx/>
-              <a:buSzTx/>
+            <a:r>
+              <a:rPr lang="en-US" dirty="0" smtClean="0"/>
+              <a:t>Fuzzy Logic is a </a:t>
+            </a:r>
+            <a:r>
+              <a:rPr lang="en-US" b="1" dirty="0" smtClean="0"/>
+              <a:t>multivalued logic</a:t>
+            </a:r>
+            <a:r>
+              <a:rPr lang="en-US" dirty="0" smtClean="0"/>
+              <a:t>, that allows intermediate values to be defined between conventional evaluations like ``true'' and ``false''.</a:t>
+            </a:r>
+          </a:p>
+          <a:p>
+            <a:pPr marL="171450" indent="-171450">
               <a:buFontTx/>
               <a:buChar char="-"/>
-              <a:tabLst/>
-              <a:defRPr/>
             </a:pPr>
-            <a:r>
-              <a:rPr lang="en-US" baseline="0" dirty="0" smtClean="0"/>
-              <a:t>However, Belief(A)=1 implies Belief(A)=0</a:t>
-            </a:r>
-          </a:p>
-          <a:p>
-            <a:pPr marL="171450" marR="0" indent="-171450" algn="l" defTabSz="914400" rtl="0" eaLnBrk="1" fontAlgn="auto" latinLnBrk="0" hangingPunct="1">
-              <a:lnSpc>
-                <a:spcPct val="100000"/>
-              </a:lnSpc>
-              <a:spcBef>
-                <a:spcPts val="0"/>
-              </a:spcBef>
-              <a:spcAft>
-                <a:spcPts val="0"/>
-              </a:spcAft>
-              <a:buClrTx/>
-              <a:buSzTx/>
+            <a:endParaRPr lang="en-US" dirty="0" smtClean="0"/>
+          </a:p>
+          <a:p>
+            <a:pPr marL="171450" indent="-171450">
               <a:buFontTx/>
               <a:buChar char="-"/>
-              <a:tabLst/>
-              <a:defRPr/>
             </a:pPr>
-            <a:endParaRPr lang="en-US" baseline="0" dirty="0" smtClean="0"/>
-          </a:p>
-          <a:p>
-            <a:pPr marL="171450" marR="0" indent="-171450" algn="l" defTabSz="914400" rtl="0" eaLnBrk="1" fontAlgn="auto" latinLnBrk="0" hangingPunct="1">
-              <a:lnSpc>
-                <a:spcPct val="100000"/>
-              </a:lnSpc>
-              <a:spcBef>
-                <a:spcPts val="0"/>
-              </a:spcBef>
-              <a:spcAft>
-                <a:spcPts val="0"/>
-              </a:spcAft>
-              <a:buClrTx/>
-              <a:buSzTx/>
+            <a:r>
+              <a:rPr lang="en-US" dirty="0" smtClean="0"/>
+              <a:t>Logic as a base for reasoning can be essentially distinguished by </a:t>
+            </a:r>
+            <a:r>
+              <a:rPr lang="en-US" b="1" dirty="0" smtClean="0"/>
+              <a:t>three</a:t>
+            </a:r>
+            <a:r>
+              <a:rPr lang="en-US" dirty="0" smtClean="0"/>
+              <a:t> items: </a:t>
+            </a:r>
+            <a:r>
+              <a:rPr lang="en-US" b="1" dirty="0" smtClean="0"/>
+              <a:t>truth values</a:t>
+            </a:r>
+            <a:r>
+              <a:rPr lang="en-US" dirty="0" smtClean="0"/>
+              <a:t>, </a:t>
+            </a:r>
+            <a:r>
+              <a:rPr lang="en-US" b="1" dirty="0" smtClean="0"/>
+              <a:t>operators</a:t>
+            </a:r>
+            <a:r>
+              <a:rPr lang="en-US" dirty="0" smtClean="0"/>
+              <a:t>, and </a:t>
+            </a:r>
+            <a:r>
+              <a:rPr lang="en-US" b="1" dirty="0" smtClean="0"/>
+              <a:t>reasoning procedures </a:t>
+            </a:r>
+            <a:r>
+              <a:rPr lang="en-US" dirty="0" smtClean="0"/>
+              <a:t>(e.g., tautologies).</a:t>
+            </a:r>
+          </a:p>
+          <a:p>
+            <a:pPr marL="171450" indent="-171450">
               <a:buFontTx/>
               <a:buChar char="-"/>
-              <a:tabLst/>
-              <a:defRPr/>
             </a:pPr>
-            <a:r>
-              <a:rPr lang="en-US" baseline="0" dirty="0" smtClean="0"/>
-              <a:t>Here, we also note that in the case of each of the focal elements being singletons, we return back to traditional Bayesian analysis incorporating normal probability theory.</a:t>
-            </a:r>
-          </a:p>
-          <a:p>
-            <a:pPr marL="171450" marR="0" indent="-171450" algn="l" defTabSz="914400" rtl="0" eaLnBrk="1" fontAlgn="auto" latinLnBrk="0" hangingPunct="1">
-              <a:lnSpc>
-                <a:spcPct val="100000"/>
-              </a:lnSpc>
-              <a:spcBef>
-                <a:spcPts val="0"/>
-              </a:spcBef>
-              <a:spcAft>
-                <a:spcPts val="0"/>
-              </a:spcAft>
-              <a:buClrTx/>
-              <a:buSzTx/>
+            <a:endParaRPr lang="en-US" dirty="0" smtClean="0"/>
+          </a:p>
+          <a:p>
+            <a:pPr marL="171450" indent="-171450">
               <a:buFontTx/>
               <a:buChar char="-"/>
-              <a:tabLst/>
-              <a:defRPr/>
             </a:pPr>
-            <a:endParaRPr lang="en-US" baseline="0" dirty="0" smtClean="0"/>
-          </a:p>
-          <a:p>
-            <a:pPr marL="171450" marR="0" indent="-171450" algn="l" defTabSz="914400" rtl="0" eaLnBrk="1" fontAlgn="auto" latinLnBrk="0" hangingPunct="1">
-              <a:lnSpc>
-                <a:spcPct val="100000"/>
-              </a:lnSpc>
-              <a:spcBef>
-                <a:spcPts val="0"/>
-              </a:spcBef>
-              <a:spcAft>
-                <a:spcPts val="0"/>
-              </a:spcAft>
-              <a:buClrTx/>
-              <a:buSzTx/>
+            <a:r>
+              <a:rPr lang="en-US" dirty="0" smtClean="0"/>
+              <a:t>The transition from membership to non-membership is </a:t>
+            </a:r>
+            <a:r>
+              <a:rPr lang="en-US" b="1" dirty="0" smtClean="0"/>
+              <a:t>gradual</a:t>
+            </a:r>
+            <a:r>
+              <a:rPr lang="en-US" dirty="0" smtClean="0"/>
+              <a:t> rather than </a:t>
+            </a:r>
+            <a:r>
+              <a:rPr lang="en-US" b="1" dirty="0" smtClean="0"/>
+              <a:t>abrupt</a:t>
+            </a:r>
+            <a:r>
+              <a:rPr lang="en-US" dirty="0" smtClean="0"/>
+              <a:t>.</a:t>
+            </a:r>
+          </a:p>
+          <a:p>
+            <a:pPr marL="171450" indent="-171450">
               <a:buFontTx/>
               <a:buChar char="-"/>
-              <a:tabLst/>
-              <a:defRPr/>
             </a:pPr>
-            <a:r>
-              <a:rPr lang="en-US" baseline="0" dirty="0" smtClean="0"/>
-              <a:t>Lack of belief does not imply disbelief, since the complements of belief and plausibility are doubt and disbelief, respectively.</a:t>
-            </a:r>
-          </a:p>
-          <a:p>
-            <a:pPr marL="171450" marR="0" indent="-171450" algn="l" defTabSz="914400" rtl="0" eaLnBrk="1" fontAlgn="auto" latinLnBrk="0" hangingPunct="1">
-              <a:lnSpc>
-                <a:spcPct val="100000"/>
-              </a:lnSpc>
-              <a:spcBef>
-                <a:spcPts val="0"/>
-              </a:spcBef>
-              <a:spcAft>
-                <a:spcPts val="0"/>
-              </a:spcAft>
-              <a:buClrTx/>
-              <a:buSzTx/>
-              <a:buFontTx/>
-              <a:buChar char="-"/>
-              <a:tabLst/>
-              <a:defRPr/>
-            </a:pPr>
-            <a:endParaRPr lang="en-US" baseline="0" dirty="0" smtClean="0"/>
-          </a:p>
-          <a:p>
-            <a:pPr marL="171450" marR="0" indent="-171450" algn="l" defTabSz="914400" rtl="0" eaLnBrk="1" fontAlgn="auto" latinLnBrk="0" hangingPunct="1">
-              <a:lnSpc>
-                <a:spcPct val="100000"/>
-              </a:lnSpc>
-              <a:spcBef>
-                <a:spcPts val="0"/>
-              </a:spcBef>
-              <a:spcAft>
-                <a:spcPts val="0"/>
-              </a:spcAft>
-              <a:buClrTx/>
-              <a:buSzTx/>
-              <a:buFontTx/>
-              <a:buChar char="-"/>
-              <a:tabLst/>
-              <a:defRPr/>
-            </a:pPr>
-            <a:endParaRPr lang="en-US" baseline="0" dirty="0" smtClean="0"/>
-          </a:p>
-          <a:p>
-            <a:pPr marL="171450" marR="0" indent="-171450" algn="l" defTabSz="914400" rtl="0" eaLnBrk="1" fontAlgn="auto" latinLnBrk="0" hangingPunct="1">
-              <a:lnSpc>
-                <a:spcPct val="100000"/>
-              </a:lnSpc>
-              <a:spcBef>
-                <a:spcPts val="0"/>
-              </a:spcBef>
-              <a:spcAft>
-                <a:spcPts val="0"/>
-              </a:spcAft>
-              <a:buClrTx/>
-              <a:buSzTx/>
-              <a:buFontTx/>
-              <a:buChar char="-"/>
-              <a:tabLst/>
-              <a:defRPr/>
-            </a:pPr>
-            <a:r>
-              <a:rPr lang="en-US" b="1" baseline="0" dirty="0" smtClean="0"/>
-              <a:t>Combination Rule:</a:t>
-            </a:r>
-            <a:r>
-              <a:rPr lang="en-US" baseline="0" dirty="0" smtClean="0"/>
-              <a:t> When we have two pieces of uncertain evidence relevant to the same frame of discernment.</a:t>
-            </a:r>
-          </a:p>
-          <a:p>
-            <a:pPr marL="171450" marR="0" indent="-171450" algn="l" defTabSz="914400" rtl="0" eaLnBrk="1" fontAlgn="auto" latinLnBrk="0" hangingPunct="1">
-              <a:lnSpc>
-                <a:spcPct val="100000"/>
-              </a:lnSpc>
-              <a:spcBef>
-                <a:spcPts val="0"/>
-              </a:spcBef>
-              <a:spcAft>
-                <a:spcPts val="0"/>
-              </a:spcAft>
-              <a:buClrTx/>
-              <a:buSzTx/>
-              <a:buFontTx/>
-              <a:buChar char="-"/>
-              <a:tabLst/>
-              <a:defRPr/>
-            </a:pPr>
-            <a:endParaRPr lang="en-US" baseline="0" dirty="0" smtClean="0"/>
-          </a:p>
-          <a:p>
-            <a:pPr marL="171450" marR="0" indent="-171450" algn="l" defTabSz="914400" rtl="0" eaLnBrk="1" fontAlgn="auto" latinLnBrk="0" hangingPunct="1">
-              <a:lnSpc>
-                <a:spcPct val="100000"/>
-              </a:lnSpc>
-              <a:spcBef>
-                <a:spcPts val="0"/>
-              </a:spcBef>
-              <a:spcAft>
-                <a:spcPts val="0"/>
-              </a:spcAft>
-              <a:buClrTx/>
-              <a:buSzTx/>
-              <a:buFontTx/>
-              <a:buChar char="-"/>
-              <a:tabLst/>
-              <a:defRPr/>
-            </a:pPr>
-            <a:r>
-              <a:rPr lang="en-US" baseline="0" dirty="0" smtClean="0"/>
-              <a:t>The rule assumes that the sources are independent.</a:t>
-            </a:r>
-          </a:p>
-          <a:p>
-            <a:pPr marL="171450" marR="0" indent="-171450" algn="l" defTabSz="914400" rtl="0" eaLnBrk="1" fontAlgn="auto" latinLnBrk="0" hangingPunct="1">
-              <a:lnSpc>
-                <a:spcPct val="100000"/>
-              </a:lnSpc>
-              <a:spcBef>
-                <a:spcPts val="0"/>
-              </a:spcBef>
-              <a:spcAft>
-                <a:spcPts val="0"/>
-              </a:spcAft>
-              <a:buClrTx/>
-              <a:buSzTx/>
-              <a:buFontTx/>
-              <a:buChar char="-"/>
-              <a:tabLst/>
-              <a:defRPr/>
-            </a:pPr>
-            <a:endParaRPr lang="en-US" baseline="0" dirty="0" smtClean="0"/>
-          </a:p>
-          <a:p>
-            <a:pPr marL="171450" marR="0" indent="-171450" algn="l" defTabSz="914400" rtl="0" eaLnBrk="1" fontAlgn="auto" latinLnBrk="0" hangingPunct="1">
-              <a:lnSpc>
-                <a:spcPct val="100000"/>
-              </a:lnSpc>
-              <a:spcBef>
-                <a:spcPts val="0"/>
-              </a:spcBef>
-              <a:spcAft>
-                <a:spcPts val="0"/>
-              </a:spcAft>
-              <a:buClrTx/>
-              <a:buSzTx/>
-              <a:buFontTx/>
-              <a:buChar char="-"/>
-              <a:tabLst/>
-              <a:defRPr/>
-            </a:pPr>
-            <a:r>
-              <a:rPr lang="en-US" baseline="0" dirty="0" smtClean="0"/>
-              <a:t>The numerator represents the accumulated evidence for the sets A and B, which supports the given hypothesis y.</a:t>
-            </a:r>
-          </a:p>
-          <a:p>
-            <a:pPr marL="171450" marR="0" indent="-171450" algn="l" defTabSz="914400" rtl="0" eaLnBrk="1" fontAlgn="auto" latinLnBrk="0" hangingPunct="1">
-              <a:lnSpc>
-                <a:spcPct val="100000"/>
-              </a:lnSpc>
-              <a:spcBef>
-                <a:spcPts val="0"/>
-              </a:spcBef>
-              <a:spcAft>
-                <a:spcPts val="0"/>
-              </a:spcAft>
-              <a:buClrTx/>
-              <a:buSzTx/>
-              <a:buFontTx/>
-              <a:buChar char="-"/>
-              <a:tabLst/>
-              <a:defRPr/>
-            </a:pPr>
-            <a:endParaRPr lang="en-US" baseline="0" dirty="0" smtClean="0"/>
-          </a:p>
-          <a:p>
-            <a:pPr marL="171450" marR="0" indent="-171450" algn="l" defTabSz="914400" rtl="0" eaLnBrk="1" fontAlgn="auto" latinLnBrk="0" hangingPunct="1">
-              <a:lnSpc>
-                <a:spcPct val="100000"/>
-              </a:lnSpc>
-              <a:spcBef>
-                <a:spcPts val="0"/>
-              </a:spcBef>
-              <a:spcAft>
-                <a:spcPts val="0"/>
-              </a:spcAft>
-              <a:buClrTx/>
-              <a:buSzTx/>
-              <a:buFontTx/>
-              <a:buChar char="-"/>
-              <a:tabLst/>
-              <a:defRPr/>
-            </a:pPr>
-            <a:r>
-              <a:rPr lang="en-US" baseline="0" dirty="0" smtClean="0"/>
-              <a:t>The denominator is an important normalization factor denoted by </a:t>
-            </a:r>
-            <a:r>
-              <a:rPr lang="en-US" b="1" i="1" baseline="0" dirty="0" smtClean="0"/>
-              <a:t>K</a:t>
-            </a:r>
-            <a:r>
-              <a:rPr lang="en-US" baseline="0" dirty="0" smtClean="0"/>
-              <a:t> which can be interpreted as a measure of conflict between the sources.</a:t>
-            </a:r>
-          </a:p>
-          <a:p>
-            <a:pPr marL="171450" marR="0" indent="-171450" algn="l" defTabSz="914400" rtl="0" eaLnBrk="1" fontAlgn="auto" latinLnBrk="0" hangingPunct="1">
-              <a:lnSpc>
-                <a:spcPct val="100000"/>
-              </a:lnSpc>
-              <a:spcBef>
-                <a:spcPts val="0"/>
-              </a:spcBef>
-              <a:spcAft>
-                <a:spcPts val="0"/>
-              </a:spcAft>
-              <a:buClrTx/>
-              <a:buSzTx/>
-              <a:buFontTx/>
-              <a:buChar char="-"/>
-              <a:tabLst/>
-              <a:defRPr/>
-            </a:pPr>
-            <a:endParaRPr lang="en-US" baseline="0" dirty="0" smtClean="0"/>
-          </a:p>
-          <a:p>
-            <a:pPr marL="171450" marR="0" indent="-171450" algn="l" defTabSz="914400" rtl="0" eaLnBrk="1" fontAlgn="auto" latinLnBrk="0" hangingPunct="1">
-              <a:lnSpc>
-                <a:spcPct val="100000"/>
-              </a:lnSpc>
-              <a:spcBef>
-                <a:spcPts val="0"/>
-              </a:spcBef>
-              <a:spcAft>
-                <a:spcPts val="0"/>
-              </a:spcAft>
-              <a:buClrTx/>
-              <a:buSzTx/>
-              <a:buFontTx/>
-              <a:buChar char="-"/>
-              <a:tabLst/>
-              <a:defRPr/>
-            </a:pPr>
-            <a:endParaRPr lang="en-US" baseline="0" dirty="0" smtClean="0"/>
-          </a:p>
-          <a:p>
-            <a:pPr marL="171450" marR="0" indent="-171450" algn="l" defTabSz="914400" rtl="0" eaLnBrk="1" fontAlgn="auto" latinLnBrk="0" hangingPunct="1">
-              <a:lnSpc>
-                <a:spcPct val="100000"/>
-              </a:lnSpc>
-              <a:spcBef>
-                <a:spcPts val="0"/>
-              </a:spcBef>
-              <a:spcAft>
-                <a:spcPts val="0"/>
-              </a:spcAft>
-              <a:buClrTx/>
-              <a:buSzTx/>
-              <a:buFontTx/>
-              <a:buChar char="-"/>
-              <a:tabLst/>
-              <a:defRPr/>
-            </a:pPr>
-            <a:endParaRPr lang="en-US" baseline="0" dirty="0" smtClean="0"/>
+            <a:endParaRPr lang="en-US" dirty="0" smtClean="0"/>
           </a:p>
         </p:txBody>
       </p:sp>
@@ -5306,103 +5626,9 @@
             </a:pPr>
             <a:r>
               <a:rPr lang="en-US" dirty="0" smtClean="0"/>
-              <a:t>Fuzzy Logic</a:t>
-            </a:r>
-            <a:r>
-              <a:rPr lang="en-US" baseline="0" dirty="0" smtClean="0"/>
-              <a:t> </a:t>
-            </a:r>
-            <a:r>
-              <a:rPr lang="en-US" dirty="0" smtClean="0"/>
-              <a:t>provides a mathematical framework to capture uncertainty.</a:t>
-            </a:r>
-          </a:p>
-          <a:p>
-            <a:pPr marL="171450" indent="-171450">
-              <a:buFontTx/>
-              <a:buChar char="-"/>
-            </a:pPr>
-            <a:endParaRPr lang="en-US" dirty="0" smtClean="0"/>
-          </a:p>
-          <a:p>
-            <a:pPr marL="171450" indent="-171450">
-              <a:buFontTx/>
-              <a:buChar char="-"/>
-            </a:pPr>
-            <a:r>
-              <a:rPr lang="en-US" b="1" dirty="0" smtClean="0"/>
-              <a:t>Fuzziness</a:t>
-            </a:r>
-            <a:r>
-              <a:rPr lang="en-US" dirty="0" smtClean="0"/>
-              <a:t> manipulates uncertainty by dealing with the </a:t>
-            </a:r>
-            <a:r>
-              <a:rPr lang="en-US" b="1" dirty="0" smtClean="0"/>
-              <a:t>boundaries of a set </a:t>
-            </a:r>
-            <a:r>
-              <a:rPr lang="en-US" dirty="0" smtClean="0"/>
-              <a:t>that are not clearly defined.</a:t>
-            </a:r>
-          </a:p>
-          <a:p>
-            <a:pPr marL="171450" indent="-171450">
-              <a:buFontTx/>
-              <a:buChar char="-"/>
-            </a:pPr>
-            <a:endParaRPr lang="en-US" dirty="0" smtClean="0"/>
-          </a:p>
-          <a:p>
-            <a:pPr marL="171450" indent="-171450">
-              <a:buFontTx/>
-              <a:buChar char="-"/>
-            </a:pPr>
-            <a:r>
-              <a:rPr lang="en-US" dirty="0" smtClean="0"/>
-              <a:t>Fuzzy Logic is a multivalued logic, that allows intermediate values to be defined between conventional evaluations like ``true'' and ``false''.</a:t>
-            </a:r>
-          </a:p>
-          <a:p>
-            <a:pPr marL="171450" indent="-171450">
-              <a:buFontTx/>
-              <a:buChar char="-"/>
-            </a:pPr>
-            <a:endParaRPr lang="en-US" dirty="0" smtClean="0"/>
-          </a:p>
-          <a:p>
-            <a:pPr marL="171450" indent="-171450">
-              <a:buFontTx/>
-              <a:buChar char="-"/>
-            </a:pPr>
-            <a:r>
-              <a:rPr lang="en-US" dirty="0" smtClean="0"/>
-              <a:t>Logic as a base for reasoning can be essentially distinguished by three items: truth values, operators, and reasoning procedures (e.g., tautologies).</a:t>
-            </a:r>
-          </a:p>
-          <a:p>
-            <a:pPr marL="171450" indent="-171450">
-              <a:buFontTx/>
-              <a:buChar char="-"/>
-            </a:pPr>
-            <a:endParaRPr lang="en-US" dirty="0" smtClean="0"/>
-          </a:p>
-          <a:p>
-            <a:pPr marL="171450" indent="-171450">
-              <a:buFontTx/>
-              <a:buChar char="-"/>
-            </a:pPr>
-            <a:r>
-              <a:rPr lang="en-US" dirty="0" smtClean="0"/>
-              <a:t>The transition from membership to non-membership is gradual rather than abrupt.</a:t>
-            </a:r>
-          </a:p>
-          <a:p>
-            <a:pPr marL="171450" indent="-171450">
-              <a:buFontTx/>
-              <a:buChar char="-"/>
-            </a:pPr>
-            <a:endParaRPr lang="en-US" dirty="0" smtClean="0"/>
+              <a:t>A value can belong to multiple sets at the same time.</a:t>
+            </a:r>
+            <a:endParaRPr lang="en-US" dirty="0"/>
           </a:p>
         </p:txBody>
       </p:sp>
@@ -5491,9 +5717,66 @@
               <a:buChar char="-"/>
             </a:pPr>
             <a:r>
+              <a:rPr lang="en-US" b="1" dirty="0" smtClean="0"/>
+              <a:t>Fuzzy operators </a:t>
+            </a:r>
+            <a:r>
               <a:rPr lang="en-US" dirty="0" smtClean="0"/>
-              <a:t>A value can belong to multiple sets at the same time.</a:t>
-            </a:r>
+              <a:t>are used in order to </a:t>
+            </a:r>
+            <a:r>
+              <a:rPr lang="en-US" b="1" dirty="0" smtClean="0"/>
+              <a:t>manipulate fuzzy sets</a:t>
+            </a:r>
+            <a:r>
+              <a:rPr lang="en-US" dirty="0" smtClean="0"/>
+              <a:t>, and to </a:t>
+            </a:r>
+            <a:r>
+              <a:rPr lang="en-US" b="1" dirty="0" smtClean="0"/>
+              <a:t>evaluate </a:t>
+            </a:r>
+            <a:r>
+              <a:rPr lang="en-US" dirty="0" smtClean="0"/>
+              <a:t>the constructed </a:t>
+            </a:r>
+            <a:r>
+              <a:rPr lang="en-US" b="1" dirty="0" smtClean="0"/>
+              <a:t>fuzzy rules</a:t>
+            </a:r>
+            <a:r>
+              <a:rPr lang="en-US" dirty="0" smtClean="0"/>
+              <a:t>, and ultimately to </a:t>
+            </a:r>
+            <a:r>
+              <a:rPr lang="en-US" b="1" dirty="0" smtClean="0"/>
+              <a:t>combine </a:t>
+            </a:r>
+            <a:r>
+              <a:rPr lang="en-US" dirty="0" smtClean="0"/>
+              <a:t>the </a:t>
+            </a:r>
+            <a:r>
+              <a:rPr lang="en-US" b="1" dirty="0" smtClean="0"/>
+              <a:t>results </a:t>
+            </a:r>
+            <a:r>
+              <a:rPr lang="en-US" dirty="0" smtClean="0"/>
+              <a:t>of the individual rules.</a:t>
+            </a:r>
+          </a:p>
+          <a:p>
+            <a:pPr marL="171450" indent="-171450">
+              <a:buFontTx/>
+              <a:buChar char="-"/>
+            </a:pPr>
+            <a:endParaRPr lang="en-US" dirty="0" smtClean="0"/>
+          </a:p>
+          <a:p>
+            <a:pPr marL="171450" indent="-171450">
+              <a:buFontTx/>
+              <a:buChar char="-"/>
+            </a:pPr>
             <a:endParaRPr lang="en-US" dirty="0"/>
           </a:p>
         </p:txBody>
@@ -5578,19 +5861,9 @@
           <a:bodyPr/>
           <a:lstStyle/>
           <a:p>
-            <a:pPr marL="171450" indent="-171450">
+            <a:pPr marL="0" indent="0">
               <a:buFontTx/>
-              <a:buChar char="-"/>
-            </a:pPr>
-            <a:r>
-              <a:rPr lang="en-US" dirty="0" smtClean="0"/>
-              <a:t>Fuzzy operators are used in order to manipulate fuzzy sets, and to evaluate the constructed fuzzy rules, and ultimately to combine the results of the individual rules.</a:t>
-            </a:r>
-          </a:p>
-          <a:p>
-            <a:pPr marL="171450" indent="-171450">
-              <a:buFontTx/>
-              <a:buChar char="-"/>
+              <a:buNone/>
             </a:pPr>
             <a:endParaRPr lang="en-US" dirty="0" smtClean="0"/>
           </a:p>
@@ -6831,101 +7104,6 @@
             <a:fld id="{D91B34AF-DFC3-47C6-893A-07AE93C6324A}" type="slidenum">
               <a:rPr lang="en-US" smtClean="0"/>
               <a:t>44</a:t>
-            </a:fld>
-            <a:endParaRPr lang="en-US"/>
-          </a:p>
-        </p:txBody>
-      </p:sp>
-    </p:spTree>
-    <p:extLst>
-      <p:ext uri="{BB962C8B-B14F-4D97-AF65-F5344CB8AC3E}">
-        <p14:creationId xmlns:p14="http://schemas.microsoft.com/office/powerpoint/2010/main" val="1845102120"/>
-      </p:ext>
-    </p:extLst>
-  </p:cSld>
-  <p:clrMapOvr>
-    <a:masterClrMapping/>
-  </p:clrMapOvr>
-</p:notes>
-</file>
-
-<file path=ppt/notesSlides/notesSlide42.xml><?xml version="1.0" encoding="utf-8"?>
-<p:notes xmlns:a="http://schemas.openxmlformats.org/drawingml/2006/main" xmlns:r="http://schemas.openxmlformats.org/officeDocument/2006/relationships" xmlns:p="http://schemas.openxmlformats.org/presentationml/2006/main">
-  <p:cSld>
-    <p:spTree>
-      <p:nvGrpSpPr>
-        <p:cNvPr id="1" name=""/>
-        <p:cNvGrpSpPr/>
-        <p:nvPr/>
-      </p:nvGrpSpPr>
-      <p:grpSpPr>
-        <a:xfrm>
-          <a:off x="0" y="0"/>
-          <a:ext cx="0" cy="0"/>
-          <a:chOff x="0" y="0"/>
-          <a:chExt cx="0" cy="0"/>
-        </a:xfrm>
-      </p:grpSpPr>
-      <p:sp>
-        <p:nvSpPr>
-          <p:cNvPr id="2" name="Slide Image Placeholder 1"/>
-          <p:cNvSpPr>
-            <a:spLocks noGrp="1" noRot="1" noChangeAspect="1"/>
-          </p:cNvSpPr>
-          <p:nvPr>
-            <p:ph type="sldImg"/>
-          </p:nvPr>
-        </p:nvSpPr>
-        <p:spPr/>
-      </p:sp>
-      <p:sp>
-        <p:nvSpPr>
-          <p:cNvPr id="3" name="Notes Placeholder 2"/>
-          <p:cNvSpPr>
-            <a:spLocks noGrp="1"/>
-          </p:cNvSpPr>
-          <p:nvPr>
-            <p:ph type="body" idx="1"/>
-          </p:nvPr>
-        </p:nvSpPr>
-        <p:spPr/>
-        <p:txBody>
-          <a:bodyPr/>
-          <a:lstStyle/>
-          <a:p>
-            <a:pPr marL="0" indent="0">
-              <a:buFontTx/>
-              <a:buNone/>
-            </a:pPr>
-            <a:endParaRPr lang="en-US" dirty="0" smtClean="0"/>
-          </a:p>
-          <a:p>
-            <a:pPr marL="171450" indent="-171450">
-              <a:buFontTx/>
-              <a:buChar char="-"/>
-            </a:pPr>
-            <a:endParaRPr lang="en-US" dirty="0"/>
-          </a:p>
-        </p:txBody>
-      </p:sp>
-      <p:sp>
-        <p:nvSpPr>
-          <p:cNvPr id="4" name="Slide Number Placeholder 3"/>
-          <p:cNvSpPr>
-            <a:spLocks noGrp="1"/>
-          </p:cNvSpPr>
-          <p:nvPr>
-            <p:ph type="sldNum" sz="quarter" idx="10"/>
-          </p:nvPr>
-        </p:nvSpPr>
-        <p:spPr/>
-        <p:txBody>
-          <a:bodyPr/>
-          <a:lstStyle/>
-          <a:p>
-            <a:fld id="{D91B34AF-DFC3-47C6-893A-07AE93C6324A}" type="slidenum">
-              <a:rPr lang="en-US" smtClean="0"/>
-              <a:t>45</a:t>
             </a:fld>
             <a:endParaRPr lang="en-US"/>
           </a:p>
@@ -13614,10 +13792,18 @@
               <a:t>Theory: </a:t>
             </a:r>
             <a:r>
-              <a:rPr lang="en-US" sz="2000" b="1" i="1" dirty="0" smtClean="0"/>
+              <a:rPr lang="en-US" sz="2000" b="1" i="1" dirty="0" smtClean="0">
+                <a:solidFill>
+                  <a:srgbClr val="002060"/>
+                </a:solidFill>
+              </a:rPr>
               <a:t>Overview</a:t>
             </a:r>
-            <a:endParaRPr lang="en-US" sz="2000" b="1" i="1" dirty="0"/>
+            <a:endParaRPr lang="en-US" sz="2000" b="1" i="1" dirty="0">
+              <a:solidFill>
+                <a:srgbClr val="002060"/>
+              </a:solidFill>
+            </a:endParaRPr>
           </a:p>
         </p:txBody>
       </p:sp>
@@ -14127,10 +14313,18 @@
               <a:t>Appraisal Theory: </a:t>
             </a:r>
             <a:r>
-              <a:rPr lang="en-US" sz="2000" b="1" i="1" dirty="0" smtClean="0"/>
+              <a:rPr lang="en-US" sz="2000" b="1" i="1" dirty="0" smtClean="0">
+                <a:solidFill>
+                  <a:srgbClr val="002060"/>
+                </a:solidFill>
+              </a:rPr>
               <a:t>Appraisal &amp; Coping processes</a:t>
             </a:r>
-            <a:endParaRPr lang="en-US" sz="2000" b="1" i="1" dirty="0"/>
+            <a:endParaRPr lang="en-US" sz="2000" b="1" i="1" dirty="0">
+              <a:solidFill>
+                <a:srgbClr val="002060"/>
+              </a:solidFill>
+            </a:endParaRPr>
           </a:p>
         </p:txBody>
       </p:sp>
@@ -14530,10 +14724,18 @@
               <a:t>: </a:t>
             </a:r>
             <a:r>
-              <a:rPr lang="en-US" sz="2000" b="1" i="1" dirty="0" smtClean="0"/>
+              <a:rPr lang="en-US" sz="2000" b="1" i="1" dirty="0" smtClean="0">
+                <a:solidFill>
+                  <a:srgbClr val="002060"/>
+                </a:solidFill>
+              </a:rPr>
               <a:t>OCC – A structural Appraisal Theory</a:t>
             </a:r>
-            <a:endParaRPr lang="en-US" sz="2000" b="1" i="1" dirty="0"/>
+            <a:endParaRPr lang="en-US" sz="2000" b="1" i="1" dirty="0">
+              <a:solidFill>
+                <a:srgbClr val="002060"/>
+              </a:solidFill>
+            </a:endParaRPr>
           </a:p>
         </p:txBody>
       </p:sp>
@@ -16435,10 +16637,18 @@
               <a:t>Similarities &amp; Differences: </a:t>
             </a:r>
             <a:r>
-              <a:rPr lang="en-US" sz="2000" b="1" i="1" dirty="0" smtClean="0"/>
+              <a:rPr lang="en-US" sz="2000" b="1" i="1" dirty="0" smtClean="0">
+                <a:solidFill>
+                  <a:srgbClr val="002060"/>
+                </a:solidFill>
+              </a:rPr>
               <a:t>Dimensional Vs. Discrete</a:t>
             </a:r>
-            <a:endParaRPr lang="en-US" sz="2000" b="1" i="1" dirty="0"/>
+            <a:endParaRPr lang="en-US" sz="2000" b="1" i="1" dirty="0">
+              <a:solidFill>
+                <a:srgbClr val="002060"/>
+              </a:solidFill>
+            </a:endParaRPr>
           </a:p>
         </p:txBody>
       </p:sp>
@@ -17002,14 +17212,26 @@
               <a:t>Similarities &amp; Differences: </a:t>
             </a:r>
             <a:r>
-              <a:rPr lang="en-US" sz="2000" b="1" i="1" dirty="0"/>
+              <a:rPr lang="en-US" sz="2000" b="1" i="1" dirty="0">
+                <a:solidFill>
+                  <a:srgbClr val="002060"/>
+                </a:solidFill>
+              </a:rPr>
               <a:t>Appraisal &amp; </a:t>
             </a:r>
             <a:r>
-              <a:rPr lang="en-US" sz="2000" b="1" i="1" dirty="0" smtClean="0"/>
+              <a:rPr lang="en-US" sz="2000" b="1" i="1" dirty="0" smtClean="0">
+                <a:solidFill>
+                  <a:srgbClr val="002060"/>
+                </a:solidFill>
+              </a:rPr>
               <a:t>Dimensional</a:t>
             </a:r>
-            <a:endParaRPr lang="en-US" sz="2000" b="1" i="1" dirty="0"/>
+            <a:endParaRPr lang="en-US" sz="2000" b="1" i="1" dirty="0">
+              <a:solidFill>
+                <a:srgbClr val="002060"/>
+              </a:solidFill>
+            </a:endParaRPr>
           </a:p>
         </p:txBody>
       </p:sp>
@@ -17356,10 +17578,18 @@
               <a:t>Similarities &amp; Differences: </a:t>
             </a:r>
             <a:r>
-              <a:rPr lang="en-US" sz="2000" b="1" i="1" dirty="0" smtClean="0"/>
+              <a:rPr lang="en-US" sz="2000" b="1" i="1" dirty="0" smtClean="0">
+                <a:solidFill>
+                  <a:srgbClr val="002060"/>
+                </a:solidFill>
+              </a:rPr>
               <a:t>OCC &amp; Dimensional</a:t>
             </a:r>
-            <a:endParaRPr lang="en-US" sz="2000" b="1" i="1" dirty="0"/>
+            <a:endParaRPr lang="en-US" sz="2000" b="1" i="1" dirty="0">
+              <a:solidFill>
+                <a:srgbClr val="002060"/>
+              </a:solidFill>
+            </a:endParaRPr>
           </a:p>
         </p:txBody>
       </p:sp>
@@ -18590,7 +18820,15 @@
           <a:p>
             <a:r>
               <a:rPr lang="en-US" sz="2000" dirty="0" smtClean="0"/>
-              <a:t>Dempster-Shafer theory (Evidential reasoning)</a:t>
+              <a:t>Dempster-Shafer theory </a:t>
+            </a:r>
+            <a:r>
+              <a:rPr lang="en-US" sz="2000" dirty="0" smtClean="0"/>
+              <a:t>(evidential </a:t>
+            </a:r>
+            <a:r>
+              <a:rPr lang="en-US" sz="2000" dirty="0" smtClean="0"/>
+              <a:t>reasoning)</a:t>
             </a:r>
           </a:p>
           <a:p>
@@ -18901,9 +19139,25 @@
             </a:r>
             <a:r>
               <a:rPr lang="en-US" sz="2400" b="1" dirty="0"/>
-              <a:t>&gt; Bayesian Belief Networks</a:t>
-            </a:r>
-            <a:endParaRPr lang="en-US" sz="2000" b="1" i="1" dirty="0"/>
+              <a:t>&gt; Bayesian Belief </a:t>
+            </a:r>
+            <a:r>
+              <a:rPr lang="en-US" sz="2400" b="1" dirty="0" smtClean="0"/>
+              <a:t>Networks: </a:t>
+            </a:r>
+            <a:r>
+              <a:rPr lang="en-US" sz="2000" b="1" i="1" dirty="0" smtClean="0">
+                <a:solidFill>
+                  <a:srgbClr val="002060"/>
+                </a:solidFill>
+              </a:rPr>
+              <a:t>Overview</a:t>
+            </a:r>
+            <a:endParaRPr lang="en-US" sz="2000" b="1" i="1" dirty="0">
+              <a:solidFill>
+                <a:srgbClr val="002060"/>
+              </a:solidFill>
+            </a:endParaRPr>
           </a:p>
         </p:txBody>
       </p:sp>
@@ -19173,7 +19427,19 @@
             </a:r>
             <a:r>
               <a:rPr lang="en-US" sz="2000" dirty="0"/>
-              <a:t>(parent nodes) of the CPTs in </a:t>
+              <a:t>(parent nodes) of the </a:t>
+            </a:r>
+            <a:r>
+              <a:rPr lang="en-US" sz="2000" dirty="0">
+                <a:solidFill>
+                  <a:srgbClr val="FF0000"/>
+                </a:solidFill>
+              </a:rPr>
+              <a:t>CPTs</a:t>
+            </a:r>
+            <a:r>
+              <a:rPr lang="en-US" sz="2000" dirty="0"/>
+              <a:t> in </a:t>
             </a:r>
             <a:r>
               <a:rPr lang="en-US" sz="2000" dirty="0" smtClean="0"/>
@@ -19257,7 +19523,11 @@
               <a:t>Belief Networks: </a:t>
             </a:r>
             <a:r>
-              <a:rPr lang="en-US" sz="2000" b="1" i="1" dirty="0"/>
+              <a:rPr lang="en-US" sz="2000" b="1" i="1" dirty="0">
+                <a:solidFill>
+                  <a:srgbClr val="002060"/>
+                </a:solidFill>
+              </a:rPr>
               <a:t>Joint Probability Distribution</a:t>
             </a:r>
           </a:p>
@@ -19513,10 +19783,10 @@
             </a:lvl9pPr>
           </a:lstStyle>
           <a:p>
-            <a:r>
-              <a:rPr lang="en-US" sz="2000" dirty="0" smtClean="0"/>
-              <a:t>B</a:t>
-            </a:r>
+            <a:pPr marL="0" indent="0">
+              <a:buNone/>
+            </a:pPr>
+            <a:endParaRPr lang="en-US" sz="2000" dirty="0" smtClean="0"/>
           </a:p>
         </p:txBody>
       </p:sp>
@@ -19568,10 +19838,18 @@
               <a:t>&gt; Bayesian Belief Networks: </a:t>
             </a:r>
             <a:r>
-              <a:rPr lang="en-US" sz="2000" b="1" i="1" dirty="0" smtClean="0"/>
+              <a:rPr lang="en-US" sz="2000" b="1" i="1" dirty="0" smtClean="0">
+                <a:solidFill>
+                  <a:srgbClr val="002060"/>
+                </a:solidFill>
+              </a:rPr>
               <a:t>Reasoning in BBNs</a:t>
             </a:r>
-            <a:endParaRPr lang="en-US" sz="2000" b="1" i="1" dirty="0"/>
+            <a:endParaRPr lang="en-US" sz="2000" b="1" i="1" dirty="0">
+              <a:solidFill>
+                <a:srgbClr val="002060"/>
+              </a:solidFill>
+            </a:endParaRPr>
           </a:p>
         </p:txBody>
       </p:sp>
@@ -20163,25 +20441,195 @@
             </a:lvl9pPr>
           </a:lstStyle>
           <a:p>
-            <a:pPr marL="0" indent="0">
-              <a:buNone/>
-            </a:pPr>
-            <a:r>
-              <a:rPr lang="en-US" sz="2000" dirty="0"/>
-              <a:t>Bayesian networks which satisfy the Markov </a:t>
-            </a:r>
-            <a:r>
-              <a:rPr lang="en-US" sz="2000" dirty="0" smtClean="0"/>
-              <a:t>property explicitly </a:t>
-            </a:r>
-            <a:r>
-              <a:rPr lang="en-US" sz="2000" dirty="0"/>
-              <a:t>express conditional independencies </a:t>
-            </a:r>
-            <a:r>
-              <a:rPr lang="en-US" sz="2000" dirty="0" smtClean="0"/>
-              <a:t>in probability distributions.</a:t>
-            </a:r>
+            <a:r>
+              <a:rPr lang="en-US" sz="1800" dirty="0"/>
+              <a:t>Dempster-Shafer theory is designed to deal with the </a:t>
+            </a:r>
+            <a:r>
+              <a:rPr lang="en-US" sz="1800" dirty="0">
+                <a:solidFill>
+                  <a:srgbClr val="FF0000"/>
+                </a:solidFill>
+              </a:rPr>
+              <a:t>distinction</a:t>
+            </a:r>
+            <a:r>
+              <a:rPr lang="en-US" sz="1800" dirty="0"/>
+              <a:t> between </a:t>
+            </a:r>
+            <a:r>
+              <a:rPr lang="en-US" sz="1800" dirty="0">
+                <a:solidFill>
+                  <a:srgbClr val="FF0000"/>
+                </a:solidFill>
+              </a:rPr>
+              <a:t>uncertainty </a:t>
+            </a:r>
+            <a:r>
+              <a:rPr lang="en-US" sz="1800" dirty="0"/>
+              <a:t>and</a:t>
+            </a:r>
+            <a:r>
+              <a:rPr lang="en-US" sz="1800" dirty="0">
+                <a:solidFill>
+                  <a:srgbClr val="FF0000"/>
+                </a:solidFill>
+              </a:rPr>
+              <a:t> ignorance</a:t>
+            </a:r>
+            <a:r>
+              <a:rPr lang="en-US" sz="1800" dirty="0" smtClean="0"/>
+              <a:t>.</a:t>
+            </a:r>
+          </a:p>
+          <a:p>
+            <a:endParaRPr lang="en-US" sz="900" dirty="0"/>
+          </a:p>
+          <a:p>
+            <a:r>
+              <a:rPr lang="en-US" sz="1800" dirty="0" smtClean="0"/>
+              <a:t>Rather </a:t>
+            </a:r>
+            <a:r>
+              <a:rPr lang="en-US" sz="1800" dirty="0"/>
+              <a:t>than computing the probability of a proposition, it computes the probability that the </a:t>
+            </a:r>
+            <a:r>
+              <a:rPr lang="en-US" sz="1800" dirty="0">
+                <a:solidFill>
+                  <a:srgbClr val="FF0000"/>
+                </a:solidFill>
+              </a:rPr>
+              <a:t>evidence supports the proposition</a:t>
+            </a:r>
+            <a:r>
+              <a:rPr lang="en-US" sz="1800" dirty="0" smtClean="0"/>
+              <a:t>.</a:t>
+            </a:r>
+          </a:p>
+          <a:p>
+            <a:endParaRPr lang="en-US" sz="900" dirty="0" smtClean="0"/>
+          </a:p>
+          <a:p>
+            <a:r>
+              <a:rPr lang="en-US" sz="1800" dirty="0"/>
+              <a:t>The </a:t>
+            </a:r>
+            <a:r>
+              <a:rPr lang="en-US" sz="1800" dirty="0">
+                <a:solidFill>
+                  <a:srgbClr val="FF0000"/>
+                </a:solidFill>
+              </a:rPr>
+              <a:t>set of hypotheses </a:t>
+            </a:r>
+            <a:r>
+              <a:rPr lang="en-US" sz="1800" dirty="0" smtClean="0">
+                <a:solidFill>
+                  <a:srgbClr val="FF0000"/>
+                </a:solidFill>
+              </a:rPr>
+              <a:t> </a:t>
+            </a:r>
+            <a:r>
+              <a:rPr lang="en-US" sz="1800" dirty="0" smtClean="0"/>
+              <a:t>(frame </a:t>
+            </a:r>
+            <a:r>
+              <a:rPr lang="en-US" sz="1800" dirty="0"/>
+              <a:t>of </a:t>
+            </a:r>
+            <a:r>
+              <a:rPr lang="en-US" sz="1800" dirty="0" smtClean="0"/>
+              <a:t>discernment)</a:t>
+            </a:r>
+            <a:r>
+              <a:rPr lang="en-US" sz="1800" dirty="0"/>
+              <a:t> represent all of the possible states of the system considered</a:t>
+            </a:r>
+            <a:r>
+              <a:rPr lang="en-US" sz="1800" dirty="0" smtClean="0"/>
+              <a:t>.</a:t>
+            </a:r>
+          </a:p>
+          <a:p>
+            <a:endParaRPr lang="en-US" sz="900" dirty="0" smtClean="0"/>
+          </a:p>
+          <a:p>
+            <a:r>
+              <a:rPr lang="en-US" sz="1800" dirty="0" smtClean="0"/>
+              <a:t>The </a:t>
+            </a:r>
+            <a:r>
+              <a:rPr lang="en-US" sz="1800" dirty="0"/>
+              <a:t>relation between a piece of evidence and a hypothesis corresponds to a </a:t>
+            </a:r>
+            <a:r>
+              <a:rPr lang="en-US" sz="1800" dirty="0">
+                <a:solidFill>
+                  <a:srgbClr val="FF0000"/>
+                </a:solidFill>
+              </a:rPr>
+              <a:t>cause-effect chain</a:t>
+            </a:r>
+            <a:r>
+              <a:rPr lang="en-US" sz="1800" dirty="0" smtClean="0"/>
+              <a:t>.</a:t>
+            </a:r>
+          </a:p>
+          <a:p>
+            <a:endParaRPr lang="en-US" sz="900" dirty="0" smtClean="0"/>
+          </a:p>
+          <a:p>
+            <a:r>
+              <a:rPr lang="en-US" sz="1800" dirty="0"/>
+              <a:t>There are three basic functions </a:t>
+            </a:r>
+            <a:r>
+              <a:rPr lang="en-US" sz="1800" dirty="0" smtClean="0"/>
+              <a:t>required to </a:t>
+            </a:r>
+            <a:r>
+              <a:rPr lang="en-US" sz="1800" dirty="0"/>
+              <a:t>understand for modeling purposes, </a:t>
+            </a:r>
+            <a:r>
+              <a:rPr lang="en-US" sz="1800" dirty="0">
+                <a:solidFill>
+                  <a:srgbClr val="FF0000"/>
+                </a:solidFill>
+              </a:rPr>
+              <a:t>mass function</a:t>
+            </a:r>
+            <a:r>
+              <a:rPr lang="en-US" sz="1800" dirty="0"/>
+              <a:t>, </a:t>
+            </a:r>
+            <a:r>
+              <a:rPr lang="en-US" sz="1800" dirty="0">
+                <a:solidFill>
+                  <a:srgbClr val="FF0000"/>
+                </a:solidFill>
+              </a:rPr>
+              <a:t>belief function</a:t>
+            </a:r>
+            <a:r>
+              <a:rPr lang="en-US" sz="1800" dirty="0"/>
+              <a:t>, and </a:t>
+            </a:r>
+            <a:r>
+              <a:rPr lang="en-US" sz="1800" dirty="0">
+                <a:solidFill>
+                  <a:srgbClr val="FF0000"/>
+                </a:solidFill>
+              </a:rPr>
+              <a:t>plausibility function</a:t>
+            </a:r>
+            <a:r>
+              <a:rPr lang="en-US" sz="1800" dirty="0" smtClean="0"/>
+              <a:t>.</a:t>
+            </a:r>
+            <a:endParaRPr lang="en-US" sz="1800" dirty="0" smtClean="0"/>
           </a:p>
         </p:txBody>
       </p:sp>
@@ -20195,8 +20643,8 @@
         </p:nvSpPr>
         <p:spPr>
           <a:xfrm>
-            <a:off x="76200" y="0"/>
-            <a:ext cx="8991600" cy="1143000"/>
+            <a:off x="228600" y="0"/>
+            <a:ext cx="8839200" cy="1143000"/>
           </a:xfrm>
           <a:prstGeom prst="rect">
             <a:avLst/>
@@ -20233,174 +20681,33 @@
               <a:t>&gt; </a:t>
             </a:r>
             <a:r>
+              <a:rPr lang="en-US" sz="2400" b="1" dirty="0" err="1" smtClean="0"/>
+              <a:t>Dempster</a:t>
+            </a:r>
+            <a:r>
               <a:rPr lang="en-US" sz="2400" b="1" dirty="0" smtClean="0"/>
-              <a:t>Bayesian </a:t>
-            </a:r>
-            <a:r>
-              <a:rPr lang="en-US" sz="2400" b="1" dirty="0"/>
-              <a:t>Belief Networks: </a:t>
-            </a:r>
-            <a:r>
-              <a:rPr lang="en-US" sz="2000" b="1" i="1" dirty="0" smtClean="0"/>
-              <a:t>Conditional Independence</a:t>
+              <a:t>-Shafer </a:t>
+            </a:r>
+            <a:r>
+              <a:rPr lang="en-US" sz="2400" b="1" dirty="0" smtClean="0"/>
+              <a:t>Theory: </a:t>
+            </a:r>
+            <a:r>
+              <a:rPr lang="en-US" sz="2000" b="1" i="1" dirty="0">
+                <a:solidFill>
+                  <a:srgbClr val="002060"/>
+                </a:solidFill>
+              </a:rPr>
+              <a:t>Overview</a:t>
             </a:r>
             <a:endParaRPr lang="en-US" sz="2000" b="1" i="1" dirty="0"/>
           </a:p>
         </p:txBody>
       </p:sp>
-      <p:pic>
-        <p:nvPicPr>
-          <p:cNvPr id="4098" name="Picture 2"/>
-          <p:cNvPicPr>
-            <a:picLocks noChangeAspect="1" noChangeArrowheads="1"/>
-          </p:cNvPicPr>
-          <p:nvPr/>
-        </p:nvPicPr>
-        <p:blipFill>
-          <a:blip r:embed="rId3">
-            <a:extLst>
-              <a:ext uri="{28A0092B-C50C-407E-A947-70E740481C1C}">
-                <a14:useLocalDpi xmlns:a14="http://schemas.microsoft.com/office/drawing/2010/main" val="0"/>
-              </a:ext>
-            </a:extLst>
-          </a:blip>
-          <a:srcRect/>
-          <a:stretch>
-            <a:fillRect/>
-          </a:stretch>
-        </p:blipFill>
-        <p:spPr bwMode="auto">
-          <a:xfrm>
-            <a:off x="2181634" y="2146861"/>
-            <a:ext cx="4757738" cy="520139"/>
-          </a:xfrm>
-          <a:prstGeom prst="rect">
-            <a:avLst/>
-          </a:prstGeom>
-          <a:noFill/>
-          <a:ln>
-            <a:noFill/>
-          </a:ln>
-          <a:extLst>
-            <a:ext uri="{909E8E84-426E-40DD-AFC4-6F175D3DCCD1}">
-              <a14:hiddenFill xmlns:a14="http://schemas.microsoft.com/office/drawing/2010/main">
-                <a:solidFill>
-                  <a:schemeClr val="accent1"/>
-                </a:solidFill>
-              </a14:hiddenFill>
-            </a:ext>
-            <a:ext uri="{91240B29-F687-4F45-9708-019B960494DF}">
-              <a14:hiddenLine xmlns:a14="http://schemas.microsoft.com/office/drawing/2010/main" w="9525">
-                <a:solidFill>
-                  <a:schemeClr val="tx1"/>
-                </a:solidFill>
-                <a:miter lim="800000"/>
-                <a:headEnd/>
-                <a:tailEnd/>
-              </a14:hiddenLine>
-            </a:ext>
-          </a:extLst>
-        </p:spPr>
-      </p:pic>
-      <p:pic>
-        <p:nvPicPr>
-          <p:cNvPr id="4099" name="Picture 3"/>
-          <p:cNvPicPr>
-            <a:picLocks noChangeAspect="1" noChangeArrowheads="1"/>
-          </p:cNvPicPr>
-          <p:nvPr/>
-        </p:nvPicPr>
-        <p:blipFill>
-          <a:blip r:embed="rId4">
-            <a:extLst>
-              <a:ext uri="{28A0092B-C50C-407E-A947-70E740481C1C}">
-                <a14:useLocalDpi xmlns:a14="http://schemas.microsoft.com/office/drawing/2010/main" val="0"/>
-              </a:ext>
-            </a:extLst>
-          </a:blip>
-          <a:srcRect/>
-          <a:stretch>
-            <a:fillRect/>
-          </a:stretch>
-        </p:blipFill>
-        <p:spPr bwMode="auto">
-          <a:xfrm>
-            <a:off x="561321" y="2971800"/>
-            <a:ext cx="7998365" cy="803738"/>
-          </a:xfrm>
-          <a:prstGeom prst="rect">
-            <a:avLst/>
-          </a:prstGeom>
-          <a:noFill/>
-          <a:ln>
-            <a:noFill/>
-          </a:ln>
-          <a:extLst>
-            <a:ext uri="{909E8E84-426E-40DD-AFC4-6F175D3DCCD1}">
-              <a14:hiddenFill xmlns:a14="http://schemas.microsoft.com/office/drawing/2010/main">
-                <a:solidFill>
-                  <a:schemeClr val="accent1"/>
-                </a:solidFill>
-              </a14:hiddenFill>
-            </a:ext>
-            <a:ext uri="{91240B29-F687-4F45-9708-019B960494DF}">
-              <a14:hiddenLine xmlns:a14="http://schemas.microsoft.com/office/drawing/2010/main" w="9525">
-                <a:solidFill>
-                  <a:schemeClr val="tx1"/>
-                </a:solidFill>
-                <a:miter lim="800000"/>
-                <a:headEnd/>
-                <a:tailEnd/>
-              </a14:hiddenLine>
-            </a:ext>
-          </a:extLst>
-        </p:spPr>
-      </p:pic>
-      <p:pic>
-        <p:nvPicPr>
-          <p:cNvPr id="4100" name="Picture 4" descr="C:\Users\Mohammad\Documents\GitHub\CompExam3\figure\conditional-independence.png"/>
-          <p:cNvPicPr>
-            <a:picLocks noChangeAspect="1" noChangeArrowheads="1"/>
-          </p:cNvPicPr>
-          <p:nvPr/>
-        </p:nvPicPr>
-        <p:blipFill>
-          <a:blip r:embed="rId5">
-            <a:extLst>
-              <a:ext uri="{28A0092B-C50C-407E-A947-70E740481C1C}">
-                <a14:useLocalDpi xmlns:a14="http://schemas.microsoft.com/office/drawing/2010/main" val="0"/>
-              </a:ext>
-            </a:extLst>
-          </a:blip>
-          <a:srcRect/>
-          <a:stretch>
-            <a:fillRect/>
-          </a:stretch>
-        </p:blipFill>
-        <p:spPr bwMode="auto">
-          <a:xfrm>
-            <a:off x="457199" y="4423024"/>
-            <a:ext cx="8245475" cy="1962536"/>
-          </a:xfrm>
-          <a:prstGeom prst="rect">
-            <a:avLst/>
-          </a:prstGeom>
-          <a:noFill/>
-          <a:extLst>
-            <a:ext uri="{909E8E84-426E-40DD-AFC4-6F175D3DCCD1}">
-              <a14:hiddenFill xmlns:a14="http://schemas.microsoft.com/office/drawing/2010/main">
-                <a:solidFill>
-                  <a:srgbClr val="FFFFFF"/>
-                </a:solidFill>
-              </a14:hiddenFill>
-            </a:ext>
-          </a:extLst>
-        </p:spPr>
-      </p:pic>
     </p:spTree>
     <p:extLst>
       <p:ext uri="{BB962C8B-B14F-4D97-AF65-F5344CB8AC3E}">
-        <p14:creationId xmlns:p14="http://schemas.microsoft.com/office/powerpoint/2010/main" val="3734471519"/>
+        <p14:creationId xmlns:p14="http://schemas.microsoft.com/office/powerpoint/2010/main" val="2132676937"/>
       </p:ext>
     </p:extLst>
   </p:cSld>
@@ -20594,119 +20901,163 @@
           </a:lstStyle>
           <a:p>
             <a:r>
+              <a:rPr lang="en-US" sz="2000" b="1" dirty="0"/>
+              <a:t>Mass Function</a:t>
+            </a:r>
+            <a:r>
+              <a:rPr lang="en-US" sz="2000" b="1" dirty="0" smtClean="0"/>
+              <a:t>: </a:t>
+            </a:r>
+            <a:r>
+              <a:rPr lang="en-US" sz="2000" dirty="0" smtClean="0"/>
+              <a:t>A </a:t>
+            </a:r>
+            <a:r>
+              <a:rPr lang="en-US" sz="2000" dirty="0" smtClean="0">
+                <a:solidFill>
+                  <a:srgbClr val="FF0000"/>
+                </a:solidFill>
+              </a:rPr>
+              <a:t>Basic </a:t>
+            </a:r>
+            <a:r>
+              <a:rPr lang="en-US" sz="2000" dirty="0">
+                <a:solidFill>
+                  <a:srgbClr val="FF0000"/>
+                </a:solidFill>
+              </a:rPr>
+              <a:t>Probability </a:t>
+            </a:r>
+            <a:r>
+              <a:rPr lang="en-US" sz="2000" dirty="0" smtClean="0">
+                <a:solidFill>
+                  <a:srgbClr val="FF0000"/>
+                </a:solidFill>
+              </a:rPr>
+              <a:t>Assignment </a:t>
+            </a:r>
+            <a:r>
               <a:rPr lang="en-US" sz="2000" dirty="0"/>
-              <a:t>Dempster-Shafer theory is designed to deal with the distinction between </a:t>
-            </a:r>
+              <a:t>(BPA) or </a:t>
+            </a:r>
+            <a:r>
+              <a:rPr lang="en-US" sz="2000" dirty="0" smtClean="0"/>
+              <a:t>mass function is </a:t>
+            </a:r>
+            <a:r>
+              <a:rPr lang="en-US" sz="2000" dirty="0"/>
+              <a:t>a </a:t>
+            </a:r>
+            <a:r>
+              <a:rPr lang="en-US" sz="2000" dirty="0" smtClean="0"/>
+              <a:t>function                      such that:</a:t>
+            </a:r>
+          </a:p>
+          <a:p>
+            <a:endParaRPr lang="en-US" sz="2000" dirty="0" smtClean="0"/>
+          </a:p>
+          <a:p>
+            <a:endParaRPr lang="en-US" sz="2000" dirty="0" smtClean="0"/>
+          </a:p>
+          <a:p>
+            <a:endParaRPr lang="en-US" sz="2000" b="1" dirty="0" smtClean="0"/>
+          </a:p>
+          <a:p>
+            <a:r>
+              <a:rPr lang="en-US" sz="2000" b="1" dirty="0" smtClean="0"/>
+              <a:t>Belief Function: </a:t>
+            </a:r>
+            <a:r>
+              <a:rPr lang="en-US" sz="2000" dirty="0"/>
+              <a:t>It is the measure of </a:t>
+            </a:r>
+            <a:r>
+              <a:rPr lang="en-US" sz="2000" dirty="0">
+                <a:solidFill>
+                  <a:srgbClr val="FF0000"/>
+                </a:solidFill>
+              </a:rPr>
+              <a:t>total belief </a:t>
+            </a:r>
+            <a:r>
+              <a:rPr lang="en-US" sz="2000" dirty="0"/>
+              <a:t>committed to </a:t>
+            </a:r>
+            <a:r>
+              <a:rPr lang="en-US" sz="2000" dirty="0" smtClean="0"/>
+              <a:t>              that </a:t>
+            </a:r>
+            <a:r>
+              <a:rPr lang="en-US" sz="2000" dirty="0"/>
+              <a:t>can be obtained by simply adding up the mass of all the subsets of </a:t>
+            </a:r>
+            <a:r>
+              <a:rPr lang="en-US" sz="2000" i="1" dirty="0" smtClean="0"/>
+              <a:t>A</a:t>
+            </a:r>
+            <a:r>
+              <a:rPr lang="en-US" sz="2000" dirty="0" smtClean="0"/>
+              <a:t>, denoted by                  . It is a function                                     :</a:t>
+            </a:r>
+            <a:endParaRPr lang="en-US" sz="2000" dirty="0"/>
+          </a:p>
+          <a:p>
+            <a:pPr marL="0" indent="0">
+              <a:buNone/>
+            </a:pPr>
+            <a:endParaRPr lang="en-US" sz="2000" dirty="0" smtClean="0"/>
+          </a:p>
+          <a:p>
+            <a:pPr marL="0" indent="0">
+              <a:buNone/>
+            </a:pPr>
+            <a:endParaRPr lang="en-US" sz="2000" dirty="0" smtClean="0"/>
+          </a:p>
+          <a:p>
             <a:r>
               <a:rPr lang="en-US" sz="2000" b="1" dirty="0"/>
-              <a:t>uncertainty and ignorance</a:t>
+              <a:t>Plausibility Function: </a:t>
             </a:r>
             <a:r>
               <a:rPr lang="en-US" sz="2000" dirty="0"/>
-              <a:t>.</a:t>
-            </a:r>
-          </a:p>
-          <a:p>
+              <a:t>It represents the </a:t>
+            </a:r>
+            <a:r>
+              <a:rPr lang="en-US" sz="2000" dirty="0" smtClean="0">
+                <a:solidFill>
+                  <a:srgbClr val="FF0000"/>
+                </a:solidFill>
+              </a:rPr>
+              <a:t>maximum possibility </a:t>
+            </a:r>
+            <a:r>
+              <a:rPr lang="en-US" sz="2000" dirty="0"/>
+              <a:t>that a set </a:t>
+            </a:r>
+            <a:r>
+              <a:rPr lang="en-US" sz="2000" i="1" dirty="0" smtClean="0"/>
+              <a:t>A</a:t>
+            </a:r>
             <a:r>
               <a:rPr lang="en-US" sz="2000" dirty="0" smtClean="0"/>
-              <a:t>Rather </a:t>
+              <a:t> </a:t>
             </a:r>
             <a:r>
               <a:rPr lang="en-US" sz="2000" dirty="0"/>
-              <a:t>than computing the probability of a proposition, it computes the probability that the evidence supports the proposition</a:t>
+              <a:t>is true given all the evidences</a:t>
             </a:r>
             <a:r>
               <a:rPr lang="en-US" sz="2000" dirty="0" smtClean="0"/>
-              <a:t>.</a:t>
-            </a:r>
-          </a:p>
-          <a:p>
+              <a:t>. </a:t>
+            </a:r>
             <a:r>
               <a:rPr lang="en-US" sz="2000" dirty="0"/>
-              <a:t>The set of hypotheses </a:t>
+              <a:t>It is a function </a:t>
             </a:r>
             <a:r>
               <a:rPr lang="en-US" sz="2000" dirty="0" smtClean="0"/>
-              <a:t> (</a:t>
-            </a:r>
-            <a:r>
-              <a:rPr lang="en-US" sz="2000" b="1" dirty="0" smtClean="0"/>
-              <a:t>frame </a:t>
-            </a:r>
-            <a:r>
-              <a:rPr lang="en-US" sz="2000" b="1" dirty="0"/>
-              <a:t>of </a:t>
-            </a:r>
-            <a:r>
-              <a:rPr lang="en-US" sz="2000" b="1" dirty="0" smtClean="0"/>
-              <a:t>discernment</a:t>
-            </a:r>
-            <a:r>
-              <a:rPr lang="en-US" sz="2000" dirty="0" smtClean="0"/>
-              <a:t>)</a:t>
-            </a:r>
-            <a:r>
-              <a:rPr lang="en-US" sz="2000" dirty="0"/>
-              <a:t> represent all of the possible states of the system considered</a:t>
-            </a:r>
-            <a:r>
-              <a:rPr lang="en-US" sz="2000" dirty="0" smtClean="0"/>
-              <a:t>.</a:t>
-            </a:r>
-          </a:p>
-          <a:p>
-            <a:r>
-              <a:rPr lang="en-US" sz="2000" dirty="0" smtClean="0"/>
-              <a:t>The </a:t>
-            </a:r>
-            <a:r>
-              <a:rPr lang="en-US" sz="2000" dirty="0"/>
-              <a:t>relation between a piece of evidence and a hypothesis corresponds to a cause-effect chain</a:t>
-            </a:r>
-            <a:r>
-              <a:rPr lang="en-US" sz="2000" dirty="0" smtClean="0"/>
-              <a:t>.</a:t>
-            </a:r>
-          </a:p>
-          <a:p>
-            <a:r>
-              <a:rPr lang="en-US" sz="2000" dirty="0"/>
-              <a:t>There are three basic functions </a:t>
-            </a:r>
-            <a:r>
-              <a:rPr lang="en-US" sz="2000" dirty="0" smtClean="0"/>
-              <a:t>required to </a:t>
-            </a:r>
-            <a:r>
-              <a:rPr lang="en-US" sz="2000" dirty="0"/>
-              <a:t>understand for modeling purposes, </a:t>
-            </a:r>
-            <a:r>
-              <a:rPr lang="en-US" sz="2000" b="1" dirty="0"/>
-              <a:t>mass function</a:t>
-            </a:r>
-            <a:r>
-              <a:rPr lang="en-US" sz="2000" dirty="0"/>
-              <a:t>, </a:t>
-            </a:r>
-            <a:r>
-              <a:rPr lang="en-US" sz="2000" b="1" dirty="0"/>
-              <a:t>belief function</a:t>
-            </a:r>
-            <a:r>
-              <a:rPr lang="en-US" sz="2000" dirty="0"/>
-              <a:t>, and </a:t>
-            </a:r>
-            <a:r>
-              <a:rPr lang="en-US" sz="2000" b="1" dirty="0"/>
-              <a:t>plausibility function</a:t>
-            </a:r>
-            <a:r>
-              <a:rPr lang="en-US" sz="2000" dirty="0"/>
-              <a:t>.</a:t>
-            </a:r>
-          </a:p>
-          <a:p>
+              <a:t>                                           :</a:t>
+            </a:r>
             <a:endParaRPr lang="en-US" sz="2000" dirty="0"/>
           </a:p>
           <a:p>
@@ -20769,16 +21120,460 @@
             </a:r>
             <a:r>
               <a:rPr lang="en-US" sz="2400" b="1" dirty="0" smtClean="0"/>
-              <a:t>Dempster-Shafer Theory</a:t>
-            </a:r>
-            <a:endParaRPr lang="en-US" sz="2000" b="1" i="1" dirty="0"/>
+              <a:t>Dempster-Shafer Theory: </a:t>
+            </a:r>
+            <a:r>
+              <a:rPr lang="en-US" sz="2000" b="1" i="1" dirty="0" smtClean="0">
+                <a:solidFill>
+                  <a:srgbClr val="002060"/>
+                </a:solidFill>
+              </a:rPr>
+              <a:t>important functions</a:t>
+            </a:r>
+            <a:endParaRPr lang="en-US" sz="2000" b="1" i="1" dirty="0">
+              <a:solidFill>
+                <a:srgbClr val="002060"/>
+              </a:solidFill>
+            </a:endParaRPr>
           </a:p>
         </p:txBody>
       </p:sp>
+      <p:pic>
+        <p:nvPicPr>
+          <p:cNvPr id="5122" name="Picture 2"/>
+          <p:cNvPicPr>
+            <a:picLocks noChangeAspect="1" noChangeArrowheads="1"/>
+          </p:cNvPicPr>
+          <p:nvPr/>
+        </p:nvPicPr>
+        <p:blipFill>
+          <a:blip r:embed="rId3" cstate="print">
+            <a:extLst>
+              <a:ext uri="{28A0092B-C50C-407E-A947-70E740481C1C}">
+                <a14:useLocalDpi xmlns:a14="http://schemas.microsoft.com/office/drawing/2010/main" val="0"/>
+              </a:ext>
+            </a:extLst>
+          </a:blip>
+          <a:srcRect/>
+          <a:stretch>
+            <a:fillRect/>
+          </a:stretch>
+        </p:blipFill>
+        <p:spPr bwMode="auto">
+          <a:xfrm>
+            <a:off x="1800226" y="1565525"/>
+            <a:ext cx="1195387" cy="339475"/>
+          </a:xfrm>
+          <a:prstGeom prst="rect">
+            <a:avLst/>
+          </a:prstGeom>
+          <a:noFill/>
+          <a:ln>
+            <a:noFill/>
+          </a:ln>
+          <a:extLst>
+            <a:ext uri="{909E8E84-426E-40DD-AFC4-6F175D3DCCD1}">
+              <a14:hiddenFill xmlns:a14="http://schemas.microsoft.com/office/drawing/2010/main">
+                <a:solidFill>
+                  <a:schemeClr val="accent1"/>
+                </a:solidFill>
+              </a14:hiddenFill>
+            </a:ext>
+            <a:ext uri="{91240B29-F687-4F45-9708-019B960494DF}">
+              <a14:hiddenLine xmlns:a14="http://schemas.microsoft.com/office/drawing/2010/main" w="9525">
+                <a:solidFill>
+                  <a:schemeClr val="tx1"/>
+                </a:solidFill>
+                <a:miter lim="800000"/>
+                <a:headEnd/>
+                <a:tailEnd/>
+              </a14:hiddenLine>
+            </a:ext>
+          </a:extLst>
+        </p:spPr>
+      </p:pic>
+      <p:pic>
+        <p:nvPicPr>
+          <p:cNvPr id="5123" name="Picture 3"/>
+          <p:cNvPicPr>
+            <a:picLocks noChangeAspect="1" noChangeArrowheads="1"/>
+          </p:cNvPicPr>
+          <p:nvPr/>
+        </p:nvPicPr>
+        <p:blipFill>
+          <a:blip r:embed="rId4">
+            <a:extLst>
+              <a:ext uri="{28A0092B-C50C-407E-A947-70E740481C1C}">
+                <a14:useLocalDpi xmlns:a14="http://schemas.microsoft.com/office/drawing/2010/main" val="0"/>
+              </a:ext>
+            </a:extLst>
+          </a:blip>
+          <a:srcRect/>
+          <a:stretch>
+            <a:fillRect/>
+          </a:stretch>
+        </p:blipFill>
+        <p:spPr bwMode="auto">
+          <a:xfrm>
+            <a:off x="2686254" y="2138771"/>
+            <a:ext cx="3923890" cy="680629"/>
+          </a:xfrm>
+          <a:prstGeom prst="rect">
+            <a:avLst/>
+          </a:prstGeom>
+          <a:noFill/>
+          <a:ln>
+            <a:noFill/>
+          </a:ln>
+          <a:extLst>
+            <a:ext uri="{909E8E84-426E-40DD-AFC4-6F175D3DCCD1}">
+              <a14:hiddenFill xmlns:a14="http://schemas.microsoft.com/office/drawing/2010/main">
+                <a:solidFill>
+                  <a:schemeClr val="accent1"/>
+                </a:solidFill>
+              </a14:hiddenFill>
+            </a:ext>
+            <a:ext uri="{91240B29-F687-4F45-9708-019B960494DF}">
+              <a14:hiddenLine xmlns:a14="http://schemas.microsoft.com/office/drawing/2010/main" w="9525">
+                <a:solidFill>
+                  <a:schemeClr val="tx1"/>
+                </a:solidFill>
+                <a:miter lim="800000"/>
+                <a:headEnd/>
+                <a:tailEnd/>
+              </a14:hiddenLine>
+            </a:ext>
+          </a:extLst>
+        </p:spPr>
+      </p:pic>
+      <p:pic>
+        <p:nvPicPr>
+          <p:cNvPr id="5124" name="Picture 4"/>
+          <p:cNvPicPr>
+            <a:picLocks noChangeAspect="1" noChangeArrowheads="1"/>
+          </p:cNvPicPr>
+          <p:nvPr/>
+        </p:nvPicPr>
+        <p:blipFill>
+          <a:blip r:embed="rId5">
+            <a:extLst>
+              <a:ext uri="{28A0092B-C50C-407E-A947-70E740481C1C}">
+                <a14:useLocalDpi xmlns:a14="http://schemas.microsoft.com/office/drawing/2010/main" val="0"/>
+              </a:ext>
+            </a:extLst>
+          </a:blip>
+          <a:srcRect/>
+          <a:stretch>
+            <a:fillRect/>
+          </a:stretch>
+        </p:blipFill>
+        <p:spPr bwMode="auto">
+          <a:xfrm>
+            <a:off x="7247147" y="3048419"/>
+            <a:ext cx="752475" cy="276225"/>
+          </a:xfrm>
+          <a:prstGeom prst="rect">
+            <a:avLst/>
+          </a:prstGeom>
+          <a:noFill/>
+          <a:ln>
+            <a:noFill/>
+          </a:ln>
+          <a:extLst>
+            <a:ext uri="{909E8E84-426E-40DD-AFC4-6F175D3DCCD1}">
+              <a14:hiddenFill xmlns:a14="http://schemas.microsoft.com/office/drawing/2010/main">
+                <a:solidFill>
+                  <a:schemeClr val="accent1"/>
+                </a:solidFill>
+              </a14:hiddenFill>
+            </a:ext>
+            <a:ext uri="{91240B29-F687-4F45-9708-019B960494DF}">
+              <a14:hiddenLine xmlns:a14="http://schemas.microsoft.com/office/drawing/2010/main" w="9525">
+                <a:solidFill>
+                  <a:schemeClr val="tx1"/>
+                </a:solidFill>
+                <a:miter lim="800000"/>
+                <a:headEnd/>
+                <a:tailEnd/>
+              </a14:hiddenLine>
+            </a:ext>
+          </a:extLst>
+        </p:spPr>
+      </p:pic>
+      <p:pic>
+        <p:nvPicPr>
+          <p:cNvPr id="5125" name="Picture 5"/>
+          <p:cNvPicPr>
+            <a:picLocks noChangeAspect="1" noChangeArrowheads="1"/>
+          </p:cNvPicPr>
+          <p:nvPr/>
+        </p:nvPicPr>
+        <p:blipFill>
+          <a:blip r:embed="rId6">
+            <a:extLst>
+              <a:ext uri="{28A0092B-C50C-407E-A947-70E740481C1C}">
+                <a14:useLocalDpi xmlns:a14="http://schemas.microsoft.com/office/drawing/2010/main" val="0"/>
+              </a:ext>
+            </a:extLst>
+          </a:blip>
+          <a:srcRect/>
+          <a:stretch>
+            <a:fillRect/>
+          </a:stretch>
+        </p:blipFill>
+        <p:spPr bwMode="auto">
+          <a:xfrm>
+            <a:off x="2082800" y="3643312"/>
+            <a:ext cx="1028700" cy="333375"/>
+          </a:xfrm>
+          <a:prstGeom prst="rect">
+            <a:avLst/>
+          </a:prstGeom>
+          <a:noFill/>
+          <a:ln>
+            <a:noFill/>
+          </a:ln>
+          <a:extLst>
+            <a:ext uri="{909E8E84-426E-40DD-AFC4-6F175D3DCCD1}">
+              <a14:hiddenFill xmlns:a14="http://schemas.microsoft.com/office/drawing/2010/main">
+                <a:solidFill>
+                  <a:schemeClr val="accent1"/>
+                </a:solidFill>
+              </a14:hiddenFill>
+            </a:ext>
+            <a:ext uri="{91240B29-F687-4F45-9708-019B960494DF}">
+              <a14:hiddenLine xmlns:a14="http://schemas.microsoft.com/office/drawing/2010/main" w="9525">
+                <a:solidFill>
+                  <a:schemeClr val="tx1"/>
+                </a:solidFill>
+                <a:miter lim="800000"/>
+                <a:headEnd/>
+                <a:tailEnd/>
+              </a14:hiddenLine>
+            </a:ext>
+          </a:extLst>
+        </p:spPr>
+      </p:pic>
+      <p:pic>
+        <p:nvPicPr>
+          <p:cNvPr id="5126" name="Picture 6"/>
+          <p:cNvPicPr>
+            <a:picLocks noChangeAspect="1" noChangeArrowheads="1"/>
+          </p:cNvPicPr>
+          <p:nvPr/>
+        </p:nvPicPr>
+        <p:blipFill>
+          <a:blip r:embed="rId7">
+            <a:extLst>
+              <a:ext uri="{28A0092B-C50C-407E-A947-70E740481C1C}">
+                <a14:useLocalDpi xmlns:a14="http://schemas.microsoft.com/office/drawing/2010/main" val="0"/>
+              </a:ext>
+            </a:extLst>
+          </a:blip>
+          <a:srcRect/>
+          <a:stretch>
+            <a:fillRect/>
+          </a:stretch>
+        </p:blipFill>
+        <p:spPr bwMode="auto">
+          <a:xfrm>
+            <a:off x="2395537" y="4158831"/>
+            <a:ext cx="4505325" cy="628650"/>
+          </a:xfrm>
+          <a:prstGeom prst="rect">
+            <a:avLst/>
+          </a:prstGeom>
+          <a:noFill/>
+          <a:ln>
+            <a:noFill/>
+          </a:ln>
+          <a:extLst>
+            <a:ext uri="{909E8E84-426E-40DD-AFC4-6F175D3DCCD1}">
+              <a14:hiddenFill xmlns:a14="http://schemas.microsoft.com/office/drawing/2010/main">
+                <a:solidFill>
+                  <a:schemeClr val="accent1"/>
+                </a:solidFill>
+              </a14:hiddenFill>
+            </a:ext>
+            <a:ext uri="{91240B29-F687-4F45-9708-019B960494DF}">
+              <a14:hiddenLine xmlns:a14="http://schemas.microsoft.com/office/drawing/2010/main" w="9525">
+                <a:solidFill>
+                  <a:schemeClr val="tx1"/>
+                </a:solidFill>
+                <a:miter lim="800000"/>
+                <a:headEnd/>
+                <a:tailEnd/>
+              </a14:hiddenLine>
+            </a:ext>
+          </a:extLst>
+        </p:spPr>
+      </p:pic>
+      <p:pic>
+        <p:nvPicPr>
+          <p:cNvPr id="5127" name="Picture 7"/>
+          <p:cNvPicPr>
+            <a:picLocks noChangeAspect="1" noChangeArrowheads="1"/>
+          </p:cNvPicPr>
+          <p:nvPr/>
+        </p:nvPicPr>
+        <p:blipFill>
+          <a:blip r:embed="rId8">
+            <a:extLst>
+              <a:ext uri="{28A0092B-C50C-407E-A947-70E740481C1C}">
+                <a14:useLocalDpi xmlns:a14="http://schemas.microsoft.com/office/drawing/2010/main" val="0"/>
+              </a:ext>
+            </a:extLst>
+          </a:blip>
+          <a:srcRect/>
+          <a:stretch>
+            <a:fillRect/>
+          </a:stretch>
+        </p:blipFill>
+        <p:spPr bwMode="auto">
+          <a:xfrm>
+            <a:off x="4739097" y="3605212"/>
+            <a:ext cx="2057400" cy="409575"/>
+          </a:xfrm>
+          <a:prstGeom prst="rect">
+            <a:avLst/>
+          </a:prstGeom>
+          <a:noFill/>
+          <a:ln>
+            <a:noFill/>
+          </a:ln>
+          <a:extLst>
+            <a:ext uri="{909E8E84-426E-40DD-AFC4-6F175D3DCCD1}">
+              <a14:hiddenFill xmlns:a14="http://schemas.microsoft.com/office/drawing/2010/main">
+                <a:solidFill>
+                  <a:schemeClr val="accent1"/>
+                </a:solidFill>
+              </a14:hiddenFill>
+            </a:ext>
+            <a:ext uri="{91240B29-F687-4F45-9708-019B960494DF}">
+              <a14:hiddenLine xmlns:a14="http://schemas.microsoft.com/office/drawing/2010/main" w="9525">
+                <a:solidFill>
+                  <a:schemeClr val="tx1"/>
+                </a:solidFill>
+                <a:miter lim="800000"/>
+                <a:headEnd/>
+                <a:tailEnd/>
+              </a14:hiddenLine>
+            </a:ext>
+          </a:extLst>
+        </p:spPr>
+      </p:pic>
+      <p:pic>
+        <p:nvPicPr>
+          <p:cNvPr id="5128" name="Picture 8"/>
+          <p:cNvPicPr>
+            <a:picLocks noChangeAspect="1" noChangeArrowheads="1"/>
+          </p:cNvPicPr>
+          <p:nvPr/>
+        </p:nvPicPr>
+        <p:blipFill>
+          <a:blip r:embed="rId9">
+            <a:extLst>
+              <a:ext uri="{28A0092B-C50C-407E-A947-70E740481C1C}">
+                <a14:useLocalDpi xmlns:a14="http://schemas.microsoft.com/office/drawing/2010/main" val="0"/>
+              </a:ext>
+            </a:extLst>
+          </a:blip>
+          <a:srcRect/>
+          <a:stretch>
+            <a:fillRect/>
+          </a:stretch>
+        </p:blipFill>
+        <p:spPr bwMode="auto">
+          <a:xfrm>
+            <a:off x="5321300" y="5053012"/>
+            <a:ext cx="2466975" cy="352425"/>
+          </a:xfrm>
+          <a:prstGeom prst="rect">
+            <a:avLst/>
+          </a:prstGeom>
+          <a:noFill/>
+          <a:ln>
+            <a:noFill/>
+          </a:ln>
+          <a:extLst>
+            <a:ext uri="{909E8E84-426E-40DD-AFC4-6F175D3DCCD1}">
+              <a14:hiddenFill xmlns:a14="http://schemas.microsoft.com/office/drawing/2010/main">
+                <a:solidFill>
+                  <a:schemeClr val="accent1"/>
+                </a:solidFill>
+              </a14:hiddenFill>
+            </a:ext>
+            <a:ext uri="{91240B29-F687-4F45-9708-019B960494DF}">
+              <a14:hiddenLine xmlns:a14="http://schemas.microsoft.com/office/drawing/2010/main" w="9525">
+                <a:solidFill>
+                  <a:schemeClr val="tx1"/>
+                </a:solidFill>
+                <a:miter lim="800000"/>
+                <a:headEnd/>
+                <a:tailEnd/>
+              </a14:hiddenLine>
+            </a:ext>
+          </a:extLst>
+        </p:spPr>
+      </p:pic>
+      <p:pic>
+        <p:nvPicPr>
+          <p:cNvPr id="5129" name="Picture 9"/>
+          <p:cNvPicPr>
+            <a:picLocks noChangeAspect="1" noChangeArrowheads="1"/>
+          </p:cNvPicPr>
+          <p:nvPr/>
+        </p:nvPicPr>
+        <p:blipFill>
+          <a:blip r:embed="rId10">
+            <a:extLst>
+              <a:ext uri="{28A0092B-C50C-407E-A947-70E740481C1C}">
+                <a14:useLocalDpi xmlns:a14="http://schemas.microsoft.com/office/drawing/2010/main" val="0"/>
+              </a:ext>
+            </a:extLst>
+          </a:blip>
+          <a:srcRect/>
+          <a:stretch>
+            <a:fillRect/>
+          </a:stretch>
+        </p:blipFill>
+        <p:spPr bwMode="auto">
+          <a:xfrm>
+            <a:off x="2181224" y="5715000"/>
+            <a:ext cx="4933950" cy="561975"/>
+          </a:xfrm>
+          <a:prstGeom prst="rect">
+            <a:avLst/>
+          </a:prstGeom>
+          <a:noFill/>
+          <a:ln>
+            <a:noFill/>
+          </a:ln>
+          <a:extLst>
+            <a:ext uri="{909E8E84-426E-40DD-AFC4-6F175D3DCCD1}">
+              <a14:hiddenFill xmlns:a14="http://schemas.microsoft.com/office/drawing/2010/main">
+                <a:solidFill>
+                  <a:schemeClr val="accent1"/>
+                </a:solidFill>
+              </a14:hiddenFill>
+            </a:ext>
+            <a:ext uri="{91240B29-F687-4F45-9708-019B960494DF}">
+              <a14:hiddenLine xmlns:a14="http://schemas.microsoft.com/office/drawing/2010/main" w="9525">
+                <a:solidFill>
+                  <a:schemeClr val="tx1"/>
+                </a:solidFill>
+                <a:miter lim="800000"/>
+                <a:headEnd/>
+                <a:tailEnd/>
+              </a14:hiddenLine>
+            </a:ext>
+          </a:extLst>
+        </p:spPr>
+      </p:pic>
     </p:spTree>
     <p:extLst>
       <p:ext uri="{BB962C8B-B14F-4D97-AF65-F5344CB8AC3E}">
-        <p14:creationId xmlns:p14="http://schemas.microsoft.com/office/powerpoint/2010/main" val="2132676937"/>
+        <p14:creationId xmlns:p14="http://schemas.microsoft.com/office/powerpoint/2010/main" val="2427677628"/>
       </p:ext>
     </p:extLst>
   </p:cSld>
@@ -20972,75 +21767,75 @@
           </a:lstStyle>
           <a:p>
             <a:r>
-              <a:rPr lang="en-US" sz="2000" b="1" dirty="0"/>
-              <a:t>Mass Function</a:t>
-            </a:r>
-            <a:r>
-              <a:rPr lang="en-US" sz="2000" b="1" dirty="0" smtClean="0"/>
-              <a:t>: </a:t>
+              <a:rPr lang="en-US" sz="2000" dirty="0"/>
+              <a:t>The plausibility and belief </a:t>
             </a:r>
             <a:r>
               <a:rPr lang="en-US" sz="2000" dirty="0" smtClean="0"/>
-              <a:t>A Basic </a:t>
-            </a:r>
-            <a:r>
-              <a:rPr lang="en-US" sz="2000" dirty="0"/>
-              <a:t>Probability </a:t>
+              <a:t>functions have the following </a:t>
+            </a:r>
+            <a:r>
+              <a:rPr lang="en-US" sz="2000" dirty="0" smtClean="0">
+                <a:solidFill>
+                  <a:srgbClr val="FF0000"/>
+                </a:solidFill>
+              </a:rPr>
+              <a:t>relationship</a:t>
             </a:r>
             <a:r>
               <a:rPr lang="en-US" sz="2000" dirty="0" smtClean="0"/>
-              <a:t>Assignment </a:t>
-            </a:r>
-            <a:r>
-              <a:rPr lang="en-US" sz="2000" dirty="0"/>
-              <a:t>(BPA) or </a:t>
-            </a:r>
+              <a:t>:</a:t>
+            </a:r>
+          </a:p>
+          <a:p>
+            <a:endParaRPr lang="en-US" sz="2000" dirty="0"/>
+          </a:p>
+          <a:p>
+            <a:endParaRPr lang="en-US" sz="2000" dirty="0" smtClean="0"/>
+          </a:p>
+          <a:p>
             <a:r>
               <a:rPr lang="en-US" sz="2000" dirty="0" smtClean="0"/>
-              <a:t>mass function is </a:t>
-            </a:r>
-            <a:r>
-              <a:rPr lang="en-US" sz="2000" dirty="0"/>
-              <a:t>a </a:t>
+              <a:t> </a:t>
+            </a:r>
+            <a:r>
+              <a:rPr lang="en-US" sz="2000" dirty="0" smtClean="0">
+                <a:solidFill>
+                  <a:srgbClr val="FF0000"/>
+                </a:solidFill>
+              </a:rPr>
+              <a:t>Uncertainty </a:t>
+            </a:r>
+            <a:r>
+              <a:rPr lang="en-US" sz="2000" dirty="0" smtClean="0">
+                <a:solidFill>
+                  <a:srgbClr val="FF0000"/>
+                </a:solidFill>
+              </a:rPr>
+              <a:t>measure</a:t>
             </a:r>
             <a:r>
               <a:rPr lang="en-US" sz="2000" dirty="0" smtClean="0"/>
-              <a:t>function                      such that:</a:t>
-            </a:r>
-          </a:p>
-          <a:p>
+              <a:t> (belief interval):</a:t>
+            </a:r>
+          </a:p>
+          <a:p>
+            <a:pPr lvl="1"/>
             <a:endParaRPr lang="en-US" sz="2000" dirty="0" smtClean="0"/>
           </a:p>
           <a:p>
+            <a:pPr marL="457200" lvl="1" indent="0">
+              <a:buNone/>
+            </a:pPr>
             <a:endParaRPr lang="en-US" sz="2000" dirty="0" smtClean="0"/>
           </a:p>
           <a:p>
-            <a:endParaRPr lang="en-US" sz="2000" b="1" dirty="0" smtClean="0"/>
-          </a:p>
-          <a:p>
-            <a:r>
-              <a:rPr lang="en-US" sz="2000" b="1" dirty="0" smtClean="0"/>
-              <a:t>Belief Function: </a:t>
-            </a:r>
-            <a:r>
-              <a:rPr lang="en-US" sz="2000" dirty="0"/>
-              <a:t>It is the measure of total belief committed to </a:t>
-            </a:r>
+            <a:pPr marL="457200" lvl="1" indent="0">
+              <a:buNone/>
+            </a:pPr>
             <a:r>
               <a:rPr lang="en-US" sz="2000" dirty="0" smtClean="0"/>
-              <a:t>              that </a:t>
-            </a:r>
-            <a:r>
-              <a:rPr lang="en-US" sz="2000" dirty="0"/>
-              <a:t>can be obtained by simply adding up the mass of all the subsets of </a:t>
-            </a:r>
-            <a:r>
-              <a:rPr lang="en-US" sz="2000" i="1" dirty="0" smtClean="0"/>
-              <a:t>A</a:t>
-            </a:r>
-            <a:r>
-              <a:rPr lang="en-US" sz="2000" dirty="0" smtClean="0"/>
-              <a:t>, denoted by                  . It is a function                                     :</a:t>
+              <a:t>Where: </a:t>
             </a:r>
             <a:endParaRPr lang="en-US" sz="2000" dirty="0"/>
           </a:p>
@@ -21051,62 +21846,53 @@
             <a:endParaRPr lang="en-US" sz="2000" dirty="0" smtClean="0"/>
           </a:p>
           <a:p>
-            <a:pPr marL="0" indent="0">
-              <a:buNone/>
-            </a:pPr>
-            <a:endParaRPr lang="en-US" sz="2000" dirty="0" smtClean="0"/>
-          </a:p>
-          <a:p>
+            <a:r>
+              <a:rPr lang="en-US" sz="2000" b="1" dirty="0" err="1"/>
+              <a:t>Dempster's</a:t>
+            </a:r>
             <a:r>
               <a:rPr lang="en-US" sz="2000" b="1" dirty="0"/>
-              <a:t>Plausibility Function: </a:t>
+              <a:t> Rule of </a:t>
+            </a:r>
+            <a:r>
+              <a:rPr lang="en-US" sz="2000" b="1" dirty="0" smtClean="0"/>
+              <a:t>Combination:</a:t>
+            </a:r>
+          </a:p>
+          <a:p>
+            <a:pPr lvl="1"/>
+            <a:r>
+              <a:rPr lang="en-US" sz="2000" dirty="0" smtClean="0"/>
+              <a:t>A </a:t>
             </a:r>
             <a:r>
               <a:rPr lang="en-US" sz="2000" dirty="0"/>
-              <a:t>It represents the </a:t>
+              <a:t>method </a:t>
+            </a:r>
+            <a:r>
+              <a:rPr lang="en-US" sz="2000" dirty="0" smtClean="0">
+                <a:solidFill>
+                  <a:srgbClr val="FF0000"/>
+                </a:solidFill>
+              </a:rPr>
+              <a:t>to combine </a:t>
+            </a:r>
+            <a:r>
+              <a:rPr lang="en-US" sz="2000" dirty="0">
+                <a:solidFill>
+                  <a:srgbClr val="FF0000"/>
+                </a:solidFill>
+              </a:rPr>
+              <a:t>the measures of evidence </a:t>
+            </a:r>
+            <a:r>
+              <a:rPr lang="en-US" sz="2000" dirty="0"/>
+              <a:t>from different </a:t>
             </a:r>
             <a:r>
               <a:rPr lang="en-US" sz="2000" dirty="0" smtClean="0"/>
-              <a:t>maximum possibility </a:t>
-            </a:r>
-            <a:r>
-              <a:rPr lang="en-US" sz="2000" dirty="0"/>
-              <a:t>that a set </a:t>
-            </a:r>
-            <a:r>
-              <a:rPr lang="en-US" sz="2000" i="1" dirty="0" smtClean="0"/>
-              <a:t>A</a:t>
-            </a:r>
-            <a:r>
-              <a:rPr lang="en-US" sz="2000" dirty="0" smtClean="0"/>
-              <a:t> </a:t>
-            </a:r>
-            <a:r>
-              <a:rPr lang="en-US" sz="2000" dirty="0"/>
-              <a:t>is true given all the evidences</a:t>
-            </a:r>
-            <a:r>
-              <a:rPr lang="en-US" sz="2000" dirty="0" smtClean="0"/>
-              <a:t>. </a:t>
-            </a:r>
-            <a:r>
-              <a:rPr lang="en-US" sz="2000" dirty="0"/>
-              <a:t>It is a function </a:t>
-            </a:r>
-            <a:r>
-              <a:rPr lang="en-US" sz="2000" dirty="0" smtClean="0"/>
-              <a:t>                                           :</a:t>
-            </a:r>
-            <a:endParaRPr lang="en-US" sz="2000" dirty="0"/>
-          </a:p>
-          <a:p>
-            <a:endParaRPr lang="en-US" sz="2000" dirty="0"/>
-          </a:p>
-          <a:p>
-            <a:pPr marL="0" indent="0">
-              <a:buNone/>
-            </a:pPr>
-            <a:endParaRPr lang="en-US" sz="2000" dirty="0" smtClean="0"/>
+              <a:t>sources.</a:t>
+            </a:r>
           </a:p>
         </p:txBody>
       </p:sp>
@@ -21159,11 +21945,7 @@
             </a:r>
             <a:r>
               <a:rPr lang="en-US" sz="2400" b="1" dirty="0" smtClean="0"/>
-              <a:t>Dempster-Shafer Theory: </a:t>
-            </a:r>
-            <a:r>
-              <a:rPr lang="en-US" sz="2000" b="1" i="1" dirty="0" smtClean="0"/>
-              <a:t>important functions</a:t>
+              <a:t>Dempster-Shafer Theory</a:t>
             </a:r>
             <a:endParaRPr lang="en-US" sz="2000" b="1" i="1" dirty="0"/>
           </a:p>
@@ -21171,14 +21953,14 @@
       </p:sp>
       <p:pic>
         <p:nvPicPr>
-          <p:cNvPr id="5122" name="Picture 2"/>
+          <p:cNvPr id="6146" name="Picture 2"/>
           <p:cNvPicPr>
             <a:picLocks noChangeAspect="1" noChangeArrowheads="1"/>
           </p:cNvPicPr>
           <p:nvPr/>
         </p:nvPicPr>
         <p:blipFill>
-          <a:blip r:embed="rId3" cstate="print">
+          <a:blip r:embed="rId3">
             <a:extLst>
               <a:ext uri="{28A0092B-C50C-407E-A947-70E740481C1C}">
                 <a14:useLocalDpi xmlns:a14="http://schemas.microsoft.com/office/drawing/2010/main" val="0"/>
@@ -21192,8 +21974,8 @@
         </p:blipFill>
         <p:spPr bwMode="auto">
           <a:xfrm>
-            <a:off x="1800226" y="1565525"/>
-            <a:ext cx="1195387" cy="339475"/>
+            <a:off x="742950" y="1800225"/>
+            <a:ext cx="7658100" cy="409575"/>
           </a:xfrm>
           <a:prstGeom prst="rect">
             <a:avLst/>
@@ -21225,7 +22007,7 @@
       </p:pic>
       <p:pic>
         <p:nvPicPr>
-          <p:cNvPr id="5123" name="Picture 3"/>
+          <p:cNvPr id="6147" name="Picture 3"/>
           <p:cNvPicPr>
             <a:picLocks noChangeAspect="1" noChangeArrowheads="1"/>
           </p:cNvPicPr>
@@ -21246,8 +22028,8 @@
         </p:blipFill>
         <p:spPr bwMode="auto">
           <a:xfrm>
-            <a:off x="2686254" y="2138771"/>
-            <a:ext cx="3923890" cy="680629"/>
+            <a:off x="1524000" y="2911927"/>
+            <a:ext cx="2657475" cy="304800"/>
           </a:xfrm>
           <a:prstGeom prst="rect">
             <a:avLst/>
@@ -21279,7 +22061,7 @@
       </p:pic>
       <p:pic>
         <p:nvPicPr>
-          <p:cNvPr id="5124" name="Picture 4"/>
+          <p:cNvPr id="6148" name="Picture 4"/>
           <p:cNvPicPr>
             <a:picLocks noChangeAspect="1" noChangeArrowheads="1"/>
           </p:cNvPicPr>
@@ -21300,8 +22082,8 @@
         </p:blipFill>
         <p:spPr bwMode="auto">
           <a:xfrm>
-            <a:off x="7247147" y="3048419"/>
-            <a:ext cx="752475" cy="276225"/>
+            <a:off x="1828800" y="3453492"/>
+            <a:ext cx="2724150" cy="342900"/>
           </a:xfrm>
           <a:prstGeom prst="rect">
             <a:avLst/>
@@ -21333,14 +22115,14 @@
       </p:pic>
       <p:pic>
         <p:nvPicPr>
-          <p:cNvPr id="5125" name="Picture 5"/>
+          <p:cNvPr id="6149" name="Picture 5" descr="C:\Users\Mohammad\Documents\GitHub\CompExam3\figure\uncertainty.png"/>
           <p:cNvPicPr>
             <a:picLocks noChangeAspect="1" noChangeArrowheads="1"/>
           </p:cNvPicPr>
           <p:nvPr/>
         </p:nvPicPr>
         <p:blipFill>
-          <a:blip r:embed="rId6">
+          <a:blip r:embed="rId6" cstate="print">
             <a:extLst>
               <a:ext uri="{28A0092B-C50C-407E-A947-70E740481C1C}">
                 <a14:useLocalDpi xmlns:a14="http://schemas.microsoft.com/office/drawing/2010/main" val="0"/>
@@ -21354,40 +22136,27 @@
         </p:blipFill>
         <p:spPr bwMode="auto">
           <a:xfrm>
-            <a:off x="2082800" y="3643312"/>
-            <a:ext cx="1028700" cy="333375"/>
+            <a:off x="4953000" y="2383348"/>
+            <a:ext cx="4057650" cy="1731452"/>
           </a:xfrm>
           <a:prstGeom prst="rect">
             <a:avLst/>
           </a:prstGeom>
           <a:noFill/>
-          <a:ln>
-            <a:noFill/>
-          </a:ln>
           <a:extLst>
             <a:ext uri="{909E8E84-426E-40DD-AFC4-6F175D3DCCD1}">
               <a14:hiddenFill xmlns:a14="http://schemas.microsoft.com/office/drawing/2010/main">
                 <a:solidFill>
-                  <a:schemeClr val="accent1"/>
+                  <a:srgbClr val="FFFFFF"/>
                 </a:solidFill>
               </a14:hiddenFill>
-            </a:ext>
-            <a:ext uri="{91240B29-F687-4F45-9708-019B960494DF}">
-              <a14:hiddenLine xmlns:a14="http://schemas.microsoft.com/office/drawing/2010/main" w="9525">
-                <a:solidFill>
-                  <a:schemeClr val="tx1"/>
-                </a:solidFill>
-                <a:miter lim="800000"/>
-                <a:headEnd/>
-                <a:tailEnd/>
-              </a14:hiddenLine>
             </a:ext>
           </a:extLst>
         </p:spPr>
       </p:pic>
       <p:pic>
         <p:nvPicPr>
-          <p:cNvPr id="5126" name="Picture 6"/>
+          <p:cNvPr id="6150" name="Picture 6"/>
           <p:cNvPicPr>
             <a:picLocks noChangeAspect="1" noChangeArrowheads="1"/>
           </p:cNvPicPr>
@@ -21408,8 +22177,8 @@
         </p:blipFill>
         <p:spPr bwMode="auto">
           <a:xfrm>
-            <a:off x="2395537" y="4158831"/>
-            <a:ext cx="4505325" cy="628650"/>
+            <a:off x="1862137" y="5164023"/>
+            <a:ext cx="5419725" cy="1600200"/>
           </a:xfrm>
           <a:prstGeom prst="rect">
             <a:avLst/>
@@ -21439,172 +22208,10 @@
           </a:extLst>
         </p:spPr>
       </p:pic>
-      <p:pic>
-        <p:nvPicPr>
-          <p:cNvPr id="5127" name="Picture 7"/>
-          <p:cNvPicPr>
-            <a:picLocks noChangeAspect="1" noChangeArrowheads="1"/>
-          </p:cNvPicPr>
-          <p:nvPr/>
-        </p:nvPicPr>
-        <p:blipFill>
-          <a:blip r:embed="rId8">
-            <a:extLst>
-              <a:ext uri="{28A0092B-C50C-407E-A947-70E740481C1C}">
-                <a14:useLocalDpi xmlns:a14="http://schemas.microsoft.com/office/drawing/2010/main" val="0"/>
-              </a:ext>
-            </a:extLst>
-          </a:blip>
-          <a:srcRect/>
-          <a:stretch>
-            <a:fillRect/>
-          </a:stretch>
-        </p:blipFill>
-        <p:spPr bwMode="auto">
-          <a:xfrm>
-            <a:off x="4739097" y="3605212"/>
-            <a:ext cx="2057400" cy="409575"/>
-          </a:xfrm>
-          <a:prstGeom prst="rect">
-            <a:avLst/>
-          </a:prstGeom>
-          <a:noFill/>
-          <a:ln>
-            <a:noFill/>
-          </a:ln>
-          <a:extLst>
-            <a:ext uri="{909E8E84-426E-40DD-AFC4-6F175D3DCCD1}">
-              <a14:hiddenFill xmlns:a14="http://schemas.microsoft.com/office/drawing/2010/main">
-                <a:solidFill>
-                  <a:schemeClr val="accent1"/>
-                </a:solidFill>
-              </a14:hiddenFill>
-            </a:ext>
-            <a:ext uri="{91240B29-F687-4F45-9708-019B960494DF}">
-              <a14:hiddenLine xmlns:a14="http://schemas.microsoft.com/office/drawing/2010/main" w="9525">
-                <a:solidFill>
-                  <a:schemeClr val="tx1"/>
-                </a:solidFill>
-                <a:miter lim="800000"/>
-                <a:headEnd/>
-                <a:tailEnd/>
-              </a14:hiddenLine>
-            </a:ext>
-          </a:extLst>
-        </p:spPr>
-      </p:pic>
-      <p:pic>
-        <p:nvPicPr>
-          <p:cNvPr id="5128" name="Picture 8"/>
-          <p:cNvPicPr>
-            <a:picLocks noChangeAspect="1" noChangeArrowheads="1"/>
-          </p:cNvPicPr>
-          <p:nvPr/>
-        </p:nvPicPr>
-        <p:blipFill>
-          <a:blip r:embed="rId9">
-            <a:extLst>
-              <a:ext uri="{28A0092B-C50C-407E-A947-70E740481C1C}">
-                <a14:useLocalDpi xmlns:a14="http://schemas.microsoft.com/office/drawing/2010/main" val="0"/>
-              </a:ext>
-            </a:extLst>
-          </a:blip>
-          <a:srcRect/>
-          <a:stretch>
-            <a:fillRect/>
-          </a:stretch>
-        </p:blipFill>
-        <p:spPr bwMode="auto">
-          <a:xfrm>
-            <a:off x="5321300" y="5053012"/>
-            <a:ext cx="2466975" cy="352425"/>
-          </a:xfrm>
-          <a:prstGeom prst="rect">
-            <a:avLst/>
-          </a:prstGeom>
-          <a:noFill/>
-          <a:ln>
-            <a:noFill/>
-          </a:ln>
-          <a:extLst>
-            <a:ext uri="{909E8E84-426E-40DD-AFC4-6F175D3DCCD1}">
-              <a14:hiddenFill xmlns:a14="http://schemas.microsoft.com/office/drawing/2010/main">
-                <a:solidFill>
-                  <a:schemeClr val="accent1"/>
-                </a:solidFill>
-              </a14:hiddenFill>
-            </a:ext>
-            <a:ext uri="{91240B29-F687-4F45-9708-019B960494DF}">
-              <a14:hiddenLine xmlns:a14="http://schemas.microsoft.com/office/drawing/2010/main" w="9525">
-                <a:solidFill>
-                  <a:schemeClr val="tx1"/>
-                </a:solidFill>
-                <a:miter lim="800000"/>
-                <a:headEnd/>
-                <a:tailEnd/>
-              </a14:hiddenLine>
-            </a:ext>
-          </a:extLst>
-        </p:spPr>
-      </p:pic>
-      <p:pic>
-        <p:nvPicPr>
-          <p:cNvPr id="5129" name="Picture 9"/>
-          <p:cNvPicPr>
-            <a:picLocks noChangeAspect="1" noChangeArrowheads="1"/>
-          </p:cNvPicPr>
-          <p:nvPr/>
-        </p:nvPicPr>
-        <p:blipFill>
-          <a:blip r:embed="rId10">
-            <a:extLst>
-              <a:ext uri="{28A0092B-C50C-407E-A947-70E740481C1C}">
-                <a14:useLocalDpi xmlns:a14="http://schemas.microsoft.com/office/drawing/2010/main" val="0"/>
-              </a:ext>
-            </a:extLst>
-          </a:blip>
-          <a:srcRect/>
-          <a:stretch>
-            <a:fillRect/>
-          </a:stretch>
-        </p:blipFill>
-        <p:spPr bwMode="auto">
-          <a:xfrm>
-            <a:off x="2181224" y="5715000"/>
-            <a:ext cx="4933950" cy="561975"/>
-          </a:xfrm>
-          <a:prstGeom prst="rect">
-            <a:avLst/>
-          </a:prstGeom>
-          <a:noFill/>
-          <a:ln>
-            <a:noFill/>
-          </a:ln>
-          <a:extLst>
-            <a:ext uri="{909E8E84-426E-40DD-AFC4-6F175D3DCCD1}">
-              <a14:hiddenFill xmlns:a14="http://schemas.microsoft.com/office/drawing/2010/main">
-                <a:solidFill>
-                  <a:schemeClr val="accent1"/>
-                </a:solidFill>
-              </a14:hiddenFill>
-            </a:ext>
-            <a:ext uri="{91240B29-F687-4F45-9708-019B960494DF}">
-              <a14:hiddenLine xmlns:a14="http://schemas.microsoft.com/office/drawing/2010/main" w="9525">
-                <a:solidFill>
-                  <a:schemeClr val="tx1"/>
-                </a:solidFill>
-                <a:miter lim="800000"/>
-                <a:headEnd/>
-                <a:tailEnd/>
-              </a14:hiddenLine>
-            </a:ext>
-          </a:extLst>
-        </p:spPr>
-      </p:pic>
     </p:spTree>
     <p:extLst>
       <p:ext uri="{BB962C8B-B14F-4D97-AF65-F5344CB8AC3E}">
-        <p14:creationId xmlns:p14="http://schemas.microsoft.com/office/powerpoint/2010/main" val="2427677628"/>
+        <p14:creationId xmlns:p14="http://schemas.microsoft.com/office/powerpoint/2010/main" val="2483432796"/>
       </p:ext>
     </p:extLst>
   </p:cSld>
@@ -21798,88 +22405,280 @@
           </a:lstStyle>
           <a:p>
             <a:r>
-              <a:rPr lang="en-US" sz="2000" dirty="0"/>
-              <a:t>The plausibility and belief </a:t>
-            </a:r>
-            <a:r>
-              <a:rPr lang="en-US" sz="2000" dirty="0" smtClean="0"/>
-              <a:t>functions have the following relationship:</a:t>
-            </a:r>
-          </a:p>
-          <a:p>
-            <a:endParaRPr lang="en-US" sz="2000" dirty="0"/>
-          </a:p>
-          <a:p>
-            <a:endParaRPr lang="en-US" sz="2000" dirty="0" smtClean="0"/>
-          </a:p>
-          <a:p>
-            <a:r>
-              <a:rPr lang="en-US" sz="2000" dirty="0" smtClean="0"/>
-              <a:t>Uncertainty measure (belief interval):</a:t>
+              <a:rPr lang="en-US" sz="1800" dirty="0"/>
+              <a:t>Fuzzy </a:t>
+            </a:r>
+            <a:r>
+              <a:rPr lang="en-US" sz="1800" dirty="0" smtClean="0"/>
+              <a:t>Logic’s </a:t>
+            </a:r>
+            <a:r>
+              <a:rPr lang="en-US" sz="1800" dirty="0" smtClean="0"/>
+              <a:t>ultimate </a:t>
+            </a:r>
+            <a:r>
+              <a:rPr lang="en-US" sz="1800" dirty="0"/>
+              <a:t>goal is to provide foundations for </a:t>
+            </a:r>
+            <a:r>
+              <a:rPr lang="en-US" sz="1800" dirty="0">
+                <a:solidFill>
+                  <a:srgbClr val="FF0000"/>
+                </a:solidFill>
+              </a:rPr>
+              <a:t>approximate reasoning </a:t>
+            </a:r>
+            <a:r>
+              <a:rPr lang="en-US" sz="1800" dirty="0" smtClean="0"/>
+              <a:t>using imprecise </a:t>
+            </a:r>
+            <a:r>
+              <a:rPr lang="en-US" sz="1800" dirty="0"/>
+              <a:t>propositions based on fuzzy set theory</a:t>
+            </a:r>
+            <a:r>
+              <a:rPr lang="en-US" sz="1800" dirty="0" smtClean="0"/>
+              <a:t>.</a:t>
+            </a:r>
+          </a:p>
+          <a:p>
+            <a:endParaRPr lang="en-US" sz="800" dirty="0" smtClean="0"/>
+          </a:p>
+          <a:p>
+            <a:r>
+              <a:rPr lang="en-US" sz="1800" dirty="0"/>
+              <a:t>In order to deal with </a:t>
+            </a:r>
+            <a:r>
+              <a:rPr lang="en-US" sz="1800" dirty="0" smtClean="0"/>
+              <a:t>such imprecise </a:t>
+            </a:r>
+            <a:r>
+              <a:rPr lang="en-US" sz="1800" dirty="0"/>
+              <a:t>inference, Fuzzy Logic allows the </a:t>
+            </a:r>
+            <a:r>
+              <a:rPr lang="en-US" sz="1800" dirty="0">
+                <a:solidFill>
+                  <a:srgbClr val="FF0000"/>
+                </a:solidFill>
+              </a:rPr>
+              <a:t>imprecise linguistic terms</a:t>
+            </a:r>
+            <a:r>
+              <a:rPr lang="en-US" sz="1800" dirty="0"/>
+              <a:t> such as:</a:t>
             </a:r>
           </a:p>
           <a:p>
             <a:pPr lvl="1"/>
-            <a:endParaRPr lang="en-US" sz="2000" dirty="0" smtClean="0"/>
+            <a:r>
+              <a:rPr lang="en-US" sz="1800" dirty="0"/>
+              <a:t>fuzzy predicates (e.g., old, expensive), </a:t>
+            </a:r>
+            <a:endParaRPr lang="en-US" sz="1800" dirty="0" smtClean="0"/>
+          </a:p>
+          <a:p>
+            <a:pPr lvl="1"/>
+            <a:r>
+              <a:rPr lang="en-US" sz="1800" dirty="0" smtClean="0"/>
+              <a:t>fuzzy </a:t>
+            </a:r>
+            <a:r>
+              <a:rPr lang="en-US" sz="1800" dirty="0"/>
+              <a:t>quantifiers (e.g., many, little</a:t>
+            </a:r>
+            <a:r>
+              <a:rPr lang="en-US" sz="1800" dirty="0" smtClean="0"/>
+              <a:t>),</a:t>
+            </a:r>
+          </a:p>
+          <a:p>
+            <a:pPr lvl="1"/>
+            <a:r>
+              <a:rPr lang="en-US" sz="1800" dirty="0" smtClean="0"/>
+              <a:t>and </a:t>
+            </a:r>
+            <a:r>
+              <a:rPr lang="en-US" sz="1800" dirty="0"/>
+              <a:t>fuzzy truth values (e.g., unlikely false or unlikely true</a:t>
+            </a:r>
+            <a:r>
+              <a:rPr lang="en-US" sz="1800" dirty="0" smtClean="0"/>
+              <a:t>).</a:t>
+            </a:r>
           </a:p>
           <a:p>
             <a:pPr marL="457200" lvl="1" indent="0">
               <a:buNone/>
             </a:pPr>
-            <a:endParaRPr lang="en-US" sz="2000" dirty="0" smtClean="0"/>
-          </a:p>
-          <a:p>
-            <a:pPr marL="457200" lvl="1" indent="0">
-              <a:buNone/>
-            </a:pPr>
-            <a:r>
-              <a:rPr lang="en-US" sz="2000" dirty="0" smtClean="0"/>
-              <a:t>Where: </a:t>
-            </a:r>
-            <a:endParaRPr lang="en-US" sz="2000" dirty="0"/>
+            <a:endParaRPr lang="en-US" sz="800" dirty="0"/>
+          </a:p>
+          <a:p>
+            <a:r>
+              <a:rPr lang="en-US" sz="1800" b="1" dirty="0"/>
+              <a:t>Fuzzy Sets:</a:t>
+            </a:r>
+            <a:r>
+              <a:rPr lang="en-US" sz="1800" dirty="0"/>
+              <a:t> A fuzzy set is a </a:t>
+            </a:r>
+            <a:r>
+              <a:rPr lang="en-US" sz="1800" dirty="0">
+                <a:solidFill>
+                  <a:srgbClr val="FF0000"/>
+                </a:solidFill>
+              </a:rPr>
+              <a:t>class of objects </a:t>
+            </a:r>
+            <a:r>
+              <a:rPr lang="en-US" sz="1800" dirty="0"/>
+              <a:t>with a continuum </a:t>
+            </a:r>
+            <a:r>
+              <a:rPr lang="en-US" sz="1800" dirty="0">
+                <a:solidFill>
+                  <a:srgbClr val="FF0000"/>
+                </a:solidFill>
+              </a:rPr>
+              <a:t>of degrees of membership</a:t>
+            </a:r>
+            <a:r>
+              <a:rPr lang="en-US" sz="1800" dirty="0" smtClean="0"/>
+              <a:t>.</a:t>
+            </a:r>
+          </a:p>
+          <a:p>
+            <a:endParaRPr lang="en-US" sz="800" dirty="0" smtClean="0"/>
+          </a:p>
+          <a:p>
+            <a:r>
+              <a:rPr lang="en-US" sz="1800" dirty="0"/>
+              <a:t>A fuzzy set </a:t>
+            </a:r>
+            <a:r>
+              <a:rPr lang="en-US" sz="1800" b="1" i="1" dirty="0" smtClean="0"/>
+              <a:t>A</a:t>
+            </a:r>
+            <a:r>
+              <a:rPr lang="en-US" sz="1800" dirty="0" smtClean="0"/>
+              <a:t> </a:t>
+            </a:r>
+            <a:r>
+              <a:rPr lang="en-US" sz="1800" dirty="0"/>
+              <a:t>is </a:t>
+            </a:r>
+            <a:r>
+              <a:rPr lang="en-US" sz="1800" dirty="0" smtClean="0"/>
+              <a:t>defined by </a:t>
+            </a:r>
+            <a:r>
+              <a:rPr lang="en-US" sz="1800" dirty="0"/>
+              <a:t>a </a:t>
+            </a:r>
+            <a:r>
+              <a:rPr lang="en-US" sz="1800" dirty="0">
+                <a:solidFill>
+                  <a:srgbClr val="FF0000"/>
+                </a:solidFill>
+              </a:rPr>
+              <a:t>membership function</a:t>
+            </a:r>
+            <a:r>
+              <a:rPr lang="en-US" sz="1800" dirty="0"/>
+              <a:t> </a:t>
+            </a:r>
+            <a:r>
+              <a:rPr lang="en-US" sz="1800" dirty="0" smtClean="0"/>
+              <a:t>      </a:t>
+            </a:r>
+            <a:r>
+              <a:rPr lang="en-US" sz="1800" dirty="0" smtClean="0"/>
+              <a:t> from </a:t>
+            </a:r>
+            <a:r>
+              <a:rPr lang="en-US" sz="1800" dirty="0"/>
+              <a:t>the universe of discourse </a:t>
+            </a:r>
+            <a:r>
+              <a:rPr lang="en-US" sz="1800" b="1" i="1" dirty="0" smtClean="0"/>
+              <a:t>X</a:t>
+            </a:r>
+            <a:r>
+              <a:rPr lang="en-US" sz="1800" dirty="0" smtClean="0"/>
+              <a:t> to the </a:t>
+            </a:r>
+            <a:r>
+              <a:rPr lang="en-US" sz="1800" dirty="0"/>
+              <a:t>closed unit interval </a:t>
+            </a:r>
+            <a:r>
+              <a:rPr lang="en-US" sz="1800" b="1" dirty="0"/>
+              <a:t>[0,1]</a:t>
+            </a:r>
+            <a:r>
+              <a:rPr lang="en-US" sz="1800" dirty="0"/>
+              <a:t>. We </a:t>
+            </a:r>
+            <a:r>
+              <a:rPr lang="en-US" sz="1800" dirty="0" smtClean="0"/>
+              <a:t>interpret               </a:t>
+            </a:r>
+            <a:r>
+              <a:rPr lang="en-US" sz="1800" dirty="0" smtClean="0"/>
+              <a:t>as </a:t>
+            </a:r>
+            <a:r>
+              <a:rPr lang="en-US" sz="1800" dirty="0"/>
+              <a:t>the </a:t>
+            </a:r>
+            <a:r>
+              <a:rPr lang="en-US" sz="1800" dirty="0" smtClean="0">
+                <a:solidFill>
+                  <a:srgbClr val="FF0000"/>
+                </a:solidFill>
+              </a:rPr>
+              <a:t>degree of </a:t>
+            </a:r>
+            <a:r>
+              <a:rPr lang="en-US" sz="1800" dirty="0">
+                <a:solidFill>
+                  <a:srgbClr val="FF0000"/>
+                </a:solidFill>
+              </a:rPr>
+              <a:t>membership</a:t>
+            </a:r>
+            <a:r>
+              <a:rPr lang="en-US" sz="1800" dirty="0"/>
+              <a:t> of </a:t>
+            </a:r>
+            <a:r>
+              <a:rPr lang="en-US" sz="1800" b="1" i="1" dirty="0" smtClean="0"/>
+              <a:t>x</a:t>
+            </a:r>
+            <a:r>
+              <a:rPr lang="en-US" sz="1800" dirty="0" smtClean="0"/>
+              <a:t> </a:t>
+            </a:r>
+            <a:r>
+              <a:rPr lang="en-US" sz="1800" dirty="0"/>
+              <a:t>in </a:t>
+            </a:r>
+            <a:r>
+              <a:rPr lang="en-US" sz="1800" b="1" i="1" dirty="0" smtClean="0"/>
+              <a:t>A</a:t>
+            </a:r>
+            <a:r>
+              <a:rPr lang="en-US" sz="1800" dirty="0" smtClean="0"/>
+              <a:t>.</a:t>
+            </a:r>
+            <a:endParaRPr lang="en-US" sz="1800" dirty="0"/>
           </a:p>
           <a:p>
             <a:pPr marL="0" indent="0">
               <a:buNone/>
             </a:pPr>
-            <a:endParaRPr lang="en-US" sz="2000" dirty="0" smtClean="0"/>
-          </a:p>
-          <a:p>
-            <a:r>
-              <a:rPr lang="en-US" sz="2000" b="1" dirty="0" err="1"/>
-              <a:t>Dempster's</a:t>
-            </a:r>
-            <a:r>
-              <a:rPr lang="en-US" sz="2000" b="1" dirty="0"/>
-              <a:t> Rule of </a:t>
-            </a:r>
-            <a:r>
-              <a:rPr lang="en-US" sz="2000" b="1" dirty="0" smtClean="0"/>
-              <a:t>Combination:</a:t>
-            </a:r>
-          </a:p>
-          <a:p>
-            <a:pPr lvl="1"/>
-            <a:r>
-              <a:rPr lang="en-US" sz="2000" dirty="0" smtClean="0"/>
-              <a:t>A </a:t>
-            </a:r>
-            <a:r>
-              <a:rPr lang="en-US" sz="2000" dirty="0"/>
-              <a:t>method </a:t>
-            </a:r>
-            <a:r>
-              <a:rPr lang="en-US" sz="2000" dirty="0" smtClean="0"/>
-              <a:t>to combine </a:t>
-            </a:r>
-            <a:r>
-              <a:rPr lang="en-US" sz="2000" dirty="0"/>
-              <a:t>the measures of evidence from different </a:t>
-            </a:r>
-            <a:r>
-              <a:rPr lang="en-US" sz="2000" dirty="0" smtClean="0"/>
-              <a:t>sources.</a:t>
-            </a:r>
+            <a:endParaRPr lang="en-US" sz="1800" dirty="0" smtClean="0"/>
           </a:p>
         </p:txBody>
       </p:sp>
@@ -21932,7 +22731,19 @@
             </a:r>
             <a:r>
               <a:rPr lang="en-US" sz="2400" b="1" dirty="0" smtClean="0"/>
-              <a:t>Dempster-Shafer Theory</a:t>
+              <a:t>Fuzzy Logic </a:t>
+            </a:r>
+            <a:r>
+              <a:rPr lang="en-US" sz="2400" b="1" dirty="0" smtClean="0"/>
+              <a:t>Theory: </a:t>
+            </a:r>
+            <a:r>
+              <a:rPr lang="en-US" sz="2000" b="1" i="1" dirty="0">
+                <a:solidFill>
+                  <a:srgbClr val="002060"/>
+                </a:solidFill>
+              </a:rPr>
+              <a:t>Overview</a:t>
             </a:r>
             <a:endParaRPr lang="en-US" sz="2000" b="1" i="1" dirty="0"/>
           </a:p>
@@ -21940,7 +22751,7 @@
       </p:sp>
       <p:pic>
         <p:nvPicPr>
-          <p:cNvPr id="6146" name="Picture 2"/>
+          <p:cNvPr id="8194" name="Picture 2"/>
           <p:cNvPicPr>
             <a:picLocks noChangeAspect="1" noChangeArrowheads="1"/>
           </p:cNvPicPr>
@@ -21961,8 +22772,8 @@
         </p:blipFill>
         <p:spPr bwMode="auto">
           <a:xfrm>
-            <a:off x="742950" y="1800225"/>
-            <a:ext cx="7658100" cy="409575"/>
+            <a:off x="5511800" y="4495800"/>
+            <a:ext cx="411752" cy="322943"/>
           </a:xfrm>
           <a:prstGeom prst="rect">
             <a:avLst/>
@@ -21994,7 +22805,7 @@
       </p:pic>
       <p:pic>
         <p:nvPicPr>
-          <p:cNvPr id="6147" name="Picture 3"/>
+          <p:cNvPr id="8195" name="Picture 3"/>
           <p:cNvPicPr>
             <a:picLocks noChangeAspect="1" noChangeArrowheads="1"/>
           </p:cNvPicPr>
@@ -22015,8 +22826,8 @@
         </p:blipFill>
         <p:spPr bwMode="auto">
           <a:xfrm>
-            <a:off x="1524000" y="2911927"/>
-            <a:ext cx="2657475" cy="304800"/>
+            <a:off x="6191250" y="4785506"/>
+            <a:ext cx="704850" cy="319894"/>
           </a:xfrm>
           <a:prstGeom prst="rect">
             <a:avLst/>
@@ -22046,159 +22857,10 @@
           </a:extLst>
         </p:spPr>
       </p:pic>
-      <p:pic>
-        <p:nvPicPr>
-          <p:cNvPr id="6148" name="Picture 4"/>
-          <p:cNvPicPr>
-            <a:picLocks noChangeAspect="1" noChangeArrowheads="1"/>
-          </p:cNvPicPr>
-          <p:nvPr/>
-        </p:nvPicPr>
-        <p:blipFill>
-          <a:blip r:embed="rId5">
-            <a:extLst>
-              <a:ext uri="{28A0092B-C50C-407E-A947-70E740481C1C}">
-                <a14:useLocalDpi xmlns:a14="http://schemas.microsoft.com/office/drawing/2010/main" val="0"/>
-              </a:ext>
-            </a:extLst>
-          </a:blip>
-          <a:srcRect/>
-          <a:stretch>
-            <a:fillRect/>
-          </a:stretch>
-        </p:blipFill>
-        <p:spPr bwMode="auto">
-          <a:xfrm>
-            <a:off x="1828800" y="3453492"/>
-            <a:ext cx="2724150" cy="342900"/>
-          </a:xfrm>
-          <a:prstGeom prst="rect">
-            <a:avLst/>
-          </a:prstGeom>
-          <a:noFill/>
-          <a:ln>
-            <a:noFill/>
-          </a:ln>
-          <a:extLst>
-            <a:ext uri="{909E8E84-426E-40DD-AFC4-6F175D3DCCD1}">
-              <a14:hiddenFill xmlns:a14="http://schemas.microsoft.com/office/drawing/2010/main">
-                <a:solidFill>
-                  <a:schemeClr val="accent1"/>
-                </a:solidFill>
-              </a14:hiddenFill>
-            </a:ext>
-            <a:ext uri="{91240B29-F687-4F45-9708-019B960494DF}">
-              <a14:hiddenLine xmlns:a14="http://schemas.microsoft.com/office/drawing/2010/main" w="9525">
-                <a:solidFill>
-                  <a:schemeClr val="tx1"/>
-                </a:solidFill>
-                <a:miter lim="800000"/>
-                <a:headEnd/>
-                <a:tailEnd/>
-              </a14:hiddenLine>
-            </a:ext>
-          </a:extLst>
-        </p:spPr>
-      </p:pic>
-      <p:pic>
-        <p:nvPicPr>
-          <p:cNvPr id="6149" name="Picture 5" descr="C:\Users\Mohammad\Documents\GitHub\CompExam3\figure\uncertainty.png"/>
-          <p:cNvPicPr>
-            <a:picLocks noChangeAspect="1" noChangeArrowheads="1"/>
-          </p:cNvPicPr>
-          <p:nvPr/>
-        </p:nvPicPr>
-        <p:blipFill>
-          <a:blip r:embed="rId6" cstate="print">
-            <a:extLst>
-              <a:ext uri="{28A0092B-C50C-407E-A947-70E740481C1C}">
-                <a14:useLocalDpi xmlns:a14="http://schemas.microsoft.com/office/drawing/2010/main" val="0"/>
-              </a:ext>
-            </a:extLst>
-          </a:blip>
-          <a:srcRect/>
-          <a:stretch>
-            <a:fillRect/>
-          </a:stretch>
-        </p:blipFill>
-        <p:spPr bwMode="auto">
-          <a:xfrm>
-            <a:off x="4953000" y="2383348"/>
-            <a:ext cx="4057650" cy="1731452"/>
-          </a:xfrm>
-          <a:prstGeom prst="rect">
-            <a:avLst/>
-          </a:prstGeom>
-          <a:noFill/>
-          <a:extLst>
-            <a:ext uri="{909E8E84-426E-40DD-AFC4-6F175D3DCCD1}">
-              <a14:hiddenFill xmlns:a14="http://schemas.microsoft.com/office/drawing/2010/main">
-                <a:solidFill>
-                  <a:srgbClr val="FFFFFF"/>
-                </a:solidFill>
-              </a14:hiddenFill>
-            </a:ext>
-          </a:extLst>
-        </p:spPr>
-      </p:pic>
-      <p:pic>
-        <p:nvPicPr>
-          <p:cNvPr id="6150" name="Picture 6"/>
-          <p:cNvPicPr>
-            <a:picLocks noChangeAspect="1" noChangeArrowheads="1"/>
-          </p:cNvPicPr>
-          <p:nvPr/>
-        </p:nvPicPr>
-        <p:blipFill>
-          <a:blip r:embed="rId7">
-            <a:extLst>
-              <a:ext uri="{28A0092B-C50C-407E-A947-70E740481C1C}">
-                <a14:useLocalDpi xmlns:a14="http://schemas.microsoft.com/office/drawing/2010/main" val="0"/>
-              </a:ext>
-            </a:extLst>
-          </a:blip>
-          <a:srcRect/>
-          <a:stretch>
-            <a:fillRect/>
-          </a:stretch>
-        </p:blipFill>
-        <p:spPr bwMode="auto">
-          <a:xfrm>
-            <a:off x="1862137" y="5164023"/>
-            <a:ext cx="5419725" cy="1600200"/>
-          </a:xfrm>
-          <a:prstGeom prst="rect">
-            <a:avLst/>
-          </a:prstGeom>
-          <a:noFill/>
-          <a:ln>
-            <a:noFill/>
-          </a:ln>
-          <a:extLst>
-            <a:ext uri="{909E8E84-426E-40DD-AFC4-6F175D3DCCD1}">
-              <a14:hiddenFill xmlns:a14="http://schemas.microsoft.com/office/drawing/2010/main">
-                <a:solidFill>
-                  <a:schemeClr val="accent1"/>
-                </a:solidFill>
-              </a14:hiddenFill>
-            </a:ext>
-            <a:ext uri="{91240B29-F687-4F45-9708-019B960494DF}">
-              <a14:hiddenLine xmlns:a14="http://schemas.microsoft.com/office/drawing/2010/main" w="9525">
-                <a:solidFill>
-                  <a:schemeClr val="tx1"/>
-                </a:solidFill>
-                <a:miter lim="800000"/>
-                <a:headEnd/>
-                <a:tailEnd/>
-              </a14:hiddenLine>
-            </a:ext>
-          </a:extLst>
-        </p:spPr>
-      </p:pic>
     </p:spTree>
     <p:extLst>
       <p:ext uri="{BB962C8B-B14F-4D97-AF65-F5344CB8AC3E}">
-        <p14:creationId xmlns:p14="http://schemas.microsoft.com/office/powerpoint/2010/main" val="2483432796"/>
+        <p14:creationId xmlns:p14="http://schemas.microsoft.com/office/powerpoint/2010/main" val="3908126863"/>
       </p:ext>
     </p:extLst>
   </p:cSld>
@@ -22393,23 +23055,63 @@
           <a:p>
             <a:r>
               <a:rPr lang="en-US" sz="2000" dirty="0"/>
-              <a:t>Fuzzy </a:t>
+              <a:t>Membership functions </a:t>
             </a:r>
             <a:r>
               <a:rPr lang="en-US" sz="2000" dirty="0" smtClean="0"/>
-              <a:t>Logic's ultimate </a:t>
+              <a:t>are </a:t>
+            </a:r>
+            <a:r>
+              <a:rPr lang="en-US" sz="2000" dirty="0" smtClean="0">
+                <a:solidFill>
+                  <a:srgbClr val="FF0000"/>
+                </a:solidFill>
+              </a:rPr>
+              <a:t>mathematical </a:t>
+            </a:r>
+            <a:r>
+              <a:rPr lang="en-US" sz="2000" dirty="0">
+                <a:solidFill>
+                  <a:srgbClr val="FF0000"/>
+                </a:solidFill>
+              </a:rPr>
+              <a:t>tools </a:t>
             </a:r>
             <a:r>
               <a:rPr lang="en-US" sz="2000" dirty="0"/>
-              <a:t>goal is to provide foundations for approximate reasoning </a:t>
+              <a:t>for indicating flexible membership to a set, </a:t>
+            </a:r>
+            <a:r>
+              <a:rPr lang="en-US" sz="2000" dirty="0">
+                <a:solidFill>
+                  <a:srgbClr val="FF0000"/>
+                </a:solidFill>
+              </a:rPr>
+              <a:t>modeling</a:t>
+            </a:r>
+            <a:r>
+              <a:rPr lang="en-US" sz="2000" dirty="0"/>
+              <a:t>, </a:t>
             </a:r>
             <a:r>
               <a:rPr lang="en-US" sz="2000" dirty="0" smtClean="0"/>
-              <a:t>using imprecise </a:t>
+              <a:t>and </a:t>
+            </a:r>
+            <a:r>
+              <a:rPr lang="en-US" sz="2000" dirty="0" smtClean="0">
+                <a:solidFill>
+                  <a:srgbClr val="FF0000"/>
+                </a:solidFill>
+              </a:rPr>
+              <a:t>quantifying</a:t>
+            </a:r>
+            <a:r>
+              <a:rPr lang="en-US" sz="2000" dirty="0" smtClean="0"/>
+              <a:t> </a:t>
             </a:r>
             <a:r>
               <a:rPr lang="en-US" sz="2000" dirty="0"/>
-              <a:t>propositions based on fuzzy set theory</a:t>
+              <a:t>the meaning of symbols</a:t>
             </a:r>
             <a:r>
               <a:rPr lang="en-US" sz="2000" dirty="0" smtClean="0"/>
@@ -22417,71 +23119,44 @@
             </a:r>
           </a:p>
           <a:p>
+            <a:endParaRPr lang="en-US" sz="800" dirty="0" smtClean="0"/>
+          </a:p>
+          <a:p>
             <a:r>
               <a:rPr lang="en-US" sz="2000" dirty="0"/>
-              <a:t>In order to deal with </a:t>
+              <a:t>Membership functions are used in </a:t>
             </a:r>
             <a:r>
               <a:rPr lang="en-US" sz="2000" dirty="0" smtClean="0"/>
-              <a:t>such imprecise </a:t>
+              <a:t>the </a:t>
+            </a:r>
+            <a:r>
+              <a:rPr lang="en-US" sz="2000" dirty="0" smtClean="0">
+                <a:solidFill>
+                  <a:srgbClr val="FF0000"/>
+                </a:solidFill>
+              </a:rPr>
+              <a:t>fuzzification</a:t>
+            </a:r>
+            <a:r>
+              <a:rPr lang="en-US" sz="2000" dirty="0" smtClean="0"/>
+              <a:t> </a:t>
             </a:r>
             <a:r>
               <a:rPr lang="en-US" sz="2000" dirty="0"/>
-              <a:t>inference, Fuzzy Logic allows the imprecise linguistic terms such as:</a:t>
-            </a:r>
-          </a:p>
-          <a:p>
-            <a:pPr lvl="1"/>
-            <a:r>
-              <a:rPr lang="en-US" sz="1800" dirty="0"/>
-              <a:t>fuzzy predicates (e.g., old, expensive), </a:t>
-            </a:r>
-            <a:endParaRPr lang="en-US" sz="1800" dirty="0" smtClean="0"/>
-          </a:p>
-          <a:p>
-            <a:pPr lvl="1"/>
-            <a:r>
-              <a:rPr lang="en-US" sz="1800" dirty="0" smtClean="0"/>
-              <a:t>fuzzy </a:t>
-            </a:r>
-            <a:r>
-              <a:rPr lang="en-US" sz="1800" dirty="0"/>
-              <a:t>quantifiers (e.g., many, little</a:t>
-            </a:r>
-            <a:r>
-              <a:rPr lang="en-US" sz="1800" dirty="0" smtClean="0"/>
-              <a:t>),</a:t>
-            </a:r>
-          </a:p>
-          <a:p>
-            <a:pPr lvl="1"/>
-            <a:r>
-              <a:rPr lang="en-US" sz="1800" dirty="0" smtClean="0"/>
               <a:t>and </a:t>
             </a:r>
             <a:r>
-              <a:rPr lang="en-US" sz="1800" dirty="0"/>
-              <a:t>fuzzy truth values (e.g., unlikely false or unlikely true</a:t>
-            </a:r>
-            <a:r>
-              <a:rPr lang="en-US" sz="1800" dirty="0" smtClean="0"/>
-              <a:t>).</a:t>
-            </a:r>
-          </a:p>
-          <a:p>
-            <a:pPr marL="457200" lvl="1" indent="0">
-              <a:buNone/>
-            </a:pPr>
-            <a:endParaRPr lang="en-US" sz="1800" dirty="0"/>
-          </a:p>
-          <a:p>
-            <a:r>
-              <a:rPr lang="en-US" sz="2000" b="1" dirty="0"/>
-              <a:t>Fuzzy Sets:</a:t>
+              <a:rPr lang="en-US" sz="2000" dirty="0">
+                <a:solidFill>
+                  <a:srgbClr val="FF0000"/>
+                </a:solidFill>
+              </a:rPr>
+              <a:t>defuzzification</a:t>
             </a:r>
             <a:r>
               <a:rPr lang="en-US" sz="2000" dirty="0"/>
-              <a:t> A fuzzy set is a class of objects with a continuum of degrees of membership</a:t>
+              <a:t> steps of a Fuzzy Logic system</a:t>
             </a:r>
             <a:r>
               <a:rPr lang="en-US" sz="2000" dirty="0" smtClean="0"/>
@@ -22489,97 +23164,39 @@
             </a:r>
           </a:p>
           <a:p>
-            <a:endParaRPr lang="en-US" sz="2000" dirty="0" smtClean="0"/>
+            <a:endParaRPr lang="en-US" sz="800" dirty="0"/>
           </a:p>
           <a:p>
             <a:r>
               <a:rPr lang="en-US" sz="2000" dirty="0"/>
-              <a:t>A fuzzy set </a:t>
-            </a:r>
-            <a:r>
-              <a:rPr lang="en-US" sz="2000" b="1" i="1" dirty="0" smtClean="0"/>
-              <a:t>A</a:t>
+              <a:t>A membership function </a:t>
             </a:r>
             <a:r>
               <a:rPr lang="en-US" sz="2000" dirty="0" smtClean="0"/>
-              <a:t> </a:t>
+              <a:t>is used </a:t>
             </a:r>
             <a:r>
               <a:rPr lang="en-US" sz="2000" dirty="0"/>
-              <a:t>is </a:t>
+              <a:t>to </a:t>
+            </a:r>
+            <a:r>
+              <a:rPr lang="en-US" sz="2000" dirty="0">
+                <a:solidFill>
+                  <a:srgbClr val="FF0000"/>
+                </a:solidFill>
+              </a:rPr>
+              <a:t>quantify</a:t>
+            </a:r>
+            <a:r>
+              <a:rPr lang="en-US" sz="2000" dirty="0"/>
+              <a:t> a linguistic </a:t>
             </a:r>
             <a:r>
               <a:rPr lang="en-US" sz="2000" dirty="0" smtClean="0"/>
-              <a:t>defined by </a:t>
-            </a:r>
-            <a:r>
-              <a:rPr lang="en-US" sz="2000" dirty="0"/>
-              <a:t>a membership function </a:t>
-            </a:r>
-            <a:r>
-              <a:rPr lang="en-US" sz="2000" dirty="0" smtClean="0"/>
-              <a:t>      from </a:t>
-            </a:r>
-            <a:r>
-              <a:rPr lang="en-US" sz="2000" dirty="0"/>
-              <a:t>the universe of discourse </a:t>
-            </a:r>
-            <a:r>
-              <a:rPr lang="en-US" sz="2000" b="1" i="1" dirty="0" smtClean="0"/>
-              <a:t>X</a:t>
-            </a:r>
-            <a:r>
-              <a:rPr lang="en-US" sz="2000" dirty="0" smtClean="0"/>
-              <a:t> to the </a:t>
-            </a:r>
-            <a:r>
-              <a:rPr lang="en-US" sz="2000" dirty="0"/>
-              <a:t>closed unit interval </a:t>
-            </a:r>
-            <a:r>
-              <a:rPr lang="en-US" sz="2000" b="1" dirty="0"/>
-              <a:t>[0,1]</a:t>
-            </a:r>
-            <a:r>
-              <a:rPr lang="en-US" sz="2000" dirty="0"/>
-              <a:t>. We interpret </a:t>
-            </a:r>
-            <a:r>
-              <a:rPr lang="en-US" sz="2000" dirty="0" smtClean="0"/>
-              <a:t>            as </a:t>
-            </a:r>
-            <a:r>
-              <a:rPr lang="en-US" sz="2000" dirty="0"/>
-              <a:t>the </a:t>
-            </a:r>
-            <a:r>
-              <a:rPr lang="en-US" sz="2000" dirty="0" smtClean="0"/>
-              <a:t>degree of </a:t>
-            </a:r>
-            <a:r>
-              <a:rPr lang="en-US" sz="2000" dirty="0"/>
-              <a:t>membership of </a:t>
-            </a:r>
-            <a:r>
-              <a:rPr lang="en-US" sz="2000" b="1" i="1" dirty="0" smtClean="0"/>
-              <a:t>x</a:t>
-            </a:r>
-            <a:r>
-              <a:rPr lang="en-US" sz="2000" dirty="0" smtClean="0"/>
-              <a:t> </a:t>
-            </a:r>
-            <a:r>
-              <a:rPr lang="en-US" sz="2000" dirty="0"/>
-              <a:t>in </a:t>
-            </a:r>
-            <a:r>
-              <a:rPr lang="en-US" sz="2000" b="1" i="1" dirty="0" smtClean="0"/>
-              <a:t>A</a:t>
-            </a:r>
-            <a:r>
-              <a:rPr lang="en-US" sz="2000" dirty="0" smtClean="0"/>
-              <a:t>.</a:t>
-            </a:r>
+              <a:t>term.</a:t>
+            </a:r>
+          </a:p>
+          <a:p>
             <a:endParaRPr lang="en-US" sz="2000" dirty="0"/>
           </a:p>
           <a:p>
@@ -22635,26 +23252,46 @@
             </a:r>
             <a:r>
               <a:rPr lang="en-US" sz="2400" b="1" dirty="0"/>
-              <a:t>&gt; </a:t>
+              <a:t>&gt; Fuzzy Logic </a:t>
             </a:r>
             <a:r>
               <a:rPr lang="en-US" sz="2400" b="1" dirty="0" smtClean="0"/>
-              <a:t>Fuzzy Logic Theory</a:t>
-            </a:r>
-            <a:endParaRPr lang="en-US" sz="2000" b="1" i="1" dirty="0"/>
+              <a:t>Theory: </a:t>
+            </a:r>
+            <a:r>
+              <a:rPr lang="en-US" sz="2000" b="1" i="1" dirty="0" smtClean="0">
+                <a:solidFill>
+                  <a:srgbClr val="002060"/>
+                </a:solidFill>
+              </a:rPr>
+              <a:t>Membership </a:t>
+            </a:r>
+            <a:r>
+              <a:rPr lang="en-US" sz="2000" b="1" i="1" dirty="0" smtClean="0">
+                <a:solidFill>
+                  <a:srgbClr val="002060"/>
+                </a:solidFill>
+              </a:rPr>
+              <a:t>Functions</a:t>
+            </a:r>
+            <a:endParaRPr lang="en-US" sz="2000" b="1" i="1" dirty="0">
+              <a:solidFill>
+                <a:srgbClr val="002060"/>
+              </a:solidFill>
+            </a:endParaRPr>
           </a:p>
         </p:txBody>
       </p:sp>
       <p:pic>
         <p:nvPicPr>
-          <p:cNvPr id="8194" name="Picture 2"/>
+          <p:cNvPr id="9218" name="Picture 2" descr="C:\Users\Mohammad\Documents\GitHub\CompExam3\figure\membership-function.png"/>
           <p:cNvPicPr>
             <a:picLocks noChangeAspect="1" noChangeArrowheads="1"/>
           </p:cNvPicPr>
           <p:nvPr/>
         </p:nvPicPr>
         <p:blipFill>
-          <a:blip r:embed="rId3">
+          <a:blip r:embed="rId3" cstate="print">
             <a:extLst>
               <a:ext uri="{28A0092B-C50C-407E-A947-70E740481C1C}">
                 <a14:useLocalDpi xmlns:a14="http://schemas.microsoft.com/office/drawing/2010/main" val="0"/>
@@ -22668,87 +23305,20 @@
         </p:blipFill>
         <p:spPr bwMode="auto">
           <a:xfrm>
-            <a:off x="6007101" y="4978400"/>
-            <a:ext cx="411752" cy="322943"/>
+            <a:off x="2242306" y="3411064"/>
+            <a:ext cx="4636396" cy="3319936"/>
           </a:xfrm>
           <a:prstGeom prst="rect">
             <a:avLst/>
           </a:prstGeom>
           <a:noFill/>
-          <a:ln>
-            <a:noFill/>
-          </a:ln>
           <a:extLst>
             <a:ext uri="{909E8E84-426E-40DD-AFC4-6F175D3DCCD1}">
               <a14:hiddenFill xmlns:a14="http://schemas.microsoft.com/office/drawing/2010/main">
                 <a:solidFill>
-                  <a:schemeClr val="accent1"/>
+                  <a:srgbClr val="FFFFFF"/>
                 </a:solidFill>
               </a14:hiddenFill>
-            </a:ext>
-            <a:ext uri="{91240B29-F687-4F45-9708-019B960494DF}">
-              <a14:hiddenLine xmlns:a14="http://schemas.microsoft.com/office/drawing/2010/main" w="9525">
-                <a:solidFill>
-                  <a:schemeClr val="tx1"/>
-                </a:solidFill>
-                <a:miter lim="800000"/>
-                <a:headEnd/>
-                <a:tailEnd/>
-              </a14:hiddenLine>
-            </a:ext>
-          </a:extLst>
-        </p:spPr>
-      </p:pic>
-      <p:pic>
-        <p:nvPicPr>
-          <p:cNvPr id="8195" name="Picture 3"/>
-          <p:cNvPicPr>
-            <a:picLocks noChangeAspect="1" noChangeArrowheads="1"/>
-          </p:cNvPicPr>
-          <p:nvPr/>
-        </p:nvPicPr>
-        <p:blipFill>
-          <a:blip r:embed="rId4">
-            <a:extLst>
-              <a:ext uri="{28A0092B-C50C-407E-A947-70E740481C1C}">
-                <a14:useLocalDpi xmlns:a14="http://schemas.microsoft.com/office/drawing/2010/main" val="0"/>
-              </a:ext>
-            </a:extLst>
-          </a:blip>
-          <a:srcRect/>
-          <a:stretch>
-            <a:fillRect/>
-          </a:stretch>
-        </p:blipFill>
-        <p:spPr bwMode="auto">
-          <a:xfrm>
-            <a:off x="6762750" y="5283738"/>
-            <a:ext cx="704850" cy="319894"/>
-          </a:xfrm>
-          <a:prstGeom prst="rect">
-            <a:avLst/>
-          </a:prstGeom>
-          <a:noFill/>
-          <a:ln>
-            <a:noFill/>
-          </a:ln>
-          <a:extLst>
-            <a:ext uri="{909E8E84-426E-40DD-AFC4-6F175D3DCCD1}">
-              <a14:hiddenFill xmlns:a14="http://schemas.microsoft.com/office/drawing/2010/main">
-                <a:solidFill>
-                  <a:schemeClr val="accent1"/>
-                </a:solidFill>
-              </a14:hiddenFill>
-            </a:ext>
-            <a:ext uri="{91240B29-F687-4F45-9708-019B960494DF}">
-              <a14:hiddenLine xmlns:a14="http://schemas.microsoft.com/office/drawing/2010/main" w="9525">
-                <a:solidFill>
-                  <a:schemeClr val="tx1"/>
-                </a:solidFill>
-                <a:miter lim="800000"/>
-                <a:headEnd/>
-                <a:tailEnd/>
-              </a14:hiddenLine>
             </a:ext>
           </a:extLst>
         </p:spPr>
@@ -22756,7 +23326,7 @@
     </p:spTree>
     <p:extLst>
       <p:ext uri="{BB962C8B-B14F-4D97-AF65-F5344CB8AC3E}">
-        <p14:creationId xmlns:p14="http://schemas.microsoft.com/office/powerpoint/2010/main" val="3908126863"/>
+        <p14:creationId xmlns:p14="http://schemas.microsoft.com/office/powerpoint/2010/main" val="157934192"/>
       </p:ext>
     </p:extLst>
   </p:cSld>
@@ -22800,8 +23370,8 @@
         </p:nvSpPr>
         <p:spPr>
           <a:xfrm>
-            <a:off x="457199" y="1219201"/>
-            <a:ext cx="8206611" cy="5181599"/>
+            <a:off x="457199" y="4114800"/>
+            <a:ext cx="8206611" cy="2286000"/>
           </a:xfrm>
           <a:prstGeom prst="rect">
             <a:avLst/>
@@ -22949,70 +23519,136 @@
             </a:lvl9pPr>
           </a:lstStyle>
           <a:p>
-            <a:r>
-              <a:rPr lang="en-US" sz="2000" dirty="0"/>
-              <a:t>Membership functions </a:t>
-            </a:r>
-            <a:r>
-              <a:rPr lang="en-US" sz="2000" dirty="0" smtClean="0"/>
-              <a:t>are mathematical </a:t>
-            </a:r>
-            <a:r>
-              <a:rPr lang="en-US" sz="2000" dirty="0"/>
-              <a:t>tools for indicating flexible membership to a set, modeling, </a:t>
-            </a:r>
-            <a:r>
-              <a:rPr lang="en-US" sz="2000" dirty="0" smtClean="0"/>
-              <a:t>and quantifying </a:t>
-            </a:r>
-            <a:r>
-              <a:rPr lang="en-US" sz="2000" dirty="0"/>
-              <a:t>the meaning of symbols</a:t>
-            </a:r>
-            <a:r>
-              <a:rPr lang="en-US" sz="2000" dirty="0" smtClean="0"/>
-              <a:t>.</a:t>
-            </a:r>
-          </a:p>
-          <a:p>
-            <a:r>
-              <a:rPr lang="en-US" sz="2000" dirty="0"/>
-              <a:t>Membership functions are used in </a:t>
-            </a:r>
-            <a:r>
-              <a:rPr lang="en-US" sz="2000" dirty="0" smtClean="0"/>
-              <a:t>the fuzzification </a:t>
-            </a:r>
-            <a:r>
-              <a:rPr lang="en-US" sz="2000" dirty="0"/>
-              <a:t>and defuzzification steps of a Fuzzy Logic system.</a:t>
-            </a:r>
-          </a:p>
-          <a:p>
-            <a:r>
-              <a:rPr lang="en-US" sz="2000" dirty="0"/>
-              <a:t>A membership function </a:t>
-            </a:r>
-            <a:r>
-              <a:rPr lang="en-US" sz="2000" dirty="0" smtClean="0"/>
-              <a:t>is used </a:t>
-            </a:r>
-            <a:r>
-              <a:rPr lang="en-US" sz="2000" dirty="0"/>
-              <a:t>to quantify a linguistic </a:t>
-            </a:r>
-            <a:r>
-              <a:rPr lang="en-US" sz="2000" dirty="0" smtClean="0"/>
-              <a:t>term.</a:t>
-            </a:r>
-          </a:p>
-          <a:p>
-            <a:endParaRPr lang="en-US" sz="2000" dirty="0"/>
-          </a:p>
-          <a:p>
             <a:pPr marL="0" indent="0">
               <a:buNone/>
             </a:pPr>
+            <a:r>
+              <a:rPr lang="en-US" sz="2000" b="1" dirty="0" smtClean="0"/>
+              <a:t>Linguistic Variables:</a:t>
+            </a:r>
+          </a:p>
+          <a:p>
+            <a:r>
+              <a:rPr lang="en-US" sz="2000" dirty="0"/>
+              <a:t>Linguistic variables are the </a:t>
+            </a:r>
+            <a:r>
+              <a:rPr lang="en-US" sz="2000" dirty="0">
+                <a:solidFill>
+                  <a:srgbClr val="FF0000"/>
+                </a:solidFill>
+              </a:rPr>
+              <a:t>input</a:t>
+            </a:r>
+            <a:r>
+              <a:rPr lang="en-US" sz="2000" dirty="0"/>
+              <a:t> or </a:t>
+            </a:r>
+            <a:r>
+              <a:rPr lang="en-US" sz="2000" dirty="0">
+                <a:solidFill>
+                  <a:srgbClr val="FF0000"/>
+                </a:solidFill>
+              </a:rPr>
+              <a:t>output</a:t>
+            </a:r>
+            <a:r>
+              <a:rPr lang="en-US" sz="2000" dirty="0"/>
+              <a:t> variables of the </a:t>
+            </a:r>
+            <a:r>
+              <a:rPr lang="en-US" sz="2000" dirty="0" smtClean="0"/>
+              <a:t>system whose </a:t>
+            </a:r>
+            <a:r>
+              <a:rPr lang="en-US" sz="2000" dirty="0"/>
+              <a:t>values </a:t>
+            </a:r>
+            <a:r>
+              <a:rPr lang="en-US" sz="2000" dirty="0" smtClean="0"/>
+              <a:t>(linguistic terms) are </a:t>
+            </a:r>
+            <a:r>
+              <a:rPr lang="en-US" sz="2000" dirty="0"/>
+              <a:t>words or sentences from a </a:t>
+            </a:r>
+            <a:r>
+              <a:rPr lang="en-US" sz="2000" dirty="0">
+                <a:solidFill>
+                  <a:srgbClr val="FF0000"/>
+                </a:solidFill>
+              </a:rPr>
+              <a:t>natural </a:t>
+            </a:r>
+            <a:r>
+              <a:rPr lang="en-US" sz="2000" dirty="0" smtClean="0">
+                <a:solidFill>
+                  <a:srgbClr val="FF0000"/>
+                </a:solidFill>
+              </a:rPr>
+              <a:t>language</a:t>
+            </a:r>
+            <a:r>
+              <a:rPr lang="en-US" sz="2000" dirty="0" smtClean="0"/>
+              <a:t>.</a:t>
+            </a:r>
+          </a:p>
+          <a:p>
+            <a:pPr marL="0" indent="0">
+              <a:buNone/>
+            </a:pPr>
+            <a:r>
+              <a:rPr lang="en-US" sz="2000" b="1" dirty="0" smtClean="0"/>
+              <a:t>Fuzzy Rules:</a:t>
+            </a:r>
+          </a:p>
+          <a:p>
+            <a:r>
+              <a:rPr lang="en-US" sz="2000" dirty="0" smtClean="0"/>
+              <a:t>A </a:t>
+            </a:r>
+            <a:r>
+              <a:rPr lang="en-US" sz="2000" dirty="0"/>
+              <a:t>rule-base is constructed to </a:t>
+            </a:r>
+            <a:r>
+              <a:rPr lang="en-US" sz="2000" dirty="0">
+                <a:solidFill>
+                  <a:srgbClr val="FF0000"/>
+                </a:solidFill>
+              </a:rPr>
+              <a:t>determine</a:t>
+            </a:r>
+            <a:r>
+              <a:rPr lang="en-US" sz="2000" dirty="0"/>
+              <a:t> and control </a:t>
+            </a:r>
+            <a:r>
+              <a:rPr lang="en-US" sz="2000" dirty="0" smtClean="0"/>
+              <a:t>the </a:t>
+            </a:r>
+            <a:r>
+              <a:rPr lang="en-US" sz="2000" dirty="0" smtClean="0">
+                <a:solidFill>
+                  <a:srgbClr val="FF0000"/>
+                </a:solidFill>
+              </a:rPr>
+              <a:t>output</a:t>
+            </a:r>
+            <a:r>
+              <a:rPr lang="en-US" sz="2000" dirty="0" smtClean="0"/>
+              <a:t> </a:t>
+            </a:r>
+            <a:r>
+              <a:rPr lang="en-US" sz="2000" dirty="0"/>
+              <a:t>variable</a:t>
+            </a:r>
+            <a:r>
+              <a:rPr lang="en-US" sz="2000" dirty="0" smtClean="0"/>
+              <a:t>.</a:t>
+            </a:r>
+          </a:p>
+          <a:p>
             <a:endParaRPr lang="en-US" sz="2000" dirty="0" smtClean="0"/>
           </a:p>
         </p:txBody>
@@ -23062,34 +23698,38 @@
             </a:r>
             <a:r>
               <a:rPr lang="en-US" sz="2400" b="1" dirty="0"/>
-              <a:t>&gt; Fuzzy Logic </a:t>
+              <a:t>&gt; </a:t>
             </a:r>
             <a:r>
               <a:rPr lang="en-US" sz="2400" b="1" dirty="0" smtClean="0"/>
-              <a:t>Theory: </a:t>
-            </a:r>
-            <a:r>
-              <a:rPr lang="en-US" sz="2000" b="1" dirty="0" smtClean="0"/>
-              <a:t>Membership </a:t>
-            </a:r>
-            <a:r>
-              <a:rPr lang="en-US" sz="2000" b="1" dirty="0" err="1" smtClean="0"/>
-              <a:t>Funcitons</a:t>
-            </a:r>
-            <a:endParaRPr lang="en-US" sz="2000" b="1" i="1" dirty="0"/>
+              <a:t>Fuzzy Logic Theory: </a:t>
+            </a:r>
+            <a:r>
+              <a:rPr lang="en-US" sz="2000" b="1" i="1" dirty="0" smtClean="0">
+                <a:solidFill>
+                  <a:srgbClr val="002060"/>
+                </a:solidFill>
+              </a:rPr>
+              <a:t>Algorithm</a:t>
+            </a:r>
+            <a:endParaRPr lang="en-US" sz="2000" b="1" i="1" dirty="0">
+              <a:solidFill>
+                <a:srgbClr val="002060"/>
+              </a:solidFill>
+            </a:endParaRPr>
           </a:p>
         </p:txBody>
       </p:sp>
       <p:pic>
         <p:nvPicPr>
-          <p:cNvPr id="9218" name="Picture 2" descr="C:\Users\Mohammad\Documents\GitHub\CompExam3\figure\membership-function.png"/>
+          <p:cNvPr id="7170" name="Picture 2" descr="C:\Users\Mohammad\Documents\GitHub\CompExam3\figure\fuzzy-algorithm.png"/>
           <p:cNvPicPr>
             <a:picLocks noChangeAspect="1" noChangeArrowheads="1"/>
           </p:cNvPicPr>
           <p:nvPr/>
         </p:nvPicPr>
         <p:blipFill>
-          <a:blip r:embed="rId3" cstate="print">
+          <a:blip r:embed="rId3">
             <a:extLst>
               <a:ext uri="{28A0092B-C50C-407E-A947-70E740481C1C}">
                 <a14:useLocalDpi xmlns:a14="http://schemas.microsoft.com/office/drawing/2010/main" val="0"/>
@@ -23103,8 +23743,8 @@
         </p:blipFill>
         <p:spPr bwMode="auto">
           <a:xfrm>
-            <a:off x="2455137" y="3385664"/>
-            <a:ext cx="4210733" cy="3015136"/>
+            <a:off x="76200" y="1165461"/>
+            <a:ext cx="9045575" cy="2720739"/>
           </a:xfrm>
           <a:prstGeom prst="rect">
             <a:avLst/>
@@ -23121,10 +23761,64 @@
           </a:extLst>
         </p:spPr>
       </p:pic>
+      <p:pic>
+        <p:nvPicPr>
+          <p:cNvPr id="7171" name="Picture 3"/>
+          <p:cNvPicPr>
+            <a:picLocks noChangeAspect="1" noChangeArrowheads="1"/>
+          </p:cNvPicPr>
+          <p:nvPr/>
+        </p:nvPicPr>
+        <p:blipFill>
+          <a:blip r:embed="rId4">
+            <a:extLst>
+              <a:ext uri="{28A0092B-C50C-407E-A947-70E740481C1C}">
+                <a14:useLocalDpi xmlns:a14="http://schemas.microsoft.com/office/drawing/2010/main" val="0"/>
+              </a:ext>
+            </a:extLst>
+          </a:blip>
+          <a:srcRect/>
+          <a:stretch>
+            <a:fillRect/>
+          </a:stretch>
+        </p:blipFill>
+        <p:spPr bwMode="auto">
+          <a:xfrm>
+            <a:off x="983866" y="5943600"/>
+            <a:ext cx="7153275" cy="628650"/>
+          </a:xfrm>
+          <a:prstGeom prst="rect">
+            <a:avLst/>
+          </a:prstGeom>
+          <a:noFill/>
+          <a:ln>
+            <a:noFill/>
+          </a:ln>
+          <a:extLst>
+            <a:ext uri="{909E8E84-426E-40DD-AFC4-6F175D3DCCD1}">
+              <a14:hiddenFill xmlns:a14="http://schemas.microsoft.com/office/drawing/2010/main">
+                <a:solidFill>
+                  <a:schemeClr val="accent1"/>
+                </a:solidFill>
+              </a14:hiddenFill>
+            </a:ext>
+            <a:ext uri="{91240B29-F687-4F45-9708-019B960494DF}">
+              <a14:hiddenLine xmlns:a14="http://schemas.microsoft.com/office/drawing/2010/main" w="9525">
+                <a:solidFill>
+                  <a:schemeClr val="tx1"/>
+                </a:solidFill>
+                <a:miter lim="800000"/>
+                <a:headEnd/>
+                <a:tailEnd/>
+              </a14:hiddenLine>
+            </a:ext>
+          </a:extLst>
+        </p:spPr>
+      </p:pic>
     </p:spTree>
     <p:extLst>
       <p:ext uri="{BB962C8B-B14F-4D97-AF65-F5344CB8AC3E}">
-        <p14:creationId xmlns:p14="http://schemas.microsoft.com/office/powerpoint/2010/main" val="157934192"/>
+        <p14:creationId xmlns:p14="http://schemas.microsoft.com/office/powerpoint/2010/main" val="2579971460"/>
       </p:ext>
     </p:extLst>
   </p:cSld>
@@ -23317,70 +24011,76 @@
             </a:lvl9pPr>
           </a:lstStyle>
           <a:p>
+            <a:r>
+              <a:rPr lang="en-US" sz="2000" b="1" dirty="0" smtClean="0"/>
+              <a:t>Fuzzification: </a:t>
+            </a:r>
+            <a:r>
+              <a:rPr lang="en-US" sz="2000" dirty="0" smtClean="0"/>
+              <a:t>The process of obtaining </a:t>
+            </a:r>
+            <a:r>
+              <a:rPr lang="en-US" sz="2000" dirty="0" smtClean="0">
+                <a:solidFill>
+                  <a:srgbClr val="FF0000"/>
+                </a:solidFill>
+              </a:rPr>
+              <a:t>one fuzzy value </a:t>
+            </a:r>
+            <a:r>
+              <a:rPr lang="en-US" sz="2000" dirty="0" smtClean="0"/>
+              <a:t>for each crisp input.</a:t>
+            </a:r>
+          </a:p>
+          <a:p>
+            <a:r>
+              <a:rPr lang="en-US" sz="2000" b="1" dirty="0" smtClean="0"/>
+              <a:t>Reasoning: </a:t>
+            </a:r>
+            <a:r>
+              <a:rPr lang="en-US" sz="2000" dirty="0" smtClean="0"/>
+              <a:t>The process of </a:t>
+            </a:r>
+            <a:r>
+              <a:rPr lang="en-US" sz="2000" dirty="0" smtClean="0">
+                <a:solidFill>
+                  <a:srgbClr val="FF0000"/>
+                </a:solidFill>
+              </a:rPr>
+              <a:t>combining the results </a:t>
+            </a:r>
+            <a:r>
+              <a:rPr lang="en-US" sz="2000" dirty="0" smtClean="0"/>
+              <a:t>of the rules to obtain a final result.</a:t>
+            </a:r>
+          </a:p>
+          <a:p>
+            <a:r>
+              <a:rPr lang="en-US" sz="2000" b="1" dirty="0" smtClean="0"/>
+              <a:t>Defuzzification: </a:t>
+            </a:r>
+            <a:r>
+              <a:rPr lang="en-US" sz="2000" dirty="0" smtClean="0"/>
+              <a:t>The process of obtaining a crisp value by </a:t>
+            </a:r>
+            <a:r>
+              <a:rPr lang="en-US" sz="2000" dirty="0" smtClean="0">
+                <a:solidFill>
+                  <a:srgbClr val="FF0000"/>
+                </a:solidFill>
+              </a:rPr>
+              <a:t>defuzzifying the final fuzzy result </a:t>
+            </a:r>
+            <a:r>
+              <a:rPr lang="en-US" sz="2000" dirty="0" smtClean="0"/>
+              <a:t>using the membership function of the output variable.</a:t>
+            </a:r>
+          </a:p>
+          <a:p>
             <a:pPr marL="0" indent="0">
               <a:buNone/>
             </a:pPr>
-            <a:r>
-              <a:rPr lang="en-US" sz="2000" b="1" dirty="0" smtClean="0"/>
-              <a:t>Linguistic Variables:</a:t>
-            </a:r>
-          </a:p>
-          <a:p>
-            <a:r>
-              <a:rPr lang="en-US" sz="2000" dirty="0"/>
-              <a:t>Linguistic variables are the input or output variables of the </a:t>
-            </a:r>
-            <a:r>
-              <a:rPr lang="en-US" sz="2000" dirty="0" smtClean="0"/>
-              <a:t>system whose </a:t>
-            </a:r>
-            <a:r>
-              <a:rPr lang="en-US" sz="2000" dirty="0"/>
-              <a:t>values </a:t>
-            </a:r>
-            <a:r>
-              <a:rPr lang="en-US" sz="2000" dirty="0" smtClean="0"/>
-              <a:t>(linguistic terms) are </a:t>
-            </a:r>
-            <a:r>
-              <a:rPr lang="en-US" sz="2000" dirty="0"/>
-              <a:t>words or sentences from a natural </a:t>
-            </a:r>
-            <a:r>
-              <a:rPr lang="en-US" sz="2000" dirty="0" smtClean="0"/>
-              <a:t>language.</a:t>
-            </a:r>
-          </a:p>
-          <a:p>
-            <a:pPr marL="0" indent="0">
-              <a:buNone/>
-            </a:pPr>
-            <a:r>
-              <a:rPr lang="en-US" sz="2000" b="1" dirty="0" smtClean="0"/>
-              <a:t>Fuzzy Rules:</a:t>
-            </a:r>
-          </a:p>
-          <a:p>
-            <a:r>
-              <a:rPr lang="en-US" sz="2000" dirty="0" smtClean="0"/>
-              <a:t>A </a:t>
-            </a:r>
-            <a:r>
-              <a:rPr lang="en-US" sz="2000" dirty="0"/>
-              <a:t>rule-base is constructed to determine and control </a:t>
-            </a:r>
-            <a:r>
-              <a:rPr lang="en-US" sz="2000" dirty="0" smtClean="0"/>
-              <a:t>the output </a:t>
-            </a:r>
-            <a:r>
-              <a:rPr lang="en-US" sz="2000" dirty="0"/>
-              <a:t>variable</a:t>
-            </a:r>
-            <a:r>
-              <a:rPr lang="en-US" sz="2000" dirty="0" smtClean="0"/>
-              <a:t>.</a:t>
-            </a:r>
+            <a:endParaRPr lang="en-US" sz="2000" dirty="0" smtClean="0"/>
           </a:p>
           <a:p>
             <a:endParaRPr lang="en-US" sz="2000" dirty="0" smtClean="0"/>
@@ -23439,10 +24139,18 @@
               <a:t>Fuzzy Logic Theory: </a:t>
             </a:r>
             <a:r>
-              <a:rPr lang="en-US" sz="2000" b="1" i="1" dirty="0" smtClean="0"/>
+              <a:rPr lang="en-US" sz="2000" b="1" i="1" dirty="0" smtClean="0">
+                <a:solidFill>
+                  <a:srgbClr val="002060"/>
+                </a:solidFill>
+              </a:rPr>
               <a:t>Algorithm</a:t>
             </a:r>
-            <a:endParaRPr lang="en-US" sz="2000" b="1" i="1" dirty="0"/>
+            <a:endParaRPr lang="en-US" sz="2000" b="1" i="1" dirty="0">
+              <a:solidFill>
+                <a:srgbClr val="002060"/>
+              </a:solidFill>
+            </a:endParaRPr>
           </a:p>
         </p:txBody>
       </p:sp>
@@ -23487,64 +24195,10 @@
           </a:extLst>
         </p:spPr>
       </p:pic>
-      <p:pic>
-        <p:nvPicPr>
-          <p:cNvPr id="7171" name="Picture 3"/>
-          <p:cNvPicPr>
-            <a:picLocks noChangeAspect="1" noChangeArrowheads="1"/>
-          </p:cNvPicPr>
-          <p:nvPr/>
-        </p:nvPicPr>
-        <p:blipFill>
-          <a:blip r:embed="rId4">
-            <a:extLst>
-              <a:ext uri="{28A0092B-C50C-407E-A947-70E740481C1C}">
-                <a14:useLocalDpi xmlns:a14="http://schemas.microsoft.com/office/drawing/2010/main" val="0"/>
-              </a:ext>
-            </a:extLst>
-          </a:blip>
-          <a:srcRect/>
-          <a:stretch>
-            <a:fillRect/>
-          </a:stretch>
-        </p:blipFill>
-        <p:spPr bwMode="auto">
-          <a:xfrm>
-            <a:off x="983866" y="5943600"/>
-            <a:ext cx="7153275" cy="628650"/>
-          </a:xfrm>
-          <a:prstGeom prst="rect">
-            <a:avLst/>
-          </a:prstGeom>
-          <a:noFill/>
-          <a:ln>
-            <a:noFill/>
-          </a:ln>
-          <a:extLst>
-            <a:ext uri="{909E8E84-426E-40DD-AFC4-6F175D3DCCD1}">
-              <a14:hiddenFill xmlns:a14="http://schemas.microsoft.com/office/drawing/2010/main">
-                <a:solidFill>
-                  <a:schemeClr val="accent1"/>
-                </a:solidFill>
-              </a14:hiddenFill>
-            </a:ext>
-            <a:ext uri="{91240B29-F687-4F45-9708-019B960494DF}">
-              <a14:hiddenLine xmlns:a14="http://schemas.microsoft.com/office/drawing/2010/main" w="9525">
-                <a:solidFill>
-                  <a:schemeClr val="tx1"/>
-                </a:solidFill>
-                <a:miter lim="800000"/>
-                <a:headEnd/>
-                <a:tailEnd/>
-              </a14:hiddenLine>
-            </a:ext>
-          </a:extLst>
-        </p:spPr>
-      </p:pic>
     </p:spTree>
     <p:extLst>
       <p:ext uri="{BB962C8B-B14F-4D97-AF65-F5344CB8AC3E}">
-        <p14:creationId xmlns:p14="http://schemas.microsoft.com/office/powerpoint/2010/main" val="2579971460"/>
+        <p14:creationId xmlns:p14="http://schemas.microsoft.com/office/powerpoint/2010/main" val="125689435"/>
       </p:ext>
     </p:extLst>
   </p:cSld>
@@ -23588,8 +24242,8 @@
         </p:nvSpPr>
         <p:spPr>
           <a:xfrm>
-            <a:off x="457199" y="4114800"/>
-            <a:ext cx="8206611" cy="2286000"/>
+            <a:off x="457199" y="1143000"/>
+            <a:ext cx="8206611" cy="5257800"/>
           </a:xfrm>
           <a:prstGeom prst="rect">
             <a:avLst/>
@@ -23737,39 +24391,252 @@
             </a:lvl9pPr>
           </a:lstStyle>
           <a:p>
-            <a:r>
-              <a:rPr lang="en-US" sz="2000" b="1" dirty="0" smtClean="0"/>
-              <a:t>Fuzzification: </a:t>
-            </a:r>
-            <a:r>
-              <a:rPr lang="en-US" sz="2000" dirty="0" smtClean="0"/>
-              <a:t>The process of obtaining one fuzzy value for each crisp input.</a:t>
-            </a:r>
-          </a:p>
-          <a:p>
-            <a:r>
-              <a:rPr lang="en-US" sz="2000" b="1" dirty="0" smtClean="0"/>
-              <a:t>Reasoning: </a:t>
-            </a:r>
-            <a:r>
-              <a:rPr lang="en-US" sz="2000" dirty="0" smtClean="0"/>
-              <a:t>The process of combining the results of the rules to obtain a final result.</a:t>
-            </a:r>
-          </a:p>
-          <a:p>
-            <a:r>
-              <a:rPr lang="en-US" sz="2000" b="1" dirty="0" smtClean="0"/>
-              <a:t>Defuzzification: </a:t>
-            </a:r>
-            <a:r>
-              <a:rPr lang="en-US" sz="2000" dirty="0" smtClean="0"/>
-              <a:t>The process of obtaining a crisp value by defuzzifying the final fuzzy result using the membership function of the output variable.</a:t>
-            </a:r>
-          </a:p>
-          <a:p>
             <a:pPr marL="0" indent="0">
               <a:buNone/>
             </a:pPr>
+            <a:r>
+              <a:rPr lang="en-US" sz="2000" b="1" dirty="0" smtClean="0"/>
+              <a:t>Advantages:</a:t>
+            </a:r>
+          </a:p>
+          <a:p>
+            <a:r>
+              <a:rPr lang="en-US" sz="2000" dirty="0"/>
+              <a:t>Transparent representation of </a:t>
+            </a:r>
+            <a:r>
+              <a:rPr lang="en-US" sz="2000" dirty="0">
+                <a:solidFill>
+                  <a:srgbClr val="FF0000"/>
+                </a:solidFill>
+              </a:rPr>
+              <a:t>causal relationships </a:t>
+            </a:r>
+            <a:r>
+              <a:rPr lang="en-US" sz="2000" dirty="0"/>
+              <a:t>between </a:t>
+            </a:r>
+            <a:r>
+              <a:rPr lang="en-US" sz="2000" dirty="0" smtClean="0"/>
+              <a:t>variables</a:t>
+            </a:r>
+            <a:r>
+              <a:rPr lang="en-US" sz="2000" dirty="0" smtClean="0"/>
+              <a:t>.</a:t>
+            </a:r>
+          </a:p>
+          <a:p>
+            <a:endParaRPr lang="en-US" sz="1000" dirty="0" smtClean="0"/>
+          </a:p>
+          <a:p>
+            <a:r>
+              <a:rPr lang="en-US" sz="2000" dirty="0"/>
+              <a:t>Relatively easy recognition of </a:t>
+            </a:r>
+            <a:r>
+              <a:rPr lang="en-US" sz="2000" dirty="0">
+                <a:solidFill>
+                  <a:srgbClr val="FF0000"/>
+                </a:solidFill>
+              </a:rPr>
+              <a:t>dependencies</a:t>
+            </a:r>
+            <a:r>
+              <a:rPr lang="en-US" sz="2000" dirty="0"/>
+              <a:t> and </a:t>
+            </a:r>
+            <a:r>
+              <a:rPr lang="en-US" sz="2000" dirty="0">
+                <a:solidFill>
+                  <a:srgbClr val="FF0000"/>
+                </a:solidFill>
+              </a:rPr>
+              <a:t>independencies</a:t>
+            </a:r>
+            <a:r>
+              <a:rPr lang="en-US" sz="2000" dirty="0"/>
+              <a:t> </a:t>
+            </a:r>
+            <a:r>
+              <a:rPr lang="en-US" sz="2000" dirty="0" smtClean="0"/>
+              <a:t>between   </a:t>
+            </a:r>
+            <a:r>
+              <a:rPr lang="en-US" sz="2000" dirty="0"/>
+              <a:t>various nodes</a:t>
+            </a:r>
+            <a:r>
+              <a:rPr lang="en-US" sz="2000" dirty="0" smtClean="0"/>
+              <a:t>.</a:t>
+            </a:r>
+          </a:p>
+          <a:p>
+            <a:endParaRPr lang="en-US" sz="1000" dirty="0" smtClean="0"/>
+          </a:p>
+          <a:p>
+            <a:r>
+              <a:rPr lang="en-US" sz="2000" dirty="0"/>
+              <a:t>The ability to handle situations where the data set is </a:t>
+            </a:r>
+            <a:r>
+              <a:rPr lang="en-US" sz="2000" dirty="0">
+                <a:solidFill>
+                  <a:srgbClr val="FF0000"/>
+                </a:solidFill>
+              </a:rPr>
+              <a:t>incomplete</a:t>
+            </a:r>
+            <a:r>
+              <a:rPr lang="en-US" sz="2000" dirty="0"/>
+              <a:t> </a:t>
+            </a:r>
+            <a:r>
+              <a:rPr lang="en-US" sz="2000" dirty="0" smtClean="0"/>
+              <a:t>since the </a:t>
+            </a:r>
+            <a:r>
+              <a:rPr lang="en-US" sz="2000" dirty="0"/>
+              <a:t>model accounts for dependencies between </a:t>
+            </a:r>
+            <a:r>
+              <a:rPr lang="en-US" sz="2000" dirty="0">
+                <a:solidFill>
+                  <a:srgbClr val="FF0000"/>
+                </a:solidFill>
+              </a:rPr>
+              <a:t>all variables</a:t>
+            </a:r>
+            <a:r>
+              <a:rPr lang="en-US" sz="2000" dirty="0" smtClean="0"/>
+              <a:t>.</a:t>
+            </a:r>
+          </a:p>
+          <a:p>
+            <a:endParaRPr lang="en-US" sz="1000" dirty="0" smtClean="0"/>
+          </a:p>
+          <a:p>
+            <a:r>
+              <a:rPr lang="en-US" sz="2000" dirty="0"/>
+              <a:t>Capable of being </a:t>
+            </a:r>
+            <a:r>
+              <a:rPr lang="en-US" sz="2000" dirty="0">
+                <a:solidFill>
+                  <a:srgbClr val="FF0000"/>
+                </a:solidFill>
+              </a:rPr>
+              <a:t>readily updated </a:t>
+            </a:r>
+            <a:r>
+              <a:rPr lang="en-US" sz="2000" dirty="0"/>
+              <a:t>when a </a:t>
+            </a:r>
+            <a:r>
+              <a:rPr lang="en-US" sz="2000" dirty="0">
+                <a:solidFill>
+                  <a:srgbClr val="FF0000"/>
+                </a:solidFill>
+              </a:rPr>
+              <a:t>new </a:t>
+            </a:r>
+            <a:r>
+              <a:rPr lang="en-US" sz="2000" dirty="0" smtClean="0">
+                <a:solidFill>
+                  <a:srgbClr val="FF0000"/>
+                </a:solidFill>
+              </a:rPr>
+              <a:t>evidence </a:t>
+            </a:r>
+            <a:r>
+              <a:rPr lang="en-US" sz="2000" dirty="0" smtClean="0"/>
+              <a:t>becomes available</a:t>
+            </a:r>
+            <a:r>
+              <a:rPr lang="en-US" sz="2000" dirty="0" smtClean="0"/>
+              <a:t>.</a:t>
+            </a:r>
+          </a:p>
+          <a:p>
+            <a:endParaRPr lang="en-US" sz="1000" dirty="0" smtClean="0"/>
+          </a:p>
+          <a:p>
+            <a:r>
+              <a:rPr lang="en-US" sz="2000" dirty="0"/>
+              <a:t>Both </a:t>
+            </a:r>
+            <a:r>
+              <a:rPr lang="en-US" sz="2000" dirty="0">
+                <a:solidFill>
+                  <a:srgbClr val="FF0000"/>
+                </a:solidFill>
+              </a:rPr>
+              <a:t>predictive</a:t>
+            </a:r>
+            <a:r>
+              <a:rPr lang="en-US" sz="2000" dirty="0"/>
+              <a:t>/deductive and </a:t>
+            </a:r>
+            <a:r>
+              <a:rPr lang="en-US" sz="2000" dirty="0">
+                <a:solidFill>
+                  <a:srgbClr val="FF0000"/>
+                </a:solidFill>
+              </a:rPr>
+              <a:t>diagnostic</a:t>
+            </a:r>
+            <a:r>
+              <a:rPr lang="en-US" sz="2000" dirty="0"/>
+              <a:t>/</a:t>
+            </a:r>
+            <a:r>
+              <a:rPr lang="en-US" sz="2000" dirty="0" err="1"/>
+              <a:t>abductive</a:t>
+            </a:r>
+            <a:r>
+              <a:rPr lang="en-US" sz="2000" dirty="0"/>
+              <a:t> reasonings </a:t>
+            </a:r>
+            <a:r>
+              <a:rPr lang="en-US" sz="2000" dirty="0" smtClean="0"/>
+              <a:t>are  </a:t>
+            </a:r>
+            <a:r>
+              <a:rPr lang="en-US" sz="2000" dirty="0"/>
+              <a:t>possible</a:t>
+            </a:r>
+            <a:r>
+              <a:rPr lang="en-US" sz="2000" dirty="0" smtClean="0"/>
+              <a:t>.</a:t>
+            </a:r>
+          </a:p>
+          <a:p>
+            <a:endParaRPr lang="en-US" sz="1000" dirty="0" smtClean="0"/>
+          </a:p>
+          <a:p>
+            <a:r>
+              <a:rPr lang="en-US" sz="2000" dirty="0" smtClean="0"/>
+              <a:t> </a:t>
+            </a:r>
+            <a:r>
+              <a:rPr lang="en-US" sz="2000" dirty="0" smtClean="0">
+                <a:solidFill>
+                  <a:srgbClr val="FF0000"/>
+                </a:solidFill>
+              </a:rPr>
+              <a:t>Computational </a:t>
+            </a:r>
+            <a:r>
+              <a:rPr lang="en-US" sz="2000" dirty="0">
+                <a:solidFill>
+                  <a:srgbClr val="FF0000"/>
+                </a:solidFill>
+              </a:rPr>
+              <a:t>tractability </a:t>
+            </a:r>
+            <a:r>
+              <a:rPr lang="en-US" sz="2000" dirty="0"/>
+              <a:t>exists for most practical applications.</a:t>
+            </a:r>
             <a:endParaRPr lang="en-US" sz="2000" dirty="0" smtClean="0"/>
           </a:p>
           <a:p>
@@ -23818,69 +24685,28 @@
             <a:pPr algn="l"/>
             <a:r>
               <a:rPr lang="en-US" sz="2400" b="1" dirty="0" smtClean="0"/>
-              <a:t>Uncertainty in AI </a:t>
-            </a:r>
-            <a:r>
-              <a:rPr lang="en-US" sz="2400" b="1" dirty="0"/>
-              <a:t>&gt; </a:t>
-            </a:r>
-            <a:r>
-              <a:rPr lang="en-US" sz="2400" b="1" dirty="0" smtClean="0"/>
-              <a:t>Fuzzy Logic Theory: </a:t>
-            </a:r>
-            <a:r>
-              <a:rPr lang="en-US" sz="2000" b="1" i="1" dirty="0" smtClean="0"/>
-              <a:t>Algorithm</a:t>
-            </a:r>
-            <a:endParaRPr lang="en-US" sz="2000" b="1" i="1" dirty="0"/>
+              <a:t>Uncertainty in AI &gt; Advantages &amp; Disadvantages: </a:t>
+            </a:r>
+            <a:r>
+              <a:rPr lang="en-US" sz="2000" b="1" i="1" dirty="0" smtClean="0">
+                <a:solidFill>
+                  <a:srgbClr val="002060"/>
+                </a:solidFill>
+              </a:rPr>
+              <a:t>Bayesian Networks</a:t>
+            </a:r>
+            <a:endParaRPr lang="en-US" sz="2000" b="1" i="1" dirty="0">
+              <a:solidFill>
+                <a:srgbClr val="002060"/>
+              </a:solidFill>
+            </a:endParaRPr>
           </a:p>
         </p:txBody>
       </p:sp>
-      <p:pic>
-        <p:nvPicPr>
-          <p:cNvPr id="7170" name="Picture 2" descr="C:\Users\Mohammad\Documents\GitHub\CompExam3\figure\fuzzy-algorithm.png"/>
-          <p:cNvPicPr>
-            <a:picLocks noChangeAspect="1" noChangeArrowheads="1"/>
-          </p:cNvPicPr>
-          <p:nvPr/>
-        </p:nvPicPr>
-        <p:blipFill>
-          <a:blip r:embed="rId3">
-            <a:extLst>
-              <a:ext uri="{28A0092B-C50C-407E-A947-70E740481C1C}">
-                <a14:useLocalDpi xmlns:a14="http://schemas.microsoft.com/office/drawing/2010/main" val="0"/>
-              </a:ext>
-            </a:extLst>
-          </a:blip>
-          <a:srcRect/>
-          <a:stretch>
-            <a:fillRect/>
-          </a:stretch>
-        </p:blipFill>
-        <p:spPr bwMode="auto">
-          <a:xfrm>
-            <a:off x="76200" y="1165461"/>
-            <a:ext cx="9045575" cy="2720739"/>
-          </a:xfrm>
-          <a:prstGeom prst="rect">
-            <a:avLst/>
-          </a:prstGeom>
-          <a:noFill/>
-          <a:extLst>
-            <a:ext uri="{909E8E84-426E-40DD-AFC4-6F175D3DCCD1}">
-              <a14:hiddenFill xmlns:a14="http://schemas.microsoft.com/office/drawing/2010/main">
-                <a:solidFill>
-                  <a:srgbClr val="FFFFFF"/>
-                </a:solidFill>
-              </a14:hiddenFill>
-            </a:ext>
-          </a:extLst>
-        </p:spPr>
-      </p:pic>
     </p:spTree>
     <p:extLst>
       <p:ext uri="{BB962C8B-B14F-4D97-AF65-F5344CB8AC3E}">
-        <p14:creationId xmlns:p14="http://schemas.microsoft.com/office/powerpoint/2010/main" val="125689435"/>
+        <p14:creationId xmlns:p14="http://schemas.microsoft.com/office/powerpoint/2010/main" val="3756859906"/>
       </p:ext>
     </p:extLst>
   </p:cSld>
@@ -24078,31 +24904,106 @@
             </a:pPr>
             <a:r>
               <a:rPr lang="en-US" sz="2000" b="1" dirty="0" smtClean="0"/>
-              <a:t>Advantages:</a:t>
+              <a:t>Disadvantages:</a:t>
             </a:r>
           </a:p>
           <a:p>
             <a:r>
               <a:rPr lang="en-US" sz="2000" dirty="0"/>
-              <a:t>Transparent representation of causal relationships between </a:t>
+              <a:t>A high level of </a:t>
+            </a:r>
+            <a:r>
+              <a:rPr lang="en-US" sz="2000" dirty="0">
+                <a:solidFill>
+                  <a:srgbClr val="FF0000"/>
+                </a:solidFill>
+              </a:rPr>
+              <a:t>effort</a:t>
+            </a:r>
+            <a:r>
+              <a:rPr lang="en-US" sz="2000" dirty="0"/>
+              <a:t> is required to </a:t>
+            </a:r>
+            <a:r>
+              <a:rPr lang="en-US" sz="2000" dirty="0">
+                <a:solidFill>
+                  <a:srgbClr val="FF0000"/>
+                </a:solidFill>
+              </a:rPr>
+              <a:t>build network models </a:t>
+            </a:r>
+            <a:r>
+              <a:rPr lang="en-US" sz="2000" dirty="0"/>
+              <a:t>where </a:t>
             </a:r>
             <a:r>
               <a:rPr lang="en-US" sz="2000" dirty="0" smtClean="0"/>
-              <a:t>variables.</a:t>
-            </a:r>
-          </a:p>
-          <a:p>
+              <a:t>a significant </a:t>
+            </a:r>
             <a:r>
               <a:rPr lang="en-US" sz="2000" dirty="0"/>
-              <a:t>Relatively easy recognition of dependencies and independencies </a:t>
+              <a:t>amount of probability data is required due to an increasing </a:t>
             </a:r>
             <a:r>
               <a:rPr lang="en-US" sz="2000" dirty="0" smtClean="0"/>
-              <a:t>between   </a:t>
+              <a:t>number of </a:t>
             </a:r>
             <a:r>
               <a:rPr lang="en-US" sz="2000" dirty="0"/>
-              <a:t>various nodes</a:t>
+              <a:t>nodes and links in the structure (possible large CPT sizes</a:t>
+            </a:r>
+            <a:r>
+              <a:rPr lang="en-US" sz="2000" dirty="0" smtClean="0"/>
+              <a:t>).</a:t>
+            </a:r>
+          </a:p>
+          <a:p>
+            <a:endParaRPr lang="en-US" sz="2000" dirty="0" smtClean="0"/>
+          </a:p>
+          <a:p>
+            <a:r>
+              <a:rPr lang="en-US" sz="2000" dirty="0" smtClean="0"/>
+              <a:t> </a:t>
+            </a:r>
+            <a:r>
+              <a:rPr lang="en-US" sz="2000" dirty="0" smtClean="0">
+                <a:solidFill>
+                  <a:srgbClr val="FF0000"/>
+                </a:solidFill>
+              </a:rPr>
+              <a:t>Computationally </a:t>
+            </a:r>
+            <a:r>
+              <a:rPr lang="en-US" sz="2000" dirty="0">
+                <a:solidFill>
+                  <a:srgbClr val="FF0000"/>
+                </a:solidFill>
+              </a:rPr>
+              <a:t>intensive</a:t>
+            </a:r>
+            <a:r>
+              <a:rPr lang="en-US" sz="2000" dirty="0"/>
+              <a:t> if the conditional </a:t>
+            </a:r>
+            <a:r>
+              <a:rPr lang="en-US" sz="2000" dirty="0">
+                <a:solidFill>
+                  <a:srgbClr val="FF0000"/>
+                </a:solidFill>
+              </a:rPr>
+              <a:t>independencies</a:t>
+            </a:r>
+            <a:r>
+              <a:rPr lang="en-US" sz="2000" dirty="0"/>
+              <a:t> are </a:t>
+            </a:r>
+            <a:r>
+              <a:rPr lang="en-US" sz="2000" dirty="0" smtClean="0"/>
+              <a:t>not  </a:t>
+            </a:r>
+            <a:r>
+              <a:rPr lang="en-US" sz="2000" dirty="0"/>
+              <a:t>properly considered among the variables</a:t>
             </a:r>
             <a:r>
               <a:rPr lang="en-US" sz="2000" dirty="0" smtClean="0"/>
@@ -24110,17 +25011,40 @@
             </a:r>
           </a:p>
           <a:p>
+            <a:endParaRPr lang="en-US" sz="2000" dirty="0" smtClean="0"/>
+          </a:p>
+          <a:p>
             <a:r>
               <a:rPr lang="en-US" sz="2000" dirty="0"/>
-              <a:t>The ability to handle situations where the data set is incomplete </a:t>
+              <a:t>Challenging to obtain </a:t>
+            </a:r>
+            <a:r>
+              <a:rPr lang="en-US" sz="2000" dirty="0" smtClean="0">
+                <a:solidFill>
+                  <a:srgbClr val="FF0000"/>
+                </a:solidFill>
+              </a:rPr>
+              <a:t>experts’ </a:t>
+            </a:r>
+            <a:r>
+              <a:rPr lang="en-US" sz="2000" dirty="0">
+                <a:solidFill>
+                  <a:srgbClr val="FF0000"/>
+                </a:solidFill>
+              </a:rPr>
+              <a:t>knowledge </a:t>
+            </a:r>
+            <a:r>
+              <a:rPr lang="en-US" sz="2000" dirty="0"/>
+              <a:t>in the form of probability </a:t>
             </a:r>
             <a:r>
               <a:rPr lang="en-US" sz="2000" dirty="0" smtClean="0"/>
-              <a:t>since the </a:t>
+              <a:t>to  </a:t>
             </a:r>
             <a:r>
               <a:rPr lang="en-US" sz="2000" dirty="0"/>
-              <a:t>model accounts for dependencies between all variables</a:t>
+              <a:t>build the network</a:t>
             </a:r>
             <a:r>
               <a:rPr lang="en-US" sz="2000" dirty="0" smtClean="0"/>
@@ -24128,47 +25052,45 @@
             </a:r>
           </a:p>
           <a:p>
+            <a:endParaRPr lang="en-US" sz="2000" dirty="0" smtClean="0"/>
+          </a:p>
+          <a:p>
             <a:r>
               <a:rPr lang="en-US" sz="2000" dirty="0"/>
-              <a:t>Capable of being readily updated when a new </a:t>
+              <a:t>No </a:t>
+            </a:r>
+            <a:r>
+              <a:rPr lang="en-US" sz="2000" dirty="0">
+                <a:solidFill>
+                  <a:srgbClr val="FF0000"/>
+                </a:solidFill>
+              </a:rPr>
+              <a:t>feedback loops </a:t>
+            </a:r>
+            <a:r>
+              <a:rPr lang="en-US" sz="2000" dirty="0"/>
+              <a:t>in the Bayesian network's structure, which has </a:t>
             </a:r>
             <a:r>
               <a:rPr lang="en-US" sz="2000" dirty="0" smtClean="0"/>
-              <a:t>evidence becomes available.</a:t>
-            </a:r>
-          </a:p>
-          <a:p>
+              <a:t>an  </a:t>
+            </a:r>
             <a:r>
               <a:rPr lang="en-US" sz="2000" dirty="0"/>
-              <a:t>Both predictive/deductive and diagnostic/</a:t>
-            </a:r>
-            <a:r>
-              <a:rPr lang="en-US" sz="2000" dirty="0" err="1"/>
-              <a:t>abductive</a:t>
+              <a:t>acyclic nature. This structure prevents typical feedback loops in design </a:t>
+            </a:r>
+            <a:r>
+              <a:rPr lang="en-US" sz="2000" dirty="0" smtClean="0"/>
+              <a:t>of  </a:t>
             </a:r>
             <a:r>
               <a:rPr lang="en-US" sz="2000" dirty="0"/>
-              <a:t> reasonings </a:t>
-            </a:r>
-            <a:r>
-              <a:rPr lang="en-US" sz="2000" dirty="0" smtClean="0"/>
-              <a:t>are  </a:t>
-            </a:r>
-            <a:r>
-              <a:rPr lang="en-US" sz="2000" dirty="0"/>
-              <a:t>possible</a:t>
+              <a:t>Bayesian network models</a:t>
             </a:r>
             <a:r>
               <a:rPr lang="en-US" sz="2000" dirty="0" smtClean="0"/>
               <a:t>.</a:t>
             </a:r>
-          </a:p>
-          <a:p>
-            <a:r>
-              <a:rPr lang="en-US" sz="2000" dirty="0"/>
-              <a:t>Computational tractability exists for most practical applications.</a:t>
-            </a:r>
-            <a:endParaRPr lang="en-US" sz="2000" dirty="0" smtClean="0"/>
           </a:p>
           <a:p>
             <a:endParaRPr lang="en-US" sz="2000" dirty="0" smtClean="0"/>
@@ -24219,17 +25141,25 @@
               <a:t>Uncertainty in AI &gt; Advantages &amp; Disadvantages: </a:t>
             </a:r>
             <a:r>
-              <a:rPr lang="en-US" sz="2000" b="1" i="1" dirty="0" smtClean="0"/>
+              <a:rPr lang="en-US" sz="2000" b="1" i="1" dirty="0" smtClean="0">
+                <a:solidFill>
+                  <a:srgbClr val="002060"/>
+                </a:solidFill>
+              </a:rPr>
               <a:t>Bayesian Networks</a:t>
             </a:r>
-            <a:endParaRPr lang="en-US" sz="2000" b="1" i="1" dirty="0"/>
+            <a:endParaRPr lang="en-US" sz="2000" b="1" i="1" dirty="0">
+              <a:solidFill>
+                <a:srgbClr val="002060"/>
+              </a:solidFill>
+            </a:endParaRPr>
           </a:p>
         </p:txBody>
       </p:sp>
     </p:spTree>
     <p:extLst>
       <p:ext uri="{BB962C8B-B14F-4D97-AF65-F5344CB8AC3E}">
-        <p14:creationId xmlns:p14="http://schemas.microsoft.com/office/powerpoint/2010/main" val="3756859906"/>
+        <p14:creationId xmlns:p14="http://schemas.microsoft.com/office/powerpoint/2010/main" val="785658135"/>
       </p:ext>
     </p:extLst>
   </p:cSld>
@@ -24282,7 +25212,7 @@
         </p:spPr>
         <p:txBody>
           <a:bodyPr vert="horz" lIns="91440" tIns="45720" rIns="91440" bIns="45720" rtlCol="0">
-            <a:normAutofit/>
+            <a:normAutofit lnSpcReduction="10000"/>
           </a:bodyPr>
           <a:lstStyle>
             <a:lvl1pPr marL="342900" indent="-342900" algn="l" defTabSz="914400" rtl="0" eaLnBrk="1" latinLnBrk="0" hangingPunct="1">
@@ -24427,47 +25357,21 @@
             </a:pPr>
             <a:r>
               <a:rPr lang="en-US" sz="2000" b="1" dirty="0" smtClean="0"/>
-              <a:t>Disadvantages:</a:t>
+              <a:t>Advantages:</a:t>
             </a:r>
           </a:p>
           <a:p>
             <a:r>
               <a:rPr lang="en-US" sz="2000" dirty="0"/>
-              <a:t>A high level of effort is required to build network models where </a:t>
-            </a:r>
-            <a:r>
-              <a:rPr lang="en-US" sz="2000" dirty="0" smtClean="0"/>
-              <a:t>a significant </a:t>
-            </a:r>
-            <a:r>
-              <a:rPr lang="en-US" sz="2000" dirty="0"/>
-              <a:t>amount of probability data is required due to an increasing </a:t>
-            </a:r>
-            <a:r>
-              <a:rPr lang="en-US" sz="2000" dirty="0" smtClean="0"/>
-              <a:t>number of </a:t>
-            </a:r>
-            <a:r>
-              <a:rPr lang="en-US" sz="2000" dirty="0"/>
-              <a:t>nodes and links in the structure (possible large CPT sizes</a:t>
-            </a:r>
-            <a:r>
-              <a:rPr lang="en-US" sz="2000" dirty="0" smtClean="0"/>
-              <a:t>).</a:t>
-            </a:r>
-          </a:p>
-          <a:p>
-            <a:r>
-              <a:rPr lang="en-US" sz="2000" dirty="0"/>
-              <a:t>Computationally intensive if the conditional independencies are </a:t>
-            </a:r>
-            <a:r>
-              <a:rPr lang="en-US" sz="2000" dirty="0" smtClean="0"/>
-              <a:t>not  </a:t>
-            </a:r>
-            <a:r>
-              <a:rPr lang="en-US" sz="2000" dirty="0"/>
-              <a:t>properly considered among the variables</a:t>
+              <a:t>Addressing the concept of </a:t>
+            </a:r>
+            <a:r>
+              <a:rPr lang="en-US" sz="2000" dirty="0">
+                <a:solidFill>
+                  <a:srgbClr val="FF0000"/>
+                </a:solidFill>
+              </a:rPr>
+              <a:t>possibility</a:t>
             </a:r>
             <a:r>
               <a:rPr lang="en-US" sz="2000" dirty="0" smtClean="0"/>
@@ -24475,17 +25379,40 @@
             </a:r>
           </a:p>
           <a:p>
+            <a:endParaRPr lang="en-US" sz="2000" dirty="0" smtClean="0"/>
+          </a:p>
+          <a:p>
             <a:r>
               <a:rPr lang="en-US" sz="2000" dirty="0"/>
-              <a:t>Challenging to obtain experts' knowledge in the form of probability </a:t>
+              <a:t>The ability to represent the concept of </a:t>
+            </a:r>
+            <a:r>
+              <a:rPr lang="en-US" sz="2000" dirty="0">
+                <a:solidFill>
+                  <a:srgbClr val="FF0000"/>
+                </a:solidFill>
+              </a:rPr>
+              <a:t>ignorance</a:t>
+            </a:r>
+            <a:r>
+              <a:rPr lang="en-US" sz="2000" dirty="0"/>
+              <a:t> to allow one </a:t>
             </a:r>
             <a:r>
               <a:rPr lang="en-US" sz="2000" dirty="0" smtClean="0"/>
-              <a:t>to  </a:t>
+              <a:t>to specify </a:t>
             </a:r>
             <a:r>
               <a:rPr lang="en-US" sz="2000" dirty="0"/>
-              <a:t>build the network</a:t>
+              <a:t>a degree of ignorance in a situation, instead of being forced </a:t>
+            </a:r>
+            <a:r>
+              <a:rPr lang="en-US" sz="2000" dirty="0" smtClean="0"/>
+              <a:t>to supply </a:t>
+            </a:r>
+            <a:r>
+              <a:rPr lang="en-US" sz="2000" dirty="0"/>
+              <a:t>prior probabilities</a:t>
             </a:r>
             <a:r>
               <a:rPr lang="en-US" sz="2000" dirty="0" smtClean="0"/>
@@ -24493,25 +25420,20 @@
             </a:r>
           </a:p>
           <a:p>
+            <a:endParaRPr lang="en-US" sz="2000" dirty="0" smtClean="0"/>
+          </a:p>
+          <a:p>
             <a:r>
               <a:rPr lang="en-US" sz="2000" dirty="0"/>
-              <a:t>No feedback loops in the Bayesian network's structure, which has </a:t>
-            </a:r>
-            <a:r>
-              <a:rPr lang="en-US" sz="2000" dirty="0" smtClean="0"/>
-              <a:t>an  </a:t>
-            </a:r>
-            <a:r>
-              <a:rPr lang="en-US" sz="2000" dirty="0"/>
-              <a:t>acyclic nature. This structure prevents typical feedback loops in design </a:t>
-            </a:r>
-            <a:r>
-              <a:rPr lang="en-US" sz="2000" dirty="0" smtClean="0"/>
-              <a:t>of  </a:t>
-            </a:r>
-            <a:r>
-              <a:rPr lang="en-US" sz="2000" dirty="0"/>
-              <a:t>Bayesian network models</a:t>
+              <a:t>Consistent with classical </a:t>
+            </a:r>
+            <a:r>
+              <a:rPr lang="en-US" sz="2000" dirty="0">
+                <a:solidFill>
+                  <a:srgbClr val="FF0000"/>
+                </a:solidFill>
+              </a:rPr>
+              <a:t>probability theory</a:t>
             </a:r>
             <a:r>
               <a:rPr lang="en-US" sz="2000" dirty="0" smtClean="0"/>
@@ -24519,6 +25441,79 @@
             </a:r>
           </a:p>
           <a:p>
+            <a:endParaRPr lang="en-US" sz="2000" dirty="0" smtClean="0"/>
+          </a:p>
+          <a:p>
+            <a:r>
+              <a:rPr lang="en-US" sz="2000" dirty="0"/>
+              <a:t>Distinguishing </a:t>
+            </a:r>
+            <a:r>
+              <a:rPr lang="en-US" sz="2000" dirty="0">
+                <a:solidFill>
+                  <a:srgbClr val="FF0000"/>
+                </a:solidFill>
+              </a:rPr>
+              <a:t>randomness</a:t>
+            </a:r>
+            <a:r>
+              <a:rPr lang="en-US" sz="2000" dirty="0"/>
+              <a:t> from missing information</a:t>
+            </a:r>
+            <a:r>
+              <a:rPr lang="en-US" sz="2000" dirty="0" smtClean="0"/>
+              <a:t>.</a:t>
+            </a:r>
+          </a:p>
+          <a:p>
+            <a:endParaRPr lang="en-US" sz="2000" dirty="0" smtClean="0"/>
+          </a:p>
+          <a:p>
+            <a:r>
+              <a:rPr lang="en-US" sz="2000" dirty="0"/>
+              <a:t>No required </a:t>
+            </a:r>
+            <a:r>
+              <a:rPr lang="en-US" sz="2000" dirty="0">
+                <a:solidFill>
+                  <a:srgbClr val="FF0000"/>
+                </a:solidFill>
+              </a:rPr>
+              <a:t>a priori knowledge</a:t>
+            </a:r>
+            <a:r>
+              <a:rPr lang="en-US" sz="2000" dirty="0" smtClean="0"/>
+              <a:t>.</a:t>
+            </a:r>
+          </a:p>
+          <a:p>
+            <a:endParaRPr lang="en-US" sz="2000" dirty="0" smtClean="0"/>
+          </a:p>
+          <a:p>
+            <a:r>
+              <a:rPr lang="en-US" sz="2000" dirty="0"/>
+              <a:t>Including an </a:t>
+            </a:r>
+            <a:r>
+              <a:rPr lang="en-US" sz="2000" dirty="0">
+                <a:solidFill>
+                  <a:srgbClr val="FF0000"/>
+                </a:solidFill>
+              </a:rPr>
+              <a:t>evidence combination rule </a:t>
+            </a:r>
+            <a:r>
+              <a:rPr lang="en-US" sz="2000" dirty="0"/>
+              <a:t>which provides an operator </a:t>
+            </a:r>
+            <a:r>
+              <a:rPr lang="en-US" sz="2000" dirty="0" smtClean="0"/>
+              <a:t>to integrate </a:t>
+            </a:r>
+            <a:r>
+              <a:rPr lang="en-US" sz="2000" dirty="0"/>
+              <a:t>multiple pieces of information from different sources.</a:t>
+            </a:r>
             <a:endParaRPr lang="en-US" sz="2000" dirty="0" smtClean="0"/>
           </a:p>
         </p:txBody>
@@ -24533,8 +25528,8 @@
         </p:nvSpPr>
         <p:spPr>
           <a:xfrm>
-            <a:off x="228600" y="0"/>
-            <a:ext cx="8839200" cy="1143000"/>
+            <a:off x="76200" y="0"/>
+            <a:ext cx="8991600" cy="1143000"/>
           </a:xfrm>
           <a:prstGeom prst="rect">
             <a:avLst/>
@@ -24567,17 +25562,25 @@
               <a:t>Uncertainty in AI &gt; Advantages &amp; Disadvantages: </a:t>
             </a:r>
             <a:r>
-              <a:rPr lang="en-US" sz="2000" b="1" i="1" dirty="0" smtClean="0"/>
-              <a:t>Bayesian Networks</a:t>
-            </a:r>
-            <a:endParaRPr lang="en-US" sz="2000" b="1" i="1" dirty="0"/>
+              <a:rPr lang="en-US" sz="2000" b="1" i="1" dirty="0" smtClean="0">
+                <a:solidFill>
+                  <a:srgbClr val="002060"/>
+                </a:solidFill>
+              </a:rPr>
+              <a:t>Dempster-Shafer Theory</a:t>
+            </a:r>
+            <a:endParaRPr lang="en-US" sz="2000" b="1" i="1" dirty="0">
+              <a:solidFill>
+                <a:srgbClr val="002060"/>
+              </a:solidFill>
+            </a:endParaRPr>
           </a:p>
         </p:txBody>
       </p:sp>
     </p:spTree>
     <p:extLst>
       <p:ext uri="{BB962C8B-B14F-4D97-AF65-F5344CB8AC3E}">
-        <p14:creationId xmlns:p14="http://schemas.microsoft.com/office/powerpoint/2010/main" val="785658135"/>
+        <p14:creationId xmlns:p14="http://schemas.microsoft.com/office/powerpoint/2010/main" val="1900588142"/>
       </p:ext>
     </p:extLst>
   </p:cSld>
@@ -25145,10 +26148,18 @@
               <a:t>Theory: </a:t>
             </a:r>
             <a:r>
-              <a:rPr lang="en-US" sz="2000" b="1" i="1" dirty="0" smtClean="0"/>
+              <a:rPr lang="en-US" sz="2000" b="1" i="1" dirty="0" smtClean="0">
+                <a:solidFill>
+                  <a:srgbClr val="002060"/>
+                </a:solidFill>
+              </a:rPr>
               <a:t>Overview</a:t>
             </a:r>
-            <a:endParaRPr lang="en-US" sz="2000" b="1" i="1" dirty="0"/>
+            <a:endParaRPr lang="en-US" sz="2000" b="1" i="1" dirty="0">
+              <a:solidFill>
+                <a:srgbClr val="002060"/>
+              </a:solidFill>
+            </a:endParaRPr>
           </a:p>
         </p:txBody>
       </p:sp>
@@ -25353,87 +26364,94 @@
             </a:pPr>
             <a:r>
               <a:rPr lang="en-US" sz="2000" b="1" dirty="0" smtClean="0"/>
-              <a:t>Advantages:</a:t>
-            </a:r>
-          </a:p>
-          <a:p>
+              <a:t>Disadvantages:</a:t>
+            </a:r>
+          </a:p>
+          <a:p>
+            <a:r>
+              <a:rPr lang="en-US" sz="2000" dirty="0" smtClean="0"/>
+              <a:t> </a:t>
+            </a:r>
+            <a:r>
+              <a:rPr lang="en-US" sz="2000" dirty="0" smtClean="0">
+                <a:solidFill>
+                  <a:srgbClr val="FF0000"/>
+                </a:solidFill>
+              </a:rPr>
+              <a:t>Computational </a:t>
+            </a:r>
+            <a:r>
+              <a:rPr lang="en-US" sz="2000" dirty="0">
+                <a:solidFill>
+                  <a:srgbClr val="FF0000"/>
+                </a:solidFill>
+              </a:rPr>
+              <a:t>complexity </a:t>
+            </a:r>
             <a:r>
               <a:rPr lang="en-US" sz="2000" dirty="0"/>
-              <a:t>Addressing the concept of possibility</a:t>
+              <a:t>grows exponentially with the number </a:t>
             </a:r>
             <a:r>
               <a:rPr lang="en-US" sz="2000" dirty="0" smtClean="0"/>
-              <a:t>.</a:t>
-            </a:r>
-          </a:p>
-          <a:p>
+              <a:t>of hypotheses </a:t>
+            </a:r>
             <a:r>
               <a:rPr lang="en-US" sz="2000" dirty="0"/>
-              <a:t>The ability to represent the concept of ignorance to allow one </a:t>
+              <a:t>(in original formulation</a:t>
             </a:r>
             <a:r>
               <a:rPr lang="en-US" sz="2000" dirty="0" smtClean="0"/>
-              <a:t>to specify </a:t>
-            </a:r>
+              <a:t>).</a:t>
+            </a:r>
+          </a:p>
+          <a:p>
+            <a:endParaRPr lang="en-US" sz="2000" dirty="0" smtClean="0"/>
+          </a:p>
+          <a:p>
             <a:r>
               <a:rPr lang="en-US" sz="2000" dirty="0"/>
-              <a:t>a degree of ignorance in a situation, instead of being forced </a:t>
+              <a:t>Small </a:t>
+            </a:r>
+            <a:r>
+              <a:rPr lang="en-US" sz="2000" dirty="0">
+                <a:solidFill>
+                  <a:srgbClr val="FF0000"/>
+                </a:solidFill>
+              </a:rPr>
+              <a:t>modifications</a:t>
+            </a:r>
+            <a:r>
+              <a:rPr lang="en-US" sz="2000" dirty="0"/>
+              <a:t> in the evidence assignments may lead to </a:t>
             </a:r>
             <a:r>
               <a:rPr lang="en-US" sz="2000" dirty="0" smtClean="0"/>
-              <a:t>to supply </a:t>
+              <a:t>a  </a:t>
             </a:r>
             <a:r>
               <a:rPr lang="en-US" sz="2000" dirty="0"/>
-              <a:t>prior probabilities</a:t>
+              <a:t>completely </a:t>
+            </a:r>
+            <a:r>
+              <a:rPr lang="en-US" sz="2000" dirty="0">
+                <a:solidFill>
+                  <a:srgbClr val="FF0000"/>
+                </a:solidFill>
+              </a:rPr>
+              <a:t>different conclusion</a:t>
+            </a:r>
+            <a:r>
+              <a:rPr lang="en-US" sz="2000" dirty="0"/>
+              <a:t>, which can lead to misleading </a:t>
             </a:r>
             <a:r>
               <a:rPr lang="en-US" sz="2000" dirty="0" smtClean="0"/>
-              <a:t>.</a:t>
-            </a:r>
-          </a:p>
-          <a:p>
+              <a:t>and  </a:t>
+            </a:r>
             <a:r>
               <a:rPr lang="en-US" sz="2000" dirty="0"/>
-              <a:t>Consistent with classical probability theory</a:t>
-            </a:r>
-            <a:r>
-              <a:rPr lang="en-US" sz="2000" dirty="0" smtClean="0"/>
-              <a:t>.</a:t>
-            </a:r>
-          </a:p>
-          <a:p>
-            <a:r>
-              <a:rPr lang="en-US" sz="2000" dirty="0"/>
-              <a:t>Distinguishing randomness from missing information</a:t>
-            </a:r>
-            <a:r>
-              <a:rPr lang="en-US" sz="2000" dirty="0" smtClean="0"/>
-              <a:t>.</a:t>
-            </a:r>
-          </a:p>
-          <a:p>
-            <a:r>
-              <a:rPr lang="en-US" sz="2000" dirty="0"/>
-              <a:t>No required a priori knowledge</a:t>
-            </a:r>
-            <a:r>
-              <a:rPr lang="en-US" sz="2000" dirty="0" smtClean="0"/>
-              <a:t>.</a:t>
-            </a:r>
-          </a:p>
-          <a:p>
-            <a:r>
-              <a:rPr lang="en-US" sz="2000" dirty="0"/>
-              <a:t>Including an evidence combination rule which provides an operator </a:t>
-            </a:r>
-            <a:r>
-              <a:rPr lang="en-US" sz="2000" dirty="0" smtClean="0"/>
-              <a:t>to integrate </a:t>
-            </a:r>
-            <a:r>
-              <a:rPr lang="en-US" sz="2000" dirty="0"/>
-              <a:t>multiple pieces of information from different sources.</a:t>
+              <a:t>counter-intuitive results.</a:t>
             </a:r>
             <a:endParaRPr lang="en-US" sz="2000" dirty="0" smtClean="0"/>
           </a:p>
@@ -25483,17 +26501,20 @@
               <a:t>Uncertainty in AI &gt; Advantages &amp; Disadvantages: </a:t>
             </a:r>
             <a:r>
-              <a:rPr lang="en-US" sz="2000" b="1" i="1" dirty="0" smtClean="0"/>
+              <a:rPr lang="en-US" sz="2000" b="1" i="1" dirty="0">
+                <a:solidFill>
+                  <a:srgbClr val="002060"/>
+                </a:solidFill>
+              </a:rPr>
               <a:t>Dempster-Shafer Theory</a:t>
             </a:r>
-            <a:endParaRPr lang="en-US" sz="2000" b="1" i="1" dirty="0"/>
           </a:p>
         </p:txBody>
       </p:sp>
     </p:spTree>
     <p:extLst>
       <p:ext uri="{BB962C8B-B14F-4D97-AF65-F5344CB8AC3E}">
-        <p14:creationId xmlns:p14="http://schemas.microsoft.com/office/powerpoint/2010/main" val="1900588142"/>
+        <p14:creationId xmlns:p14="http://schemas.microsoft.com/office/powerpoint/2010/main" val="878198587"/>
       </p:ext>
     </p:extLst>
   </p:cSld>
@@ -25691,47 +26712,117 @@
             </a:pPr>
             <a:r>
               <a:rPr lang="en-US" sz="2000" b="1" dirty="0" smtClean="0"/>
-              <a:t>Disadvantages:</a:t>
+              <a:t>Advantages:</a:t>
             </a:r>
           </a:p>
           <a:p>
             <a:r>
               <a:rPr lang="en-US" sz="2000" dirty="0"/>
-              <a:t>Computational complexity grows exponentially with the number </a:t>
-            </a:r>
-            <a:r>
-              <a:rPr lang="en-US" sz="2000" dirty="0" smtClean="0"/>
-              <a:t>of hypotheses </a:t>
-            </a:r>
-            <a:r>
-              <a:rPr lang="en-US" sz="2000" dirty="0"/>
-              <a:t>(in original formulation</a:t>
-            </a:r>
-            <a:r>
-              <a:rPr lang="en-US" sz="2000" dirty="0" smtClean="0"/>
-              <a:t>).</a:t>
-            </a:r>
-          </a:p>
-          <a:p>
-            <a:r>
-              <a:rPr lang="en-US" sz="2000" dirty="0"/>
-              <a:t>Small modifications in the evidence assignments may lead to </a:t>
-            </a:r>
-            <a:r>
-              <a:rPr lang="en-US" sz="2000" dirty="0" smtClean="0"/>
-              <a:t>a  </a:t>
-            </a:r>
-            <a:r>
-              <a:rPr lang="en-US" sz="2000" dirty="0"/>
-              <a:t>completely different conclusion, which can lead to misleading </a:t>
+              <a:t>Describing algorithms in terms of a combination of </a:t>
+            </a:r>
+            <a:r>
+              <a:rPr lang="en-US" sz="2000" dirty="0" err="1">
+                <a:solidFill>
+                  <a:srgbClr val="FF0000"/>
+                </a:solidFill>
+              </a:rPr>
+              <a:t>numerics</a:t>
+            </a:r>
+            <a:r>
+              <a:rPr lang="en-US" sz="2000" dirty="0">
+                <a:solidFill>
+                  <a:srgbClr val="FF0000"/>
+                </a:solidFill>
+              </a:rPr>
+              <a:t> </a:t>
             </a:r>
             <a:r>
               <a:rPr lang="en-US" sz="2000" dirty="0" smtClean="0"/>
               <a:t>and  </a:t>
             </a:r>
             <a:r>
+              <a:rPr lang="en-US" sz="2000" dirty="0">
+                <a:solidFill>
+                  <a:srgbClr val="FF0000"/>
+                </a:solidFill>
+              </a:rPr>
+              <a:t>linguistics</a:t>
+            </a:r>
+            <a:r>
+              <a:rPr lang="en-US" sz="2000" dirty="0" smtClean="0"/>
+              <a:t>.</a:t>
+            </a:r>
+          </a:p>
+          <a:p>
+            <a:endParaRPr lang="en-US" sz="2000" dirty="0" smtClean="0"/>
+          </a:p>
+          <a:p>
+            <a:r>
               <a:rPr lang="en-US" sz="2000" dirty="0"/>
-              <a:t>counter-intuitive results.</a:t>
+              <a:t>Capturing the concept of the </a:t>
+            </a:r>
+            <a:r>
+              <a:rPr lang="en-US" sz="2000" dirty="0">
+                <a:solidFill>
+                  <a:srgbClr val="FF0000"/>
+                </a:solidFill>
+              </a:rPr>
+              <a:t>ambiguity</a:t>
+            </a:r>
+            <a:r>
+              <a:rPr lang="en-US" sz="2000" dirty="0"/>
+              <a:t> of information</a:t>
+            </a:r>
+            <a:r>
+              <a:rPr lang="en-US" sz="2000" dirty="0" smtClean="0"/>
+              <a:t>.</a:t>
+            </a:r>
+          </a:p>
+          <a:p>
+            <a:endParaRPr lang="en-US" sz="2000" dirty="0" smtClean="0"/>
+          </a:p>
+          <a:p>
+            <a:r>
+              <a:rPr lang="en-US" sz="2000" dirty="0"/>
+              <a:t>Flexible and </a:t>
+            </a:r>
+            <a:r>
+              <a:rPr lang="en-US" sz="2000" dirty="0">
+                <a:solidFill>
+                  <a:srgbClr val="FF0000"/>
+                </a:solidFill>
+              </a:rPr>
+              <a:t>intuitive</a:t>
+            </a:r>
+            <a:r>
+              <a:rPr lang="en-US" sz="2000" dirty="0"/>
+              <a:t> knowledge-base design</a:t>
+            </a:r>
+            <a:r>
+              <a:rPr lang="en-US" sz="2000" dirty="0" smtClean="0"/>
+              <a:t>.</a:t>
+            </a:r>
+          </a:p>
+          <a:p>
+            <a:endParaRPr lang="en-US" sz="2000" dirty="0" smtClean="0"/>
+          </a:p>
+          <a:p>
+            <a:r>
+              <a:rPr lang="en-US" sz="2000" dirty="0"/>
+              <a:t>Easy computation</a:t>
+            </a:r>
+            <a:r>
+              <a:rPr lang="en-US" sz="2000" dirty="0" smtClean="0"/>
+              <a:t>.</a:t>
+            </a:r>
+          </a:p>
+          <a:p>
+            <a:endParaRPr lang="en-US" sz="2000" dirty="0" smtClean="0"/>
+          </a:p>
+          <a:p>
+            <a:r>
+              <a:rPr lang="en-US" sz="2000" dirty="0"/>
+              <a:t>Relatively robust algorithms.</a:t>
             </a:r>
             <a:endParaRPr lang="en-US" sz="2000" dirty="0" smtClean="0"/>
           </a:p>
@@ -25781,16 +26872,25 @@
               <a:t>Uncertainty in AI &gt; Advantages &amp; Disadvantages: </a:t>
             </a:r>
             <a:r>
-              <a:rPr lang="en-US" sz="2000" b="1" i="1" dirty="0"/>
-              <a:t>Dempster-Shafer Theory</a:t>
-            </a:r>
+              <a:rPr lang="en-US" sz="2000" b="1" i="1" dirty="0" smtClean="0">
+                <a:solidFill>
+                  <a:srgbClr val="002060"/>
+                </a:solidFill>
+              </a:rPr>
+              <a:t>Fuzzy Logic Theory</a:t>
+            </a:r>
+            <a:endParaRPr lang="en-US" sz="2000" b="1" i="1" dirty="0">
+              <a:solidFill>
+                <a:srgbClr val="002060"/>
+              </a:solidFill>
+            </a:endParaRPr>
           </a:p>
         </p:txBody>
       </p:sp>
     </p:spTree>
     <p:extLst>
       <p:ext uri="{BB962C8B-B14F-4D97-AF65-F5344CB8AC3E}">
-        <p14:creationId xmlns:p14="http://schemas.microsoft.com/office/powerpoint/2010/main" val="878198587"/>
+        <p14:creationId xmlns:p14="http://schemas.microsoft.com/office/powerpoint/2010/main" val="3799516951"/>
       </p:ext>
     </p:extLst>
   </p:cSld>
@@ -25988,29 +27088,41 @@
             </a:pPr>
             <a:r>
               <a:rPr lang="en-US" sz="2000" b="1" dirty="0" smtClean="0"/>
-              <a:t>Advantages:</a:t>
+              <a:t>Disadvantages:</a:t>
             </a:r>
           </a:p>
           <a:p>
             <a:r>
               <a:rPr lang="en-US" sz="2000" dirty="0"/>
-              <a:t>Describing algorithms in terms of a combination of </a:t>
-            </a:r>
-            <a:r>
-              <a:rPr lang="en-US" sz="2000" dirty="0" err="1"/>
-              <a:t>numerics</a:t>
+              <a:t>Determining the </a:t>
+            </a:r>
+            <a:r>
+              <a:rPr lang="en-US" sz="2000" dirty="0">
+                <a:solidFill>
+                  <a:srgbClr val="FF0000"/>
+                </a:solidFill>
+              </a:rPr>
+              <a:t>exact fuzzy rules</a:t>
             </a:r>
             <a:r>
               <a:rPr lang="en-US" sz="2000" dirty="0"/>
-              <a:t> </a:t>
+              <a:t> and membership functions is a </a:t>
+            </a:r>
+            <a:r>
+              <a:rPr lang="en-US" sz="2000" dirty="0" smtClean="0">
+                <a:solidFill>
+                  <a:srgbClr val="FF0000"/>
+                </a:solidFill>
+              </a:rPr>
+              <a:t>hard</a:t>
             </a:r>
             <a:r>
               <a:rPr lang="en-US" sz="2000" dirty="0" smtClean="0"/>
-              <a:t>and  </a:t>
+              <a:t>  </a:t>
             </a:r>
             <a:r>
               <a:rPr lang="en-US" sz="2000" dirty="0"/>
-              <a:t>linguistics</a:t>
+              <a:t>task</a:t>
             </a:r>
             <a:r>
               <a:rPr lang="en-US" sz="2000" dirty="0" smtClean="0"/>
@@ -26018,9 +27130,24 @@
             </a:r>
           </a:p>
           <a:p>
+            <a:endParaRPr lang="en-US" sz="800" dirty="0" smtClean="0"/>
+          </a:p>
+          <a:p>
             <a:r>
               <a:rPr lang="en-US" sz="2000" dirty="0"/>
-              <a:t>Capturing the concept of the ambiguity of information</a:t>
+              <a:t>Requires </a:t>
+            </a:r>
+            <a:r>
+              <a:rPr lang="en-US" sz="2000" dirty="0">
+                <a:solidFill>
+                  <a:srgbClr val="FF0000"/>
+                </a:solidFill>
+              </a:rPr>
+              <a:t>manual tuning </a:t>
+            </a:r>
+            <a:r>
+              <a:rPr lang="en-US" sz="2000" dirty="0"/>
+              <a:t>to obtain a better result</a:t>
             </a:r>
             <a:r>
               <a:rPr lang="en-US" sz="2000" dirty="0" smtClean="0"/>
@@ -26028,9 +27155,24 @@
             </a:r>
           </a:p>
           <a:p>
+            <a:endParaRPr lang="en-US" sz="800" dirty="0" smtClean="0"/>
+          </a:p>
+          <a:p>
             <a:r>
               <a:rPr lang="en-US" sz="2000" dirty="0"/>
-              <a:t>Flexible and intuitive knowledge-base design</a:t>
+              <a:t>Requires </a:t>
+            </a:r>
+            <a:r>
+              <a:rPr lang="en-US" sz="2000" dirty="0">
+                <a:solidFill>
+                  <a:srgbClr val="FF0000"/>
+                </a:solidFill>
+              </a:rPr>
+              <a:t>tuning in many options </a:t>
+            </a:r>
+            <a:r>
+              <a:rPr lang="en-US" sz="2000" dirty="0"/>
+              <a:t>in design of a system</a:t>
             </a:r>
             <a:r>
               <a:rPr lang="en-US" sz="2000" dirty="0" smtClean="0"/>
@@ -26038,9 +27180,24 @@
             </a:r>
           </a:p>
           <a:p>
+            <a:endParaRPr lang="en-US" sz="800" dirty="0" smtClean="0"/>
+          </a:p>
+          <a:p>
             <a:r>
               <a:rPr lang="en-US" sz="2000" dirty="0"/>
-              <a:t>Easy computation</a:t>
+              <a:t>The </a:t>
+            </a:r>
+            <a:r>
+              <a:rPr lang="en-US" sz="2000" dirty="0">
+                <a:solidFill>
+                  <a:srgbClr val="FF0000"/>
+                </a:solidFill>
+              </a:rPr>
+              <a:t>order of inference </a:t>
+            </a:r>
+            <a:r>
+              <a:rPr lang="en-US" sz="2000" dirty="0"/>
+              <a:t>steps matters</a:t>
             </a:r>
             <a:r>
               <a:rPr lang="en-US" sz="2000" dirty="0" smtClean="0"/>
@@ -26048,9 +27205,81 @@
             </a:r>
           </a:p>
           <a:p>
+            <a:endParaRPr lang="en-US" sz="800" dirty="0" smtClean="0"/>
+          </a:p>
+          <a:p>
             <a:r>
               <a:rPr lang="en-US" sz="2000" dirty="0"/>
-              <a:t>Relatively robust algorithms.</a:t>
+              <a:t>After reasoning, it can be </a:t>
+            </a:r>
+            <a:r>
+              <a:rPr lang="en-US" sz="2000" dirty="0">
+                <a:solidFill>
+                  <a:srgbClr val="FF0000"/>
+                </a:solidFill>
+              </a:rPr>
+              <a:t>difficult</a:t>
+            </a:r>
+            <a:r>
+              <a:rPr lang="en-US" sz="2000" dirty="0"/>
+              <a:t> to exactly </a:t>
+            </a:r>
+            <a:r>
+              <a:rPr lang="en-US" sz="2000" dirty="0">
+                <a:solidFill>
+                  <a:srgbClr val="FF0000"/>
+                </a:solidFill>
+              </a:rPr>
+              <a:t>interpret</a:t>
+            </a:r>
+            <a:r>
+              <a:rPr lang="en-US" sz="2000" dirty="0"/>
+              <a:t> the </a:t>
+            </a:r>
+            <a:r>
+              <a:rPr lang="en-US" sz="2000" dirty="0" smtClean="0"/>
+              <a:t>membership value</a:t>
+            </a:r>
+            <a:r>
+              <a:rPr lang="en-US" sz="2000" dirty="0" smtClean="0"/>
+              <a:t>.</a:t>
+            </a:r>
+          </a:p>
+          <a:p>
+            <a:endParaRPr lang="en-US" sz="800" dirty="0" smtClean="0"/>
+          </a:p>
+          <a:p>
+            <a:r>
+              <a:rPr lang="en-US" sz="2000" dirty="0" smtClean="0"/>
+              <a:t> </a:t>
+            </a:r>
+            <a:r>
+              <a:rPr lang="en-US" sz="2000" dirty="0" smtClean="0">
+                <a:solidFill>
+                  <a:srgbClr val="FF0000"/>
+                </a:solidFill>
+              </a:rPr>
+              <a:t>Validation</a:t>
+            </a:r>
+            <a:r>
+              <a:rPr lang="en-US" sz="2000" dirty="0" smtClean="0"/>
+              <a:t> </a:t>
+            </a:r>
+            <a:r>
+              <a:rPr lang="en-US" sz="2000" dirty="0"/>
+              <a:t>of a fuzzy knowledge-base is typically </a:t>
+            </a:r>
+            <a:r>
+              <a:rPr lang="en-US" sz="2000" dirty="0" smtClean="0">
+                <a:solidFill>
+                  <a:srgbClr val="FF0000"/>
+                </a:solidFill>
+              </a:rPr>
+              <a:t>expensive</a:t>
+            </a:r>
+            <a:r>
+              <a:rPr lang="en-US" sz="2000" dirty="0"/>
+              <a:t>.</a:t>
             </a:r>
             <a:endParaRPr lang="en-US" sz="2000" dirty="0" smtClean="0"/>
           </a:p>
@@ -26100,17 +27329,28 @@
               <a:t>Uncertainty in AI &gt; Advantages &amp; Disadvantages: </a:t>
             </a:r>
             <a:r>
-              <a:rPr lang="en-US" sz="2000" b="1" i="1" dirty="0" smtClean="0"/>
-              <a:t>Fuzzy Logic Theory</a:t>
-            </a:r>
-            <a:endParaRPr lang="en-US" sz="2000" b="1" i="1" dirty="0"/>
+              <a:rPr lang="en-US" sz="2000" b="1" i="1" dirty="0" smtClean="0">
+                <a:solidFill>
+                  <a:srgbClr val="002060"/>
+                </a:solidFill>
+              </a:rPr>
+              <a:t>Fuzzy Logic </a:t>
+            </a:r>
+            <a:r>
+              <a:rPr lang="en-US" sz="2000" b="1" i="1" dirty="0">
+                <a:solidFill>
+                  <a:srgbClr val="002060"/>
+                </a:solidFill>
+              </a:rPr>
+              <a:t>Theory</a:t>
+            </a:r>
           </a:p>
         </p:txBody>
       </p:sp>
     </p:spTree>
     <p:extLst>
       <p:ext uri="{BB962C8B-B14F-4D97-AF65-F5344CB8AC3E}">
-        <p14:creationId xmlns:p14="http://schemas.microsoft.com/office/powerpoint/2010/main" val="3799516951"/>
+        <p14:creationId xmlns:p14="http://schemas.microsoft.com/office/powerpoint/2010/main" val="1009409535"/>
       </p:ext>
     </p:extLst>
   </p:cSld>
@@ -26155,7 +27395,7 @@
         <p:spPr>
           <a:xfrm>
             <a:off x="457199" y="1143000"/>
-            <a:ext cx="8206611" cy="5257800"/>
+            <a:ext cx="8206611" cy="5638800"/>
           </a:xfrm>
           <a:prstGeom prst="rect">
             <a:avLst/>
@@ -26303,77 +27543,96 @@
             </a:lvl9pPr>
           </a:lstStyle>
           <a:p>
-            <a:pPr marL="0" indent="0">
-              <a:buNone/>
-            </a:pPr>
-            <a:r>
-              <a:rPr lang="en-US" sz="2000" b="1" dirty="0" smtClean="0"/>
-              <a:t>Disadvantages:</a:t>
-            </a:r>
-          </a:p>
-          <a:p>
-            <a:r>
-              <a:rPr lang="en-US" sz="2000" dirty="0"/>
-              <a:t>Determining the exact fuzzy rules and membership functions is a </a:t>
-            </a:r>
             <a:r>
               <a:rPr lang="en-US" sz="2000" dirty="0" smtClean="0"/>
-              <a:t>hard  </a:t>
-            </a:r>
-            <a:r>
-              <a:rPr lang="en-US" sz="2000" dirty="0"/>
-              <a:t>task</a:t>
-            </a:r>
+              <a:t>Robot’s motion control</a:t>
+            </a:r>
+          </a:p>
+          <a:p>
             <a:r>
               <a:rPr lang="en-US" sz="2000" dirty="0" smtClean="0"/>
-              <a:t>.</a:t>
-            </a:r>
-          </a:p>
-          <a:p>
-            <a:r>
-              <a:rPr lang="en-US" sz="2000" dirty="0"/>
-              <a:t>Requires manual tuning to obtain a better result</a:t>
-            </a:r>
+              <a:t>Sensory data fusion in robots</a:t>
+            </a:r>
+          </a:p>
+          <a:p>
             <a:r>
               <a:rPr lang="en-US" sz="2000" dirty="0" smtClean="0"/>
-              <a:t>.</a:t>
-            </a:r>
-          </a:p>
-          <a:p>
-            <a:r>
-              <a:rPr lang="en-US" sz="2000" dirty="0"/>
-              <a:t>Requires tuning in many options in design of a system</a:t>
-            </a:r>
+              <a:t>Modeling domain knowledge</a:t>
+            </a:r>
+          </a:p>
+          <a:p>
             <a:r>
               <a:rPr lang="en-US" sz="2000" dirty="0" smtClean="0"/>
-              <a:t>.</a:t>
-            </a:r>
-          </a:p>
-          <a:p>
-            <a:r>
-              <a:rPr lang="en-US" sz="2000" dirty="0"/>
-              <a:t>The order of inference steps matters</a:t>
-            </a:r>
+              <a:t>Modeling human-robot interaction</a:t>
+            </a:r>
+          </a:p>
+          <a:p>
             <a:r>
               <a:rPr lang="en-US" sz="2000" dirty="0" smtClean="0"/>
-              <a:t>.</a:t>
-            </a:r>
-          </a:p>
-          <a:p>
-            <a:r>
-              <a:rPr lang="en-US" sz="2000" dirty="0"/>
-              <a:t>After reasoning, it can be difficult to exactly interpret the </a:t>
-            </a:r>
+              <a:t>Modeling emotional state of the robot</a:t>
+            </a:r>
+          </a:p>
+          <a:p>
             <a:r>
               <a:rPr lang="en-US" sz="2000" dirty="0" smtClean="0"/>
-              <a:t>membership value.</a:t>
-            </a:r>
-          </a:p>
-          <a:p>
-            <a:r>
-              <a:rPr lang="en-US" sz="2000" dirty="0"/>
-              <a:t>Validation of a fuzzy knowledge-base is typically expensive.</a:t>
-            </a:r>
+              <a:t>Modeling forward model of robot’s actions</a:t>
+            </a:r>
+          </a:p>
+          <a:p>
+            <a:r>
+              <a:rPr lang="en-US" sz="2000" dirty="0" smtClean="0"/>
+              <a:t>Modeling object affordances</a:t>
+            </a:r>
+          </a:p>
+          <a:p>
+            <a:r>
+              <a:rPr lang="en-US" sz="2000" dirty="0" smtClean="0"/>
+              <a:t>Robot’s navigation</a:t>
+            </a:r>
+          </a:p>
+          <a:p>
+            <a:r>
+              <a:rPr lang="en-US" sz="2000" dirty="0" smtClean="0"/>
+              <a:t>Learning robot’s decision function</a:t>
+            </a:r>
+          </a:p>
+          <a:p>
+            <a:r>
+              <a:rPr lang="en-US" sz="2000" dirty="0" smtClean="0"/>
+              <a:t>Learning imitative body motions of humans</a:t>
+            </a:r>
+          </a:p>
+          <a:p>
+            <a:r>
+              <a:rPr lang="en-US" sz="2000" dirty="0" smtClean="0"/>
+              <a:t>Intention recognition</a:t>
+            </a:r>
+          </a:p>
+          <a:p>
+            <a:r>
+              <a:rPr lang="en-US" sz="2000" dirty="0" smtClean="0"/>
+              <a:t>Mobile-robot localization</a:t>
+            </a:r>
+          </a:p>
+          <a:p>
+            <a:r>
+              <a:rPr lang="en-US" sz="2000" dirty="0" smtClean="0"/>
+              <a:t>Modeling cooperative agents</a:t>
+            </a:r>
+          </a:p>
+          <a:p>
+            <a:r>
+              <a:rPr lang="en-US" sz="2000" dirty="0" smtClean="0"/>
+              <a:t>Agent’s argumentation and decision making framework</a:t>
+            </a:r>
+          </a:p>
+          <a:p>
+            <a:r>
+              <a:rPr lang="en-US" sz="2000" dirty="0" smtClean="0"/>
+              <a:t>Modeling theory of mind</a:t>
+            </a:r>
+          </a:p>
+          <a:p>
             <a:endParaRPr lang="en-US" sz="2000" dirty="0" smtClean="0"/>
           </a:p>
         </p:txBody>
@@ -26419,23 +27678,16 @@
             <a:pPr algn="l"/>
             <a:r>
               <a:rPr lang="en-US" sz="2400" b="1" dirty="0" smtClean="0"/>
-              <a:t>Uncertainty in AI &gt; Advantages &amp; Disadvantages: </a:t>
-            </a:r>
-            <a:r>
-              <a:rPr lang="en-US" sz="2000" b="1" i="1" dirty="0" smtClean="0"/>
-              <a:t>Fuzzy Logic </a:t>
-            </a:r>
-            <a:r>
-              <a:rPr lang="en-US" sz="2000" b="1" i="1" dirty="0"/>
-              <a:t>Theory</a:t>
-            </a:r>
+              <a:t>Uncertainty in AI &gt; Applications</a:t>
+            </a:r>
+            <a:endParaRPr lang="en-US" sz="2000" b="1" i="1" dirty="0"/>
           </a:p>
         </p:txBody>
       </p:sp>
     </p:spTree>
     <p:extLst>
       <p:ext uri="{BB962C8B-B14F-4D97-AF65-F5344CB8AC3E}">
-        <p14:creationId xmlns:p14="http://schemas.microsoft.com/office/powerpoint/2010/main" val="1009409535"/>
+        <p14:creationId xmlns:p14="http://schemas.microsoft.com/office/powerpoint/2010/main" val="2801804510"/>
       </p:ext>
     </p:extLst>
   </p:cSld>
@@ -26479,8 +27731,8 @@
         </p:nvSpPr>
         <p:spPr>
           <a:xfrm>
-            <a:off x="457199" y="1143000"/>
-            <a:ext cx="8206611" cy="5638800"/>
+            <a:off x="457199" y="914400"/>
+            <a:ext cx="8206611" cy="5943600"/>
           </a:xfrm>
           <a:prstGeom prst="rect">
             <a:avLst/>
@@ -26488,7 +27740,7 @@
         </p:spPr>
         <p:txBody>
           <a:bodyPr vert="horz" lIns="91440" tIns="45720" rIns="91440" bIns="45720" rtlCol="0">
-            <a:normAutofit/>
+            <a:normAutofit fontScale="92500" lnSpcReduction="10000"/>
           </a:bodyPr>
           <a:lstStyle>
             <a:lvl1pPr marL="342900" indent="-342900" algn="l" defTabSz="914400" rtl="0" eaLnBrk="1" latinLnBrk="0" hangingPunct="1">
@@ -26629,368 +27881,110 @@
           </a:lstStyle>
           <a:p>
             <a:r>
-              <a:rPr lang="en-US" sz="2000" dirty="0" smtClean="0"/>
-              <a:t>Robot’s motion control</a:t>
-            </a:r>
-          </a:p>
-          <a:p>
-            <a:r>
-              <a:rPr lang="en-US" sz="2000" dirty="0" smtClean="0"/>
-              <a:t>Sensory data fusion in robots</a:t>
-            </a:r>
-          </a:p>
-          <a:p>
-            <a:r>
-              <a:rPr lang="en-US" sz="2000" dirty="0" smtClean="0"/>
-              <a:t>Modeling domain knowledge</a:t>
-            </a:r>
-          </a:p>
-          <a:p>
-            <a:r>
-              <a:rPr lang="en-US" sz="2000" dirty="0" smtClean="0"/>
-              <a:t>Modeling human-robot interaction</a:t>
-            </a:r>
-          </a:p>
-          <a:p>
-            <a:r>
-              <a:rPr lang="en-US" sz="2000" dirty="0" smtClean="0"/>
-              <a:t>Modeling emotional state of the robot</a:t>
-            </a:r>
-          </a:p>
-          <a:p>
-            <a:r>
-              <a:rPr lang="en-US" sz="2000" dirty="0" smtClean="0"/>
-              <a:t>Modeling forward model of robot’s actions</a:t>
-            </a:r>
-          </a:p>
-          <a:p>
-            <a:r>
-              <a:rPr lang="en-US" sz="2000" dirty="0" smtClean="0"/>
-              <a:t>Modeling object affordances</a:t>
-            </a:r>
-          </a:p>
-          <a:p>
-            <a:r>
-              <a:rPr lang="en-US" sz="2000" dirty="0" smtClean="0"/>
-              <a:t>Robot’s navigation</a:t>
-            </a:r>
-          </a:p>
-          <a:p>
-            <a:r>
-              <a:rPr lang="en-US" sz="2000" dirty="0" smtClean="0"/>
-              <a:t>Learning robot’s decision function</a:t>
-            </a:r>
-          </a:p>
-          <a:p>
-            <a:r>
-              <a:rPr lang="en-US" sz="2000" dirty="0" smtClean="0"/>
-              <a:t>Learning imitative body motions of humans</a:t>
-            </a:r>
-          </a:p>
-          <a:p>
-            <a:r>
-              <a:rPr lang="en-US" sz="2000" dirty="0" smtClean="0"/>
-              <a:t>Intention recognition</a:t>
-            </a:r>
-          </a:p>
-          <a:p>
-            <a:r>
-              <a:rPr lang="en-US" sz="2000" dirty="0" smtClean="0"/>
-              <a:t>Mobile-robot localization</a:t>
-            </a:r>
-          </a:p>
-          <a:p>
-            <a:r>
-              <a:rPr lang="en-US" sz="2000" dirty="0" smtClean="0"/>
-              <a:t>Modeling cooperative agents</a:t>
-            </a:r>
-          </a:p>
-          <a:p>
-            <a:r>
-              <a:rPr lang="en-US" sz="2000" dirty="0" smtClean="0"/>
-              <a:t>Agent’s argumentation and decision making framework</a:t>
-            </a:r>
-          </a:p>
-          <a:p>
-            <a:r>
-              <a:rPr lang="en-US" sz="2000" dirty="0" smtClean="0"/>
-              <a:t>Modeling theory of mind</a:t>
-            </a:r>
-          </a:p>
-          <a:p>
-            <a:endParaRPr lang="en-US" sz="2000" dirty="0" smtClean="0"/>
-          </a:p>
-        </p:txBody>
-      </p:sp>
-      <p:sp>
-        <p:nvSpPr>
-          <p:cNvPr id="9" name="Title 1"/>
-          <p:cNvSpPr txBox="1">
-            <a:spLocks/>
-          </p:cNvSpPr>
-          <p:nvPr/>
-        </p:nvSpPr>
-        <p:spPr>
-          <a:xfrm>
-            <a:off x="76200" y="0"/>
-            <a:ext cx="8991600" cy="1143000"/>
-          </a:xfrm>
-          <a:prstGeom prst="rect">
-            <a:avLst/>
-          </a:prstGeom>
-        </p:spPr>
-        <p:txBody>
-          <a:bodyPr vert="horz" lIns="91440" tIns="45720" rIns="91440" bIns="45720" rtlCol="0" anchor="ctr">
-            <a:normAutofit/>
-          </a:bodyPr>
-          <a:lstStyle>
-            <a:lvl1pPr algn="ctr" defTabSz="914400" rtl="0" eaLnBrk="1" latinLnBrk="0" hangingPunct="1">
-              <a:spcBef>
-                <a:spcPct val="0"/>
-              </a:spcBef>
-              <a:buNone/>
-              <a:defRPr sz="4400" kern="1200">
-                <a:solidFill>
-                  <a:schemeClr val="tx1"/>
-                </a:solidFill>
-                <a:latin typeface="+mj-lt"/>
-                <a:ea typeface="+mj-ea"/>
-                <a:cs typeface="+mj-cs"/>
-              </a:defRPr>
-            </a:lvl1pPr>
-          </a:lstStyle>
-          <a:p>
-            <a:pPr algn="l"/>
-            <a:r>
-              <a:rPr lang="en-US" sz="2400" b="1" dirty="0" smtClean="0"/>
-              <a:t>Uncertainty in AI &gt; Applications</a:t>
-            </a:r>
-            <a:endParaRPr lang="en-US" sz="2000" b="1" i="1" dirty="0"/>
-          </a:p>
-        </p:txBody>
-      </p:sp>
-    </p:spTree>
-    <p:extLst>
-      <p:ext uri="{BB962C8B-B14F-4D97-AF65-F5344CB8AC3E}">
-        <p14:creationId xmlns:p14="http://schemas.microsoft.com/office/powerpoint/2010/main" val="2801804510"/>
-      </p:ext>
-    </p:extLst>
-  </p:cSld>
-  <p:clrMapOvr>
-    <a:masterClrMapping/>
-  </p:clrMapOvr>
-  <p:timing>
-    <p:tnLst>
-      <p:par>
-        <p:cTn id="1" dur="indefinite" restart="never" nodeType="tmRoot"/>
-      </p:par>
-    </p:tnLst>
-  </p:timing>
-</p:sld>
-</file>
-
-<file path=ppt/slides/slide45.xml><?xml version="1.0" encoding="utf-8"?>
-<p:sld xmlns:a="http://schemas.openxmlformats.org/drawingml/2006/main" xmlns:r="http://schemas.openxmlformats.org/officeDocument/2006/relationships" xmlns:p="http://schemas.openxmlformats.org/presentationml/2006/main">
-  <p:cSld>
-    <p:spTree>
-      <p:nvGrpSpPr>
-        <p:cNvPr id="1" name=""/>
-        <p:cNvGrpSpPr/>
-        <p:nvPr/>
-      </p:nvGrpSpPr>
-      <p:grpSpPr>
-        <a:xfrm>
-          <a:off x="0" y="0"/>
-          <a:ext cx="0" cy="0"/>
-          <a:chOff x="0" y="0"/>
-          <a:chExt cx="0" cy="0"/>
-        </a:xfrm>
-      </p:grpSpPr>
-      <p:sp>
-        <p:nvSpPr>
-          <p:cNvPr id="5" name="Content Placeholder 2"/>
-          <p:cNvSpPr txBox="1">
-            <a:spLocks/>
-          </p:cNvSpPr>
-          <p:nvPr/>
-        </p:nvSpPr>
-        <p:spPr>
-          <a:xfrm>
-            <a:off x="457199" y="1143000"/>
-            <a:ext cx="8206611" cy="5257800"/>
-          </a:xfrm>
-          <a:prstGeom prst="rect">
-            <a:avLst/>
-          </a:prstGeom>
-        </p:spPr>
-        <p:txBody>
-          <a:bodyPr vert="horz" lIns="91440" tIns="45720" rIns="91440" bIns="45720" rtlCol="0">
-            <a:normAutofit lnSpcReduction="10000"/>
-          </a:bodyPr>
-          <a:lstStyle>
-            <a:lvl1pPr marL="342900" indent="-342900" algn="l" defTabSz="914400" rtl="0" eaLnBrk="1" latinLnBrk="0" hangingPunct="1">
-              <a:spcBef>
-                <a:spcPct val="20000"/>
-              </a:spcBef>
-              <a:buFont typeface="Arial" panose="020B0604020202020204" pitchFamily="34" charset="0"/>
-              <a:buChar char="•"/>
-              <a:defRPr sz="3200" kern="1200">
-                <a:solidFill>
-                  <a:schemeClr val="tx1"/>
-                </a:solidFill>
-                <a:latin typeface="+mn-lt"/>
-                <a:ea typeface="+mn-ea"/>
-                <a:cs typeface="+mn-cs"/>
-              </a:defRPr>
-            </a:lvl1pPr>
-            <a:lvl2pPr marL="742950" indent="-285750" algn="l" defTabSz="914400" rtl="0" eaLnBrk="1" latinLnBrk="0" hangingPunct="1">
-              <a:spcBef>
-                <a:spcPct val="20000"/>
-              </a:spcBef>
-              <a:buFont typeface="Arial" panose="020B0604020202020204" pitchFamily="34" charset="0"/>
-              <a:buChar char="–"/>
-              <a:defRPr sz="2800" kern="1200">
-                <a:solidFill>
-                  <a:schemeClr val="tx1"/>
-                </a:solidFill>
-                <a:latin typeface="+mn-lt"/>
-                <a:ea typeface="+mn-ea"/>
-                <a:cs typeface="+mn-cs"/>
-              </a:defRPr>
-            </a:lvl2pPr>
-            <a:lvl3pPr marL="1143000" indent="-228600" algn="l" defTabSz="914400" rtl="0" eaLnBrk="1" latinLnBrk="0" hangingPunct="1">
-              <a:spcBef>
-                <a:spcPct val="20000"/>
-              </a:spcBef>
-              <a:buFont typeface="Arial" panose="020B0604020202020204" pitchFamily="34" charset="0"/>
-              <a:buChar char="•"/>
-              <a:defRPr sz="2400" kern="1200">
-                <a:solidFill>
-                  <a:schemeClr val="tx1"/>
-                </a:solidFill>
-                <a:latin typeface="+mn-lt"/>
-                <a:ea typeface="+mn-ea"/>
-                <a:cs typeface="+mn-cs"/>
-              </a:defRPr>
-            </a:lvl3pPr>
-            <a:lvl4pPr marL="1600200" indent="-228600" algn="l" defTabSz="914400" rtl="0" eaLnBrk="1" latinLnBrk="0" hangingPunct="1">
-              <a:spcBef>
-                <a:spcPct val="20000"/>
-              </a:spcBef>
-              <a:buFont typeface="Arial" panose="020B0604020202020204" pitchFamily="34" charset="0"/>
-              <a:buChar char="–"/>
-              <a:defRPr sz="2000" kern="1200">
-                <a:solidFill>
-                  <a:schemeClr val="tx1"/>
-                </a:solidFill>
-                <a:latin typeface="+mn-lt"/>
-                <a:ea typeface="+mn-ea"/>
-                <a:cs typeface="+mn-cs"/>
-              </a:defRPr>
-            </a:lvl4pPr>
-            <a:lvl5pPr marL="2057400" indent="-228600" algn="l" defTabSz="914400" rtl="0" eaLnBrk="1" latinLnBrk="0" hangingPunct="1">
-              <a:spcBef>
-                <a:spcPct val="20000"/>
-              </a:spcBef>
-              <a:buFont typeface="Arial" panose="020B0604020202020204" pitchFamily="34" charset="0"/>
-              <a:buChar char="»"/>
-              <a:defRPr sz="2000" kern="1200">
-                <a:solidFill>
-                  <a:schemeClr val="tx1"/>
-                </a:solidFill>
-                <a:latin typeface="+mn-lt"/>
-                <a:ea typeface="+mn-ea"/>
-                <a:cs typeface="+mn-cs"/>
-              </a:defRPr>
-            </a:lvl5pPr>
-            <a:lvl6pPr marL="2514600" indent="-228600" algn="l" defTabSz="914400" rtl="0" eaLnBrk="1" latinLnBrk="0" hangingPunct="1">
-              <a:spcBef>
-                <a:spcPct val="20000"/>
-              </a:spcBef>
-              <a:buFont typeface="Arial" panose="020B0604020202020204" pitchFamily="34" charset="0"/>
-              <a:buChar char="•"/>
-              <a:defRPr sz="2000" kern="1200">
-                <a:solidFill>
-                  <a:schemeClr val="tx1"/>
-                </a:solidFill>
-                <a:latin typeface="+mn-lt"/>
-                <a:ea typeface="+mn-ea"/>
-                <a:cs typeface="+mn-cs"/>
-              </a:defRPr>
-            </a:lvl6pPr>
-            <a:lvl7pPr marL="2971800" indent="-228600" algn="l" defTabSz="914400" rtl="0" eaLnBrk="1" latinLnBrk="0" hangingPunct="1">
-              <a:spcBef>
-                <a:spcPct val="20000"/>
-              </a:spcBef>
-              <a:buFont typeface="Arial" panose="020B0604020202020204" pitchFamily="34" charset="0"/>
-              <a:buChar char="•"/>
-              <a:defRPr sz="2000" kern="1200">
-                <a:solidFill>
-                  <a:schemeClr val="tx1"/>
-                </a:solidFill>
-                <a:latin typeface="+mn-lt"/>
-                <a:ea typeface="+mn-ea"/>
-                <a:cs typeface="+mn-cs"/>
-              </a:defRPr>
-            </a:lvl7pPr>
-            <a:lvl8pPr marL="3429000" indent="-228600" algn="l" defTabSz="914400" rtl="0" eaLnBrk="1" latinLnBrk="0" hangingPunct="1">
-              <a:spcBef>
-                <a:spcPct val="20000"/>
-              </a:spcBef>
-              <a:buFont typeface="Arial" panose="020B0604020202020204" pitchFamily="34" charset="0"/>
-              <a:buChar char="•"/>
-              <a:defRPr sz="2000" kern="1200">
-                <a:solidFill>
-                  <a:schemeClr val="tx1"/>
-                </a:solidFill>
-                <a:latin typeface="+mn-lt"/>
-                <a:ea typeface="+mn-ea"/>
-                <a:cs typeface="+mn-cs"/>
-              </a:defRPr>
-            </a:lvl8pPr>
-            <a:lvl9pPr marL="3886200" indent="-228600" algn="l" defTabSz="914400" rtl="0" eaLnBrk="1" latinLnBrk="0" hangingPunct="1">
-              <a:spcBef>
-                <a:spcPct val="20000"/>
-              </a:spcBef>
-              <a:buFont typeface="Arial" panose="020B0604020202020204" pitchFamily="34" charset="0"/>
-              <a:buChar char="•"/>
-              <a:defRPr sz="2000" kern="1200">
-                <a:solidFill>
-                  <a:schemeClr val="tx1"/>
-                </a:solidFill>
-                <a:latin typeface="+mn-lt"/>
-                <a:ea typeface="+mn-ea"/>
-                <a:cs typeface="+mn-cs"/>
-              </a:defRPr>
-            </a:lvl9pPr>
-          </a:lstStyle>
-          <a:p>
-            <a:r>
-              <a:rPr lang="en-US" sz="2000" dirty="0" smtClean="0"/>
-              <a:t>Uncertainty is involved in collaboration:</a:t>
-            </a:r>
-            <a:endParaRPr lang="en-US" sz="1600" dirty="0"/>
+              <a:rPr lang="en-US" sz="1900" dirty="0" smtClean="0"/>
+              <a:t>Uncertainty is involved in </a:t>
+            </a:r>
+            <a:r>
+              <a:rPr lang="en-US" sz="1900" dirty="0" smtClean="0"/>
+              <a:t>collaboration</a:t>
+            </a:r>
+            <a:r>
+              <a:rPr lang="en-US" sz="1900" dirty="0" smtClean="0"/>
+              <a:t>, </a:t>
+            </a:r>
+            <a:r>
+              <a:rPr lang="en-US" sz="1900" dirty="0" smtClean="0"/>
+              <a:t>Different </a:t>
+            </a:r>
+            <a:r>
+              <a:rPr lang="en-US" sz="1900" dirty="0"/>
+              <a:t>theories are concerned about teamwork and the </a:t>
+            </a:r>
+            <a:r>
+              <a:rPr lang="en-US" sz="1900" dirty="0">
+                <a:solidFill>
+                  <a:srgbClr val="FF0000"/>
+                </a:solidFill>
+              </a:rPr>
+              <a:t>involvement of </a:t>
+            </a:r>
+            <a:r>
+              <a:rPr lang="en-US" sz="1900" dirty="0" smtClean="0">
+                <a:solidFill>
+                  <a:srgbClr val="FF0000"/>
+                </a:solidFill>
+              </a:rPr>
+              <a:t>others</a:t>
+            </a:r>
+            <a:r>
+              <a:rPr lang="en-US" sz="1900" dirty="0" smtClean="0"/>
+              <a:t>:</a:t>
+            </a:r>
           </a:p>
           <a:p>
             <a:pPr lvl="1"/>
             <a:r>
-              <a:rPr lang="en-US" sz="1800" dirty="0"/>
-              <a:t>Different theories are concerned about teamwork and the involvement of others to form an intention,</a:t>
+              <a:rPr lang="en-US" sz="1900" dirty="0" smtClean="0"/>
+              <a:t>to </a:t>
+            </a:r>
+            <a:r>
+              <a:rPr lang="en-US" sz="1900" dirty="0"/>
+              <a:t>form an </a:t>
+            </a:r>
+            <a:r>
+              <a:rPr lang="en-US" sz="1900" dirty="0">
+                <a:solidFill>
+                  <a:srgbClr val="FF0000"/>
+                </a:solidFill>
+              </a:rPr>
+              <a:t>intention</a:t>
+            </a:r>
+            <a:r>
+              <a:rPr lang="en-US" sz="1900" dirty="0"/>
+              <a:t>,</a:t>
             </a:r>
           </a:p>
           <a:p>
             <a:pPr lvl="1"/>
             <a:r>
-              <a:rPr lang="en-US" sz="1800" dirty="0"/>
-              <a:t>to generate or evolve the shared plan,</a:t>
+              <a:rPr lang="en-US" sz="1900" dirty="0"/>
+              <a:t>to generate or evolve the </a:t>
+            </a:r>
+            <a:r>
+              <a:rPr lang="en-US" sz="1900" dirty="0">
+                <a:solidFill>
+                  <a:srgbClr val="FF0000"/>
+                </a:solidFill>
+              </a:rPr>
+              <a:t>shared plan</a:t>
+            </a:r>
+            <a:r>
+              <a:rPr lang="en-US" sz="1900" dirty="0"/>
+              <a:t>,</a:t>
             </a:r>
           </a:p>
           <a:p>
             <a:pPr lvl="1"/>
             <a:r>
-              <a:rPr lang="en-US" sz="1800" dirty="0"/>
-              <a:t>or even to establish a single mutual belief.</a:t>
-            </a:r>
+              <a:rPr lang="en-US" sz="1900" dirty="0"/>
+              <a:t>or even to establish a single </a:t>
+            </a:r>
+            <a:r>
+              <a:rPr lang="en-US" sz="1900" dirty="0">
+                <a:solidFill>
+                  <a:srgbClr val="FF0000"/>
+                </a:solidFill>
+              </a:rPr>
+              <a:t>mutual belief</a:t>
+            </a:r>
+            <a:r>
+              <a:rPr lang="en-US" sz="1900" dirty="0" smtClean="0"/>
+              <a:t>.</a:t>
+            </a:r>
+          </a:p>
+          <a:p>
+            <a:pPr lvl="1"/>
+            <a:endParaRPr lang="en-US" sz="900" dirty="0"/>
           </a:p>
           <a:p>
             <a:r>
@@ -27007,17 +28001,52 @@
             </a:r>
             <a:r>
               <a:rPr lang="en-US" sz="2000" dirty="0"/>
-              <a:t>and lack of evidence in perceiving </a:t>
+              <a:t>and lack of evidence in </a:t>
+            </a:r>
+            <a:r>
+              <a:rPr lang="en-US" sz="2000" dirty="0">
+                <a:solidFill>
+                  <a:srgbClr val="FF0000"/>
+                </a:solidFill>
+              </a:rPr>
+              <a:t>perceiving </a:t>
+            </a:r>
+            <a:r>
+              <a:rPr lang="en-US" sz="2000" dirty="0" smtClean="0">
+                <a:solidFill>
+                  <a:srgbClr val="FF0000"/>
+                </a:solidFill>
+              </a:rPr>
+              <a:t>others‘ behaviors</a:t>
             </a:r>
             <a:r>
               <a:rPr lang="en-US" sz="2000" dirty="0" smtClean="0"/>
-              <a:t>others‘ behaviors.</a:t>
-            </a:r>
+              <a:t>.</a:t>
+            </a:r>
+          </a:p>
+          <a:p>
+            <a:endParaRPr lang="en-US" sz="900" dirty="0" smtClean="0"/>
           </a:p>
           <a:p>
             <a:r>
               <a:rPr lang="en-US" sz="2000" dirty="0" smtClean="0"/>
-              <a:t>Processes involved </a:t>
+              <a:t> </a:t>
+            </a:r>
+            <a:r>
+              <a:rPr lang="en-US" sz="2000" dirty="0" smtClean="0">
+                <a:solidFill>
+                  <a:srgbClr val="FF0000"/>
+                </a:solidFill>
+              </a:rPr>
+              <a:t>Processes</a:t>
+            </a:r>
+            <a:r>
+              <a:rPr lang="en-US" sz="2000" dirty="0" smtClean="0"/>
+              <a:t> </a:t>
+            </a:r>
+            <a:r>
+              <a:rPr lang="en-US" sz="2000" dirty="0" smtClean="0"/>
+              <a:t>involved </a:t>
             </a:r>
             <a:r>
               <a:rPr lang="en-US" sz="2000" dirty="0"/>
@@ -27032,29 +28061,93 @@
               <a:t>to be designed to address the existence of </a:t>
             </a:r>
             <a:r>
+              <a:rPr lang="en-US" sz="2000" dirty="0" smtClean="0">
+                <a:solidFill>
+                  <a:srgbClr val="FF0000"/>
+                </a:solidFill>
+              </a:rPr>
+              <a:t>uncertainty</a:t>
+            </a:r>
+            <a:r>
               <a:rPr lang="en-US" sz="2000" dirty="0" smtClean="0"/>
-              <a:t>uncertainty.</a:t>
-            </a:r>
+              <a:t>.</a:t>
+            </a:r>
+          </a:p>
+          <a:p>
+            <a:endParaRPr lang="en-US" sz="900" dirty="0" smtClean="0"/>
           </a:p>
           <a:p>
             <a:r>
               <a:rPr lang="en-US" sz="2000" dirty="0" smtClean="0"/>
-              <a:t>Beliefs include certain amount of uncertainty independent of their source.</a:t>
-            </a:r>
+              <a:t> </a:t>
+            </a:r>
+            <a:r>
+              <a:rPr lang="en-US" sz="2000" dirty="0" smtClean="0">
+                <a:solidFill>
+                  <a:srgbClr val="FF0000"/>
+                </a:solidFill>
+              </a:rPr>
+              <a:t>Beliefs</a:t>
+            </a:r>
+            <a:r>
+              <a:rPr lang="en-US" sz="2000" dirty="0" smtClean="0"/>
+              <a:t> </a:t>
+            </a:r>
+            <a:r>
+              <a:rPr lang="en-US" sz="2000" dirty="0" smtClean="0"/>
+              <a:t>include certain amount of uncertainty independent of their </a:t>
+            </a:r>
+            <a:r>
+              <a:rPr lang="en-US" sz="2000" dirty="0" smtClean="0"/>
+              <a:t>source:</a:t>
+            </a:r>
+            <a:endParaRPr lang="en-US" sz="2000" dirty="0" smtClean="0"/>
           </a:p>
           <a:p>
             <a:pPr lvl="1"/>
             <a:r>
-              <a:rPr lang="en-US" sz="1700" dirty="0"/>
-              <a:t>the lack of evidence about a counterpart's belief about an event,</a:t>
+              <a:rPr lang="en-US" sz="1900" dirty="0"/>
+              <a:t>the lack of evidence about </a:t>
+            </a:r>
+            <a:r>
+              <a:rPr lang="en-US" sz="1900" dirty="0">
+                <a:solidFill>
+                  <a:srgbClr val="FF0000"/>
+                </a:solidFill>
+              </a:rPr>
+              <a:t>a counterpart's belief</a:t>
+            </a:r>
+            <a:r>
+              <a:rPr lang="en-US" sz="1900" dirty="0"/>
+              <a:t> about an event,</a:t>
             </a:r>
           </a:p>
           <a:p>
             <a:pPr lvl="1"/>
             <a:r>
-              <a:rPr lang="en-US" sz="1700" dirty="0"/>
-              <a:t>the lack of evidence about the feeling of a counterpart for a collaborative action,</a:t>
-            </a:r>
+              <a:rPr lang="en-US" sz="1900" dirty="0"/>
+              <a:t>the lack of evidence about </a:t>
+            </a:r>
+            <a:r>
+              <a:rPr lang="en-US" sz="1900" dirty="0">
+                <a:solidFill>
+                  <a:srgbClr val="FF0000"/>
+                </a:solidFill>
+              </a:rPr>
+              <a:t>the feeling of a counterpart </a:t>
+            </a:r>
+            <a:r>
+              <a:rPr lang="en-US" sz="1900" dirty="0"/>
+              <a:t>for a collaborative </a:t>
+            </a:r>
+            <a:r>
+              <a:rPr lang="en-US" sz="1900" dirty="0" smtClean="0"/>
+              <a:t>action.</a:t>
+            </a:r>
+          </a:p>
+          <a:p>
+            <a:pPr lvl="1"/>
+            <a:endParaRPr lang="en-US" sz="900" dirty="0"/>
           </a:p>
           <a:p>
             <a:r>
@@ -27066,8 +28159,16 @@
               <a:t>be </a:t>
             </a:r>
             <a:r>
+              <a:rPr lang="en-US" sz="2000" dirty="0" smtClean="0">
+                <a:solidFill>
+                  <a:srgbClr val="FF0000"/>
+                </a:solidFill>
+              </a:rPr>
+              <a:t>mitigated</a:t>
+            </a:r>
+            <a:r>
               <a:rPr lang="en-US" sz="2000" dirty="0" smtClean="0"/>
-              <a:t>mitigated </a:t>
+              <a:t> </a:t>
             </a:r>
             <a:r>
               <a:rPr lang="en-US" sz="2000" dirty="0"/>
@@ -27087,13 +28188,28 @@
             </a:r>
           </a:p>
           <a:p>
+            <a:endParaRPr lang="en-US" sz="900" dirty="0"/>
+          </a:p>
+          <a:p>
             <a:r>
               <a:rPr lang="en-US" sz="2000" dirty="0" smtClean="0"/>
               <a:t>It </a:t>
             </a:r>
             <a:r>
               <a:rPr lang="en-US" sz="2000" dirty="0"/>
-              <a:t>is for us to choose where to apply the appropriate mechanism to make </a:t>
+              <a:t>is for us </a:t>
+            </a:r>
+            <a:r>
+              <a:rPr lang="en-US" sz="2000" dirty="0">
+                <a:solidFill>
+                  <a:srgbClr val="FF0000"/>
+                </a:solidFill>
+              </a:rPr>
+              <a:t>to choose where to apply </a:t>
+            </a:r>
+            <a:r>
+              <a:rPr lang="en-US" sz="2000" dirty="0"/>
+              <a:t>the appropriate mechanism to make </a:t>
             </a:r>
             <a:r>
               <a:rPr lang="en-US" sz="2000" dirty="0" smtClean="0"/>
@@ -27759,10 +28875,18 @@
               <a:t>Theory: </a:t>
             </a:r>
             <a:r>
-              <a:rPr lang="en-US" sz="2000" b="1" i="1" dirty="0" smtClean="0"/>
+              <a:rPr lang="en-US" sz="2000" b="1" i="1" dirty="0" smtClean="0">
+                <a:solidFill>
+                  <a:srgbClr val="002060"/>
+                </a:solidFill>
+              </a:rPr>
               <a:t>Full &amp; Partial Shared Plans</a:t>
             </a:r>
-            <a:endParaRPr lang="en-US" sz="2000" b="1" i="1" dirty="0"/>
+            <a:endParaRPr lang="en-US" sz="2000" b="1" i="1" dirty="0">
+              <a:solidFill>
+                <a:srgbClr val="002060"/>
+              </a:solidFill>
+            </a:endParaRPr>
           </a:p>
         </p:txBody>
       </p:sp>
@@ -28022,10 +29146,18 @@
               <a:t>Theory: </a:t>
             </a:r>
             <a:r>
-              <a:rPr lang="en-US" sz="2000" b="1" i="1" dirty="0" smtClean="0"/>
+              <a:rPr lang="en-US" sz="2000" b="1" i="1" dirty="0" smtClean="0">
+                <a:solidFill>
+                  <a:srgbClr val="002060"/>
+                </a:solidFill>
+              </a:rPr>
               <a:t>Overview</a:t>
             </a:r>
-            <a:endParaRPr lang="en-US" sz="2000" b="1" i="1" dirty="0"/>
+            <a:endParaRPr lang="en-US" sz="2000" b="1" i="1" dirty="0">
+              <a:solidFill>
+                <a:srgbClr val="002060"/>
+              </a:solidFill>
+            </a:endParaRPr>
           </a:p>
         </p:txBody>
       </p:sp>
@@ -28716,10 +29848,18 @@
               <a:t>Joint Intention Theory: </a:t>
             </a:r>
             <a:r>
-              <a:rPr lang="en-US" sz="2000" b="1" i="1" dirty="0" smtClean="0"/>
+              <a:rPr lang="en-US" sz="2000" b="1" i="1" dirty="0" smtClean="0">
+                <a:solidFill>
+                  <a:srgbClr val="002060"/>
+                </a:solidFill>
+              </a:rPr>
               <a:t>Joint Commitment &amp; Joint Intention</a:t>
             </a:r>
-            <a:endParaRPr lang="en-US" sz="2000" b="1" i="1" dirty="0"/>
+            <a:endParaRPr lang="en-US" sz="2000" b="1" i="1" dirty="0">
+              <a:solidFill>
+                <a:srgbClr val="002060"/>
+              </a:solidFill>
+            </a:endParaRPr>
           </a:p>
         </p:txBody>
       </p:sp>

--- a/presentation/PhD-comprehensive-exam-2.pptx
+++ b/presentation/PhD-comprehensive-exam-2.pptx
@@ -235,7 +235,7 @@
           <a:p>
             <a:fld id="{ECB03A7B-E1AF-4D30-A0B4-25BD99B9AC12}" type="datetimeFigureOut">
               <a:rPr lang="en-US" smtClean="0"/>
-              <a:t>6/20/2015</a:t>
+              <a:t>6/21/2015</a:t>
             </a:fld>
             <a:endParaRPr lang="en-US" dirty="0"/>
           </a:p>
@@ -1346,11 +1346,7 @@
           <a:p>
             <a:r>
               <a:rPr lang="en-US" dirty="0" smtClean="0"/>
-              <a:t>- </a:t>
-            </a:r>
-            <a:r>
-              <a:rPr lang="en-US" dirty="0" smtClean="0"/>
-              <a:t>Two dimensions that are commonly proposed to describe emotions are valence and physiological arousal.</a:t>
+              <a:t>- Two dimensions that are commonly proposed to describe emotions are valence and physiological arousal.</a:t>
             </a:r>
           </a:p>
           <a:p>
@@ -1807,23 +1803,7 @@
           <a:p>
             <a:r>
               <a:rPr lang="en-US" dirty="0" smtClean="0"/>
-              <a:t>- I </a:t>
-            </a:r>
-            <a:r>
-              <a:rPr lang="en-US" dirty="0" smtClean="0"/>
-              <a:t>found commitment as an essential issue in </a:t>
-            </a:r>
-            <a:r>
-              <a:rPr lang="en-US" dirty="0" smtClean="0"/>
-              <a:t>collaborative </a:t>
-            </a:r>
-            <a:r>
-              <a:rPr lang="en-US" dirty="0" smtClean="0"/>
-              <a:t>activities</a:t>
-            </a:r>
-            <a:r>
-              <a:rPr lang="en-US" dirty="0" smtClean="0"/>
-              <a:t>.</a:t>
+              <a:t>- I found commitment as an essential issue in collaborative activities.</a:t>
             </a:r>
           </a:p>
           <a:p>
@@ -3076,11 +3056,7 @@
           <a:p>
             <a:r>
               <a:rPr lang="en-US" dirty="0" smtClean="0"/>
-              <a:t>(1) In </a:t>
-            </a:r>
-            <a:r>
-              <a:rPr lang="en-US" dirty="0" smtClean="0"/>
-              <a:t>the following formula P(x_1, x_2, …, </a:t>
+              <a:t>(1) In the following formula P(x_1, x_2, …, </a:t>
             </a:r>
             <a:r>
               <a:rPr lang="en-US" dirty="0" err="1" smtClean="0"/>
@@ -3922,17 +3898,8 @@
               <a:rPr lang="en-US" baseline="0" dirty="0" smtClean="0">
                 <a:sym typeface="Wingdings" panose="05000000000000000000" pitchFamily="2" charset="2"/>
               </a:rPr>
-              <a:t>(3) Plausible(A) corresponds to the total belief that does not contradict A</a:t>
-            </a:r>
-            <a:r>
-              <a:rPr lang="en-US" baseline="0" dirty="0" smtClean="0">
-                <a:sym typeface="Wingdings" panose="05000000000000000000" pitchFamily="2" charset="2"/>
-              </a:rPr>
-              <a:t>.</a:t>
-            </a:r>
-            <a:endParaRPr lang="en-US" baseline="0" dirty="0" smtClean="0">
-              <a:sym typeface="Wingdings" panose="05000000000000000000" pitchFamily="2" charset="2"/>
-            </a:endParaRPr>
+              <a:t>(3) Plausible(A) corresponds to the total belief that does not contradict A.</a:t>
+            </a:r>
           </a:p>
         </p:txBody>
       </p:sp>
@@ -4073,15 +4040,7 @@
             </a:pPr>
             <a:r>
               <a:rPr lang="en-US" baseline="0" dirty="0" smtClean="0"/>
-              <a:t>However, Belief(A)=1 implies Belief</a:t>
-            </a:r>
-            <a:r>
-              <a:rPr lang="en-US" baseline="0" dirty="0" smtClean="0"/>
-              <a:t>(~A</a:t>
-            </a:r>
-            <a:r>
-              <a:rPr lang="en-US" baseline="0" dirty="0" smtClean="0"/>
-              <a:t>)=0</a:t>
+              <a:t>However, Belief(A)=1 implies Belief(~A)=0</a:t>
             </a:r>
           </a:p>
           <a:p>
@@ -4457,7 +4416,6 @@
               <a:rPr lang="en-US" baseline="0" dirty="0" smtClean="0"/>
               <a:t>.</a:t>
             </a:r>
-            <a:endParaRPr lang="en-US" baseline="0" dirty="0" smtClean="0"/>
           </a:p>
         </p:txBody>
       </p:sp>
@@ -5380,11 +5338,7 @@
             </a:pPr>
             <a:r>
               <a:rPr lang="en-US" dirty="0" smtClean="0"/>
-              <a:t>(0) Fuzzy </a:t>
-            </a:r>
-            <a:r>
-              <a:rPr lang="en-US" dirty="0" smtClean="0"/>
-              <a:t>Logic</a:t>
+              <a:t>(0) Fuzzy Logic</a:t>
             </a:r>
             <a:r>
               <a:rPr lang="en-US" baseline="0" dirty="0" smtClean="0"/>
@@ -8147,7 +8101,7 @@
           <a:p>
             <a:fld id="{14FA71CB-4092-45E6-85F2-35E0862C08A7}" type="datetimeFigureOut">
               <a:rPr lang="en-US" smtClean="0"/>
-              <a:t>6/20/2015</a:t>
+              <a:t>6/21/2015</a:t>
             </a:fld>
             <a:endParaRPr lang="en-US" dirty="0"/>
           </a:p>
@@ -8317,7 +8271,7 @@
           <a:p>
             <a:fld id="{14FA71CB-4092-45E6-85F2-35E0862C08A7}" type="datetimeFigureOut">
               <a:rPr lang="en-US" smtClean="0"/>
-              <a:t>6/20/2015</a:t>
+              <a:t>6/21/2015</a:t>
             </a:fld>
             <a:endParaRPr lang="en-US" dirty="0"/>
           </a:p>
@@ -8497,7 +8451,7 @@
           <a:p>
             <a:fld id="{14FA71CB-4092-45E6-85F2-35E0862C08A7}" type="datetimeFigureOut">
               <a:rPr lang="en-US" smtClean="0"/>
-              <a:t>6/20/2015</a:t>
+              <a:t>6/21/2015</a:t>
             </a:fld>
             <a:endParaRPr lang="en-US" dirty="0"/>
           </a:p>
@@ -8667,7 +8621,7 @@
           <a:p>
             <a:fld id="{14FA71CB-4092-45E6-85F2-35E0862C08A7}" type="datetimeFigureOut">
               <a:rPr lang="en-US" smtClean="0"/>
-              <a:t>6/20/2015</a:t>
+              <a:t>6/21/2015</a:t>
             </a:fld>
             <a:endParaRPr lang="en-US" dirty="0"/>
           </a:p>
@@ -8913,7 +8867,7 @@
           <a:p>
             <a:fld id="{14FA71CB-4092-45E6-85F2-35E0862C08A7}" type="datetimeFigureOut">
               <a:rPr lang="en-US" smtClean="0"/>
-              <a:t>6/20/2015</a:t>
+              <a:t>6/21/2015</a:t>
             </a:fld>
             <a:endParaRPr lang="en-US" dirty="0"/>
           </a:p>
@@ -9201,7 +9155,7 @@
           <a:p>
             <a:fld id="{14FA71CB-4092-45E6-85F2-35E0862C08A7}" type="datetimeFigureOut">
               <a:rPr lang="en-US" smtClean="0"/>
-              <a:t>6/20/2015</a:t>
+              <a:t>6/21/2015</a:t>
             </a:fld>
             <a:endParaRPr lang="en-US" dirty="0"/>
           </a:p>
@@ -9623,7 +9577,7 @@
           <a:p>
             <a:fld id="{14FA71CB-4092-45E6-85F2-35E0862C08A7}" type="datetimeFigureOut">
               <a:rPr lang="en-US" smtClean="0"/>
-              <a:t>6/20/2015</a:t>
+              <a:t>6/21/2015</a:t>
             </a:fld>
             <a:endParaRPr lang="en-US" dirty="0"/>
           </a:p>
@@ -9741,7 +9695,7 @@
           <a:p>
             <a:fld id="{14FA71CB-4092-45E6-85F2-35E0862C08A7}" type="datetimeFigureOut">
               <a:rPr lang="en-US" smtClean="0"/>
-              <a:t>6/20/2015</a:t>
+              <a:t>6/21/2015</a:t>
             </a:fld>
             <a:endParaRPr lang="en-US" dirty="0"/>
           </a:p>
@@ -9836,7 +9790,7 @@
           <a:p>
             <a:fld id="{14FA71CB-4092-45E6-85F2-35E0862C08A7}" type="datetimeFigureOut">
               <a:rPr lang="en-US" smtClean="0"/>
-              <a:t>6/20/2015</a:t>
+              <a:t>6/21/2015</a:t>
             </a:fld>
             <a:endParaRPr lang="en-US" dirty="0"/>
           </a:p>
@@ -10113,7 +10067,7 @@
           <a:p>
             <a:fld id="{14FA71CB-4092-45E6-85F2-35E0862C08A7}" type="datetimeFigureOut">
               <a:rPr lang="en-US" smtClean="0"/>
-              <a:t>6/20/2015</a:t>
+              <a:t>6/21/2015</a:t>
             </a:fld>
             <a:endParaRPr lang="en-US" dirty="0"/>
           </a:p>
@@ -10366,7 +10320,7 @@
           <a:p>
             <a:fld id="{14FA71CB-4092-45E6-85F2-35E0862C08A7}" type="datetimeFigureOut">
               <a:rPr lang="en-US" smtClean="0"/>
-              <a:t>6/20/2015</a:t>
+              <a:t>6/21/2015</a:t>
             </a:fld>
             <a:endParaRPr lang="en-US" dirty="0"/>
           </a:p>
@@ -10579,7 +10533,7 @@
           <a:p>
             <a:fld id="{14FA71CB-4092-45E6-85F2-35E0862C08A7}" type="datetimeFigureOut">
               <a:rPr lang="en-US" smtClean="0"/>
-              <a:t>6/20/2015</a:t>
+              <a:t>6/21/2015</a:t>
             </a:fld>
             <a:endParaRPr lang="en-US" dirty="0"/>
           </a:p>
@@ -11711,11 +11665,7 @@
             </a:r>
             <a:r>
               <a:rPr lang="en-US" sz="2000" dirty="0" smtClean="0"/>
-              <a:t>theory</a:t>
-            </a:r>
-            <a:r>
-              <a:rPr lang="en-US" sz="2000" dirty="0" smtClean="0"/>
-              <a:t>).</a:t>
+              <a:t>theory).</a:t>
             </a:r>
           </a:p>
           <a:p>
@@ -11760,11 +11710,7 @@
             </a:r>
             <a:r>
               <a:rPr lang="en-US" sz="2000" dirty="0" smtClean="0"/>
-              <a:t>theory only describes the shared goal</a:t>
-            </a:r>
-            <a:r>
-              <a:rPr lang="en-US" sz="2000" dirty="0" smtClean="0"/>
-              <a:t>.</a:t>
+              <a:t>theory only describes the shared goal.</a:t>
             </a:r>
           </a:p>
           <a:p>
@@ -11817,15 +11763,7 @@
             </a:r>
             <a:r>
               <a:rPr lang="en-US" sz="2000" dirty="0" smtClean="0"/>
-              <a:t> </a:t>
-            </a:r>
-            <a:r>
-              <a:rPr lang="en-US" sz="2000" dirty="0" smtClean="0"/>
-              <a:t>theory</a:t>
-            </a:r>
-            <a:r>
-              <a:rPr lang="en-US" sz="2000" dirty="0" smtClean="0"/>
-              <a:t>).</a:t>
+              <a:t> theory).</a:t>
             </a:r>
           </a:p>
           <a:p>
@@ -11940,9 +11878,17 @@
             </a:r>
             <a:r>
               <a:rPr lang="en-US" sz="2400" b="1" dirty="0" smtClean="0"/>
-              <a:t>Differences</a:t>
-            </a:r>
-            <a:endParaRPr lang="en-US" sz="2200" b="1" i="1" dirty="0"/>
+              <a:t>Differences: </a:t>
+            </a:r>
+            <a:r>
+              <a:rPr lang="en-US" sz="2000" b="1" i="1" dirty="0">
+                <a:solidFill>
+                  <a:srgbClr val="002060"/>
+                </a:solidFill>
+              </a:rPr>
+              <a:t>SharedPlans &amp; Joint Intentions</a:t>
+            </a:r>
+            <a:endParaRPr lang="en-US" sz="2000" b="1" i="1" dirty="0"/>
           </a:p>
         </p:txBody>
       </p:sp>
@@ -13553,7 +13499,26 @@
             </a:r>
             <a:r>
               <a:rPr lang="en-US" sz="1800" dirty="0" smtClean="0"/>
-              <a:t> of emotions</a:t>
+              <a:t> of emotions,</a:t>
+            </a:r>
+          </a:p>
+          <a:p>
+            <a:pPr lvl="1"/>
+            <a:endParaRPr lang="en-US" sz="800" dirty="0" smtClean="0"/>
+          </a:p>
+          <a:p>
+            <a:pPr lvl="1"/>
+            <a:r>
+              <a:rPr lang="en-US" sz="1800" dirty="0" smtClean="0"/>
+              <a:t>Components are called </a:t>
+            </a:r>
+            <a:r>
+              <a:rPr lang="en-US" sz="1800" dirty="0" smtClean="0">
+                <a:solidFill>
+                  <a:srgbClr val="FF0000"/>
+                </a:solidFill>
+              </a:rPr>
+              <a:t>appraisal variables</a:t>
             </a:r>
             <a:r>
               <a:rPr lang="en-US" sz="1800" dirty="0" smtClean="0"/>
@@ -13568,7 +13533,49 @@
             <a:pPr lvl="1"/>
             <a:r>
               <a:rPr lang="en-US" sz="1800" dirty="0" smtClean="0"/>
-              <a:t>Components are called </a:t>
+              <a:t>Agent Evaluates the stimuli with respect to their </a:t>
+            </a:r>
+            <a:r>
+              <a:rPr lang="en-US" sz="1800" dirty="0" smtClean="0">
+                <a:solidFill>
+                  <a:srgbClr val="FF0000"/>
+                </a:solidFill>
+              </a:rPr>
+              <a:t>consequences</a:t>
+            </a:r>
+            <a:r>
+              <a:rPr lang="en-US" sz="1800" dirty="0" smtClean="0"/>
+              <a:t>;</a:t>
+            </a:r>
+          </a:p>
+          <a:p>
+            <a:pPr lvl="2"/>
+            <a:r>
+              <a:rPr lang="en-US" sz="1800" dirty="0" smtClean="0"/>
+              <a:t>According to Scherer’s </a:t>
+            </a:r>
+            <a:r>
+              <a:rPr lang="en-US" sz="1800" dirty="0" smtClean="0">
+                <a:solidFill>
+                  <a:srgbClr val="FF0000"/>
+                </a:solidFill>
+              </a:rPr>
+              <a:t>appraisal objectives </a:t>
+            </a:r>
+            <a:r>
+              <a:rPr lang="en-US" sz="1800" dirty="0" smtClean="0"/>
+              <a:t>(i.e., relevance, implication, coping, and normative significance),</a:t>
+            </a:r>
+          </a:p>
+          <a:p>
+            <a:pPr lvl="2"/>
+            <a:endParaRPr lang="en-US" sz="800" dirty="0" smtClean="0"/>
+          </a:p>
+          <a:p>
+            <a:pPr lvl="2"/>
+            <a:r>
+              <a:rPr lang="en-US" sz="1800" dirty="0" smtClean="0"/>
+              <a:t>Objectives include different </a:t>
             </a:r>
             <a:r>
               <a:rPr lang="en-US" sz="1800" dirty="0" smtClean="0">
@@ -13584,6 +13591,29 @@
             </a:r>
           </a:p>
           <a:p>
+            <a:pPr lvl="2"/>
+            <a:endParaRPr lang="en-US" sz="800" dirty="0" smtClean="0"/>
+          </a:p>
+          <a:p>
+            <a:pPr lvl="1"/>
+            <a:r>
+              <a:rPr lang="en-US" sz="1800" dirty="0" smtClean="0"/>
+              <a:t>Specific </a:t>
+            </a:r>
+            <a:r>
+              <a:rPr lang="en-US" sz="1800" dirty="0" smtClean="0">
+                <a:solidFill>
+                  <a:srgbClr val="FF0000"/>
+                </a:solidFill>
+              </a:rPr>
+              <a:t>values</a:t>
+            </a:r>
+            <a:r>
+              <a:rPr lang="en-US" sz="1800" dirty="0" smtClean="0"/>
+              <a:t> will be assigned to appraisal variables,</a:t>
+            </a:r>
+          </a:p>
+          <a:p>
             <a:pPr lvl="1"/>
             <a:endParaRPr lang="en-US" sz="800" dirty="0" smtClean="0"/>
           </a:p>
@@ -13591,7 +13621,7 @@
             <a:pPr lvl="1"/>
             <a:r>
               <a:rPr lang="en-US" sz="1800" dirty="0" smtClean="0"/>
-              <a:t>Agent Evaluates the stimuli with respect to their </a:t>
+              <a:t>Determined appraisal variables are mapped onto a particular </a:t>
             </a:r>
             <a:r>
               <a:rPr lang="en-US" sz="1800" dirty="0" smtClean="0">
@@ -13599,54 +13629,7 @@
                   <a:srgbClr val="FF0000"/>
                 </a:solidFill>
               </a:rPr>
-              <a:t>consequences</a:t>
-            </a:r>
-            <a:r>
-              <a:rPr lang="en-US" sz="1800" dirty="0" smtClean="0"/>
-              <a:t>;</a:t>
-            </a:r>
-            <a:endParaRPr lang="en-US" sz="1800" dirty="0" smtClean="0"/>
-          </a:p>
-          <a:p>
-            <a:pPr lvl="2"/>
-            <a:r>
-              <a:rPr lang="en-US" sz="1800" dirty="0" smtClean="0"/>
-              <a:t>According to Scherer’s </a:t>
-            </a:r>
-            <a:r>
-              <a:rPr lang="en-US" sz="1800" dirty="0" smtClean="0">
-                <a:solidFill>
-                  <a:srgbClr val="FF0000"/>
-                </a:solidFill>
-              </a:rPr>
-              <a:t>appraisal objectives </a:t>
-            </a:r>
-            <a:r>
-              <a:rPr lang="en-US" sz="1800" dirty="0" smtClean="0"/>
-              <a:t>(i.e., relevance, implication, coping, and normative significance</a:t>
-            </a:r>
-            <a:r>
-              <a:rPr lang="en-US" sz="1800" dirty="0" smtClean="0"/>
-              <a:t>),</a:t>
-            </a:r>
-          </a:p>
-          <a:p>
-            <a:pPr lvl="2"/>
-            <a:endParaRPr lang="en-US" sz="800" dirty="0" smtClean="0"/>
-          </a:p>
-          <a:p>
-            <a:pPr lvl="2"/>
-            <a:r>
-              <a:rPr lang="en-US" sz="1800" dirty="0" smtClean="0"/>
-              <a:t>Objectives include different </a:t>
-            </a:r>
-            <a:r>
-              <a:rPr lang="en-US" sz="1800" dirty="0" smtClean="0">
-                <a:solidFill>
-                  <a:srgbClr val="FF0000"/>
-                </a:solidFill>
-              </a:rPr>
-              <a:t>appraisal variables</a:t>
+              <a:t>emotion</a:t>
             </a:r>
             <a:r>
               <a:rPr lang="en-US" sz="1800" dirty="0" smtClean="0"/>
@@ -13655,56 +13638,6 @@
           </a:p>
           <a:p>
             <a:pPr lvl="2"/>
-            <a:endParaRPr lang="en-US" sz="800" dirty="0" smtClean="0"/>
-          </a:p>
-          <a:p>
-            <a:pPr lvl="1"/>
-            <a:r>
-              <a:rPr lang="en-US" sz="1800" dirty="0" smtClean="0"/>
-              <a:t>Specific </a:t>
-            </a:r>
-            <a:r>
-              <a:rPr lang="en-US" sz="1800" dirty="0" smtClean="0">
-                <a:solidFill>
-                  <a:srgbClr val="FF0000"/>
-                </a:solidFill>
-              </a:rPr>
-              <a:t>values</a:t>
-            </a:r>
-            <a:r>
-              <a:rPr lang="en-US" sz="1800" dirty="0" smtClean="0"/>
-              <a:t> will be assigned to appraisal variables</a:t>
-            </a:r>
-            <a:r>
-              <a:rPr lang="en-US" sz="1800" dirty="0" smtClean="0"/>
-              <a:t>,</a:t>
-            </a:r>
-          </a:p>
-          <a:p>
-            <a:pPr lvl="1"/>
-            <a:endParaRPr lang="en-US" sz="800" dirty="0" smtClean="0"/>
-          </a:p>
-          <a:p>
-            <a:pPr lvl="1"/>
-            <a:r>
-              <a:rPr lang="en-US" sz="1800" dirty="0" smtClean="0"/>
-              <a:t>Determined appraisal variables are mapped onto a particular </a:t>
-            </a:r>
-            <a:r>
-              <a:rPr lang="en-US" sz="1800" dirty="0" smtClean="0">
-                <a:solidFill>
-                  <a:srgbClr val="FF0000"/>
-                </a:solidFill>
-              </a:rPr>
-              <a:t>emotion</a:t>
-            </a:r>
-            <a:r>
-              <a:rPr lang="en-US" sz="1800" dirty="0" smtClean="0"/>
-              <a:t>,</a:t>
-            </a:r>
-          </a:p>
-          <a:p>
-            <a:pPr lvl="2"/>
             <a:r>
               <a:rPr lang="en-US" sz="1800" dirty="0" smtClean="0"/>
               <a:t>Appraisal variables are the </a:t>
@@ -13715,23 +13648,11 @@
                   <a:srgbClr val="FF0000"/>
                 </a:solidFill>
               </a:rPr>
-              <a:t>semantic </a:t>
-            </a:r>
-            <a:r>
-              <a:rPr lang="en-US" sz="1800" dirty="0" smtClean="0">
-                <a:solidFill>
-                  <a:srgbClr val="FF0000"/>
-                </a:solidFill>
-              </a:rPr>
-              <a:t>primitives </a:t>
+              <a:t>semantic primitives </a:t>
             </a:r>
             <a:r>
               <a:rPr lang="en-US" sz="1800" dirty="0" smtClean="0"/>
-              <a:t>for </a:t>
-            </a:r>
-            <a:r>
-              <a:rPr lang="en-US" sz="1800" dirty="0" smtClean="0"/>
-              <a:t>representing emotions.</a:t>
+              <a:t>for representing emotions.</a:t>
             </a:r>
           </a:p>
         </p:txBody>
@@ -13785,11 +13706,7 @@
             </a:r>
             <a:r>
               <a:rPr lang="en-US" sz="2400" b="1" dirty="0" smtClean="0"/>
-              <a:t>Appraisal </a:t>
-            </a:r>
-            <a:r>
-              <a:rPr lang="en-US" sz="2400" b="1" dirty="0" smtClean="0"/>
-              <a:t>Theory: </a:t>
+              <a:t>Appraisal Theory: </a:t>
             </a:r>
             <a:r>
               <a:rPr lang="en-US" sz="2000" b="1" i="1" dirty="0" smtClean="0">
@@ -14017,11 +13934,7 @@
             </a:r>
             <a:r>
               <a:rPr lang="en-US" sz="1800" dirty="0" smtClean="0"/>
-              <a:t> of </a:t>
-            </a:r>
-            <a:r>
-              <a:rPr lang="en-US" sz="1800" dirty="0" smtClean="0"/>
-              <a:t>emotions.</a:t>
+              <a:t> of emotions.</a:t>
             </a:r>
           </a:p>
           <a:p>
@@ -14121,11 +14034,7 @@
           <a:p>
             <a:r>
               <a:rPr lang="en-US" sz="1800" dirty="0" smtClean="0"/>
-              <a:t>Appraisal variables, e.g., relevance, desirability, expectedness, controllability</a:t>
-            </a:r>
-            <a:r>
-              <a:rPr lang="en-US" sz="1800" dirty="0" smtClean="0"/>
-              <a:t>.</a:t>
+              <a:t>Appraisal variables, e.g., relevance, desirability, expectedness, controllability.</a:t>
             </a:r>
           </a:p>
           <a:p>
@@ -14224,11 +14133,7 @@
             </a:r>
             <a:r>
               <a:rPr lang="en-US" sz="1800" dirty="0" smtClean="0"/>
-              <a:t> into different </a:t>
-            </a:r>
-            <a:r>
-              <a:rPr lang="en-US" sz="1800" dirty="0" smtClean="0"/>
-              <a:t>categories</a:t>
+              <a:t> into different categories</a:t>
             </a:r>
             <a:r>
               <a:rPr lang="en-US" sz="1800" dirty="0"/>
@@ -14247,17 +14152,8 @@
             <a:pPr lvl="1"/>
             <a:r>
               <a:rPr lang="en-US" sz="1800" dirty="0" smtClean="0"/>
-              <a:t>Emotion-focused </a:t>
-            </a:r>
-            <a:r>
-              <a:rPr lang="en-US" sz="1800" dirty="0" smtClean="0"/>
-              <a:t>(seeking social support for instrumental reasons</a:t>
-            </a:r>
-            <a:r>
-              <a:rPr lang="en-US" sz="1800" dirty="0" smtClean="0"/>
-              <a:t>)</a:t>
-            </a:r>
-            <a:endParaRPr lang="en-US" sz="1800" dirty="0" smtClean="0"/>
+              <a:t>Emotion-focused (seeking social support for instrumental reasons)</a:t>
+            </a:r>
           </a:p>
         </p:txBody>
       </p:sp>
@@ -14654,17 +14550,8 @@
             </a:r>
             <a:r>
               <a:rPr lang="en-US" sz="2000" dirty="0" smtClean="0"/>
-              <a:t>emotions (e.g</a:t>
-            </a:r>
-            <a:r>
-              <a:rPr lang="en-US" sz="2000" dirty="0" smtClean="0"/>
-              <a:t>., sense of reality, and arousal</a:t>
-            </a:r>
-            <a:r>
-              <a:rPr lang="en-US" sz="2000" dirty="0" smtClean="0"/>
-              <a:t>).</a:t>
-            </a:r>
-            <a:endParaRPr lang="en-US" sz="2000" dirty="0" smtClean="0"/>
+              <a:t>emotions (e.g., sense of reality, and arousal).</a:t>
+            </a:r>
           </a:p>
         </p:txBody>
       </p:sp>
@@ -15399,7 +15286,109 @@
             </a:r>
             <a:r>
               <a:rPr lang="en-US" sz="2000" dirty="0" smtClean="0"/>
-              <a:t>fundamental emotions</a:t>
+              <a:t>fundamental emotions.</a:t>
+            </a:r>
+          </a:p>
+          <a:p>
+            <a:endParaRPr lang="en-US" sz="900" dirty="0" smtClean="0"/>
+          </a:p>
+          <a:p>
+            <a:r>
+              <a:rPr lang="en-US" sz="2000" dirty="0"/>
+              <a:t>The underlying assumption </a:t>
+            </a:r>
+            <a:r>
+              <a:rPr lang="en-US" sz="2000" dirty="0" smtClean="0"/>
+              <a:t>is </a:t>
+            </a:r>
+            <a:r>
+              <a:rPr lang="en-US" sz="2000" dirty="0"/>
+              <a:t>that these emotions are </a:t>
+            </a:r>
+            <a:r>
+              <a:rPr lang="en-US" sz="2000" dirty="0" smtClean="0"/>
+              <a:t>mediated by </a:t>
+            </a:r>
+            <a:r>
+              <a:rPr lang="en-US" sz="2000" dirty="0"/>
+              <a:t>associated neural circuitry, with a </a:t>
+            </a:r>
+            <a:r>
+              <a:rPr lang="en-US" sz="2000" dirty="0">
+                <a:solidFill>
+                  <a:srgbClr val="FF0000"/>
+                </a:solidFill>
+              </a:rPr>
+              <a:t>hardwired</a:t>
+            </a:r>
+            <a:r>
+              <a:rPr lang="en-US" sz="2000" dirty="0"/>
+              <a:t> </a:t>
+            </a:r>
+            <a:r>
+              <a:rPr lang="en-US" sz="2000" dirty="0" smtClean="0"/>
+              <a:t>component.</a:t>
+            </a:r>
+          </a:p>
+          <a:p>
+            <a:endParaRPr lang="en-US" sz="900" dirty="0" smtClean="0"/>
+          </a:p>
+          <a:p>
+            <a:r>
+              <a:rPr lang="en-US" sz="2000" dirty="0"/>
+              <a:t>Different emotions are </a:t>
+            </a:r>
+            <a:r>
+              <a:rPr lang="en-US" sz="2000" dirty="0" smtClean="0"/>
+              <a:t>characterized by stable </a:t>
+            </a:r>
+            <a:r>
+              <a:rPr lang="en-US" sz="2000" dirty="0"/>
+              <a:t>patterns of </a:t>
+            </a:r>
+            <a:r>
+              <a:rPr lang="en-US" sz="2000" dirty="0">
+                <a:solidFill>
+                  <a:srgbClr val="FF0000"/>
+                </a:solidFill>
+              </a:rPr>
+              <a:t>triggers</a:t>
+            </a:r>
+            <a:r>
+              <a:rPr lang="en-US" sz="2000" dirty="0"/>
+              <a:t>, behavioral </a:t>
+            </a:r>
+            <a:r>
+              <a:rPr lang="en-US" sz="2000" dirty="0">
+                <a:solidFill>
+                  <a:srgbClr val="FF0000"/>
+                </a:solidFill>
+              </a:rPr>
+              <a:t>expression</a:t>
+            </a:r>
+            <a:r>
+              <a:rPr lang="en-US" sz="2000" dirty="0"/>
+              <a:t>, and associated </a:t>
+            </a:r>
+            <a:r>
+              <a:rPr lang="en-US" sz="2000" dirty="0" smtClean="0"/>
+              <a:t>distinct </a:t>
+            </a:r>
+            <a:r>
+              <a:rPr lang="en-US" sz="2000" dirty="0" smtClean="0">
+                <a:solidFill>
+                  <a:srgbClr val="FF0000"/>
+                </a:solidFill>
+              </a:rPr>
+              <a:t>subjective </a:t>
+            </a:r>
+            <a:r>
+              <a:rPr lang="en-US" sz="2000" dirty="0">
+                <a:solidFill>
+                  <a:srgbClr val="FF0000"/>
+                </a:solidFill>
+              </a:rPr>
+              <a:t>experiences</a:t>
             </a:r>
             <a:r>
               <a:rPr lang="en-US" sz="2000" dirty="0" smtClean="0"/>
@@ -15411,24 +15400,81 @@
           </a:p>
           <a:p>
             <a:r>
+              <a:rPr lang="en-US" sz="2000" dirty="0" smtClean="0"/>
+              <a:t>The emotions are called </a:t>
+            </a:r>
+            <a:r>
+              <a:rPr lang="en-US" sz="2000" dirty="0">
+                <a:solidFill>
+                  <a:srgbClr val="FF0000"/>
+                </a:solidFill>
+              </a:rPr>
+              <a:t>basic </a:t>
+            </a:r>
+            <a:r>
+              <a:rPr lang="en-US" sz="2000" dirty="0" smtClean="0">
+                <a:solidFill>
+                  <a:srgbClr val="FF0000"/>
+                </a:solidFill>
+              </a:rPr>
+              <a:t>emotions</a:t>
+            </a:r>
+            <a:r>
+              <a:rPr lang="en-US" sz="2000" dirty="0" smtClean="0"/>
+              <a:t>: </a:t>
+            </a:r>
+            <a:r>
+              <a:rPr lang="en-US" sz="2000" i="1" dirty="0" smtClean="0"/>
+              <a:t>happiness</a:t>
+            </a:r>
+            <a:r>
+              <a:rPr lang="en-US" sz="2000" i="1" dirty="0"/>
+              <a:t>, sadness, </a:t>
+            </a:r>
+            <a:r>
+              <a:rPr lang="en-US" sz="2000" i="1" dirty="0" smtClean="0"/>
+              <a:t>fear, anger</a:t>
+            </a:r>
+            <a:r>
+              <a:rPr lang="en-US" sz="2000" i="1" dirty="0"/>
+              <a:t>, surprise, </a:t>
+            </a:r>
+            <a:r>
               <a:rPr lang="en-US" sz="2000" dirty="0"/>
-              <a:t>The underlying assumption </a:t>
-            </a:r>
+              <a:t>and</a:t>
+            </a:r>
+            <a:r>
+              <a:rPr lang="en-US" sz="2000" i="1" dirty="0"/>
+              <a:t> </a:t>
+            </a:r>
+            <a:r>
+              <a:rPr lang="en-US" sz="2000" i="1" dirty="0" smtClean="0"/>
+              <a:t>disgust.</a:t>
+            </a:r>
+          </a:p>
+          <a:p>
+            <a:endParaRPr lang="en-US" sz="900" dirty="0" smtClean="0"/>
+          </a:p>
+          <a:p>
             <a:r>
               <a:rPr lang="en-US" sz="2000" dirty="0" smtClean="0"/>
-              <a:t>is </a:t>
+              <a:t>This universality </a:t>
             </a:r>
             <a:r>
               <a:rPr lang="en-US" sz="2000" dirty="0"/>
-              <a:t>that these emotions are </a:t>
-            </a:r>
-            <a:r>
-              <a:rPr lang="en-US" sz="2000" dirty="0" smtClean="0"/>
-              <a:t>mediated by </a:t>
+              <a:t>has a </a:t>
+            </a:r>
+            <a:r>
+              <a:rPr lang="en-US" sz="2000" dirty="0">
+                <a:solidFill>
+                  <a:srgbClr val="FF0000"/>
+                </a:solidFill>
+              </a:rPr>
+              <a:t>production</a:t>
             </a:r>
             <a:r>
               <a:rPr lang="en-US" sz="2000" dirty="0"/>
-              <a:t>associated neural circuitry, with a </a:t>
+              <a:t> side and a </a:t>
             </a:r>
             <a:r>
               <a:rPr lang="en-US" sz="2000" dirty="0">
@@ -15436,15 +15482,11 @@
                   <a:srgbClr val="FF0000"/>
                 </a:solidFill>
               </a:rPr>
-              <a:t>hardwired</a:t>
+              <a:t>recognition</a:t>
             </a:r>
             <a:r>
               <a:rPr lang="en-US" sz="2000" dirty="0"/>
-              <a:t> </a:t>
-            </a:r>
-            <a:r>
-              <a:rPr lang="en-US" sz="2000" dirty="0" smtClean="0"/>
-              <a:t>component</a:t>
+              <a:t> side</a:t>
             </a:r>
             <a:r>
               <a:rPr lang="en-US" sz="2000" dirty="0" smtClean="0"/>
@@ -15456,181 +15498,9 @@
           </a:p>
           <a:p>
             <a:r>
-              <a:rPr lang="en-US" sz="2000" dirty="0"/>
-              <a:t>Different emotions are </a:t>
-            </a:r>
-            <a:r>
               <a:rPr lang="en-US" sz="2000" dirty="0" smtClean="0"/>
-              <a:t>characterized by stable </a:t>
-            </a:r>
-            <a:r>
-              <a:rPr lang="en-US" sz="2000" dirty="0"/>
-              <a:t>patterns of </a:t>
-            </a:r>
-            <a:r>
-              <a:rPr lang="en-US" sz="2000" dirty="0">
-                <a:solidFill>
-                  <a:srgbClr val="FF0000"/>
-                </a:solidFill>
-              </a:rPr>
-              <a:t>triggers</a:t>
-            </a:r>
-            <a:r>
-              <a:rPr lang="en-US" sz="2000" dirty="0"/>
-              <a:t>, behavioral </a:t>
-            </a:r>
-            <a:r>
-              <a:rPr lang="en-US" sz="2000" dirty="0">
-                <a:solidFill>
-                  <a:srgbClr val="FF0000"/>
-                </a:solidFill>
-              </a:rPr>
-              <a:t>expression</a:t>
-            </a:r>
-            <a:r>
-              <a:rPr lang="en-US" sz="2000" dirty="0"/>
-              <a:t>, and associated </a:t>
-            </a:r>
-            <a:r>
-              <a:rPr lang="en-US" sz="2000" dirty="0" smtClean="0"/>
-              <a:t>distinct </a:t>
-            </a:r>
-            <a:r>
-              <a:rPr lang="en-US" sz="2000" dirty="0" smtClean="0">
-                <a:solidFill>
-                  <a:srgbClr val="FF0000"/>
-                </a:solidFill>
-              </a:rPr>
-              <a:t>subjective </a:t>
-            </a:r>
-            <a:r>
-              <a:rPr lang="en-US" sz="2000" dirty="0">
-                <a:solidFill>
-                  <a:srgbClr val="FF0000"/>
-                </a:solidFill>
-              </a:rPr>
-              <a:t>experiences</a:t>
-            </a:r>
-            <a:r>
-              <a:rPr lang="en-US" sz="2000" dirty="0" smtClean="0"/>
-              <a:t>.</a:t>
-            </a:r>
-          </a:p>
-          <a:p>
-            <a:endParaRPr lang="en-US" sz="900" dirty="0" smtClean="0"/>
-          </a:p>
-          <a:p>
-            <a:r>
-              <a:rPr lang="en-US" sz="2000" dirty="0" smtClean="0"/>
-              <a:t>The emotions are called </a:t>
-            </a:r>
-            <a:r>
-              <a:rPr lang="en-US" sz="2000" dirty="0">
-                <a:solidFill>
-                  <a:srgbClr val="FF0000"/>
-                </a:solidFill>
-              </a:rPr>
-              <a:t>basic </a:t>
-            </a:r>
-            <a:r>
-              <a:rPr lang="en-US" sz="2000" dirty="0" smtClean="0">
-                <a:solidFill>
-                  <a:srgbClr val="FF0000"/>
-                </a:solidFill>
-              </a:rPr>
-              <a:t>emotions</a:t>
-            </a:r>
-            <a:r>
-              <a:rPr lang="en-US" sz="2000" dirty="0" smtClean="0"/>
-              <a:t>: </a:t>
-            </a:r>
-            <a:r>
-              <a:rPr lang="en-US" sz="2000" i="1" dirty="0" smtClean="0"/>
-              <a:t>happiness</a:t>
-            </a:r>
-            <a:r>
-              <a:rPr lang="en-US" sz="2000" i="1" dirty="0"/>
-              <a:t>, sadness, </a:t>
-            </a:r>
-            <a:r>
-              <a:rPr lang="en-US" sz="2000" i="1" dirty="0" smtClean="0"/>
-              <a:t>fear, anger</a:t>
-            </a:r>
-            <a:r>
-              <a:rPr lang="en-US" sz="2000" i="1" dirty="0"/>
-              <a:t>, surprise, </a:t>
-            </a:r>
-            <a:r>
-              <a:rPr lang="en-US" sz="2000" dirty="0"/>
-              <a:t>and</a:t>
-            </a:r>
-            <a:r>
-              <a:rPr lang="en-US" sz="2000" i="1" dirty="0"/>
-              <a:t> </a:t>
-            </a:r>
-            <a:r>
-              <a:rPr lang="en-US" sz="2000" i="1" dirty="0" smtClean="0"/>
-              <a:t>disgust</a:t>
-            </a:r>
-            <a:r>
-              <a:rPr lang="en-US" sz="2000" i="1" dirty="0" smtClean="0"/>
-              <a:t>.</a:t>
-            </a:r>
-          </a:p>
-          <a:p>
-            <a:endParaRPr lang="en-US" sz="900" dirty="0" smtClean="0"/>
-          </a:p>
-          <a:p>
-            <a:r>
-              <a:rPr lang="en-US" sz="2000" dirty="0" smtClean="0"/>
-              <a:t>This universality </a:t>
-            </a:r>
-            <a:r>
-              <a:rPr lang="en-US" sz="2000" dirty="0"/>
-              <a:t>has a </a:t>
-            </a:r>
-            <a:r>
-              <a:rPr lang="en-US" sz="2000" dirty="0">
-                <a:solidFill>
-                  <a:srgbClr val="FF0000"/>
-                </a:solidFill>
-              </a:rPr>
-              <a:t>production</a:t>
-            </a:r>
-            <a:r>
-              <a:rPr lang="en-US" sz="2000" dirty="0"/>
-              <a:t> side and a </a:t>
-            </a:r>
-            <a:r>
-              <a:rPr lang="en-US" sz="2000" dirty="0">
-                <a:solidFill>
-                  <a:srgbClr val="FF0000"/>
-                </a:solidFill>
-              </a:rPr>
-              <a:t>recognition</a:t>
-            </a:r>
-            <a:r>
-              <a:rPr lang="en-US" sz="2000" dirty="0"/>
-              <a:t> side</a:t>
-            </a:r>
-            <a:r>
-              <a:rPr lang="en-US" sz="2000" dirty="0" smtClean="0"/>
-              <a:t>.</a:t>
-            </a:r>
-          </a:p>
-          <a:p>
-            <a:endParaRPr lang="en-US" sz="900" dirty="0" smtClean="0"/>
-          </a:p>
-          <a:p>
-            <a:r>
-              <a:rPr lang="en-US" sz="2000" dirty="0" smtClean="0"/>
-              <a:t>Computational models focus on low-level perceptual-motor tasks (fast and automatic vs. slower, reasoning-based</a:t>
-            </a:r>
-            <a:r>
-              <a:rPr lang="en-US" sz="2000" dirty="0" smtClean="0"/>
-              <a:t>).</a:t>
-            </a:r>
-            <a:endParaRPr lang="en-US" sz="2000" dirty="0" smtClean="0"/>
+              <a:t>Computational models focus on low-level perceptual-motor tasks (fast and automatic vs. slower, reasoning-based).</a:t>
+            </a:r>
           </a:p>
         </p:txBody>
       </p:sp>
@@ -15887,8 +15757,13 @@
           <a:p>
             <a:r>
               <a:rPr lang="en-US" sz="1800" dirty="0" smtClean="0"/>
-              <a:t>Participants with: </a:t>
-            </a:r>
+              <a:t>Participants </a:t>
+            </a:r>
+            <a:r>
+              <a:rPr lang="en-US" sz="1800" dirty="0" smtClean="0"/>
+              <a:t>possess: </a:t>
+            </a:r>
+            <a:endParaRPr lang="en-US" sz="1800" dirty="0" smtClean="0"/>
           </a:p>
           <a:p>
             <a:pPr lvl="1"/>
@@ -15940,7 +15815,6 @@
               <a:rPr lang="en-US" sz="1800" dirty="0" smtClean="0"/>
               <a:t>,</a:t>
             </a:r>
-            <a:endParaRPr lang="en-US" sz="1800" dirty="0" smtClean="0"/>
           </a:p>
           <a:p>
             <a:pPr lvl="1"/>
@@ -16383,7 +16257,93 @@
             </a:r>
             <a:r>
               <a:rPr lang="en-US" sz="2000" dirty="0" smtClean="0"/>
-              <a:t>to the stimuli</a:t>
+              <a:t>to the stimuli.</a:t>
+            </a:r>
+          </a:p>
+          <a:p>
+            <a:endParaRPr lang="en-US" sz="2000" dirty="0" smtClean="0"/>
+          </a:p>
+          <a:p>
+            <a:r>
+              <a:rPr lang="en-US" sz="2000" b="1" dirty="0" smtClean="0"/>
+              <a:t>Dimensional</a:t>
+            </a:r>
+            <a:r>
+              <a:rPr lang="en-US" sz="2000" dirty="0" smtClean="0"/>
+              <a:t> theories </a:t>
+            </a:r>
+            <a:r>
+              <a:rPr lang="en-US" sz="2000" dirty="0">
+                <a:solidFill>
+                  <a:srgbClr val="FF0000"/>
+                </a:solidFill>
+              </a:rPr>
+              <a:t>can represent </a:t>
+            </a:r>
+            <a:r>
+              <a:rPr lang="en-US" sz="2000" dirty="0"/>
+              <a:t>instances of </a:t>
+            </a:r>
+            <a:r>
+              <a:rPr lang="en-US" sz="2000" b="1" dirty="0"/>
+              <a:t>basic</a:t>
+            </a:r>
+            <a:r>
+              <a:rPr lang="en-US" sz="2000" dirty="0"/>
+              <a:t> </a:t>
+            </a:r>
+            <a:r>
+              <a:rPr lang="en-US" sz="2000" dirty="0" smtClean="0"/>
+              <a:t>emotions.</a:t>
+            </a:r>
+          </a:p>
+          <a:p>
+            <a:endParaRPr lang="en-US" sz="2000" dirty="0" smtClean="0"/>
+          </a:p>
+          <a:p>
+            <a:r>
+              <a:rPr lang="en-US" sz="2000" dirty="0" smtClean="0"/>
+              <a:t>In contrast to </a:t>
+            </a:r>
+            <a:r>
+              <a:rPr lang="en-US" sz="2000" b="1" dirty="0"/>
+              <a:t>basic</a:t>
+            </a:r>
+            <a:r>
+              <a:rPr lang="en-US" sz="2000" dirty="0"/>
+              <a:t> emotions, </a:t>
+            </a:r>
+            <a:r>
+              <a:rPr lang="en-US" sz="2000" b="1" dirty="0" smtClean="0"/>
+              <a:t>dimensional</a:t>
+            </a:r>
+            <a:r>
+              <a:rPr lang="en-US" sz="2000" dirty="0" smtClean="0"/>
+              <a:t> </a:t>
+            </a:r>
+            <a:r>
+              <a:rPr lang="en-US" sz="2000" dirty="0"/>
+              <a:t>theory </a:t>
+            </a:r>
+            <a:r>
+              <a:rPr lang="en-US" sz="2000" dirty="0" smtClean="0"/>
+              <a:t>argues that </a:t>
+            </a:r>
+            <a:r>
+              <a:rPr lang="en-US" sz="2000" dirty="0"/>
+              <a:t>emotion may </a:t>
+            </a:r>
+            <a:r>
+              <a:rPr lang="en-US" sz="2000" dirty="0">
+                <a:solidFill>
+                  <a:srgbClr val="FF0000"/>
+                </a:solidFill>
+              </a:rPr>
+              <a:t>not necessarily be aimed </a:t>
+            </a:r>
+            <a:r>
+              <a:rPr lang="en-US" sz="2000" dirty="0"/>
+              <a:t>at a particular object</a:t>
             </a:r>
             <a:r>
               <a:rPr lang="en-US" sz="2000" dirty="0" smtClean="0"/>
@@ -16395,100 +16355,6 @@
           </a:p>
           <a:p>
             <a:r>
-              <a:rPr lang="en-US" sz="2000" b="1" dirty="0" smtClean="0"/>
-              <a:t>Dimensional</a:t>
-            </a:r>
-            <a:r>
-              <a:rPr lang="en-US" sz="2000" dirty="0" smtClean="0"/>
-              <a:t> theories </a:t>
-            </a:r>
-            <a:r>
-              <a:rPr lang="en-US" sz="2000" dirty="0">
-                <a:solidFill>
-                  <a:srgbClr val="FF0000"/>
-                </a:solidFill>
-              </a:rPr>
-              <a:t>can represent </a:t>
-            </a:r>
-            <a:r>
-              <a:rPr lang="en-US" sz="2000" dirty="0"/>
-              <a:t>instances of </a:t>
-            </a:r>
-            <a:r>
-              <a:rPr lang="en-US" sz="2000" b="1" dirty="0"/>
-              <a:t>basic</a:t>
-            </a:r>
-            <a:r>
-              <a:rPr lang="en-US" sz="2000" dirty="0"/>
-              <a:t> </a:t>
-            </a:r>
-            <a:r>
-              <a:rPr lang="en-US" sz="2000" dirty="0" smtClean="0"/>
-              <a:t>emotions</a:t>
-            </a:r>
-            <a:r>
-              <a:rPr lang="en-US" sz="2000" dirty="0" smtClean="0"/>
-              <a:t>.</a:t>
-            </a:r>
-          </a:p>
-          <a:p>
-            <a:endParaRPr lang="en-US" sz="2000" dirty="0" smtClean="0"/>
-          </a:p>
-          <a:p>
-            <a:r>
-              <a:rPr lang="en-US" sz="2000" dirty="0" smtClean="0"/>
-              <a:t>In contrast to </a:t>
-            </a:r>
-            <a:r>
-              <a:rPr lang="en-US" sz="2000" b="1" dirty="0"/>
-              <a:t>basic</a:t>
-            </a:r>
-            <a:r>
-              <a:rPr lang="en-US" sz="2000" dirty="0"/>
-              <a:t> emotions, </a:t>
-            </a:r>
-            <a:r>
-              <a:rPr lang="en-US" sz="2000" b="1" dirty="0" smtClean="0"/>
-              <a:t>dimensional</a:t>
-            </a:r>
-            <a:r>
-              <a:rPr lang="en-US" sz="2000" dirty="0" smtClean="0"/>
-              <a:t> </a:t>
-            </a:r>
-            <a:r>
-              <a:rPr lang="en-US" sz="2000" dirty="0"/>
-              <a:t>theory </a:t>
-            </a:r>
-            <a:r>
-              <a:rPr lang="en-US" sz="2000" dirty="0" smtClean="0"/>
-              <a:t>argues that </a:t>
-            </a:r>
-            <a:r>
-              <a:rPr lang="en-US" sz="2000" dirty="0"/>
-              <a:t>emotion may </a:t>
-            </a:r>
-            <a:r>
-              <a:rPr lang="en-US" sz="2000" dirty="0">
-                <a:solidFill>
-                  <a:srgbClr val="FF0000"/>
-                </a:solidFill>
-              </a:rPr>
-              <a:t>not necessarily be aimed </a:t>
-            </a:r>
-            <a:r>
-              <a:rPr lang="en-US" sz="2000" dirty="0"/>
-              <a:t>at a particular object</a:t>
-            </a:r>
-            <a:r>
-              <a:rPr lang="en-US" sz="2000" dirty="0" smtClean="0"/>
-              <a:t>.</a:t>
-            </a:r>
-          </a:p>
-          <a:p>
-            <a:endParaRPr lang="en-US" sz="2000" dirty="0" smtClean="0"/>
-          </a:p>
-          <a:p>
-            <a:r>
               <a:rPr lang="en-US" sz="2000" b="1" dirty="0"/>
               <a:t>Dimensional</a:t>
             </a:r>
@@ -16518,11 +16384,7 @@
             </a:r>
             <a:r>
               <a:rPr lang="en-US" sz="2000" dirty="0" smtClean="0"/>
-              <a:t>affective phenomena</a:t>
-            </a:r>
-            <a:r>
-              <a:rPr lang="en-US" sz="2000" dirty="0" smtClean="0"/>
-              <a:t>.</a:t>
+              <a:t>affective phenomena.</a:t>
             </a:r>
           </a:p>
           <a:p>
@@ -16951,11 +16813,7 @@
             </a:r>
             <a:r>
               <a:rPr lang="en-US" sz="1800" dirty="0" smtClean="0"/>
-              <a:t>event (e.g., desirability</a:t>
-            </a:r>
-            <a:r>
-              <a:rPr lang="en-US" sz="1800" dirty="0" smtClean="0"/>
-              <a:t>).</a:t>
+              <a:t>event (e.g., desirability).</a:t>
             </a:r>
           </a:p>
           <a:p>
@@ -17004,7 +16862,44 @@
             </a:r>
             <a:r>
               <a:rPr lang="en-US" sz="1800" dirty="0" smtClean="0"/>
-              <a:t>potential</a:t>
+              <a:t>potential.</a:t>
+            </a:r>
+          </a:p>
+          <a:p>
+            <a:endParaRPr lang="en-US" sz="800" dirty="0" smtClean="0"/>
+          </a:p>
+          <a:p>
+            <a:r>
+              <a:rPr lang="en-US" sz="1800" dirty="0" smtClean="0"/>
+              <a:t> </a:t>
+            </a:r>
+            <a:r>
+              <a:rPr lang="en-US" sz="1800" dirty="0" smtClean="0">
+                <a:solidFill>
+                  <a:srgbClr val="FF0000"/>
+                </a:solidFill>
+              </a:rPr>
+              <a:t>Arousal</a:t>
+            </a:r>
+            <a:r>
+              <a:rPr lang="en-US" sz="1800" dirty="0" smtClean="0"/>
+              <a:t> </a:t>
+            </a:r>
+            <a:r>
+              <a:rPr lang="en-US" sz="1800" dirty="0"/>
+              <a:t>can be considered as a measure </a:t>
+            </a:r>
+            <a:r>
+              <a:rPr lang="en-US" sz="1800" dirty="0" smtClean="0"/>
+              <a:t>of </a:t>
+            </a:r>
+            <a:r>
+              <a:rPr lang="en-US" sz="1800" dirty="0" smtClean="0">
+                <a:solidFill>
+                  <a:srgbClr val="FF0000"/>
+                </a:solidFill>
+              </a:rPr>
+              <a:t>intensity</a:t>
             </a:r>
             <a:r>
               <a:rPr lang="en-US" sz="1800" dirty="0" smtClean="0"/>
@@ -17020,146 +16915,73 @@
               <a:t> </a:t>
             </a:r>
             <a:r>
+              <a:rPr lang="en-US" sz="1800" b="1" dirty="0" smtClean="0"/>
+              <a:t>Appraisals</a:t>
+            </a:r>
+            <a:r>
+              <a:rPr lang="en-US" sz="1800" dirty="0" smtClean="0"/>
+              <a:t> are </a:t>
+            </a:r>
+            <a:r>
               <a:rPr lang="en-US" sz="1800" dirty="0" smtClean="0">
                 <a:solidFill>
                   <a:srgbClr val="FF0000"/>
                 </a:solidFill>
               </a:rPr>
-              <a:t>Arousal</a:t>
-            </a:r>
+              <a:t>relational constructs </a:t>
+            </a:r>
+            <a:r>
+              <a:rPr lang="en-US" sz="1800" dirty="0" smtClean="0"/>
+              <a:t>(between an event and one’s mental states), whereas emotions in </a:t>
+            </a:r>
+            <a:r>
+              <a:rPr lang="en-US" sz="1800" b="1" dirty="0" smtClean="0"/>
+              <a:t>dimensional</a:t>
+            </a:r>
+            <a:r>
+              <a:rPr lang="en-US" sz="1800" dirty="0" smtClean="0"/>
+              <a:t> are non-relational and just a unique </a:t>
+            </a:r>
+            <a:r>
+              <a:rPr lang="en-US" sz="1800" dirty="0" smtClean="0">
+                <a:solidFill>
+                  <a:srgbClr val="FF0000"/>
+                </a:solidFill>
+              </a:rPr>
+              <a:t>overall state </a:t>
+            </a:r>
+            <a:r>
+              <a:rPr lang="en-US" sz="1800" dirty="0" smtClean="0"/>
+              <a:t>of individual.</a:t>
+            </a:r>
+          </a:p>
+          <a:p>
+            <a:endParaRPr lang="en-US" sz="800" dirty="0" smtClean="0"/>
+          </a:p>
+          <a:p>
             <a:r>
               <a:rPr lang="en-US" sz="1800" dirty="0" smtClean="0"/>
               <a:t> </a:t>
             </a:r>
             <a:r>
-              <a:rPr lang="en-US" sz="1800" dirty="0"/>
-              <a:t>can be considered as a measure </a:t>
-            </a:r>
-            <a:r>
-              <a:rPr lang="en-US" sz="1800" dirty="0" smtClean="0"/>
-              <a:t>of </a:t>
-            </a:r>
-            <a:r>
-              <a:rPr lang="en-US" sz="1800" dirty="0" smtClean="0">
-                <a:solidFill>
-                  <a:srgbClr val="FF0000"/>
-                </a:solidFill>
-              </a:rPr>
-              <a:t>intensity</a:t>
-            </a:r>
-            <a:r>
-              <a:rPr lang="en-US" sz="1800" dirty="0" smtClean="0"/>
-              <a:t>.</a:t>
-            </a:r>
-          </a:p>
-          <a:p>
-            <a:endParaRPr lang="en-US" sz="800" dirty="0" smtClean="0"/>
-          </a:p>
-          <a:p>
-            <a:r>
-              <a:rPr lang="en-US" sz="1800" dirty="0" smtClean="0"/>
-              <a:t> </a:t>
-            </a:r>
-            <a:r>
-              <a:rPr lang="en-US" sz="1800" b="1" dirty="0" smtClean="0"/>
-              <a:t>Appraisals</a:t>
-            </a:r>
-            <a:r>
-              <a:rPr lang="en-US" sz="1800" dirty="0" smtClean="0"/>
-              <a:t> </a:t>
-            </a:r>
-            <a:r>
-              <a:rPr lang="en-US" sz="1800" dirty="0" smtClean="0"/>
-              <a:t>are </a:t>
-            </a:r>
-            <a:r>
-              <a:rPr lang="en-US" sz="1800" dirty="0" smtClean="0">
-                <a:solidFill>
-                  <a:srgbClr val="FF0000"/>
-                </a:solidFill>
-              </a:rPr>
-              <a:t>relational constructs </a:t>
-            </a:r>
-            <a:r>
-              <a:rPr lang="en-US" sz="1800" dirty="0" smtClean="0"/>
-              <a:t>(between an event and one’s mental states), whereas emotions in </a:t>
-            </a:r>
-            <a:r>
-              <a:rPr lang="en-US" sz="1800" b="1" dirty="0" smtClean="0"/>
-              <a:t>dimensional</a:t>
-            </a:r>
-            <a:r>
-              <a:rPr lang="en-US" sz="1800" dirty="0" smtClean="0"/>
-              <a:t> are non-relational and just a unique </a:t>
-            </a:r>
-            <a:r>
-              <a:rPr lang="en-US" sz="1800" dirty="0" smtClean="0">
-                <a:solidFill>
-                  <a:srgbClr val="FF0000"/>
-                </a:solidFill>
-              </a:rPr>
-              <a:t>overall state </a:t>
-            </a:r>
-            <a:r>
-              <a:rPr lang="en-US" sz="1800" dirty="0" smtClean="0"/>
-              <a:t>of individual</a:t>
-            </a:r>
-            <a:r>
-              <a:rPr lang="en-US" sz="1800" dirty="0" smtClean="0"/>
-              <a:t>.</a:t>
-            </a:r>
-          </a:p>
-          <a:p>
-            <a:endParaRPr lang="en-US" sz="800" dirty="0" smtClean="0"/>
-          </a:p>
-          <a:p>
-            <a:r>
-              <a:rPr lang="en-US" sz="1800" dirty="0" smtClean="0"/>
-              <a:t> </a:t>
-            </a:r>
-            <a:r>
               <a:rPr lang="en-US" sz="1800" b="1" dirty="0" smtClean="0"/>
               <a:t>Dimensional</a:t>
             </a:r>
             <a:r>
               <a:rPr lang="en-US" sz="1800" dirty="0" smtClean="0"/>
-              <a:t> </a:t>
+              <a:t> emotion theory does not address affects’ antecedents like appraisal and they question the </a:t>
+            </a:r>
+            <a:r>
+              <a:rPr lang="en-US" sz="1800" dirty="0" smtClean="0">
+                <a:solidFill>
+                  <a:srgbClr val="FF0000"/>
+                </a:solidFill>
+              </a:rPr>
+              <a:t>causal linkage </a:t>
             </a:r>
             <a:r>
               <a:rPr lang="en-US" sz="1800" dirty="0" smtClean="0"/>
-              <a:t>emotion theory </a:t>
-            </a:r>
-            <a:r>
-              <a:rPr lang="en-US" sz="1800" dirty="0" smtClean="0"/>
-              <a:t>does </a:t>
-            </a:r>
-            <a:r>
-              <a:rPr lang="en-US" sz="1800" dirty="0" smtClean="0"/>
-              <a:t>not address </a:t>
-            </a:r>
-            <a:r>
-              <a:rPr lang="en-US" sz="1800" dirty="0" smtClean="0"/>
-              <a:t>affects’ </a:t>
-            </a:r>
-            <a:r>
-              <a:rPr lang="en-US" sz="1800" dirty="0" smtClean="0"/>
-              <a:t>antecedents like appraisal and they question the </a:t>
-            </a:r>
-            <a:r>
-              <a:rPr lang="en-US" sz="1800" dirty="0" smtClean="0">
-                <a:solidFill>
-                  <a:srgbClr val="FF0000"/>
-                </a:solidFill>
-              </a:rPr>
-              <a:t>causal linkage </a:t>
-            </a:r>
-            <a:r>
-              <a:rPr lang="en-US" sz="1800" dirty="0" smtClean="0"/>
-              <a:t>between appraisal and emotion</a:t>
-            </a:r>
-            <a:r>
-              <a:rPr lang="en-US" sz="1800" dirty="0" smtClean="0"/>
-              <a:t>.</a:t>
+              <a:t>between appraisal and emotion.</a:t>
             </a:r>
           </a:p>
         </p:txBody>
@@ -18155,7 +17977,52 @@
             </a:r>
             <a:r>
               <a:rPr lang="en-US" sz="1800" dirty="0" smtClean="0"/>
-              <a:t>well-established computational models with theoretical foundations</a:t>
+              <a:t>well-established computational models with theoretical foundations.</a:t>
+            </a:r>
+          </a:p>
+          <a:p>
+            <a:endParaRPr lang="en-US" sz="1000" dirty="0" smtClean="0"/>
+          </a:p>
+          <a:p>
+            <a:r>
+              <a:rPr lang="en-US" sz="1800" dirty="0" smtClean="0"/>
+              <a:t>They </a:t>
+            </a:r>
+            <a:r>
+              <a:rPr lang="en-US" sz="1800" dirty="0"/>
+              <a:t>can explain more details of the </a:t>
+            </a:r>
+            <a:r>
+              <a:rPr lang="en-US" sz="1800" dirty="0">
+                <a:solidFill>
+                  <a:srgbClr val="FF0000"/>
+                </a:solidFill>
+              </a:rPr>
+              <a:t>structure</a:t>
+            </a:r>
+            <a:r>
+              <a:rPr lang="en-US" sz="1800" dirty="0"/>
+              <a:t> or the </a:t>
+            </a:r>
+            <a:r>
+              <a:rPr lang="en-US" sz="1800" dirty="0">
+                <a:solidFill>
+                  <a:srgbClr val="FF0000"/>
+                </a:solidFill>
+              </a:rPr>
+              <a:t>processes</a:t>
+            </a:r>
+            <a:r>
+              <a:rPr lang="en-US" sz="1800" dirty="0"/>
+              <a:t> involved </a:t>
+            </a:r>
+            <a:r>
+              <a:rPr lang="en-US" sz="1800" dirty="0" smtClean="0"/>
+              <a:t>in affective </a:t>
+            </a:r>
+            <a:r>
+              <a:rPr lang="en-US" sz="1800" dirty="0"/>
+              <a:t>situations</a:t>
             </a:r>
             <a:r>
               <a:rPr lang="en-US" sz="1800" dirty="0" smtClean="0"/>
@@ -18167,44 +18034,32 @@
           </a:p>
           <a:p>
             <a:r>
+              <a:rPr lang="en-US" sz="1800" dirty="0"/>
+              <a:t>It is </a:t>
+            </a:r>
+            <a:r>
+              <a:rPr lang="en-US" sz="1800" dirty="0">
+                <a:solidFill>
+                  <a:srgbClr val="FF0000"/>
+                </a:solidFill>
+              </a:rPr>
+              <a:t>not </a:t>
+            </a:r>
+            <a:r>
+              <a:rPr lang="en-US" sz="1800" dirty="0" smtClean="0">
+                <a:solidFill>
+                  <a:srgbClr val="FF0000"/>
+                </a:solidFill>
+              </a:rPr>
+              <a:t>necessary </a:t>
+            </a:r>
+            <a:r>
               <a:rPr lang="en-US" sz="1800" dirty="0" smtClean="0"/>
-              <a:t>They </a:t>
+              <a:t>to exactly follow only </a:t>
             </a:r>
             <a:r>
               <a:rPr lang="en-US" sz="1800" dirty="0"/>
-              <a:t>can explain more details of the </a:t>
-            </a:r>
-            <a:r>
-              <a:rPr lang="en-US" sz="1800" dirty="0">
-                <a:solidFill>
-                  <a:srgbClr val="FF0000"/>
-                </a:solidFill>
-              </a:rPr>
-              <a:t>structure</a:t>
-            </a:r>
-            <a:r>
-              <a:rPr lang="en-US" sz="1800" dirty="0"/>
-              <a:t> or the </a:t>
-            </a:r>
-            <a:r>
-              <a:rPr lang="en-US" sz="1800" dirty="0">
-                <a:solidFill>
-                  <a:srgbClr val="FF0000"/>
-                </a:solidFill>
-              </a:rPr>
-              <a:t>processes</a:t>
-            </a:r>
-            <a:r>
-              <a:rPr lang="en-US" sz="1800" dirty="0"/>
-              <a:t> involved </a:t>
-            </a:r>
-            <a:r>
-              <a:rPr lang="en-US" sz="1800" dirty="0" smtClean="0"/>
-              <a:t>in affective </a:t>
-            </a:r>
-            <a:r>
-              <a:rPr lang="en-US" sz="1800" dirty="0"/>
-              <a:t>situations</a:t>
+              <a:t>one theory and its descriptions</a:t>
             </a:r>
             <a:r>
               <a:rPr lang="en-US" sz="1800" dirty="0" smtClean="0"/>
@@ -18216,41 +18071,8 @@
           </a:p>
           <a:p>
             <a:r>
-              <a:rPr lang="en-US" sz="1800" dirty="0"/>
-              <a:t>It is </a:t>
-            </a:r>
-            <a:r>
-              <a:rPr lang="en-US" sz="1800" dirty="0">
-                <a:solidFill>
-                  <a:srgbClr val="FF0000"/>
-                </a:solidFill>
-              </a:rPr>
-              <a:t>not necessarily </a:t>
-            </a:r>
-            <a:r>
               <a:rPr lang="en-US" sz="1800" dirty="0" smtClean="0"/>
-              <a:t>to exactly follow only </a:t>
-            </a:r>
-            <a:r>
-              <a:rPr lang="en-US" sz="1800" dirty="0"/>
-              <a:t>one theory and its descriptions</a:t>
-            </a:r>
-            <a:r>
-              <a:rPr lang="en-US" sz="1800" dirty="0" smtClean="0"/>
-              <a:t>.</a:t>
-            </a:r>
-          </a:p>
-          <a:p>
-            <a:endParaRPr lang="en-US" sz="1000" dirty="0" smtClean="0"/>
-          </a:p>
-          <a:p>
-            <a:r>
-              <a:rPr lang="en-US" sz="1800" dirty="0" smtClean="0"/>
-              <a:t>We </a:t>
-            </a:r>
-            <a:r>
-              <a:rPr lang="en-US" sz="1800" dirty="0" smtClean="0"/>
-              <a:t>believe </a:t>
+              <a:t>We believe </a:t>
             </a:r>
             <a:r>
               <a:rPr lang="en-US" sz="1800" dirty="0"/>
@@ -18282,11 +18104,7 @@
             </a:r>
             <a:r>
               <a:rPr lang="en-US" sz="1800" dirty="0" smtClean="0"/>
-              <a:t>concern</a:t>
-            </a:r>
-            <a:r>
-              <a:rPr lang="en-US" sz="1800" dirty="0" smtClean="0"/>
-              <a:t>.</a:t>
+              <a:t>concern.</a:t>
             </a:r>
           </a:p>
           <a:p>
@@ -18820,15 +18638,7 @@
           <a:p>
             <a:r>
               <a:rPr lang="en-US" sz="2000" dirty="0" smtClean="0"/>
-              <a:t>Dempster-Shafer theory </a:t>
-            </a:r>
-            <a:r>
-              <a:rPr lang="en-US" sz="2000" dirty="0" smtClean="0"/>
-              <a:t>(evidential </a:t>
-            </a:r>
-            <a:r>
-              <a:rPr lang="en-US" sz="2000" dirty="0" smtClean="0"/>
-              <a:t>reasoning)</a:t>
+              <a:t>Dempster-Shafer theory (evidential reasoning)</a:t>
             </a:r>
           </a:p>
           <a:p>
@@ -20121,11 +19931,7 @@
           <a:p>
             <a:r>
               <a:rPr lang="en-US" sz="2000" dirty="0" smtClean="0"/>
-              <a:t>Joint Intentions (Cohen &amp; Levesque</a:t>
-            </a:r>
-            <a:r>
-              <a:rPr lang="en-US" sz="2000" dirty="0" smtClean="0"/>
-              <a:t>)</a:t>
+              <a:t>Joint Intentions (Cohen &amp; Levesque)</a:t>
             </a:r>
           </a:p>
           <a:p>
@@ -20133,7 +19939,6 @@
               <a:rPr lang="en-US" sz="2000" dirty="0" smtClean="0"/>
               <a:t>Hybrid (Tambe)</a:t>
             </a:r>
-            <a:endParaRPr lang="en-US" sz="2000" dirty="0" smtClean="0"/>
           </a:p>
           <a:p>
             <a:endParaRPr lang="en-US" sz="2000" dirty="0"/>
@@ -20144,11 +19949,7 @@
             </a:pPr>
             <a:r>
               <a:rPr lang="en-US" sz="2000" dirty="0" smtClean="0"/>
-              <a:t>Bratman’s </a:t>
-            </a:r>
-            <a:r>
-              <a:rPr lang="en-US" sz="2000" dirty="0" smtClean="0"/>
-              <a:t>view of commitment:</a:t>
+              <a:t>Bratman’s view of commitment:</a:t>
             </a:r>
           </a:p>
           <a:p>
@@ -20587,11 +20388,19 @@
             </a:r>
             <a:r>
               <a:rPr lang="en-US" sz="1800" dirty="0" smtClean="0"/>
-              <a:t>required to </a:t>
+              <a:t>required </a:t>
+            </a:r>
+            <a:r>
+              <a:rPr lang="en-US" sz="1800" dirty="0" smtClean="0"/>
+              <a:t>for </a:t>
             </a:r>
             <a:r>
               <a:rPr lang="en-US" sz="1800" dirty="0"/>
-              <a:t>understand for modeling purposes, </a:t>
+              <a:t>modeling </a:t>
+            </a:r>
+            <a:r>
+              <a:rPr lang="en-US" sz="1800" dirty="0" smtClean="0"/>
+              <a:t>purposes: </a:t>
             </a:r>
             <a:r>
               <a:rPr lang="en-US" sz="1800" dirty="0">
@@ -20629,7 +20438,6 @@
               <a:rPr lang="en-US" sz="1800" dirty="0" smtClean="0"/>
               <a:t>.</a:t>
             </a:r>
-            <a:endParaRPr lang="en-US" sz="1800" dirty="0" smtClean="0"/>
           </a:p>
         </p:txBody>
       </p:sp>
@@ -20686,11 +20494,7 @@
             </a:r>
             <a:r>
               <a:rPr lang="en-US" sz="2400" b="1" dirty="0" smtClean="0"/>
-              <a:t>-Shafer </a:t>
-            </a:r>
-            <a:r>
-              <a:rPr lang="en-US" sz="2400" b="1" dirty="0" smtClean="0"/>
-              <a:t>Theory: </a:t>
+              <a:t>-Shafer Theory: </a:t>
             </a:r>
             <a:r>
               <a:rPr lang="en-US" sz="2000" b="1" i="1" dirty="0">
@@ -21804,15 +21608,7 @@
                   <a:srgbClr val="FF0000"/>
                 </a:solidFill>
               </a:rPr>
-              <a:t>Uncertainty </a:t>
-            </a:r>
-            <a:r>
-              <a:rPr lang="en-US" sz="2000" dirty="0" smtClean="0">
-                <a:solidFill>
-                  <a:srgbClr val="FF0000"/>
-                </a:solidFill>
-              </a:rPr>
-              <a:t>measure</a:t>
+              <a:t>Uncertainty measure</a:t>
             </a:r>
             <a:r>
               <a:rPr lang="en-US" sz="2000" dirty="0" smtClean="0"/>
@@ -22410,11 +22206,7 @@
             </a:r>
             <a:r>
               <a:rPr lang="en-US" sz="1800" dirty="0" smtClean="0"/>
-              <a:t>Logic’s </a:t>
-            </a:r>
-            <a:r>
-              <a:rPr lang="en-US" sz="1800" dirty="0" smtClean="0"/>
-              <a:t>ultimate </a:t>
+              <a:t>Logic’s ultimate </a:t>
             </a:r>
             <a:r>
               <a:rPr lang="en-US" sz="1800" dirty="0"/>
@@ -22590,11 +22382,7 @@
             </a:r>
             <a:r>
               <a:rPr lang="en-US" sz="1800" dirty="0" smtClean="0"/>
-              <a:t>      </a:t>
-            </a:r>
-            <a:r>
-              <a:rPr lang="en-US" sz="1800" dirty="0" smtClean="0"/>
-              <a:t> from </a:t>
+              <a:t>       from </a:t>
             </a:r>
             <a:r>
               <a:rPr lang="en-US" sz="1800" dirty="0"/>
@@ -22622,11 +22410,7 @@
             </a:r>
             <a:r>
               <a:rPr lang="en-US" sz="1800" dirty="0" smtClean="0"/>
-              <a:t>interpret               </a:t>
-            </a:r>
-            <a:r>
-              <a:rPr lang="en-US" sz="1800" dirty="0" smtClean="0"/>
-              <a:t>as </a:t>
+              <a:t>interpret               as </a:t>
             </a:r>
             <a:r>
               <a:rPr lang="en-US" sz="1800" dirty="0"/>
@@ -22731,11 +22515,7 @@
             </a:r>
             <a:r>
               <a:rPr lang="en-US" sz="2400" b="1" dirty="0" smtClean="0"/>
-              <a:t>Fuzzy Logic </a:t>
-            </a:r>
-            <a:r>
-              <a:rPr lang="en-US" sz="2400" b="1" dirty="0" smtClean="0"/>
-              <a:t>Theory: </a:t>
+              <a:t>Fuzzy Logic Theory: </a:t>
             </a:r>
             <a:r>
               <a:rPr lang="en-US" sz="2000" b="1" i="1" dirty="0">
@@ -23264,15 +23044,7 @@
                   <a:srgbClr val="002060"/>
                 </a:solidFill>
               </a:rPr>
-              <a:t>Membership </a:t>
-            </a:r>
-            <a:r>
-              <a:rPr lang="en-US" sz="2000" b="1" i="1" dirty="0" smtClean="0">
-                <a:solidFill>
-                  <a:srgbClr val="002060"/>
-                </a:solidFill>
-              </a:rPr>
-              <a:t>Functions</a:t>
+              <a:t>Membership Functions</a:t>
             </a:r>
             <a:endParaRPr lang="en-US" sz="2000" b="1" i="1" dirty="0">
               <a:solidFill>
@@ -24418,7 +24190,48 @@
             </a:r>
             <a:r>
               <a:rPr lang="en-US" sz="2000" dirty="0" smtClean="0"/>
-              <a:t>variables</a:t>
+              <a:t>variables.</a:t>
+            </a:r>
+          </a:p>
+          <a:p>
+            <a:endParaRPr lang="en-US" sz="1000" dirty="0" smtClean="0"/>
+          </a:p>
+          <a:p>
+            <a:r>
+              <a:rPr lang="en-US" sz="2000" dirty="0"/>
+              <a:t>Relatively easy recognition of </a:t>
+            </a:r>
+            <a:r>
+              <a:rPr lang="en-US" sz="2000" dirty="0">
+                <a:solidFill>
+                  <a:srgbClr val="FF0000"/>
+                </a:solidFill>
+              </a:rPr>
+              <a:t>dependencies</a:t>
+            </a:r>
+            <a:r>
+              <a:rPr lang="en-US" sz="2000" dirty="0"/>
+              <a:t> and </a:t>
+            </a:r>
+            <a:r>
+              <a:rPr lang="en-US" sz="2000" dirty="0">
+                <a:solidFill>
+                  <a:srgbClr val="FF0000"/>
+                </a:solidFill>
+              </a:rPr>
+              <a:t>independencies</a:t>
+            </a:r>
+            <a:r>
+              <a:rPr lang="en-US" sz="2000" dirty="0"/>
+              <a:t> </a:t>
+            </a:r>
+            <a:r>
+              <a:rPr lang="en-US" sz="2000" dirty="0" smtClean="0"/>
+              <a:t>between   </a:t>
+            </a:r>
+            <a:r>
+              <a:rPr lang="en-US" sz="2000" dirty="0"/>
+              <a:t>various nodes</a:t>
             </a:r>
             <a:r>
               <a:rPr lang="en-US" sz="2000" dirty="0" smtClean="0"/>
@@ -24431,7 +24244,7 @@
           <a:p>
             <a:r>
               <a:rPr lang="en-US" sz="2000" dirty="0"/>
-              <a:t>Relatively easy recognition of </a:t>
+              <a:t>The ability to handle situations where the data set is </a:t>
             </a:r>
             <a:r>
               <a:rPr lang="en-US" sz="2000" dirty="0">
@@ -24439,19 +24252,7 @@
                   <a:srgbClr val="FF0000"/>
                 </a:solidFill>
               </a:rPr>
-              <a:t>dependencies</a:t>
-            </a:r>
-            <a:r>
-              <a:rPr lang="en-US" sz="2000" dirty="0"/>
-              <a:t> and </a:t>
-            </a:r>
-            <a:r>
-              <a:rPr lang="en-US" sz="2000" dirty="0">
-                <a:solidFill>
-                  <a:srgbClr val="FF0000"/>
-                </a:solidFill>
-              </a:rPr>
-              <a:t>independencies</a:t>
+              <a:t>incomplete</a:t>
             </a:r>
             <a:r>
               <a:rPr lang="en-US" sz="2000" dirty="0"/>
@@ -24459,11 +24260,19 @@
             </a:r>
             <a:r>
               <a:rPr lang="en-US" sz="2000" dirty="0" smtClean="0"/>
-              <a:t>between   </a:t>
+              <a:t>since the </a:t>
             </a:r>
             <a:r>
               <a:rPr lang="en-US" sz="2000" dirty="0"/>
-              <a:t>various nodes</a:t>
+              <a:t>model accounts for dependencies between </a:t>
+            </a:r>
+            <a:r>
+              <a:rPr lang="en-US" sz="2000" dirty="0">
+                <a:solidFill>
+                  <a:srgbClr val="FF0000"/>
+                </a:solidFill>
+              </a:rPr>
+              <a:t>all variables</a:t>
             </a:r>
             <a:r>
               <a:rPr lang="en-US" sz="2000" dirty="0" smtClean="0"/>
@@ -24476,47 +24285,6 @@
           <a:p>
             <a:r>
               <a:rPr lang="en-US" sz="2000" dirty="0"/>
-              <a:t>The ability to handle situations where the data set is </a:t>
-            </a:r>
-            <a:r>
-              <a:rPr lang="en-US" sz="2000" dirty="0">
-                <a:solidFill>
-                  <a:srgbClr val="FF0000"/>
-                </a:solidFill>
-              </a:rPr>
-              <a:t>incomplete</a:t>
-            </a:r>
-            <a:r>
-              <a:rPr lang="en-US" sz="2000" dirty="0"/>
-              <a:t> </a:t>
-            </a:r>
-            <a:r>
-              <a:rPr lang="en-US" sz="2000" dirty="0" smtClean="0"/>
-              <a:t>since the </a:t>
-            </a:r>
-            <a:r>
-              <a:rPr lang="en-US" sz="2000" dirty="0"/>
-              <a:t>model accounts for dependencies between </a:t>
-            </a:r>
-            <a:r>
-              <a:rPr lang="en-US" sz="2000" dirty="0">
-                <a:solidFill>
-                  <a:srgbClr val="FF0000"/>
-                </a:solidFill>
-              </a:rPr>
-              <a:t>all variables</a:t>
-            </a:r>
-            <a:r>
-              <a:rPr lang="en-US" sz="2000" dirty="0" smtClean="0"/>
-              <a:t>.</a:t>
-            </a:r>
-          </a:p>
-          <a:p>
-            <a:endParaRPr lang="en-US" sz="1000" dirty="0" smtClean="0"/>
-          </a:p>
-          <a:p>
-            <a:r>
-              <a:rPr lang="en-US" sz="2000" dirty="0"/>
               <a:t>Capable of being </a:t>
             </a:r>
             <a:r>
@@ -24549,11 +24317,7 @@
             </a:r>
             <a:r>
               <a:rPr lang="en-US" sz="2000" dirty="0" smtClean="0"/>
-              <a:t>becomes available</a:t>
-            </a:r>
-            <a:r>
-              <a:rPr lang="en-US" sz="2000" dirty="0" smtClean="0"/>
-              <a:t>.</a:t>
+              <a:t>becomes available.</a:t>
             </a:r>
           </a:p>
           <a:p>
@@ -25980,11 +25744,7 @@
             <a:pPr lvl="1"/>
             <a:r>
               <a:rPr lang="en-US" sz="1800" dirty="0" smtClean="0"/>
-              <a:t>Communication </a:t>
-            </a:r>
-            <a:r>
-              <a:rPr lang="en-US" sz="1800" dirty="0" smtClean="0"/>
-              <a:t>makes the agents to </a:t>
+              <a:t>Communication makes the agents </a:t>
             </a:r>
             <a:r>
               <a:rPr lang="en-US" sz="1800" dirty="0" smtClean="0">
@@ -25992,7 +25752,7 @@
                   <a:srgbClr val="FF0000"/>
                 </a:solidFill>
               </a:rPr>
-              <a:t>mutually believing </a:t>
+              <a:t>mutually believe </a:t>
             </a:r>
             <a:r>
               <a:rPr lang="en-US" sz="1800" dirty="0" smtClean="0"/>
@@ -26003,11 +25763,7 @@
             <a:pPr lvl="2"/>
             <a:r>
               <a:rPr lang="en-US" sz="1800" dirty="0" smtClean="0"/>
-              <a:t>there </a:t>
-            </a:r>
-            <a:r>
-              <a:rPr lang="en-US" sz="1800" dirty="0" smtClean="0"/>
-              <a:t>is an agent </a:t>
+              <a:t>there is an agent </a:t>
             </a:r>
             <a:r>
               <a:rPr lang="en-US" sz="1800" dirty="0" smtClean="0">
@@ -26053,17 +25809,12 @@
               <a:rPr lang="en-US" sz="1800" dirty="0" smtClean="0"/>
               <a:t>do so, </a:t>
             </a:r>
-            <a:endParaRPr lang="en-US" sz="1800" dirty="0" smtClean="0"/>
           </a:p>
           <a:p>
             <a:pPr lvl="2"/>
             <a:r>
               <a:rPr lang="en-US" sz="1800" dirty="0" smtClean="0"/>
-              <a:t>the </a:t>
-            </a:r>
-            <a:r>
-              <a:rPr lang="en-US" sz="1800" dirty="0" smtClean="0"/>
-              <a:t>actions </a:t>
+              <a:t>the actions </a:t>
             </a:r>
             <a:r>
               <a:rPr lang="en-US" sz="1800" dirty="0"/>
@@ -27238,11 +26989,7 @@
             </a:r>
             <a:r>
               <a:rPr lang="en-US" sz="2000" dirty="0" smtClean="0"/>
-              <a:t>membership value</a:t>
-            </a:r>
-            <a:r>
-              <a:rPr lang="en-US" sz="2000" dirty="0" smtClean="0"/>
-              <a:t>.</a:t>
+              <a:t>membership value.</a:t>
             </a:r>
           </a:p>
           <a:p>
@@ -27882,19 +27629,7 @@
           <a:p>
             <a:r>
               <a:rPr lang="en-US" sz="1900" dirty="0" smtClean="0"/>
-              <a:t>Uncertainty is involved in </a:t>
-            </a:r>
-            <a:r>
-              <a:rPr lang="en-US" sz="1900" dirty="0" smtClean="0"/>
-              <a:t>collaboration</a:t>
-            </a:r>
-            <a:r>
-              <a:rPr lang="en-US" sz="1900" dirty="0" smtClean="0"/>
-              <a:t>, </a:t>
-            </a:r>
-            <a:r>
-              <a:rPr lang="en-US" sz="1900" dirty="0" smtClean="0"/>
-              <a:t>Different </a:t>
+              <a:t>Uncertainty is involved in collaboration, Different </a:t>
             </a:r>
             <a:r>
               <a:rPr lang="en-US" sz="1900" dirty="0"/>
@@ -28042,11 +27777,7 @@
             </a:r>
             <a:r>
               <a:rPr lang="en-US" sz="2000" dirty="0" smtClean="0"/>
-              <a:t> </a:t>
-            </a:r>
-            <a:r>
-              <a:rPr lang="en-US" sz="2000" dirty="0" smtClean="0"/>
-              <a:t>involved </a:t>
+              <a:t> involved </a:t>
             </a:r>
             <a:r>
               <a:rPr lang="en-US" sz="2000" dirty="0"/>
@@ -28091,17 +27822,8 @@
             </a:r>
             <a:r>
               <a:rPr lang="en-US" sz="2000" dirty="0" smtClean="0"/>
-              <a:t> </a:t>
-            </a:r>
-            <a:r>
-              <a:rPr lang="en-US" sz="2000" dirty="0" smtClean="0"/>
-              <a:t>include certain amount of uncertainty independent of their </a:t>
-            </a:r>
-            <a:r>
-              <a:rPr lang="en-US" sz="2000" dirty="0" smtClean="0"/>
-              <a:t>source:</a:t>
-            </a:r>
-            <a:endParaRPr lang="en-US" sz="2000" dirty="0" smtClean="0"/>
+              <a:t> include certain amount of uncertainty independent of their source:</a:t>
+            </a:r>
           </a:p>
           <a:p>
             <a:pPr lvl="1"/>
@@ -28484,11 +28206,7 @@
             </a:r>
             <a:r>
               <a:rPr lang="en-US" sz="2000" dirty="0" smtClean="0"/>
-              <a:t> how to perform an action</a:t>
-            </a:r>
-            <a:r>
-              <a:rPr lang="en-US" sz="2000" dirty="0" smtClean="0"/>
-              <a:t>.</a:t>
+              <a:t> how to perform an action.</a:t>
             </a:r>
           </a:p>
           <a:p>
@@ -28622,7 +28340,15 @@
             </a:r>
             <a:r>
               <a:rPr lang="en-US" sz="1600" dirty="0"/>
-              <a:t> for that step using corresponding part of the </a:t>
+              <a:t> for that step using </a:t>
+            </a:r>
+            <a:r>
+              <a:rPr lang="en-US" sz="1600" dirty="0" smtClean="0"/>
+              <a:t>the corresponding </a:t>
+            </a:r>
+            <a:r>
+              <a:rPr lang="en-US" sz="1600" dirty="0"/>
+              <a:t>part of the </a:t>
             </a:r>
             <a:r>
               <a:rPr lang="en-US" sz="1600" dirty="0">
@@ -29139,11 +28865,7 @@
             </a:r>
             <a:r>
               <a:rPr lang="en-US" sz="2300" b="1" dirty="0" smtClean="0"/>
-              <a:t>Joint Intention </a:t>
-            </a:r>
-            <a:r>
-              <a:rPr lang="en-US" sz="2300" b="1" dirty="0" smtClean="0"/>
-              <a:t>Theory: </a:t>
+              <a:t>Joint Intention Theory: </a:t>
             </a:r>
             <a:r>
               <a:rPr lang="en-US" sz="2000" b="1" i="1" dirty="0" smtClean="0">
@@ -29322,11 +29044,7 @@
           <a:p>
             <a:r>
               <a:rPr lang="en-US" sz="2000" dirty="0" smtClean="0"/>
-              <a:t>Based </a:t>
-            </a:r>
-            <a:r>
-              <a:rPr lang="en-US" sz="2000" dirty="0" smtClean="0"/>
-              <a:t>on the idea of </a:t>
+              <a:t>Based on the idea of </a:t>
             </a:r>
             <a:r>
               <a:rPr lang="en-US" sz="2000" dirty="0" smtClean="0">
@@ -29350,249 +29068,244 @@
             </a:r>
             <a:r>
               <a:rPr lang="en-US" sz="2000" dirty="0" smtClean="0"/>
-              <a:t>to act as a team member</a:t>
+              <a:t>to act as a team member.</a:t>
+            </a:r>
+          </a:p>
+          <a:p>
+            <a:endParaRPr lang="en-US" sz="2000" dirty="0" smtClean="0"/>
+          </a:p>
+          <a:p>
+            <a:r>
+              <a:rPr lang="en-US" sz="2000" dirty="0" smtClean="0"/>
+              <a:t>Joint </a:t>
+            </a:r>
+            <a:r>
+              <a:rPr lang="en-US" sz="2000" dirty="0"/>
+              <a:t>Intentions theory describes how </a:t>
+            </a:r>
+            <a:r>
+              <a:rPr lang="en-US" sz="2000" dirty="0">
+                <a:solidFill>
+                  <a:srgbClr val="FF0000"/>
+                </a:solidFill>
+              </a:rPr>
+              <a:t>a team of agents </a:t>
+            </a:r>
+            <a:r>
+              <a:rPr lang="en-US" sz="2000" dirty="0"/>
+              <a:t>can jointly act together by </a:t>
+            </a:r>
+            <a:r>
+              <a:rPr lang="en-US" sz="2000" dirty="0">
+                <a:solidFill>
+                  <a:srgbClr val="FF0000"/>
+                </a:solidFill>
+              </a:rPr>
+              <a:t>sharing mental states </a:t>
+            </a:r>
+            <a:r>
+              <a:rPr lang="en-US" sz="2000" dirty="0"/>
+              <a:t>about their actions while an </a:t>
+            </a:r>
+            <a:r>
+              <a:rPr lang="en-US" sz="2000" dirty="0">
+                <a:solidFill>
+                  <a:srgbClr val="FF0000"/>
+                </a:solidFill>
+              </a:rPr>
+              <a:t>intention</a:t>
+            </a:r>
+            <a:r>
+              <a:rPr lang="en-US" sz="2000" dirty="0"/>
+              <a:t> is viewed as a </a:t>
+            </a:r>
+            <a:r>
+              <a:rPr lang="en-US" sz="2000" dirty="0">
+                <a:solidFill>
+                  <a:srgbClr val="FF0000"/>
+                </a:solidFill>
+              </a:rPr>
+              <a:t>commitment</a:t>
+            </a:r>
+            <a:r>
+              <a:rPr lang="en-US" sz="2000" dirty="0"/>
+              <a:t> to perform an action.</a:t>
+            </a:r>
+          </a:p>
+          <a:p>
+            <a:endParaRPr lang="en-US" sz="2000" dirty="0" smtClean="0"/>
+          </a:p>
+          <a:p>
+            <a:r>
+              <a:rPr lang="en-US" sz="2000" dirty="0" smtClean="0"/>
+              <a:t>A </a:t>
+            </a:r>
+            <a:r>
+              <a:rPr lang="en-US" sz="2000" dirty="0"/>
+              <a:t>joint intention is a </a:t>
+            </a:r>
+            <a:r>
+              <a:rPr lang="en-US" sz="2000" dirty="0">
+                <a:solidFill>
+                  <a:srgbClr val="FF0000"/>
+                </a:solidFill>
+              </a:rPr>
+              <a:t>shared commitment </a:t>
+            </a:r>
+            <a:r>
+              <a:rPr lang="en-US" sz="2000" dirty="0"/>
+              <a:t>to perform an </a:t>
+            </a:r>
+            <a:r>
+              <a:rPr lang="en-US" sz="2000" dirty="0" smtClean="0"/>
+              <a:t>action while </a:t>
+            </a:r>
+            <a:r>
+              <a:rPr lang="en-US" sz="2000" dirty="0"/>
+              <a:t>in a group mental </a:t>
+            </a:r>
+            <a:r>
+              <a:rPr lang="en-US" sz="2000" dirty="0" smtClean="0"/>
+              <a:t>state.</a:t>
+            </a:r>
+          </a:p>
+          <a:p>
+            <a:endParaRPr lang="en-US" sz="2000" dirty="0" smtClean="0"/>
+          </a:p>
+          <a:p>
+            <a:r>
+              <a:rPr lang="en-US" sz="2000" dirty="0" smtClean="0"/>
+              <a:t>Once </a:t>
+            </a:r>
+            <a:r>
+              <a:rPr lang="en-US" sz="2000" dirty="0"/>
+              <a:t>an agent entered into a </a:t>
+            </a:r>
+            <a:r>
+              <a:rPr lang="en-US" sz="2000" dirty="0">
+                <a:solidFill>
+                  <a:srgbClr val="FF0000"/>
+                </a:solidFill>
+              </a:rPr>
+              <a:t>joint commitment </a:t>
+            </a:r>
+            <a:r>
+              <a:rPr lang="en-US" sz="2000" dirty="0"/>
+              <a:t>with other </a:t>
+            </a:r>
+            <a:r>
+              <a:rPr lang="en-US" sz="2000" dirty="0" smtClean="0"/>
+              <a:t>agents, the </a:t>
+            </a:r>
+            <a:r>
+              <a:rPr lang="en-US" sz="2000" dirty="0"/>
+              <a:t>agent should </a:t>
+            </a:r>
+            <a:r>
+              <a:rPr lang="en-US" sz="2000" dirty="0">
+                <a:solidFill>
+                  <a:srgbClr val="FF0000"/>
+                </a:solidFill>
+              </a:rPr>
+              <a:t>communicate</a:t>
+            </a:r>
+            <a:r>
+              <a:rPr lang="en-US" sz="2000" dirty="0"/>
+              <a:t> its </a:t>
+            </a:r>
+            <a:r>
+              <a:rPr lang="en-US" sz="2000" dirty="0">
+                <a:solidFill>
+                  <a:srgbClr val="FF0000"/>
+                </a:solidFill>
+              </a:rPr>
+              <a:t>private beliefs </a:t>
+            </a:r>
+            <a:r>
+              <a:rPr lang="en-US" sz="2000" dirty="0"/>
+              <a:t>with other team </a:t>
+            </a:r>
+            <a:r>
+              <a:rPr lang="en-US" sz="2000" dirty="0" smtClean="0"/>
+              <a:t>members.</a:t>
+            </a:r>
+          </a:p>
+          <a:p>
+            <a:endParaRPr lang="en-US" sz="2000" dirty="0" smtClean="0"/>
+          </a:p>
+          <a:p>
+            <a:r>
+              <a:rPr lang="en-US" sz="2000" dirty="0" smtClean="0"/>
+              <a:t>Team </a:t>
+            </a:r>
+            <a:r>
+              <a:rPr lang="en-US" sz="2000" dirty="0"/>
+              <a:t>members </a:t>
+            </a:r>
+            <a:r>
+              <a:rPr lang="en-US" sz="2000" dirty="0" smtClean="0"/>
+              <a:t>are </a:t>
+            </a:r>
+            <a:r>
+              <a:rPr lang="en-US" sz="2000" dirty="0" smtClean="0">
+                <a:solidFill>
+                  <a:srgbClr val="FF0000"/>
+                </a:solidFill>
+              </a:rPr>
+              <a:t>committed</a:t>
+            </a:r>
+            <a:r>
+              <a:rPr lang="en-US" sz="2000" dirty="0" smtClean="0"/>
+              <a:t> </a:t>
+            </a:r>
+            <a:r>
+              <a:rPr lang="en-US" sz="2000" dirty="0"/>
+              <a:t>to inform other team members when they reach the </a:t>
+            </a:r>
+            <a:r>
+              <a:rPr lang="en-US" sz="2000" dirty="0">
+                <a:solidFill>
+                  <a:srgbClr val="FF0000"/>
+                </a:solidFill>
+              </a:rPr>
+              <a:t>conclusion</a:t>
+            </a:r>
+            <a:r>
+              <a:rPr lang="en-US" sz="2000" dirty="0"/>
+              <a:t> that </a:t>
+            </a:r>
+            <a:r>
+              <a:rPr lang="en-US" sz="2000" dirty="0" smtClean="0"/>
+              <a:t>a goal </a:t>
+            </a:r>
+            <a:r>
+              <a:rPr lang="en-US" sz="2000" dirty="0"/>
+              <a:t>is </a:t>
+            </a:r>
+            <a:r>
+              <a:rPr lang="en-US" sz="2000" i="1" dirty="0"/>
+              <a:t>achievable</a:t>
+            </a:r>
+            <a:r>
+              <a:rPr lang="en-US" sz="2000" dirty="0"/>
+              <a:t>, </a:t>
+            </a:r>
+            <a:r>
+              <a:rPr lang="en-US" sz="2000" i="1" dirty="0"/>
+              <a:t>impossible</a:t>
+            </a:r>
+            <a:r>
+              <a:rPr lang="en-US" sz="2000" dirty="0"/>
+              <a:t>, or </a:t>
+            </a:r>
+            <a:r>
+              <a:rPr lang="en-US" sz="2000" i="1" dirty="0"/>
+              <a:t>irrelevant</a:t>
             </a:r>
             <a:r>
               <a:rPr lang="en-US" sz="2000" dirty="0" smtClean="0"/>
               <a:t>.</a:t>
             </a:r>
-          </a:p>
-          <a:p>
-            <a:endParaRPr lang="en-US" sz="2000" dirty="0" smtClean="0"/>
-          </a:p>
-          <a:p>
-            <a:r>
-              <a:rPr lang="en-US" sz="2000" dirty="0" smtClean="0"/>
-              <a:t>Joint </a:t>
-            </a:r>
-            <a:r>
-              <a:rPr lang="en-US" sz="2000" dirty="0"/>
-              <a:t>Intentions theory describes how </a:t>
-            </a:r>
-            <a:r>
-              <a:rPr lang="en-US" sz="2000" dirty="0">
-                <a:solidFill>
-                  <a:srgbClr val="FF0000"/>
-                </a:solidFill>
-              </a:rPr>
-              <a:t>a team of agents </a:t>
-            </a:r>
-            <a:r>
-              <a:rPr lang="en-US" sz="2000" dirty="0"/>
-              <a:t>can jointly act together by </a:t>
-            </a:r>
-            <a:r>
-              <a:rPr lang="en-US" sz="2000" dirty="0">
-                <a:solidFill>
-                  <a:srgbClr val="FF0000"/>
-                </a:solidFill>
-              </a:rPr>
-              <a:t>sharing mental states </a:t>
-            </a:r>
-            <a:r>
-              <a:rPr lang="en-US" sz="2000" dirty="0"/>
-              <a:t>about their actions while an </a:t>
-            </a:r>
-            <a:r>
-              <a:rPr lang="en-US" sz="2000" dirty="0">
-                <a:solidFill>
-                  <a:srgbClr val="FF0000"/>
-                </a:solidFill>
-              </a:rPr>
-              <a:t>intention</a:t>
-            </a:r>
-            <a:r>
-              <a:rPr lang="en-US" sz="2000" dirty="0"/>
-              <a:t> is viewed as a </a:t>
-            </a:r>
-            <a:r>
-              <a:rPr lang="en-US" sz="2000" dirty="0">
-                <a:solidFill>
-                  <a:srgbClr val="FF0000"/>
-                </a:solidFill>
-              </a:rPr>
-              <a:t>commitment</a:t>
-            </a:r>
-            <a:r>
-              <a:rPr lang="en-US" sz="2000" dirty="0"/>
-              <a:t> to perform an action.</a:t>
-            </a:r>
-          </a:p>
-          <a:p>
-            <a:endParaRPr lang="en-US" sz="2000" dirty="0" smtClean="0"/>
-          </a:p>
-          <a:p>
-            <a:r>
-              <a:rPr lang="en-US" sz="2000" dirty="0" smtClean="0"/>
-              <a:t>A </a:t>
-            </a:r>
-            <a:r>
-              <a:rPr lang="en-US" sz="2000" dirty="0"/>
-              <a:t>joint intention is a </a:t>
-            </a:r>
-            <a:r>
-              <a:rPr lang="en-US" sz="2000" dirty="0">
-                <a:solidFill>
-                  <a:srgbClr val="FF0000"/>
-                </a:solidFill>
-              </a:rPr>
-              <a:t>shared commitment </a:t>
-            </a:r>
-            <a:r>
-              <a:rPr lang="en-US" sz="2000" dirty="0"/>
-              <a:t>to perform an </a:t>
-            </a:r>
-            <a:r>
-              <a:rPr lang="en-US" sz="2000" dirty="0" smtClean="0"/>
-              <a:t>action while </a:t>
-            </a:r>
-            <a:r>
-              <a:rPr lang="en-US" sz="2000" dirty="0"/>
-              <a:t>in a group mental </a:t>
-            </a:r>
-            <a:r>
-              <a:rPr lang="en-US" sz="2000" dirty="0" smtClean="0"/>
-              <a:t>state.</a:t>
-            </a:r>
-          </a:p>
-          <a:p>
-            <a:endParaRPr lang="en-US" sz="2000" dirty="0" smtClean="0"/>
-          </a:p>
-          <a:p>
-            <a:r>
-              <a:rPr lang="en-US" sz="2000" dirty="0" smtClean="0"/>
-              <a:t>Once </a:t>
-            </a:r>
-            <a:r>
-              <a:rPr lang="en-US" sz="2000" dirty="0"/>
-              <a:t>an agent entered into a </a:t>
-            </a:r>
-            <a:r>
-              <a:rPr lang="en-US" sz="2000" dirty="0">
-                <a:solidFill>
-                  <a:srgbClr val="FF0000"/>
-                </a:solidFill>
-              </a:rPr>
-              <a:t>joint commitment </a:t>
-            </a:r>
-            <a:r>
-              <a:rPr lang="en-US" sz="2000" dirty="0"/>
-              <a:t>with other </a:t>
-            </a:r>
-            <a:r>
-              <a:rPr lang="en-US" sz="2000" dirty="0" smtClean="0"/>
-              <a:t>agents, the </a:t>
-            </a:r>
-            <a:r>
-              <a:rPr lang="en-US" sz="2000" dirty="0"/>
-              <a:t>agent should </a:t>
-            </a:r>
-            <a:r>
-              <a:rPr lang="en-US" sz="2000" dirty="0">
-                <a:solidFill>
-                  <a:srgbClr val="FF0000"/>
-                </a:solidFill>
-              </a:rPr>
-              <a:t>communicate</a:t>
-            </a:r>
-            <a:r>
-              <a:rPr lang="en-US" sz="2000" dirty="0"/>
-              <a:t> its </a:t>
-            </a:r>
-            <a:r>
-              <a:rPr lang="en-US" sz="2000" dirty="0">
-                <a:solidFill>
-                  <a:srgbClr val="FF0000"/>
-                </a:solidFill>
-              </a:rPr>
-              <a:t>private beliefs </a:t>
-            </a:r>
-            <a:r>
-              <a:rPr lang="en-US" sz="2000" dirty="0"/>
-              <a:t>with other team </a:t>
-            </a:r>
-            <a:r>
-              <a:rPr lang="en-US" sz="2000" dirty="0" smtClean="0"/>
-              <a:t>members.</a:t>
-            </a:r>
-          </a:p>
-          <a:p>
-            <a:endParaRPr lang="en-US" sz="2000" dirty="0" smtClean="0"/>
-          </a:p>
-          <a:p>
-            <a:r>
-              <a:rPr lang="en-US" sz="2000" dirty="0" smtClean="0"/>
-              <a:t>Team </a:t>
-            </a:r>
-            <a:r>
-              <a:rPr lang="en-US" sz="2000" dirty="0"/>
-              <a:t>members </a:t>
-            </a:r>
-            <a:r>
-              <a:rPr lang="en-US" sz="2000" dirty="0" smtClean="0"/>
-              <a:t>are </a:t>
-            </a:r>
-            <a:r>
-              <a:rPr lang="en-US" sz="2000" dirty="0" smtClean="0">
-                <a:solidFill>
-                  <a:srgbClr val="FF0000"/>
-                </a:solidFill>
-              </a:rPr>
-              <a:t>committed</a:t>
-            </a:r>
-            <a:r>
-              <a:rPr lang="en-US" sz="2000" dirty="0" smtClean="0"/>
-              <a:t> </a:t>
-            </a:r>
-            <a:r>
-              <a:rPr lang="en-US" sz="2000" dirty="0"/>
-              <a:t>to inform other team members when they reach the </a:t>
-            </a:r>
-            <a:r>
-              <a:rPr lang="en-US" sz="2000" dirty="0">
-                <a:solidFill>
-                  <a:srgbClr val="FF0000"/>
-                </a:solidFill>
-              </a:rPr>
-              <a:t>conclusion</a:t>
-            </a:r>
-            <a:r>
-              <a:rPr lang="en-US" sz="2000" dirty="0"/>
-              <a:t> that </a:t>
-            </a:r>
-            <a:r>
-              <a:rPr lang="en-US" sz="2000" dirty="0" smtClean="0"/>
-              <a:t>a goal </a:t>
-            </a:r>
-            <a:r>
-              <a:rPr lang="en-US" sz="2000" dirty="0"/>
-              <a:t>is </a:t>
-            </a:r>
-            <a:r>
-              <a:rPr lang="en-US" sz="2000" i="1" dirty="0"/>
-              <a:t>achievable</a:t>
-            </a:r>
-            <a:r>
-              <a:rPr lang="en-US" sz="2000" dirty="0"/>
-              <a:t>, </a:t>
-            </a:r>
-            <a:r>
-              <a:rPr lang="en-US" sz="2000" i="1" dirty="0"/>
-              <a:t>impossible</a:t>
-            </a:r>
-            <a:r>
-              <a:rPr lang="en-US" sz="2000" dirty="0"/>
-              <a:t>, or </a:t>
-            </a:r>
-            <a:r>
-              <a:rPr lang="en-US" sz="2000" i="1" dirty="0"/>
-              <a:t>irrelevant</a:t>
-            </a:r>
-            <a:r>
-              <a:rPr lang="en-US" sz="2000" dirty="0" smtClean="0"/>
-              <a:t>.</a:t>
-            </a:r>
-            <a:endParaRPr lang="en-US" sz="2000" dirty="0" smtClean="0"/>
           </a:p>
         </p:txBody>
       </p:sp>
@@ -30154,11 +29867,7 @@
           <a:p>
             <a:r>
               <a:rPr lang="en-US" sz="1800" b="1" dirty="0" smtClean="0"/>
-              <a:t>Joint </a:t>
-            </a:r>
-            <a:r>
-              <a:rPr lang="en-US" sz="1800" b="1" dirty="0" smtClean="0"/>
-              <a:t>commitment </a:t>
+              <a:t>Joint commitment </a:t>
             </a:r>
             <a:r>
               <a:rPr lang="en-US" sz="1800" dirty="0" smtClean="0"/>
@@ -30308,11 +30017,7 @@
           <a:p>
             <a:r>
               <a:rPr lang="en-US" sz="1800" dirty="0" smtClean="0"/>
-              <a:t>JPG </a:t>
-            </a:r>
-            <a:r>
-              <a:rPr lang="en-US" sz="1800" dirty="0" smtClean="0"/>
-              <a:t>requires </a:t>
+              <a:t>JPG requires </a:t>
             </a:r>
             <a:r>
               <a:rPr lang="en-US" sz="1800" dirty="0"/>
@@ -30835,13 +30540,8 @@
             </a:r>
             <a:r>
               <a:rPr lang="en-US" sz="1800" dirty="0" smtClean="0"/>
-              <a:t>teamwork (formalizes commitment</a:t>
-            </a:r>
-            <a:r>
-              <a:rPr lang="en-US" sz="1800" dirty="0" smtClean="0"/>
-              <a:t>):</a:t>
-            </a:r>
-            <a:endParaRPr lang="en-US" sz="1800" dirty="0" smtClean="0"/>
+              <a:t>teamwork (formalizes commitment):</a:t>
+            </a:r>
           </a:p>
           <a:p>
             <a:pPr lvl="1"/>
@@ -30940,11 +30640,7 @@
             </a:r>
             <a:r>
               <a:rPr lang="en-US" sz="1800" dirty="0" smtClean="0"/>
-              <a:t>to build team members’ mental states</a:t>
-            </a:r>
-            <a:r>
-              <a:rPr lang="en-US" sz="1800" dirty="0" smtClean="0"/>
-              <a:t>.</a:t>
+              <a:t>to build team members’ mental states.</a:t>
             </a:r>
           </a:p>
           <a:p>
@@ -30976,13 +30672,8 @@
             </a:r>
             <a:r>
               <a:rPr lang="en-US" sz="1800" dirty="0" smtClean="0"/>
-              <a:t>theory (formulates team’s attitude</a:t>
-            </a:r>
-            <a:r>
-              <a:rPr lang="en-US" sz="1800" dirty="0" smtClean="0"/>
-              <a:t>):</a:t>
-            </a:r>
-            <a:endParaRPr lang="en-US" sz="1800" dirty="0" smtClean="0"/>
+              <a:t>theory (formulates team’s attitude):</a:t>
+            </a:r>
           </a:p>
           <a:p>
             <a:pPr lvl="1"/>
@@ -31082,19 +30773,7 @@
             <a:pPr lvl="1"/>
             <a:r>
               <a:rPr lang="en-US" sz="1800" dirty="0" smtClean="0"/>
-              <a:t>Has </a:t>
-            </a:r>
-            <a:r>
-              <a:rPr lang="en-US" sz="1800" dirty="0" smtClean="0"/>
-              <a:t>team </a:t>
-            </a:r>
-            <a:r>
-              <a:rPr lang="en-US" sz="1800" dirty="0" smtClean="0"/>
-              <a:t>(expressing joint </a:t>
-            </a:r>
-            <a:r>
-              <a:rPr lang="en-US" sz="1800" dirty="0" smtClean="0"/>
-              <a:t>activities) vs. individual (individual’s </a:t>
+              <a:t>Has team (expressing joint activities) vs. individual (individual’s </a:t>
             </a:r>
             <a:r>
               <a:rPr lang="en-US" sz="1800" dirty="0"/>
@@ -31129,15 +30808,7 @@
                   <a:srgbClr val="FF0000"/>
                 </a:solidFill>
               </a:rPr>
-              <a:t>Team </a:t>
-            </a:r>
-            <a:r>
-              <a:rPr lang="en-US" sz="1800" dirty="0" smtClean="0">
-                <a:solidFill>
-                  <a:srgbClr val="FF0000"/>
-                </a:solidFill>
-              </a:rPr>
-              <a:t>synchronization </a:t>
+              <a:t>Team synchronization </a:t>
             </a:r>
             <a:r>
               <a:rPr lang="en-US" sz="1800" dirty="0" smtClean="0"/>
@@ -31148,11 +30819,7 @@
             <a:pPr lvl="1"/>
             <a:r>
               <a:rPr lang="en-US" sz="1800" dirty="0" smtClean="0"/>
-              <a:t> Constructs </a:t>
-            </a:r>
-            <a:r>
-              <a:rPr lang="en-US" sz="1800" dirty="0" smtClean="0"/>
-              <a:t>to </a:t>
+              <a:t> Constructs to </a:t>
             </a:r>
             <a:r>
               <a:rPr lang="en-US" sz="1800" dirty="0" smtClean="0">
@@ -31183,11 +30850,7 @@
             </a:r>
             <a:r>
               <a:rPr lang="en-US" sz="1800" dirty="0" smtClean="0"/>
-              <a:t> (based on joint intention) overhead </a:t>
-            </a:r>
-            <a:r>
-              <a:rPr lang="en-US" sz="1800" dirty="0" smtClean="0"/>
-              <a:t>and risks.</a:t>
+              <a:t> (based on joint intention) overhead and risks.</a:t>
             </a:r>
           </a:p>
           <a:p>
@@ -31416,13 +31079,8 @@
             </a:r>
             <a:r>
               <a:rPr lang="en-US" sz="2000" dirty="0" smtClean="0"/>
-              <a:t>as a </a:t>
-            </a:r>
-            <a:r>
-              <a:rPr lang="en-US" sz="2000" dirty="0" smtClean="0"/>
-              <a:t>team.</a:t>
-            </a:r>
-            <a:endParaRPr lang="en-US" sz="2000" dirty="0" smtClean="0"/>
+              <a:t>as a team.</a:t>
+            </a:r>
           </a:p>
           <a:p>
             <a:pPr marL="457200" indent="-457200">
@@ -31443,13 +31101,8 @@
             </a:r>
             <a:r>
               <a:rPr lang="en-US" sz="2000" dirty="0" smtClean="0"/>
-              <a:t>and Bratman’s view of </a:t>
-            </a:r>
-            <a:r>
-              <a:rPr lang="en-US" sz="2000" dirty="0" smtClean="0"/>
-              <a:t>intention.</a:t>
-            </a:r>
-            <a:endParaRPr lang="en-US" sz="2000" dirty="0" smtClean="0"/>
+              <a:t>and Bratman’s view of intention.</a:t>
+            </a:r>
           </a:p>
           <a:p>
             <a:pPr marL="457200" indent="-457200">
@@ -31470,13 +31123,8 @@
             </a:r>
             <a:r>
               <a:rPr lang="en-US" sz="2000" dirty="0" smtClean="0"/>
-              <a:t>individual actions (agents need to share beliefs</a:t>
-            </a:r>
-            <a:r>
-              <a:rPr lang="en-US" sz="2000" dirty="0" smtClean="0"/>
-              <a:t>).</a:t>
-            </a:r>
-            <a:endParaRPr lang="en-US" sz="2000" dirty="0" smtClean="0"/>
+              <a:t>individual actions (agents need to share beliefs).</a:t>
+            </a:r>
           </a:p>
           <a:p>
             <a:pPr marL="457200" indent="-457200">
@@ -31577,9 +31225,21 @@
             </a:r>
             <a:r>
               <a:rPr lang="en-US" sz="2400" b="1" dirty="0" smtClean="0"/>
-              <a:t>Similarities</a:t>
-            </a:r>
-            <a:endParaRPr lang="en-US" sz="2200" b="1" i="1" dirty="0"/>
+              <a:t>Similarities: </a:t>
+            </a:r>
+            <a:r>
+              <a:rPr lang="en-US" sz="2000" b="1" i="1" dirty="0" smtClean="0">
+                <a:solidFill>
+                  <a:srgbClr val="002060"/>
+                </a:solidFill>
+              </a:rPr>
+              <a:t>SharedPlans &amp; Joint Intentions</a:t>
+            </a:r>
+            <a:endParaRPr lang="en-US" sz="2000" b="1" i="1" dirty="0">
+              <a:solidFill>
+                <a:srgbClr val="002060"/>
+              </a:solidFill>
+            </a:endParaRPr>
           </a:p>
         </p:txBody>
       </p:sp>
